--- a/World Happiness.pptx
+++ b/World Happiness.pptx
@@ -5,37 +5,45 @@
     <p:sldMasterId id="2147483648" r:id="rId5"/>
   </p:sldMasterIdLst>
   <p:notesMasterIdLst>
-    <p:notesMasterId r:id="rId26"/>
+    <p:notesMasterId r:id="rId34"/>
   </p:notesMasterIdLst>
   <p:handoutMasterIdLst>
-    <p:handoutMasterId r:id="rId27"/>
+    <p:handoutMasterId r:id="rId35"/>
   </p:handoutMasterIdLst>
   <p:sldIdLst>
     <p:sldId id="256" r:id="rId6"/>
-    <p:sldId id="257" r:id="rId7"/>
-    <p:sldId id="272" r:id="rId8"/>
-    <p:sldId id="258" r:id="rId9"/>
-    <p:sldId id="259" r:id="rId10"/>
-    <p:sldId id="262" r:id="rId11"/>
-    <p:sldId id="275" r:id="rId12"/>
-    <p:sldId id="261" r:id="rId13"/>
-    <p:sldId id="260" r:id="rId14"/>
-    <p:sldId id="263" r:id="rId15"/>
-    <p:sldId id="264" r:id="rId16"/>
-    <p:sldId id="273" r:id="rId17"/>
-    <p:sldId id="274" r:id="rId18"/>
-    <p:sldId id="265" r:id="rId19"/>
-    <p:sldId id="266" r:id="rId20"/>
-    <p:sldId id="267" r:id="rId21"/>
-    <p:sldId id="268" r:id="rId22"/>
-    <p:sldId id="269" r:id="rId23"/>
-    <p:sldId id="270" r:id="rId24"/>
-    <p:sldId id="271" r:id="rId25"/>
+    <p:sldId id="286" r:id="rId7"/>
+    <p:sldId id="287" r:id="rId8"/>
+    <p:sldId id="281" r:id="rId9"/>
+    <p:sldId id="277" r:id="rId10"/>
+    <p:sldId id="278" r:id="rId11"/>
+    <p:sldId id="279" r:id="rId12"/>
+    <p:sldId id="282" r:id="rId13"/>
+    <p:sldId id="283" r:id="rId14"/>
+    <p:sldId id="285" r:id="rId15"/>
+    <p:sldId id="280" r:id="rId16"/>
+    <p:sldId id="284" r:id="rId17"/>
+    <p:sldId id="259" r:id="rId18"/>
+    <p:sldId id="262" r:id="rId19"/>
+    <p:sldId id="275" r:id="rId20"/>
+    <p:sldId id="261" r:id="rId21"/>
+    <p:sldId id="260" r:id="rId22"/>
+    <p:sldId id="263" r:id="rId23"/>
+    <p:sldId id="264" r:id="rId24"/>
+    <p:sldId id="273" r:id="rId25"/>
+    <p:sldId id="274" r:id="rId26"/>
+    <p:sldId id="265" r:id="rId27"/>
+    <p:sldId id="266" r:id="rId28"/>
+    <p:sldId id="267" r:id="rId29"/>
+    <p:sldId id="268" r:id="rId30"/>
+    <p:sldId id="269" r:id="rId31"/>
+    <p:sldId id="270" r:id="rId32"/>
+    <p:sldId id="271" r:id="rId33"/>
   </p:sldIdLst>
   <p:sldSz cx="9144000" cy="5143500" type="screen16x9"/>
   <p:notesSz cx="6797675" cy="9926638"/>
   <p:custDataLst>
-    <p:tags r:id="rId28"/>
+    <p:tags r:id="rId36"/>
   </p:custDataLst>
   <p:defaultTextStyle>
     <a:defPPr>
@@ -1980,7 +1988,7 @@
           <a:graphicData uri="http://schemas.openxmlformats.org/presentationml/2006/ole">
             <mc:AlternateContent xmlns:mc="http://schemas.openxmlformats.org/markup-compatibility/2006">
               <mc:Choice xmlns:v="urn:schemas-microsoft-com:vml" Requires="v">
-                <p:oleObj spid="_x0000_s3104" name="think-cell Slide" r:id="rId4" imgW="353" imgH="353" progId="TCLayout.ActiveDocument.1">
+                <p:oleObj spid="_x0000_s3179" name="think-cell Slide" r:id="rId4" imgW="353" imgH="353" progId="TCLayout.ActiveDocument.1">
                   <p:embed/>
                 </p:oleObj>
               </mc:Choice>
@@ -5506,6 +5514,36 @@
           </a:p>
         </p:txBody>
       </p:sp>
+      <p:pic>
+        <p:nvPicPr>
+          <p:cNvPr id="16" name="Content Placeholder 5"/>
+          <p:cNvPicPr>
+            <a:picLocks noChangeAspect="1"/>
+          </p:cNvPicPr>
+          <p:nvPr userDrawn="1"/>
+        </p:nvPicPr>
+        <p:blipFill>
+          <a:blip r:embed="rId2">
+            <a:extLst>
+              <a:ext uri="{28A0092B-C50C-407E-A947-70E740481C1C}">
+                <a14:useLocalDpi xmlns:a14="http://schemas.microsoft.com/office/drawing/2010/main" val="0"/>
+              </a:ext>
+            </a:extLst>
+          </a:blip>
+          <a:stretch>
+            <a:fillRect/>
+          </a:stretch>
+        </p:blipFill>
+        <p:spPr bwMode="gray">
+          <a:xfrm>
+            <a:off x="6867813" y="180509"/>
+            <a:ext cx="1056987" cy="588472"/>
+          </a:xfrm>
+          <a:prstGeom prst="rect">
+            <a:avLst/>
+          </a:prstGeom>
+        </p:spPr>
+      </p:pic>
     </p:spTree>
     <p:extLst>
       <p:ext uri="{BB962C8B-B14F-4D97-AF65-F5344CB8AC3E}">
@@ -8724,6 +8762,36 @@
           </a:p>
         </p:txBody>
       </p:sp>
+      <p:pic>
+        <p:nvPicPr>
+          <p:cNvPr id="30" name="Content Placeholder 5"/>
+          <p:cNvPicPr>
+            <a:picLocks noChangeAspect="1"/>
+          </p:cNvPicPr>
+          <p:nvPr userDrawn="1"/>
+        </p:nvPicPr>
+        <p:blipFill>
+          <a:blip r:embed="rId2">
+            <a:extLst>
+              <a:ext uri="{28A0092B-C50C-407E-A947-70E740481C1C}">
+                <a14:useLocalDpi xmlns:a14="http://schemas.microsoft.com/office/drawing/2010/main" val="0"/>
+              </a:ext>
+            </a:extLst>
+          </a:blip>
+          <a:stretch>
+            <a:fillRect/>
+          </a:stretch>
+        </p:blipFill>
+        <p:spPr bwMode="gray">
+          <a:xfrm>
+            <a:off x="6867813" y="180509"/>
+            <a:ext cx="1056987" cy="588472"/>
+          </a:xfrm>
+          <a:prstGeom prst="rect">
+            <a:avLst/>
+          </a:prstGeom>
+        </p:spPr>
+      </p:pic>
     </p:spTree>
     <p:extLst>
       <p:ext uri="{BB962C8B-B14F-4D97-AF65-F5344CB8AC3E}">
@@ -10252,6 +10320,36 @@
           </a:p>
         </p:txBody>
       </p:sp>
+      <p:pic>
+        <p:nvPicPr>
+          <p:cNvPr id="4" name="Content Placeholder 5"/>
+          <p:cNvPicPr>
+            <a:picLocks noChangeAspect="1"/>
+          </p:cNvPicPr>
+          <p:nvPr userDrawn="1"/>
+        </p:nvPicPr>
+        <p:blipFill>
+          <a:blip r:embed="rId2">
+            <a:extLst>
+              <a:ext uri="{28A0092B-C50C-407E-A947-70E740481C1C}">
+                <a14:useLocalDpi xmlns:a14="http://schemas.microsoft.com/office/drawing/2010/main" val="0"/>
+              </a:ext>
+            </a:extLst>
+          </a:blip>
+          <a:stretch>
+            <a:fillRect/>
+          </a:stretch>
+        </p:blipFill>
+        <p:spPr bwMode="gray">
+          <a:xfrm>
+            <a:off x="6867813" y="180509"/>
+            <a:ext cx="1056987" cy="588472"/>
+          </a:xfrm>
+          <a:prstGeom prst="rect">
+            <a:avLst/>
+          </a:prstGeom>
+        </p:spPr>
+      </p:pic>
     </p:spTree>
     <p:extLst>
       <p:ext uri="{BB962C8B-B14F-4D97-AF65-F5344CB8AC3E}">
@@ -11150,6 +11248,36 @@
           </a:p>
         </p:txBody>
       </p:sp>
+      <p:pic>
+        <p:nvPicPr>
+          <p:cNvPr id="6" name="Content Placeholder 5"/>
+          <p:cNvPicPr>
+            <a:picLocks noChangeAspect="1"/>
+          </p:cNvPicPr>
+          <p:nvPr userDrawn="1"/>
+        </p:nvPicPr>
+        <p:blipFill>
+          <a:blip r:embed="rId2">
+            <a:extLst>
+              <a:ext uri="{28A0092B-C50C-407E-A947-70E740481C1C}">
+                <a14:useLocalDpi xmlns:a14="http://schemas.microsoft.com/office/drawing/2010/main" val="0"/>
+              </a:ext>
+            </a:extLst>
+          </a:blip>
+          <a:stretch>
+            <a:fillRect/>
+          </a:stretch>
+        </p:blipFill>
+        <p:spPr bwMode="gray">
+          <a:xfrm>
+            <a:off x="6867813" y="180509"/>
+            <a:ext cx="1056987" cy="588472"/>
+          </a:xfrm>
+          <a:prstGeom prst="rect">
+            <a:avLst/>
+          </a:prstGeom>
+        </p:spPr>
+      </p:pic>
     </p:spTree>
     <p:extLst>
       <p:ext uri="{BB962C8B-B14F-4D97-AF65-F5344CB8AC3E}">
@@ -11205,7 +11333,7 @@
           <a:graphicData uri="http://schemas.openxmlformats.org/presentationml/2006/ole">
             <mc:AlternateContent xmlns:mc="http://schemas.openxmlformats.org/markup-compatibility/2006">
               <mc:Choice xmlns:v="urn:schemas-microsoft-com:vml" Requires="v">
-                <p:oleObj spid="_x0000_s2082" name="think-cell Slide" r:id="rId4" imgW="353" imgH="353" progId="TCLayout.ActiveDocument.1">
+                <p:oleObj spid="_x0000_s2157" name="think-cell Slide" r:id="rId4" imgW="353" imgH="353" progId="TCLayout.ActiveDocument.1">
                   <p:embed/>
                 </p:oleObj>
               </mc:Choice>
@@ -11704,6 +11832,36 @@
           </a:p>
         </p:txBody>
       </p:sp>
+      <p:pic>
+        <p:nvPicPr>
+          <p:cNvPr id="7" name="Content Placeholder 5"/>
+          <p:cNvPicPr>
+            <a:picLocks noChangeAspect="1"/>
+          </p:cNvPicPr>
+          <p:nvPr userDrawn="1"/>
+        </p:nvPicPr>
+        <p:blipFill>
+          <a:blip r:embed="rId6">
+            <a:extLst>
+              <a:ext uri="{28A0092B-C50C-407E-A947-70E740481C1C}">
+                <a14:useLocalDpi xmlns:a14="http://schemas.microsoft.com/office/drawing/2010/main" val="0"/>
+              </a:ext>
+            </a:extLst>
+          </a:blip>
+          <a:stretch>
+            <a:fillRect/>
+          </a:stretch>
+        </p:blipFill>
+        <p:spPr bwMode="gray">
+          <a:xfrm>
+            <a:off x="6867813" y="180509"/>
+            <a:ext cx="1056987" cy="588472"/>
+          </a:xfrm>
+          <a:prstGeom prst="rect">
+            <a:avLst/>
+          </a:prstGeom>
+        </p:spPr>
+      </p:pic>
     </p:spTree>
     <p:extLst>
       <p:ext uri="{BB962C8B-B14F-4D97-AF65-F5344CB8AC3E}">
@@ -12314,7 +12472,7 @@
           <a:graphicData uri="http://schemas.openxmlformats.org/presentationml/2006/ole">
             <mc:AlternateContent xmlns:mc="http://schemas.openxmlformats.org/markup-compatibility/2006">
               <mc:Choice xmlns:v="urn:schemas-microsoft-com:vml" Requires="v">
-                <p:oleObj spid="_x0000_s1058" name="think-cell Slide" r:id="rId25" imgW="353" imgH="353" progId="TCLayout.ActiveDocument.1">
+                <p:oleObj spid="_x0000_s1133" name="think-cell Slide" r:id="rId25" imgW="353" imgH="353" progId="TCLayout.ActiveDocument.1">
                   <p:embed/>
                 </p:oleObj>
               </mc:Choice>
@@ -15406,8 +15564,8 @@
           <a:lstStyle/>
           <a:p>
             <a:r>
-              <a:rPr lang="en-US" dirty="0" err="1" smtClean="0"/>
-              <a:t>Increasein</a:t>
+              <a:rPr lang="en-US" dirty="0" smtClean="0"/>
+              <a:t>Raising Your Country’s Happiness</a:t>
             </a:r>
             <a:endParaRPr lang="en-US" dirty="0"/>
           </a:p>
@@ -15428,6 +15586,10 @@
           <a:bodyPr/>
           <a:lstStyle/>
           <a:p>
+            <a:r>
+              <a:rPr lang="en-US" dirty="0" smtClean="0"/>
+              <a:t>An app that facilitates fundamental policy decisions</a:t>
+            </a:r>
             <a:endParaRPr lang="en-US" dirty="0"/>
           </a:p>
         </p:txBody>
@@ -15483,12 +15645,12 @@
       </p:grpSpPr>
       <p:sp>
         <p:nvSpPr>
-          <p:cNvPr id="2" name="Title 1"/>
+          <p:cNvPr id="2" name="Text Placeholder 1"/>
           <p:cNvSpPr>
             <a:spLocks noGrp="1"/>
           </p:cNvSpPr>
           <p:nvPr>
-            <p:ph type="title"/>
+            <p:ph type="body" sz="quarter" idx="10"/>
           </p:nvPr>
         </p:nvSpPr>
         <p:spPr/>
@@ -15496,6 +15658,10 @@
           <a:bodyPr/>
           <a:lstStyle/>
           <a:p>
+            <a:r>
+              <a:rPr lang="en-US" dirty="0" smtClean="0"/>
+              <a:t>Relative success on improved sanitation facilities and on cellular subscriptions</a:t>
+            </a:r>
             <a:endParaRPr lang="en-US" dirty="0"/>
           </a:p>
         </p:txBody>
@@ -15515,18 +15681,18 @@
           <a:bodyPr/>
           <a:lstStyle/>
           <a:p>
-            <a:endParaRPr lang="en-US" dirty="0"/>
-          </a:p>
-        </p:txBody>
-      </p:sp>
-      <p:sp>
-        <p:nvSpPr>
-          <p:cNvPr id="4" name="Text Placeholder 3"/>
+            <a:endParaRPr lang="en-US"/>
+          </a:p>
+        </p:txBody>
+      </p:sp>
+      <p:sp>
+        <p:nvSpPr>
+          <p:cNvPr id="4" name="Title 3"/>
           <p:cNvSpPr>
             <a:spLocks noGrp="1"/>
           </p:cNvSpPr>
           <p:nvPr>
-            <p:ph type="body" sz="quarter" idx="12"/>
+            <p:ph type="title"/>
           </p:nvPr>
         </p:nvSpPr>
         <p:spPr/>
@@ -15534,65 +15700,158 @@
           <a:bodyPr/>
           <a:lstStyle/>
           <a:p>
+            <a:r>
+              <a:rPr lang="en-US" dirty="0"/>
+              <a:t>Where do we stand on those indicators compared to other countries in the </a:t>
+            </a:r>
+            <a:r>
+              <a:rPr lang="en-US" dirty="0" smtClean="0"/>
+              <a:t>world/region? (cont’d)</a:t>
+            </a:r>
             <a:endParaRPr lang="en-US" dirty="0"/>
           </a:p>
         </p:txBody>
       </p:sp>
       <p:sp>
         <p:nvSpPr>
-          <p:cNvPr id="5" name="Content Placeholder 4"/>
-          <p:cNvSpPr>
-            <a:spLocks noGrp="1"/>
-          </p:cNvSpPr>
-          <p:nvPr>
-            <p:ph sz="quarter" idx="13"/>
-          </p:nvPr>
-        </p:nvSpPr>
-        <p:spPr/>
-        <p:txBody>
-          <a:bodyPr/>
+          <p:cNvPr id="6" name="TextBox 5"/>
+          <p:cNvSpPr txBox="1"/>
+          <p:nvPr/>
+        </p:nvSpPr>
+        <p:spPr bwMode="gray">
+          <a:xfrm>
+            <a:off x="323410" y="1428750"/>
+            <a:ext cx="3410390" cy="184666"/>
+          </a:xfrm>
+          <a:prstGeom prst="rect">
+            <a:avLst/>
+          </a:prstGeom>
+          <a:noFill/>
+        </p:spPr>
+        <p:txBody>
+          <a:bodyPr wrap="square" lIns="0" tIns="0" rIns="0" bIns="0" rtlCol="0">
+            <a:spAutoFit/>
+          </a:bodyPr>
           <a:lstStyle/>
           <a:p>
-            <a:endParaRPr lang="en-US" dirty="0"/>
-          </a:p>
-        </p:txBody>
-      </p:sp>
-      <p:sp>
-        <p:nvSpPr>
-          <p:cNvPr id="6" name="Content Placeholder 5"/>
-          <p:cNvSpPr>
-            <a:spLocks noGrp="1"/>
-          </p:cNvSpPr>
-          <p:nvPr>
-            <p:ph sz="quarter" idx="14"/>
-          </p:nvPr>
-        </p:nvSpPr>
-        <p:spPr/>
-        <p:txBody>
-          <a:bodyPr/>
+            <a:pPr>
+              <a:spcBef>
+                <a:spcPts val="300"/>
+              </a:spcBef>
+            </a:pPr>
+            <a:r>
+              <a:rPr lang="en-US" sz="1200" dirty="0" smtClean="0">
+                <a:latin typeface="Arial" pitchFamily="34" charset="0"/>
+                <a:cs typeface="Arial" pitchFamily="34" charset="0"/>
+              </a:rPr>
+              <a:t>Improved sanitation facilities (% of population)</a:t>
+            </a:r>
+            <a:endParaRPr lang="en-US" sz="1600" dirty="0" smtClean="0">
+              <a:latin typeface="Arial" pitchFamily="34" charset="0"/>
+              <a:cs typeface="Arial" pitchFamily="34" charset="0"/>
+            </a:endParaRPr>
+          </a:p>
+        </p:txBody>
+      </p:sp>
+      <p:sp>
+        <p:nvSpPr>
+          <p:cNvPr id="9" name="TextBox 8"/>
+          <p:cNvSpPr txBox="1"/>
+          <p:nvPr/>
+        </p:nvSpPr>
+        <p:spPr bwMode="gray">
+          <a:xfrm>
+            <a:off x="4310392" y="1428750"/>
+            <a:ext cx="3410390" cy="184666"/>
+          </a:xfrm>
+          <a:prstGeom prst="rect">
+            <a:avLst/>
+          </a:prstGeom>
+          <a:noFill/>
+        </p:spPr>
+        <p:txBody>
+          <a:bodyPr wrap="square" lIns="0" tIns="0" rIns="0" bIns="0" rtlCol="0">
+            <a:spAutoFit/>
+          </a:bodyPr>
           <a:lstStyle/>
           <a:p>
-            <a:endParaRPr lang="en-US" dirty="0"/>
-          </a:p>
-        </p:txBody>
-      </p:sp>
+            <a:pPr>
+              <a:spcBef>
+                <a:spcPts val="300"/>
+              </a:spcBef>
+            </a:pPr>
+            <a:r>
+              <a:rPr lang="en-US" sz="1200" dirty="0" smtClean="0">
+                <a:latin typeface="Arial" pitchFamily="34" charset="0"/>
+                <a:cs typeface="Arial" pitchFamily="34" charset="0"/>
+              </a:rPr>
+              <a:t>Mobile cellular subscriptions (per 100 people)</a:t>
+            </a:r>
+            <a:endParaRPr lang="en-US" sz="1600" dirty="0" smtClean="0">
+              <a:latin typeface="Arial" pitchFamily="34" charset="0"/>
+              <a:cs typeface="Arial" pitchFamily="34" charset="0"/>
+            </a:endParaRPr>
+          </a:p>
+        </p:txBody>
+      </p:sp>
+      <p:pic>
+        <p:nvPicPr>
+          <p:cNvPr id="5" name="Picture 4"/>
+          <p:cNvPicPr>
+            <a:picLocks noChangeAspect="1"/>
+          </p:cNvPicPr>
+          <p:nvPr/>
+        </p:nvPicPr>
+        <p:blipFill>
+          <a:blip r:embed="rId2"/>
+          <a:stretch>
+            <a:fillRect/>
+          </a:stretch>
+        </p:blipFill>
+        <p:spPr>
+          <a:xfrm>
+            <a:off x="323410" y="1733550"/>
+            <a:ext cx="3452592" cy="2538370"/>
+          </a:xfrm>
+          <a:prstGeom prst="rect">
+            <a:avLst/>
+          </a:prstGeom>
+        </p:spPr>
+      </p:pic>
+      <p:pic>
+        <p:nvPicPr>
+          <p:cNvPr id="7" name="Picture 6"/>
+          <p:cNvPicPr>
+            <a:picLocks noChangeAspect="1"/>
+          </p:cNvPicPr>
+          <p:nvPr/>
+        </p:nvPicPr>
+        <p:blipFill>
+          <a:blip r:embed="rId3"/>
+          <a:stretch>
+            <a:fillRect/>
+          </a:stretch>
+        </p:blipFill>
+        <p:spPr>
+          <a:xfrm>
+            <a:off x="4343400" y="1752854"/>
+            <a:ext cx="3487158" cy="2519066"/>
+          </a:xfrm>
+          <a:prstGeom prst="rect">
+            <a:avLst/>
+          </a:prstGeom>
+        </p:spPr>
+      </p:pic>
     </p:spTree>
     <p:extLst>
       <p:ext uri="{BB962C8B-B14F-4D97-AF65-F5344CB8AC3E}">
-        <p14:creationId xmlns:p14="http://schemas.microsoft.com/office/powerpoint/2010/main" val="2282566597"/>
+        <p14:creationId xmlns:p14="http://schemas.microsoft.com/office/powerpoint/2010/main" val="2677808266"/>
       </p:ext>
     </p:extLst>
   </p:cSld>
   <p:clrMapOvr>
     <a:masterClrMapping/>
   </p:clrMapOvr>
-  <p:timing>
-    <p:tnLst>
-      <p:par>
-        <p:cTn id="1" dur="indefinite" restart="never" nodeType="tmRoot"/>
-      </p:par>
-    </p:tnLst>
-  </p:timing>
 </p:sld>
 </file>
 
@@ -15615,12 +15874,12 @@
       </p:grpSpPr>
       <p:sp>
         <p:nvSpPr>
-          <p:cNvPr id="2" name="Title 1"/>
+          <p:cNvPr id="2" name="Text Placeholder 1"/>
           <p:cNvSpPr>
             <a:spLocks noGrp="1"/>
           </p:cNvSpPr>
           <p:nvPr>
-            <p:ph type="title"/>
+            <p:ph type="body" sz="quarter" idx="10"/>
           </p:nvPr>
         </p:nvSpPr>
         <p:spPr/>
@@ -15628,7 +15887,11 @@
           <a:bodyPr/>
           <a:lstStyle/>
           <a:p>
-            <a:endParaRPr lang="en-US" dirty="0"/>
+            <a:r>
+              <a:rPr lang="en-US" sz="1400" dirty="0" smtClean="0"/>
+              <a:t>Improvements in Internet use, access to sanitation, &amp; mobile phone usage; falling mortality rates</a:t>
+            </a:r>
+            <a:endParaRPr lang="en-US" sz="1400" dirty="0"/>
           </a:p>
         </p:txBody>
       </p:sp>
@@ -15647,18 +15910,18 @@
           <a:bodyPr/>
           <a:lstStyle/>
           <a:p>
-            <a:endParaRPr lang="en-US" dirty="0"/>
-          </a:p>
-        </p:txBody>
-      </p:sp>
-      <p:sp>
-        <p:nvSpPr>
-          <p:cNvPr id="4" name="Text Placeholder 3"/>
+            <a:endParaRPr lang="en-US"/>
+          </a:p>
+        </p:txBody>
+      </p:sp>
+      <p:sp>
+        <p:nvSpPr>
+          <p:cNvPr id="4" name="Title 3"/>
           <p:cNvSpPr>
             <a:spLocks noGrp="1"/>
           </p:cNvSpPr>
           <p:nvPr>
-            <p:ph type="body" sz="quarter" idx="12"/>
+            <p:ph type="title"/>
           </p:nvPr>
         </p:nvSpPr>
         <p:spPr/>
@@ -15666,77 +15929,1966 @@
           <a:bodyPr/>
           <a:lstStyle/>
           <a:p>
+            <a:r>
+              <a:rPr lang="en-US" dirty="0" smtClean="0"/>
+              <a:t>Our trends over time? Little improvement in tuberculosis incidence and number of fixed phone subscriptions</a:t>
+            </a:r>
             <a:endParaRPr lang="en-US" dirty="0"/>
           </a:p>
         </p:txBody>
       </p:sp>
-      <p:sp>
-        <p:nvSpPr>
-          <p:cNvPr id="5" name="Content Placeholder 4"/>
-          <p:cNvSpPr>
-            <a:spLocks noGrp="1"/>
-          </p:cNvSpPr>
+      <p:pic>
+        <p:nvPicPr>
+          <p:cNvPr id="8" name="Picture 7"/>
+          <p:cNvPicPr>
+            <a:picLocks noChangeAspect="1"/>
+          </p:cNvPicPr>
+          <p:nvPr/>
+        </p:nvPicPr>
+        <p:blipFill>
+          <a:blip r:embed="rId38"/>
+          <a:stretch>
+            <a:fillRect/>
+          </a:stretch>
+        </p:blipFill>
+        <p:spPr>
+          <a:xfrm>
+            <a:off x="175976" y="1211344"/>
+            <a:ext cx="3354789" cy="1284206"/>
+          </a:xfrm>
+          <a:prstGeom prst="rect">
+            <a:avLst/>
+          </a:prstGeom>
+        </p:spPr>
+      </p:pic>
+      <p:pic>
+        <p:nvPicPr>
+          <p:cNvPr id="9" name="Picture 8"/>
+          <p:cNvPicPr>
+            <a:picLocks noChangeAspect="1"/>
+          </p:cNvPicPr>
+          <p:nvPr/>
+        </p:nvPicPr>
+        <p:blipFill>
+          <a:blip r:embed="rId39"/>
+          <a:stretch>
+            <a:fillRect/>
+          </a:stretch>
+        </p:blipFill>
+        <p:spPr>
+          <a:xfrm>
+            <a:off x="175976" y="2492322"/>
+            <a:ext cx="3354789" cy="1298628"/>
+          </a:xfrm>
+          <a:prstGeom prst="rect">
+            <a:avLst/>
+          </a:prstGeom>
+        </p:spPr>
+      </p:pic>
+      <p:pic>
+        <p:nvPicPr>
+          <p:cNvPr id="10" name="Picture 9"/>
+          <p:cNvPicPr>
+            <a:picLocks noChangeAspect="1"/>
+          </p:cNvPicPr>
+          <p:nvPr/>
+        </p:nvPicPr>
+        <p:blipFill>
+          <a:blip r:embed="rId40"/>
+          <a:stretch>
+            <a:fillRect/>
+          </a:stretch>
+        </p:blipFill>
+        <p:spPr>
+          <a:xfrm>
+            <a:off x="208866" y="3803286"/>
+            <a:ext cx="3319573" cy="1283064"/>
+          </a:xfrm>
+          <a:prstGeom prst="rect">
+            <a:avLst/>
+          </a:prstGeom>
+        </p:spPr>
+      </p:pic>
+      <p:pic>
+        <p:nvPicPr>
+          <p:cNvPr id="11" name="Picture 10"/>
+          <p:cNvPicPr>
+            <a:picLocks noChangeAspect="1"/>
+          </p:cNvPicPr>
+          <p:nvPr/>
+        </p:nvPicPr>
+        <p:blipFill>
+          <a:blip r:embed="rId41"/>
+          <a:stretch>
+            <a:fillRect/>
+          </a:stretch>
+        </p:blipFill>
+        <p:spPr>
+          <a:xfrm>
+            <a:off x="4365876" y="1206644"/>
+            <a:ext cx="3352800" cy="1292723"/>
+          </a:xfrm>
+          <a:prstGeom prst="rect">
+            <a:avLst/>
+          </a:prstGeom>
+        </p:spPr>
+      </p:pic>
+      <p:pic>
+        <p:nvPicPr>
+          <p:cNvPr id="12" name="Picture 11"/>
+          <p:cNvPicPr>
+            <a:picLocks noChangeAspect="1"/>
+          </p:cNvPicPr>
+          <p:nvPr/>
+        </p:nvPicPr>
+        <p:blipFill>
+          <a:blip r:embed="rId42"/>
+          <a:stretch>
+            <a:fillRect/>
+          </a:stretch>
+        </p:blipFill>
+        <p:spPr>
+          <a:xfrm>
+            <a:off x="4365876" y="2488331"/>
+            <a:ext cx="3352800" cy="1302619"/>
+          </a:xfrm>
+          <a:prstGeom prst="rect">
+            <a:avLst/>
+          </a:prstGeom>
+        </p:spPr>
+      </p:pic>
+      <p:pic>
+        <p:nvPicPr>
+          <p:cNvPr id="13" name="Picture 12"/>
+          <p:cNvPicPr>
+            <a:picLocks noChangeAspect="1"/>
+          </p:cNvPicPr>
+          <p:nvPr/>
+        </p:nvPicPr>
+        <p:blipFill>
+          <a:blip r:embed="rId43"/>
+          <a:stretch>
+            <a:fillRect/>
+          </a:stretch>
+        </p:blipFill>
+        <p:spPr>
+          <a:xfrm>
+            <a:off x="4365876" y="3792990"/>
+            <a:ext cx="3406524" cy="1315488"/>
+          </a:xfrm>
+          <a:prstGeom prst="rect">
+            <a:avLst/>
+          </a:prstGeom>
+        </p:spPr>
+      </p:pic>
+      <p:grpSp>
+        <p:nvGrpSpPr>
+          <p:cNvPr id="16" name="Group 103"/>
+          <p:cNvGrpSpPr>
+            <a:grpSpLocks noChangeAspect="1"/>
+          </p:cNvGrpSpPr>
           <p:nvPr>
-            <p:ph sz="quarter" idx="13"/>
+            <p:custDataLst>
+              <p:tags r:id="rId1"/>
+            </p:custDataLst>
           </p:nvPr>
-        </p:nvSpPr>
-        <p:spPr/>
-        <p:txBody>
-          <a:bodyPr/>
-          <a:lstStyle/>
-          <a:p>
-            <a:endParaRPr lang="en-US" dirty="0"/>
-          </a:p>
-        </p:txBody>
-      </p:sp>
-      <p:sp>
-        <p:nvSpPr>
-          <p:cNvPr id="6" name="Content Placeholder 5"/>
-          <p:cNvSpPr>
-            <a:spLocks noGrp="1"/>
-          </p:cNvSpPr>
+        </p:nvGrpSpPr>
+        <p:grpSpPr bwMode="gray">
+          <a:xfrm>
+            <a:off x="3643653" y="1447766"/>
+            <a:ext cx="290649" cy="648000"/>
+            <a:chOff x="2312" y="2931"/>
+            <a:chExt cx="183" cy="408"/>
+          </a:xfrm>
+        </p:grpSpPr>
+        <p:sp>
+          <p:nvSpPr>
+            <p:cNvPr id="17" name="AutoShape 104"/>
+            <p:cNvSpPr>
+              <a:spLocks noChangeArrowheads="1"/>
+            </p:cNvSpPr>
+            <p:nvPr>
+              <p:custDataLst>
+                <p:tags r:id="rId32"/>
+              </p:custDataLst>
+            </p:nvPr>
+          </p:nvSpPr>
+          <p:spPr bwMode="gray">
+            <a:xfrm>
+              <a:off x="2312" y="2932"/>
+              <a:ext cx="183" cy="407"/>
+            </a:xfrm>
+            <a:prstGeom prst="roundRect">
+              <a:avLst>
+                <a:gd name="adj" fmla="val 16667"/>
+              </a:avLst>
+            </a:prstGeom>
+            <a:solidFill>
+              <a:schemeClr val="tx1"/>
+            </a:solidFill>
+            <a:ln w="38100">
+              <a:solidFill>
+                <a:schemeClr val="tx1"/>
+              </a:solidFill>
+              <a:round/>
+              <a:headEnd/>
+              <a:tailEnd/>
+            </a:ln>
+            <a:effectLst/>
+            <a:extLst>
+              <a:ext uri="{AF507438-7753-43E0-B8FC-AC1667EBCBE1}">
+                <a14:hiddenEffects xmlns:a14="http://schemas.microsoft.com/office/drawing/2010/main">
+                  <a:effectLst>
+                    <a:outerShdw dist="35921" dir="2700000" algn="ctr" rotWithShape="0">
+                      <a:schemeClr val="bg2"/>
+                    </a:outerShdw>
+                  </a:effectLst>
+                </a14:hiddenEffects>
+              </a:ext>
+            </a:extLst>
+          </p:spPr>
+          <p:txBody>
+            <a:bodyPr wrap="none" anchor="ctr"/>
+            <a:lstStyle/>
+            <a:p>
+              <a:endParaRPr lang="en-US" dirty="0">
+                <a:solidFill>
+                  <a:schemeClr val="tx1"/>
+                </a:solidFill>
+                <a:latin typeface="Arial" pitchFamily="34" charset="0"/>
+              </a:endParaRPr>
+            </a:p>
+          </p:txBody>
+        </p:sp>
+        <p:sp>
+          <p:nvSpPr>
+            <p:cNvPr id="18" name="AutoShape 105"/>
+            <p:cNvSpPr>
+              <a:spLocks noChangeArrowheads="1"/>
+            </p:cNvSpPr>
+            <p:nvPr>
+              <p:custDataLst>
+                <p:tags r:id="rId33"/>
+              </p:custDataLst>
+            </p:nvPr>
+          </p:nvSpPr>
+          <p:spPr bwMode="gray">
+            <a:xfrm>
+              <a:off x="2312" y="2931"/>
+              <a:ext cx="182" cy="408"/>
+            </a:xfrm>
+            <a:prstGeom prst="roundRect">
+              <a:avLst>
+                <a:gd name="adj" fmla="val 16667"/>
+              </a:avLst>
+            </a:prstGeom>
+            <a:solidFill>
+              <a:schemeClr val="bg1"/>
+            </a:solidFill>
+            <a:ln w="9525">
+              <a:solidFill>
+                <a:schemeClr val="tx1"/>
+              </a:solidFill>
+              <a:round/>
+              <a:headEnd/>
+              <a:tailEnd/>
+            </a:ln>
+            <a:effectLst/>
+            <a:extLst>
+              <a:ext uri="{AF507438-7753-43E0-B8FC-AC1667EBCBE1}">
+                <a14:hiddenEffects xmlns:a14="http://schemas.microsoft.com/office/drawing/2010/main">
+                  <a:effectLst>
+                    <a:outerShdw dist="35921" dir="2700000" algn="ctr" rotWithShape="0">
+                      <a:schemeClr val="bg2"/>
+                    </a:outerShdw>
+                  </a:effectLst>
+                </a14:hiddenEffects>
+              </a:ext>
+            </a:extLst>
+          </p:spPr>
+          <p:txBody>
+            <a:bodyPr wrap="none" anchor="ctr"/>
+            <a:lstStyle/>
+            <a:p>
+              <a:endParaRPr lang="en-US" dirty="0">
+                <a:latin typeface="Arial" pitchFamily="34" charset="0"/>
+              </a:endParaRPr>
+            </a:p>
+          </p:txBody>
+        </p:sp>
+        <p:sp>
+          <p:nvSpPr>
+            <p:cNvPr id="19" name="Oval 106"/>
+            <p:cNvSpPr>
+              <a:spLocks noChangeArrowheads="1"/>
+            </p:cNvSpPr>
+            <p:nvPr>
+              <p:custDataLst>
+                <p:tags r:id="rId34"/>
+              </p:custDataLst>
+            </p:nvPr>
+          </p:nvSpPr>
+          <p:spPr bwMode="gray">
+            <a:xfrm>
+              <a:off x="2358" y="3090"/>
+              <a:ext cx="90" cy="90"/>
+            </a:xfrm>
+            <a:prstGeom prst="ellipse">
+              <a:avLst/>
+            </a:prstGeom>
+            <a:solidFill>
+              <a:schemeClr val="bg1"/>
+            </a:solidFill>
+            <a:ln w="9525">
+              <a:solidFill>
+                <a:schemeClr val="tx1"/>
+              </a:solidFill>
+              <a:round/>
+              <a:headEnd/>
+              <a:tailEnd/>
+            </a:ln>
+            <a:effectLst/>
+            <a:extLst>
+              <a:ext uri="{AF507438-7753-43E0-B8FC-AC1667EBCBE1}">
+                <a14:hiddenEffects xmlns:a14="http://schemas.microsoft.com/office/drawing/2010/main">
+                  <a:effectLst>
+                    <a:outerShdw dist="35921" dir="2700000" algn="ctr" rotWithShape="0">
+                      <a:schemeClr val="bg2"/>
+                    </a:outerShdw>
+                  </a:effectLst>
+                </a14:hiddenEffects>
+              </a:ext>
+            </a:extLst>
+          </p:spPr>
+          <p:txBody>
+            <a:bodyPr wrap="none" anchor="ctr"/>
+            <a:lstStyle/>
+            <a:p>
+              <a:endParaRPr lang="en-US" dirty="0">
+                <a:latin typeface="Arial" pitchFamily="34" charset="0"/>
+              </a:endParaRPr>
+            </a:p>
+          </p:txBody>
+        </p:sp>
+        <p:sp>
+          <p:nvSpPr>
+            <p:cNvPr id="20" name="Oval 107"/>
+            <p:cNvSpPr>
+              <a:spLocks noChangeArrowheads="1"/>
+            </p:cNvSpPr>
+            <p:nvPr>
+              <p:custDataLst>
+                <p:tags r:id="rId35"/>
+              </p:custDataLst>
+            </p:nvPr>
+          </p:nvSpPr>
+          <p:spPr bwMode="gray">
+            <a:xfrm>
+              <a:off x="2358" y="3203"/>
+              <a:ext cx="90" cy="90"/>
+            </a:xfrm>
+            <a:prstGeom prst="ellipse">
+              <a:avLst/>
+            </a:prstGeom>
+            <a:solidFill>
+              <a:schemeClr val="accent3"/>
+            </a:solidFill>
+            <a:ln w="9525" algn="ctr">
+              <a:solidFill>
+                <a:schemeClr val="tx1"/>
+              </a:solidFill>
+              <a:round/>
+              <a:headEnd/>
+              <a:tailEnd/>
+            </a:ln>
+            <a:effectLst/>
+            <a:extLst>
+              <a:ext uri="{AF507438-7753-43E0-B8FC-AC1667EBCBE1}">
+                <a14:hiddenEffects xmlns:a14="http://schemas.microsoft.com/office/drawing/2010/main">
+                  <a:effectLst>
+                    <a:outerShdw dist="35921" dir="2700000" algn="ctr" rotWithShape="0">
+                      <a:schemeClr val="bg2"/>
+                    </a:outerShdw>
+                  </a:effectLst>
+                </a14:hiddenEffects>
+              </a:ext>
+            </a:extLst>
+          </p:spPr>
+          <p:txBody>
+            <a:bodyPr wrap="none" anchor="ctr"/>
+            <a:lstStyle/>
+            <a:p>
+              <a:endParaRPr lang="en-US" dirty="0">
+                <a:latin typeface="Arial" pitchFamily="34" charset="0"/>
+              </a:endParaRPr>
+            </a:p>
+          </p:txBody>
+        </p:sp>
+        <p:sp>
+          <p:nvSpPr>
+            <p:cNvPr id="21" name="Oval 108"/>
+            <p:cNvSpPr>
+              <a:spLocks noChangeArrowheads="1"/>
+            </p:cNvSpPr>
+            <p:nvPr>
+              <p:custDataLst>
+                <p:tags r:id="rId36"/>
+              </p:custDataLst>
+            </p:nvPr>
+          </p:nvSpPr>
+          <p:spPr bwMode="gray">
+            <a:xfrm>
+              <a:off x="2358" y="2977"/>
+              <a:ext cx="90" cy="90"/>
+            </a:xfrm>
+            <a:prstGeom prst="ellipse">
+              <a:avLst/>
+            </a:prstGeom>
+            <a:solidFill>
+              <a:schemeClr val="bg1"/>
+            </a:solidFill>
+            <a:ln w="9525">
+              <a:solidFill>
+                <a:schemeClr val="tx1"/>
+              </a:solidFill>
+              <a:round/>
+              <a:headEnd/>
+              <a:tailEnd/>
+            </a:ln>
+            <a:effectLst/>
+            <a:extLst>
+              <a:ext uri="{AF507438-7753-43E0-B8FC-AC1667EBCBE1}">
+                <a14:hiddenEffects xmlns:a14="http://schemas.microsoft.com/office/drawing/2010/main">
+                  <a:effectLst>
+                    <a:outerShdw dist="35921" dir="2700000" algn="ctr" rotWithShape="0">
+                      <a:schemeClr val="bg2"/>
+                    </a:outerShdw>
+                  </a:effectLst>
+                </a14:hiddenEffects>
+              </a:ext>
+            </a:extLst>
+          </p:spPr>
+          <p:txBody>
+            <a:bodyPr wrap="none" anchor="ctr"/>
+            <a:lstStyle/>
+            <a:p>
+              <a:endParaRPr lang="en-US" dirty="0">
+                <a:latin typeface="Arial" pitchFamily="34" charset="0"/>
+              </a:endParaRPr>
+            </a:p>
+          </p:txBody>
+        </p:sp>
+      </p:grpSp>
+      <p:grpSp>
+        <p:nvGrpSpPr>
+          <p:cNvPr id="22" name="Group 96"/>
+          <p:cNvGrpSpPr>
+            <a:grpSpLocks noChangeAspect="1"/>
+          </p:cNvGrpSpPr>
           <p:nvPr>
-            <p:ph sz="quarter" idx="14"/>
+            <p:custDataLst>
+              <p:tags r:id="rId2"/>
+            </p:custDataLst>
           </p:nvPr>
-        </p:nvSpPr>
-        <p:spPr/>
-        <p:txBody>
-          <a:bodyPr/>
-          <a:lstStyle/>
-          <a:p>
-            <a:endParaRPr lang="en-US" dirty="0"/>
-          </a:p>
-        </p:txBody>
-      </p:sp>
-      <p:sp>
-        <p:nvSpPr>
-          <p:cNvPr id="7" name="Content Placeholder 6"/>
-          <p:cNvSpPr>
-            <a:spLocks noGrp="1"/>
-          </p:cNvSpPr>
+        </p:nvGrpSpPr>
+        <p:grpSpPr bwMode="gray">
+          <a:xfrm>
+            <a:off x="3657671" y="2698143"/>
+            <a:ext cx="290649" cy="648000"/>
+            <a:chOff x="2312" y="2931"/>
+            <a:chExt cx="183" cy="408"/>
+          </a:xfrm>
+        </p:grpSpPr>
+        <p:sp>
+          <p:nvSpPr>
+            <p:cNvPr id="23" name="AutoShape 78"/>
+            <p:cNvSpPr>
+              <a:spLocks noChangeArrowheads="1"/>
+            </p:cNvSpPr>
+            <p:nvPr>
+              <p:custDataLst>
+                <p:tags r:id="rId27"/>
+              </p:custDataLst>
+            </p:nvPr>
+          </p:nvSpPr>
+          <p:spPr bwMode="gray">
+            <a:xfrm>
+              <a:off x="2312" y="2932"/>
+              <a:ext cx="183" cy="407"/>
+            </a:xfrm>
+            <a:prstGeom prst="roundRect">
+              <a:avLst>
+                <a:gd name="adj" fmla="val 16667"/>
+              </a:avLst>
+            </a:prstGeom>
+            <a:solidFill>
+              <a:schemeClr val="tx1"/>
+            </a:solidFill>
+            <a:ln w="38100">
+              <a:solidFill>
+                <a:schemeClr val="tx1"/>
+              </a:solidFill>
+              <a:round/>
+              <a:headEnd/>
+              <a:tailEnd/>
+            </a:ln>
+            <a:effectLst/>
+            <a:extLst>
+              <a:ext uri="{AF507438-7753-43E0-B8FC-AC1667EBCBE1}">
+                <a14:hiddenEffects xmlns:a14="http://schemas.microsoft.com/office/drawing/2010/main">
+                  <a:effectLst>
+                    <a:outerShdw dist="35921" dir="2700000" algn="ctr" rotWithShape="0">
+                      <a:schemeClr val="bg2"/>
+                    </a:outerShdw>
+                  </a:effectLst>
+                </a14:hiddenEffects>
+              </a:ext>
+            </a:extLst>
+          </p:spPr>
+          <p:txBody>
+            <a:bodyPr wrap="none" anchor="ctr"/>
+            <a:lstStyle/>
+            <a:p>
+              <a:endParaRPr lang="en-US" dirty="0">
+                <a:solidFill>
+                  <a:schemeClr val="tx1"/>
+                </a:solidFill>
+                <a:latin typeface="Arial" pitchFamily="34" charset="0"/>
+              </a:endParaRPr>
+            </a:p>
+          </p:txBody>
+        </p:sp>
+        <p:sp>
+          <p:nvSpPr>
+            <p:cNvPr id="24" name="AutoShape 79"/>
+            <p:cNvSpPr>
+              <a:spLocks noChangeArrowheads="1"/>
+            </p:cNvSpPr>
+            <p:nvPr>
+              <p:custDataLst>
+                <p:tags r:id="rId28"/>
+              </p:custDataLst>
+            </p:nvPr>
+          </p:nvSpPr>
+          <p:spPr bwMode="gray">
+            <a:xfrm>
+              <a:off x="2312" y="2931"/>
+              <a:ext cx="182" cy="408"/>
+            </a:xfrm>
+            <a:prstGeom prst="roundRect">
+              <a:avLst>
+                <a:gd name="adj" fmla="val 16667"/>
+              </a:avLst>
+            </a:prstGeom>
+            <a:solidFill>
+              <a:schemeClr val="bg1"/>
+            </a:solidFill>
+            <a:ln w="9525">
+              <a:solidFill>
+                <a:schemeClr val="tx1"/>
+              </a:solidFill>
+              <a:round/>
+              <a:headEnd/>
+              <a:tailEnd/>
+            </a:ln>
+            <a:effectLst/>
+            <a:extLst>
+              <a:ext uri="{AF507438-7753-43E0-B8FC-AC1667EBCBE1}">
+                <a14:hiddenEffects xmlns:a14="http://schemas.microsoft.com/office/drawing/2010/main">
+                  <a:effectLst>
+                    <a:outerShdw dist="35921" dir="2700000" algn="ctr" rotWithShape="0">
+                      <a:schemeClr val="bg2"/>
+                    </a:outerShdw>
+                  </a:effectLst>
+                </a14:hiddenEffects>
+              </a:ext>
+            </a:extLst>
+          </p:spPr>
+          <p:txBody>
+            <a:bodyPr wrap="none" anchor="ctr"/>
+            <a:lstStyle/>
+            <a:p>
+              <a:endParaRPr lang="en-US" dirty="0">
+                <a:latin typeface="Arial" pitchFamily="34" charset="0"/>
+              </a:endParaRPr>
+            </a:p>
+          </p:txBody>
+        </p:sp>
+        <p:sp>
+          <p:nvSpPr>
+            <p:cNvPr id="25" name="Oval 80"/>
+            <p:cNvSpPr>
+              <a:spLocks noChangeArrowheads="1"/>
+            </p:cNvSpPr>
+            <p:nvPr>
+              <p:custDataLst>
+                <p:tags r:id="rId29"/>
+              </p:custDataLst>
+            </p:nvPr>
+          </p:nvSpPr>
+          <p:spPr bwMode="gray">
+            <a:xfrm>
+              <a:off x="2358" y="3090"/>
+              <a:ext cx="90" cy="90"/>
+            </a:xfrm>
+            <a:prstGeom prst="ellipse">
+              <a:avLst/>
+            </a:prstGeom>
+            <a:solidFill>
+              <a:schemeClr val="bg1"/>
+            </a:solidFill>
+            <a:ln w="9525">
+              <a:solidFill>
+                <a:schemeClr val="tx1"/>
+              </a:solidFill>
+              <a:round/>
+              <a:headEnd/>
+              <a:tailEnd/>
+            </a:ln>
+            <a:effectLst/>
+            <a:extLst>
+              <a:ext uri="{AF507438-7753-43E0-B8FC-AC1667EBCBE1}">
+                <a14:hiddenEffects xmlns:a14="http://schemas.microsoft.com/office/drawing/2010/main">
+                  <a:effectLst>
+                    <a:outerShdw dist="35921" dir="2700000" algn="ctr" rotWithShape="0">
+                      <a:schemeClr val="bg2"/>
+                    </a:outerShdw>
+                  </a:effectLst>
+                </a14:hiddenEffects>
+              </a:ext>
+            </a:extLst>
+          </p:spPr>
+          <p:txBody>
+            <a:bodyPr wrap="none" anchor="ctr"/>
+            <a:lstStyle/>
+            <a:p>
+              <a:endParaRPr lang="en-US" dirty="0">
+                <a:latin typeface="Arial" pitchFamily="34" charset="0"/>
+              </a:endParaRPr>
+            </a:p>
+          </p:txBody>
+        </p:sp>
+        <p:sp>
+          <p:nvSpPr>
+            <p:cNvPr id="26" name="Oval 81"/>
+            <p:cNvSpPr>
+              <a:spLocks noChangeArrowheads="1"/>
+            </p:cNvSpPr>
+            <p:nvPr>
+              <p:custDataLst>
+                <p:tags r:id="rId30"/>
+              </p:custDataLst>
+            </p:nvPr>
+          </p:nvSpPr>
+          <p:spPr bwMode="gray">
+            <a:xfrm>
+              <a:off x="2358" y="3203"/>
+              <a:ext cx="90" cy="90"/>
+            </a:xfrm>
+            <a:prstGeom prst="ellipse">
+              <a:avLst/>
+            </a:prstGeom>
+            <a:solidFill>
+              <a:schemeClr val="bg1"/>
+            </a:solidFill>
+            <a:ln w="9525" algn="ctr">
+              <a:solidFill>
+                <a:schemeClr val="tx1"/>
+              </a:solidFill>
+              <a:round/>
+              <a:headEnd/>
+              <a:tailEnd/>
+            </a:ln>
+            <a:effectLst/>
+            <a:extLst>
+              <a:ext uri="{AF507438-7753-43E0-B8FC-AC1667EBCBE1}">
+                <a14:hiddenEffects xmlns:a14="http://schemas.microsoft.com/office/drawing/2010/main">
+                  <a:effectLst>
+                    <a:outerShdw dist="35921" dir="2700000" algn="ctr" rotWithShape="0">
+                      <a:schemeClr val="bg2"/>
+                    </a:outerShdw>
+                  </a:effectLst>
+                </a14:hiddenEffects>
+              </a:ext>
+            </a:extLst>
+          </p:spPr>
+          <p:txBody>
+            <a:bodyPr wrap="none" anchor="ctr"/>
+            <a:lstStyle/>
+            <a:p>
+              <a:endParaRPr lang="en-US" dirty="0">
+                <a:latin typeface="Arial" pitchFamily="34" charset="0"/>
+              </a:endParaRPr>
+            </a:p>
+          </p:txBody>
+        </p:sp>
+        <p:sp>
+          <p:nvSpPr>
+            <p:cNvPr id="27" name="Oval 95"/>
+            <p:cNvSpPr>
+              <a:spLocks noChangeArrowheads="1"/>
+            </p:cNvSpPr>
+            <p:nvPr>
+              <p:custDataLst>
+                <p:tags r:id="rId31"/>
+              </p:custDataLst>
+            </p:nvPr>
+          </p:nvSpPr>
+          <p:spPr bwMode="gray">
+            <a:xfrm>
+              <a:off x="2358" y="2977"/>
+              <a:ext cx="90" cy="90"/>
+            </a:xfrm>
+            <a:prstGeom prst="ellipse">
+              <a:avLst/>
+            </a:prstGeom>
+            <a:solidFill>
+              <a:schemeClr val="accent5"/>
+            </a:solidFill>
+            <a:ln w="9525">
+              <a:solidFill>
+                <a:schemeClr val="tx1"/>
+              </a:solidFill>
+              <a:round/>
+              <a:headEnd/>
+              <a:tailEnd/>
+            </a:ln>
+            <a:effectLst/>
+            <a:extLst>
+              <a:ext uri="{AF507438-7753-43E0-B8FC-AC1667EBCBE1}">
+                <a14:hiddenEffects xmlns:a14="http://schemas.microsoft.com/office/drawing/2010/main">
+                  <a:effectLst>
+                    <a:outerShdw dist="35921" dir="2700000" algn="ctr" rotWithShape="0">
+                      <a:schemeClr val="bg2"/>
+                    </a:outerShdw>
+                  </a:effectLst>
+                </a14:hiddenEffects>
+              </a:ext>
+            </a:extLst>
+          </p:spPr>
+          <p:txBody>
+            <a:bodyPr wrap="none" anchor="ctr"/>
+            <a:lstStyle/>
+            <a:p>
+              <a:endParaRPr lang="en-US" dirty="0">
+                <a:latin typeface="Arial" pitchFamily="34" charset="0"/>
+              </a:endParaRPr>
+            </a:p>
+          </p:txBody>
+        </p:sp>
+      </p:grpSp>
+      <p:grpSp>
+        <p:nvGrpSpPr>
+          <p:cNvPr id="34" name="Group 96"/>
+          <p:cNvGrpSpPr>
+            <a:grpSpLocks noChangeAspect="1"/>
+          </p:cNvGrpSpPr>
           <p:nvPr>
-            <p:ph sz="quarter" idx="15"/>
+            <p:custDataLst>
+              <p:tags r:id="rId3"/>
+            </p:custDataLst>
           </p:nvPr>
-        </p:nvSpPr>
-        <p:spPr/>
-        <p:txBody>
-          <a:bodyPr/>
-          <a:lstStyle/>
-          <a:p>
-            <a:endParaRPr lang="en-US" dirty="0"/>
-          </a:p>
-        </p:txBody>
-      </p:sp>
+        </p:nvGrpSpPr>
+        <p:grpSpPr bwMode="gray">
+          <a:xfrm>
+            <a:off x="7877040" y="1399768"/>
+            <a:ext cx="290649" cy="648000"/>
+            <a:chOff x="2312" y="2931"/>
+            <a:chExt cx="183" cy="408"/>
+          </a:xfrm>
+        </p:grpSpPr>
+        <p:sp>
+          <p:nvSpPr>
+            <p:cNvPr id="35" name="AutoShape 78"/>
+            <p:cNvSpPr>
+              <a:spLocks noChangeArrowheads="1"/>
+            </p:cNvSpPr>
+            <p:nvPr>
+              <p:custDataLst>
+                <p:tags r:id="rId22"/>
+              </p:custDataLst>
+            </p:nvPr>
+          </p:nvSpPr>
+          <p:spPr bwMode="gray">
+            <a:xfrm>
+              <a:off x="2312" y="2932"/>
+              <a:ext cx="183" cy="407"/>
+            </a:xfrm>
+            <a:prstGeom prst="roundRect">
+              <a:avLst>
+                <a:gd name="adj" fmla="val 16667"/>
+              </a:avLst>
+            </a:prstGeom>
+            <a:solidFill>
+              <a:schemeClr val="tx1"/>
+            </a:solidFill>
+            <a:ln w="38100">
+              <a:solidFill>
+                <a:schemeClr val="tx1"/>
+              </a:solidFill>
+              <a:round/>
+              <a:headEnd/>
+              <a:tailEnd/>
+            </a:ln>
+            <a:effectLst/>
+            <a:extLst>
+              <a:ext uri="{AF507438-7753-43E0-B8FC-AC1667EBCBE1}">
+                <a14:hiddenEffects xmlns:a14="http://schemas.microsoft.com/office/drawing/2010/main">
+                  <a:effectLst>
+                    <a:outerShdw dist="35921" dir="2700000" algn="ctr" rotWithShape="0">
+                      <a:schemeClr val="bg2"/>
+                    </a:outerShdw>
+                  </a:effectLst>
+                </a14:hiddenEffects>
+              </a:ext>
+            </a:extLst>
+          </p:spPr>
+          <p:txBody>
+            <a:bodyPr wrap="none" anchor="ctr"/>
+            <a:lstStyle/>
+            <a:p>
+              <a:endParaRPr lang="en-US" dirty="0">
+                <a:solidFill>
+                  <a:schemeClr val="tx1"/>
+                </a:solidFill>
+                <a:latin typeface="Arial" pitchFamily="34" charset="0"/>
+              </a:endParaRPr>
+            </a:p>
+          </p:txBody>
+        </p:sp>
+        <p:sp>
+          <p:nvSpPr>
+            <p:cNvPr id="36" name="AutoShape 79"/>
+            <p:cNvSpPr>
+              <a:spLocks noChangeArrowheads="1"/>
+            </p:cNvSpPr>
+            <p:nvPr>
+              <p:custDataLst>
+                <p:tags r:id="rId23"/>
+              </p:custDataLst>
+            </p:nvPr>
+          </p:nvSpPr>
+          <p:spPr bwMode="gray">
+            <a:xfrm>
+              <a:off x="2312" y="2931"/>
+              <a:ext cx="182" cy="408"/>
+            </a:xfrm>
+            <a:prstGeom prst="roundRect">
+              <a:avLst>
+                <a:gd name="adj" fmla="val 16667"/>
+              </a:avLst>
+            </a:prstGeom>
+            <a:solidFill>
+              <a:schemeClr val="bg1"/>
+            </a:solidFill>
+            <a:ln w="9525">
+              <a:solidFill>
+                <a:schemeClr val="tx1"/>
+              </a:solidFill>
+              <a:round/>
+              <a:headEnd/>
+              <a:tailEnd/>
+            </a:ln>
+            <a:effectLst/>
+            <a:extLst>
+              <a:ext uri="{AF507438-7753-43E0-B8FC-AC1667EBCBE1}">
+                <a14:hiddenEffects xmlns:a14="http://schemas.microsoft.com/office/drawing/2010/main">
+                  <a:effectLst>
+                    <a:outerShdw dist="35921" dir="2700000" algn="ctr" rotWithShape="0">
+                      <a:schemeClr val="bg2"/>
+                    </a:outerShdw>
+                  </a:effectLst>
+                </a14:hiddenEffects>
+              </a:ext>
+            </a:extLst>
+          </p:spPr>
+          <p:txBody>
+            <a:bodyPr wrap="none" anchor="ctr"/>
+            <a:lstStyle/>
+            <a:p>
+              <a:endParaRPr lang="en-US" dirty="0">
+                <a:latin typeface="Arial" pitchFamily="34" charset="0"/>
+              </a:endParaRPr>
+            </a:p>
+          </p:txBody>
+        </p:sp>
+        <p:sp>
+          <p:nvSpPr>
+            <p:cNvPr id="37" name="Oval 80"/>
+            <p:cNvSpPr>
+              <a:spLocks noChangeArrowheads="1"/>
+            </p:cNvSpPr>
+            <p:nvPr>
+              <p:custDataLst>
+                <p:tags r:id="rId24"/>
+              </p:custDataLst>
+            </p:nvPr>
+          </p:nvSpPr>
+          <p:spPr bwMode="gray">
+            <a:xfrm>
+              <a:off x="2358" y="3090"/>
+              <a:ext cx="90" cy="90"/>
+            </a:xfrm>
+            <a:prstGeom prst="ellipse">
+              <a:avLst/>
+            </a:prstGeom>
+            <a:solidFill>
+              <a:schemeClr val="bg1"/>
+            </a:solidFill>
+            <a:ln w="9525">
+              <a:solidFill>
+                <a:schemeClr val="tx1"/>
+              </a:solidFill>
+              <a:round/>
+              <a:headEnd/>
+              <a:tailEnd/>
+            </a:ln>
+            <a:effectLst/>
+            <a:extLst>
+              <a:ext uri="{AF507438-7753-43E0-B8FC-AC1667EBCBE1}">
+                <a14:hiddenEffects xmlns:a14="http://schemas.microsoft.com/office/drawing/2010/main">
+                  <a:effectLst>
+                    <a:outerShdw dist="35921" dir="2700000" algn="ctr" rotWithShape="0">
+                      <a:schemeClr val="bg2"/>
+                    </a:outerShdw>
+                  </a:effectLst>
+                </a14:hiddenEffects>
+              </a:ext>
+            </a:extLst>
+          </p:spPr>
+          <p:txBody>
+            <a:bodyPr wrap="none" anchor="ctr"/>
+            <a:lstStyle/>
+            <a:p>
+              <a:endParaRPr lang="en-US" dirty="0">
+                <a:latin typeface="Arial" pitchFamily="34" charset="0"/>
+              </a:endParaRPr>
+            </a:p>
+          </p:txBody>
+        </p:sp>
+        <p:sp>
+          <p:nvSpPr>
+            <p:cNvPr id="38" name="Oval 81"/>
+            <p:cNvSpPr>
+              <a:spLocks noChangeArrowheads="1"/>
+            </p:cNvSpPr>
+            <p:nvPr>
+              <p:custDataLst>
+                <p:tags r:id="rId25"/>
+              </p:custDataLst>
+            </p:nvPr>
+          </p:nvSpPr>
+          <p:spPr bwMode="gray">
+            <a:xfrm>
+              <a:off x="2358" y="3203"/>
+              <a:ext cx="90" cy="90"/>
+            </a:xfrm>
+            <a:prstGeom prst="ellipse">
+              <a:avLst/>
+            </a:prstGeom>
+            <a:solidFill>
+              <a:schemeClr val="bg1"/>
+            </a:solidFill>
+            <a:ln w="9525" algn="ctr">
+              <a:solidFill>
+                <a:schemeClr val="tx1"/>
+              </a:solidFill>
+              <a:round/>
+              <a:headEnd/>
+              <a:tailEnd/>
+            </a:ln>
+            <a:effectLst/>
+            <a:extLst>
+              <a:ext uri="{AF507438-7753-43E0-B8FC-AC1667EBCBE1}">
+                <a14:hiddenEffects xmlns:a14="http://schemas.microsoft.com/office/drawing/2010/main">
+                  <a:effectLst>
+                    <a:outerShdw dist="35921" dir="2700000" algn="ctr" rotWithShape="0">
+                      <a:schemeClr val="bg2"/>
+                    </a:outerShdw>
+                  </a:effectLst>
+                </a14:hiddenEffects>
+              </a:ext>
+            </a:extLst>
+          </p:spPr>
+          <p:txBody>
+            <a:bodyPr wrap="none" anchor="ctr"/>
+            <a:lstStyle/>
+            <a:p>
+              <a:endParaRPr lang="en-US" dirty="0">
+                <a:latin typeface="Arial" pitchFamily="34" charset="0"/>
+              </a:endParaRPr>
+            </a:p>
+          </p:txBody>
+        </p:sp>
+        <p:sp>
+          <p:nvSpPr>
+            <p:cNvPr id="39" name="Oval 95"/>
+            <p:cNvSpPr>
+              <a:spLocks noChangeArrowheads="1"/>
+            </p:cNvSpPr>
+            <p:nvPr>
+              <p:custDataLst>
+                <p:tags r:id="rId26"/>
+              </p:custDataLst>
+            </p:nvPr>
+          </p:nvSpPr>
+          <p:spPr bwMode="gray">
+            <a:xfrm>
+              <a:off x="2358" y="2977"/>
+              <a:ext cx="90" cy="90"/>
+            </a:xfrm>
+            <a:prstGeom prst="ellipse">
+              <a:avLst/>
+            </a:prstGeom>
+            <a:solidFill>
+              <a:schemeClr val="accent5"/>
+            </a:solidFill>
+            <a:ln w="9525">
+              <a:solidFill>
+                <a:schemeClr val="tx1"/>
+              </a:solidFill>
+              <a:round/>
+              <a:headEnd/>
+              <a:tailEnd/>
+            </a:ln>
+            <a:effectLst/>
+            <a:extLst>
+              <a:ext uri="{AF507438-7753-43E0-B8FC-AC1667EBCBE1}">
+                <a14:hiddenEffects xmlns:a14="http://schemas.microsoft.com/office/drawing/2010/main">
+                  <a:effectLst>
+                    <a:outerShdw dist="35921" dir="2700000" algn="ctr" rotWithShape="0">
+                      <a:schemeClr val="bg2"/>
+                    </a:outerShdw>
+                  </a:effectLst>
+                </a14:hiddenEffects>
+              </a:ext>
+            </a:extLst>
+          </p:spPr>
+          <p:txBody>
+            <a:bodyPr wrap="none" anchor="ctr"/>
+            <a:lstStyle/>
+            <a:p>
+              <a:endParaRPr lang="en-US" dirty="0">
+                <a:latin typeface="Arial" pitchFamily="34" charset="0"/>
+              </a:endParaRPr>
+            </a:p>
+          </p:txBody>
+        </p:sp>
+      </p:grpSp>
+      <p:grpSp>
+        <p:nvGrpSpPr>
+          <p:cNvPr id="40" name="Group 103"/>
+          <p:cNvGrpSpPr>
+            <a:grpSpLocks noChangeAspect="1"/>
+          </p:cNvGrpSpPr>
+          <p:nvPr>
+            <p:custDataLst>
+              <p:tags r:id="rId4"/>
+            </p:custDataLst>
+          </p:nvPr>
+        </p:nvGrpSpPr>
+        <p:grpSpPr bwMode="gray">
+          <a:xfrm>
+            <a:off x="7889739" y="2695579"/>
+            <a:ext cx="290649" cy="648000"/>
+            <a:chOff x="2312" y="2931"/>
+            <a:chExt cx="183" cy="408"/>
+          </a:xfrm>
+        </p:grpSpPr>
+        <p:sp>
+          <p:nvSpPr>
+            <p:cNvPr id="41" name="AutoShape 104"/>
+            <p:cNvSpPr>
+              <a:spLocks noChangeArrowheads="1"/>
+            </p:cNvSpPr>
+            <p:nvPr>
+              <p:custDataLst>
+                <p:tags r:id="rId17"/>
+              </p:custDataLst>
+            </p:nvPr>
+          </p:nvSpPr>
+          <p:spPr bwMode="gray">
+            <a:xfrm>
+              <a:off x="2312" y="2932"/>
+              <a:ext cx="183" cy="407"/>
+            </a:xfrm>
+            <a:prstGeom prst="roundRect">
+              <a:avLst>
+                <a:gd name="adj" fmla="val 16667"/>
+              </a:avLst>
+            </a:prstGeom>
+            <a:solidFill>
+              <a:schemeClr val="tx1"/>
+            </a:solidFill>
+            <a:ln w="38100">
+              <a:solidFill>
+                <a:schemeClr val="tx1"/>
+              </a:solidFill>
+              <a:round/>
+              <a:headEnd/>
+              <a:tailEnd/>
+            </a:ln>
+            <a:effectLst/>
+            <a:extLst>
+              <a:ext uri="{AF507438-7753-43E0-B8FC-AC1667EBCBE1}">
+                <a14:hiddenEffects xmlns:a14="http://schemas.microsoft.com/office/drawing/2010/main">
+                  <a:effectLst>
+                    <a:outerShdw dist="35921" dir="2700000" algn="ctr" rotWithShape="0">
+                      <a:schemeClr val="bg2"/>
+                    </a:outerShdw>
+                  </a:effectLst>
+                </a14:hiddenEffects>
+              </a:ext>
+            </a:extLst>
+          </p:spPr>
+          <p:txBody>
+            <a:bodyPr wrap="none" anchor="ctr"/>
+            <a:lstStyle/>
+            <a:p>
+              <a:endParaRPr lang="en-US" dirty="0">
+                <a:solidFill>
+                  <a:schemeClr val="tx1"/>
+                </a:solidFill>
+                <a:latin typeface="Arial" pitchFamily="34" charset="0"/>
+              </a:endParaRPr>
+            </a:p>
+          </p:txBody>
+        </p:sp>
+        <p:sp>
+          <p:nvSpPr>
+            <p:cNvPr id="42" name="AutoShape 105"/>
+            <p:cNvSpPr>
+              <a:spLocks noChangeArrowheads="1"/>
+            </p:cNvSpPr>
+            <p:nvPr>
+              <p:custDataLst>
+                <p:tags r:id="rId18"/>
+              </p:custDataLst>
+            </p:nvPr>
+          </p:nvSpPr>
+          <p:spPr bwMode="gray">
+            <a:xfrm>
+              <a:off x="2312" y="2931"/>
+              <a:ext cx="182" cy="408"/>
+            </a:xfrm>
+            <a:prstGeom prst="roundRect">
+              <a:avLst>
+                <a:gd name="adj" fmla="val 16667"/>
+              </a:avLst>
+            </a:prstGeom>
+            <a:solidFill>
+              <a:schemeClr val="bg1"/>
+            </a:solidFill>
+            <a:ln w="9525">
+              <a:solidFill>
+                <a:schemeClr val="tx1"/>
+              </a:solidFill>
+              <a:round/>
+              <a:headEnd/>
+              <a:tailEnd/>
+            </a:ln>
+            <a:effectLst/>
+            <a:extLst>
+              <a:ext uri="{AF507438-7753-43E0-B8FC-AC1667EBCBE1}">
+                <a14:hiddenEffects xmlns:a14="http://schemas.microsoft.com/office/drawing/2010/main">
+                  <a:effectLst>
+                    <a:outerShdw dist="35921" dir="2700000" algn="ctr" rotWithShape="0">
+                      <a:schemeClr val="bg2"/>
+                    </a:outerShdw>
+                  </a:effectLst>
+                </a14:hiddenEffects>
+              </a:ext>
+            </a:extLst>
+          </p:spPr>
+          <p:txBody>
+            <a:bodyPr wrap="none" anchor="ctr"/>
+            <a:lstStyle/>
+            <a:p>
+              <a:endParaRPr lang="en-US" dirty="0">
+                <a:latin typeface="Arial" pitchFamily="34" charset="0"/>
+              </a:endParaRPr>
+            </a:p>
+          </p:txBody>
+        </p:sp>
+        <p:sp>
+          <p:nvSpPr>
+            <p:cNvPr id="43" name="Oval 106"/>
+            <p:cNvSpPr>
+              <a:spLocks noChangeArrowheads="1"/>
+            </p:cNvSpPr>
+            <p:nvPr>
+              <p:custDataLst>
+                <p:tags r:id="rId19"/>
+              </p:custDataLst>
+            </p:nvPr>
+          </p:nvSpPr>
+          <p:spPr bwMode="gray">
+            <a:xfrm>
+              <a:off x="2358" y="3090"/>
+              <a:ext cx="90" cy="90"/>
+            </a:xfrm>
+            <a:prstGeom prst="ellipse">
+              <a:avLst/>
+            </a:prstGeom>
+            <a:solidFill>
+              <a:schemeClr val="bg1"/>
+            </a:solidFill>
+            <a:ln w="9525">
+              <a:solidFill>
+                <a:schemeClr val="tx1"/>
+              </a:solidFill>
+              <a:round/>
+              <a:headEnd/>
+              <a:tailEnd/>
+            </a:ln>
+            <a:effectLst/>
+            <a:extLst>
+              <a:ext uri="{AF507438-7753-43E0-B8FC-AC1667EBCBE1}">
+                <a14:hiddenEffects xmlns:a14="http://schemas.microsoft.com/office/drawing/2010/main">
+                  <a:effectLst>
+                    <a:outerShdw dist="35921" dir="2700000" algn="ctr" rotWithShape="0">
+                      <a:schemeClr val="bg2"/>
+                    </a:outerShdw>
+                  </a:effectLst>
+                </a14:hiddenEffects>
+              </a:ext>
+            </a:extLst>
+          </p:spPr>
+          <p:txBody>
+            <a:bodyPr wrap="none" anchor="ctr"/>
+            <a:lstStyle/>
+            <a:p>
+              <a:endParaRPr lang="en-US" dirty="0">
+                <a:latin typeface="Arial" pitchFamily="34" charset="0"/>
+              </a:endParaRPr>
+            </a:p>
+          </p:txBody>
+        </p:sp>
+        <p:sp>
+          <p:nvSpPr>
+            <p:cNvPr id="44" name="Oval 107"/>
+            <p:cNvSpPr>
+              <a:spLocks noChangeArrowheads="1"/>
+            </p:cNvSpPr>
+            <p:nvPr>
+              <p:custDataLst>
+                <p:tags r:id="rId20"/>
+              </p:custDataLst>
+            </p:nvPr>
+          </p:nvSpPr>
+          <p:spPr bwMode="gray">
+            <a:xfrm>
+              <a:off x="2358" y="3203"/>
+              <a:ext cx="90" cy="90"/>
+            </a:xfrm>
+            <a:prstGeom prst="ellipse">
+              <a:avLst/>
+            </a:prstGeom>
+            <a:solidFill>
+              <a:schemeClr val="accent3"/>
+            </a:solidFill>
+            <a:ln w="9525" algn="ctr">
+              <a:solidFill>
+                <a:schemeClr val="tx1"/>
+              </a:solidFill>
+              <a:round/>
+              <a:headEnd/>
+              <a:tailEnd/>
+            </a:ln>
+            <a:effectLst/>
+            <a:extLst>
+              <a:ext uri="{AF507438-7753-43E0-B8FC-AC1667EBCBE1}">
+                <a14:hiddenEffects xmlns:a14="http://schemas.microsoft.com/office/drawing/2010/main">
+                  <a:effectLst>
+                    <a:outerShdw dist="35921" dir="2700000" algn="ctr" rotWithShape="0">
+                      <a:schemeClr val="bg2"/>
+                    </a:outerShdw>
+                  </a:effectLst>
+                </a14:hiddenEffects>
+              </a:ext>
+            </a:extLst>
+          </p:spPr>
+          <p:txBody>
+            <a:bodyPr wrap="none" anchor="ctr"/>
+            <a:lstStyle/>
+            <a:p>
+              <a:endParaRPr lang="en-US" dirty="0">
+                <a:latin typeface="Arial" pitchFamily="34" charset="0"/>
+              </a:endParaRPr>
+            </a:p>
+          </p:txBody>
+        </p:sp>
+        <p:sp>
+          <p:nvSpPr>
+            <p:cNvPr id="45" name="Oval 108"/>
+            <p:cNvSpPr>
+              <a:spLocks noChangeArrowheads="1"/>
+            </p:cNvSpPr>
+            <p:nvPr>
+              <p:custDataLst>
+                <p:tags r:id="rId21"/>
+              </p:custDataLst>
+            </p:nvPr>
+          </p:nvSpPr>
+          <p:spPr bwMode="gray">
+            <a:xfrm>
+              <a:off x="2358" y="2977"/>
+              <a:ext cx="90" cy="90"/>
+            </a:xfrm>
+            <a:prstGeom prst="ellipse">
+              <a:avLst/>
+            </a:prstGeom>
+            <a:solidFill>
+              <a:schemeClr val="bg1"/>
+            </a:solidFill>
+            <a:ln w="9525">
+              <a:solidFill>
+                <a:schemeClr val="tx1"/>
+              </a:solidFill>
+              <a:round/>
+              <a:headEnd/>
+              <a:tailEnd/>
+            </a:ln>
+            <a:effectLst/>
+            <a:extLst>
+              <a:ext uri="{AF507438-7753-43E0-B8FC-AC1667EBCBE1}">
+                <a14:hiddenEffects xmlns:a14="http://schemas.microsoft.com/office/drawing/2010/main">
+                  <a:effectLst>
+                    <a:outerShdw dist="35921" dir="2700000" algn="ctr" rotWithShape="0">
+                      <a:schemeClr val="bg2"/>
+                    </a:outerShdw>
+                  </a:effectLst>
+                </a14:hiddenEffects>
+              </a:ext>
+            </a:extLst>
+          </p:spPr>
+          <p:txBody>
+            <a:bodyPr wrap="none" anchor="ctr"/>
+            <a:lstStyle/>
+            <a:p>
+              <a:endParaRPr lang="en-US" dirty="0">
+                <a:latin typeface="Arial" pitchFamily="34" charset="0"/>
+              </a:endParaRPr>
+            </a:p>
+          </p:txBody>
+        </p:sp>
+      </p:grpSp>
+      <p:grpSp>
+        <p:nvGrpSpPr>
+          <p:cNvPr id="47" name="Group 103"/>
+          <p:cNvGrpSpPr>
+            <a:grpSpLocks noChangeAspect="1"/>
+          </p:cNvGrpSpPr>
+          <p:nvPr>
+            <p:custDataLst>
+              <p:tags r:id="rId5"/>
+            </p:custDataLst>
+          </p:nvPr>
+        </p:nvGrpSpPr>
+        <p:grpSpPr bwMode="gray">
+          <a:xfrm>
+            <a:off x="7913551" y="4010875"/>
+            <a:ext cx="290649" cy="648000"/>
+            <a:chOff x="2312" y="2931"/>
+            <a:chExt cx="183" cy="408"/>
+          </a:xfrm>
+        </p:grpSpPr>
+        <p:sp>
+          <p:nvSpPr>
+            <p:cNvPr id="48" name="AutoShape 104"/>
+            <p:cNvSpPr>
+              <a:spLocks noChangeArrowheads="1"/>
+            </p:cNvSpPr>
+            <p:nvPr>
+              <p:custDataLst>
+                <p:tags r:id="rId12"/>
+              </p:custDataLst>
+            </p:nvPr>
+          </p:nvSpPr>
+          <p:spPr bwMode="gray">
+            <a:xfrm>
+              <a:off x="2312" y="2932"/>
+              <a:ext cx="183" cy="407"/>
+            </a:xfrm>
+            <a:prstGeom prst="roundRect">
+              <a:avLst>
+                <a:gd name="adj" fmla="val 16667"/>
+              </a:avLst>
+            </a:prstGeom>
+            <a:solidFill>
+              <a:schemeClr val="tx1"/>
+            </a:solidFill>
+            <a:ln w="38100">
+              <a:solidFill>
+                <a:schemeClr val="tx1"/>
+              </a:solidFill>
+              <a:round/>
+              <a:headEnd/>
+              <a:tailEnd/>
+            </a:ln>
+            <a:effectLst/>
+            <a:extLst>
+              <a:ext uri="{AF507438-7753-43E0-B8FC-AC1667EBCBE1}">
+                <a14:hiddenEffects xmlns:a14="http://schemas.microsoft.com/office/drawing/2010/main">
+                  <a:effectLst>
+                    <a:outerShdw dist="35921" dir="2700000" algn="ctr" rotWithShape="0">
+                      <a:schemeClr val="bg2"/>
+                    </a:outerShdw>
+                  </a:effectLst>
+                </a14:hiddenEffects>
+              </a:ext>
+            </a:extLst>
+          </p:spPr>
+          <p:txBody>
+            <a:bodyPr wrap="none" anchor="ctr"/>
+            <a:lstStyle/>
+            <a:p>
+              <a:endParaRPr lang="en-US" dirty="0">
+                <a:solidFill>
+                  <a:schemeClr val="tx1"/>
+                </a:solidFill>
+                <a:latin typeface="Arial" pitchFamily="34" charset="0"/>
+              </a:endParaRPr>
+            </a:p>
+          </p:txBody>
+        </p:sp>
+        <p:sp>
+          <p:nvSpPr>
+            <p:cNvPr id="49" name="AutoShape 105"/>
+            <p:cNvSpPr>
+              <a:spLocks noChangeArrowheads="1"/>
+            </p:cNvSpPr>
+            <p:nvPr>
+              <p:custDataLst>
+                <p:tags r:id="rId13"/>
+              </p:custDataLst>
+            </p:nvPr>
+          </p:nvSpPr>
+          <p:spPr bwMode="gray">
+            <a:xfrm>
+              <a:off x="2312" y="2931"/>
+              <a:ext cx="182" cy="408"/>
+            </a:xfrm>
+            <a:prstGeom prst="roundRect">
+              <a:avLst>
+                <a:gd name="adj" fmla="val 16667"/>
+              </a:avLst>
+            </a:prstGeom>
+            <a:solidFill>
+              <a:schemeClr val="bg1"/>
+            </a:solidFill>
+            <a:ln w="9525">
+              <a:solidFill>
+                <a:schemeClr val="tx1"/>
+              </a:solidFill>
+              <a:round/>
+              <a:headEnd/>
+              <a:tailEnd/>
+            </a:ln>
+            <a:effectLst/>
+            <a:extLst>
+              <a:ext uri="{AF507438-7753-43E0-B8FC-AC1667EBCBE1}">
+                <a14:hiddenEffects xmlns:a14="http://schemas.microsoft.com/office/drawing/2010/main">
+                  <a:effectLst>
+                    <a:outerShdw dist="35921" dir="2700000" algn="ctr" rotWithShape="0">
+                      <a:schemeClr val="bg2"/>
+                    </a:outerShdw>
+                  </a:effectLst>
+                </a14:hiddenEffects>
+              </a:ext>
+            </a:extLst>
+          </p:spPr>
+          <p:txBody>
+            <a:bodyPr wrap="none" anchor="ctr"/>
+            <a:lstStyle/>
+            <a:p>
+              <a:endParaRPr lang="en-US" dirty="0">
+                <a:latin typeface="Arial" pitchFamily="34" charset="0"/>
+              </a:endParaRPr>
+            </a:p>
+          </p:txBody>
+        </p:sp>
+        <p:sp>
+          <p:nvSpPr>
+            <p:cNvPr id="50" name="Oval 106"/>
+            <p:cNvSpPr>
+              <a:spLocks noChangeArrowheads="1"/>
+            </p:cNvSpPr>
+            <p:nvPr>
+              <p:custDataLst>
+                <p:tags r:id="rId14"/>
+              </p:custDataLst>
+            </p:nvPr>
+          </p:nvSpPr>
+          <p:spPr bwMode="gray">
+            <a:xfrm>
+              <a:off x="2358" y="3090"/>
+              <a:ext cx="90" cy="90"/>
+            </a:xfrm>
+            <a:prstGeom prst="ellipse">
+              <a:avLst/>
+            </a:prstGeom>
+            <a:solidFill>
+              <a:schemeClr val="bg1"/>
+            </a:solidFill>
+            <a:ln w="9525">
+              <a:solidFill>
+                <a:schemeClr val="tx1"/>
+              </a:solidFill>
+              <a:round/>
+              <a:headEnd/>
+              <a:tailEnd/>
+            </a:ln>
+            <a:effectLst/>
+            <a:extLst>
+              <a:ext uri="{AF507438-7753-43E0-B8FC-AC1667EBCBE1}">
+                <a14:hiddenEffects xmlns:a14="http://schemas.microsoft.com/office/drawing/2010/main">
+                  <a:effectLst>
+                    <a:outerShdw dist="35921" dir="2700000" algn="ctr" rotWithShape="0">
+                      <a:schemeClr val="bg2"/>
+                    </a:outerShdw>
+                  </a:effectLst>
+                </a14:hiddenEffects>
+              </a:ext>
+            </a:extLst>
+          </p:spPr>
+          <p:txBody>
+            <a:bodyPr wrap="none" anchor="ctr"/>
+            <a:lstStyle/>
+            <a:p>
+              <a:endParaRPr lang="en-US" dirty="0">
+                <a:latin typeface="Arial" pitchFamily="34" charset="0"/>
+              </a:endParaRPr>
+            </a:p>
+          </p:txBody>
+        </p:sp>
+        <p:sp>
+          <p:nvSpPr>
+            <p:cNvPr id="51" name="Oval 107"/>
+            <p:cNvSpPr>
+              <a:spLocks noChangeArrowheads="1"/>
+            </p:cNvSpPr>
+            <p:nvPr>
+              <p:custDataLst>
+                <p:tags r:id="rId15"/>
+              </p:custDataLst>
+            </p:nvPr>
+          </p:nvSpPr>
+          <p:spPr bwMode="gray">
+            <a:xfrm>
+              <a:off x="2358" y="3203"/>
+              <a:ext cx="90" cy="90"/>
+            </a:xfrm>
+            <a:prstGeom prst="ellipse">
+              <a:avLst/>
+            </a:prstGeom>
+            <a:solidFill>
+              <a:schemeClr val="accent3"/>
+            </a:solidFill>
+            <a:ln w="9525" algn="ctr">
+              <a:solidFill>
+                <a:schemeClr val="tx1"/>
+              </a:solidFill>
+              <a:round/>
+              <a:headEnd/>
+              <a:tailEnd/>
+            </a:ln>
+            <a:effectLst/>
+            <a:extLst>
+              <a:ext uri="{AF507438-7753-43E0-B8FC-AC1667EBCBE1}">
+                <a14:hiddenEffects xmlns:a14="http://schemas.microsoft.com/office/drawing/2010/main">
+                  <a:effectLst>
+                    <a:outerShdw dist="35921" dir="2700000" algn="ctr" rotWithShape="0">
+                      <a:schemeClr val="bg2"/>
+                    </a:outerShdw>
+                  </a:effectLst>
+                </a14:hiddenEffects>
+              </a:ext>
+            </a:extLst>
+          </p:spPr>
+          <p:txBody>
+            <a:bodyPr wrap="none" anchor="ctr"/>
+            <a:lstStyle/>
+            <a:p>
+              <a:endParaRPr lang="en-US" dirty="0">
+                <a:latin typeface="Arial" pitchFamily="34" charset="0"/>
+              </a:endParaRPr>
+            </a:p>
+          </p:txBody>
+        </p:sp>
+        <p:sp>
+          <p:nvSpPr>
+            <p:cNvPr id="52" name="Oval 108"/>
+            <p:cNvSpPr>
+              <a:spLocks noChangeArrowheads="1"/>
+            </p:cNvSpPr>
+            <p:nvPr>
+              <p:custDataLst>
+                <p:tags r:id="rId16"/>
+              </p:custDataLst>
+            </p:nvPr>
+          </p:nvSpPr>
+          <p:spPr bwMode="gray">
+            <a:xfrm>
+              <a:off x="2358" y="2977"/>
+              <a:ext cx="90" cy="90"/>
+            </a:xfrm>
+            <a:prstGeom prst="ellipse">
+              <a:avLst/>
+            </a:prstGeom>
+            <a:solidFill>
+              <a:schemeClr val="bg1"/>
+            </a:solidFill>
+            <a:ln w="9525">
+              <a:solidFill>
+                <a:schemeClr val="tx1"/>
+              </a:solidFill>
+              <a:round/>
+              <a:headEnd/>
+              <a:tailEnd/>
+            </a:ln>
+            <a:effectLst/>
+            <a:extLst>
+              <a:ext uri="{AF507438-7753-43E0-B8FC-AC1667EBCBE1}">
+                <a14:hiddenEffects xmlns:a14="http://schemas.microsoft.com/office/drawing/2010/main">
+                  <a:effectLst>
+                    <a:outerShdw dist="35921" dir="2700000" algn="ctr" rotWithShape="0">
+                      <a:schemeClr val="bg2"/>
+                    </a:outerShdw>
+                  </a:effectLst>
+                </a14:hiddenEffects>
+              </a:ext>
+            </a:extLst>
+          </p:spPr>
+          <p:txBody>
+            <a:bodyPr wrap="none" anchor="ctr"/>
+            <a:lstStyle/>
+            <a:p>
+              <a:endParaRPr lang="en-US" dirty="0">
+                <a:latin typeface="Arial" pitchFamily="34" charset="0"/>
+              </a:endParaRPr>
+            </a:p>
+          </p:txBody>
+        </p:sp>
+      </p:grpSp>
+      <p:grpSp>
+        <p:nvGrpSpPr>
+          <p:cNvPr id="53" name="Group 97"/>
+          <p:cNvGrpSpPr>
+            <a:grpSpLocks noChangeAspect="1"/>
+          </p:cNvGrpSpPr>
+          <p:nvPr>
+            <p:custDataLst>
+              <p:tags r:id="rId6"/>
+            </p:custDataLst>
+          </p:nvPr>
+        </p:nvGrpSpPr>
+        <p:grpSpPr bwMode="gray">
+          <a:xfrm>
+            <a:off x="3697662" y="4023767"/>
+            <a:ext cx="290649" cy="648000"/>
+            <a:chOff x="2312" y="2931"/>
+            <a:chExt cx="183" cy="408"/>
+          </a:xfrm>
+        </p:grpSpPr>
+        <p:sp>
+          <p:nvSpPr>
+            <p:cNvPr id="54" name="AutoShape 98"/>
+            <p:cNvSpPr>
+              <a:spLocks noChangeArrowheads="1"/>
+            </p:cNvSpPr>
+            <p:nvPr>
+              <p:custDataLst>
+                <p:tags r:id="rId7"/>
+              </p:custDataLst>
+            </p:nvPr>
+          </p:nvSpPr>
+          <p:spPr bwMode="gray">
+            <a:xfrm>
+              <a:off x="2312" y="2932"/>
+              <a:ext cx="183" cy="407"/>
+            </a:xfrm>
+            <a:prstGeom prst="roundRect">
+              <a:avLst>
+                <a:gd name="adj" fmla="val 16667"/>
+              </a:avLst>
+            </a:prstGeom>
+            <a:solidFill>
+              <a:schemeClr val="tx1"/>
+            </a:solidFill>
+            <a:ln w="38100">
+              <a:solidFill>
+                <a:schemeClr val="tx1"/>
+              </a:solidFill>
+              <a:round/>
+              <a:headEnd/>
+              <a:tailEnd/>
+            </a:ln>
+            <a:effectLst/>
+            <a:extLst>
+              <a:ext uri="{AF507438-7753-43E0-B8FC-AC1667EBCBE1}">
+                <a14:hiddenEffects xmlns:a14="http://schemas.microsoft.com/office/drawing/2010/main">
+                  <a:effectLst>
+                    <a:outerShdw dist="35921" dir="2700000" algn="ctr" rotWithShape="0">
+                      <a:schemeClr val="bg2"/>
+                    </a:outerShdw>
+                  </a:effectLst>
+                </a14:hiddenEffects>
+              </a:ext>
+            </a:extLst>
+          </p:spPr>
+          <p:txBody>
+            <a:bodyPr wrap="none" anchor="ctr"/>
+            <a:lstStyle/>
+            <a:p>
+              <a:endParaRPr lang="en-US" dirty="0">
+                <a:solidFill>
+                  <a:schemeClr val="tx1"/>
+                </a:solidFill>
+                <a:latin typeface="Arial" pitchFamily="34" charset="0"/>
+              </a:endParaRPr>
+            </a:p>
+          </p:txBody>
+        </p:sp>
+        <p:sp>
+          <p:nvSpPr>
+            <p:cNvPr id="55" name="AutoShape 99"/>
+            <p:cNvSpPr>
+              <a:spLocks noChangeArrowheads="1"/>
+            </p:cNvSpPr>
+            <p:nvPr>
+              <p:custDataLst>
+                <p:tags r:id="rId8"/>
+              </p:custDataLst>
+            </p:nvPr>
+          </p:nvSpPr>
+          <p:spPr bwMode="gray">
+            <a:xfrm>
+              <a:off x="2312" y="2931"/>
+              <a:ext cx="182" cy="408"/>
+            </a:xfrm>
+            <a:prstGeom prst="roundRect">
+              <a:avLst>
+                <a:gd name="adj" fmla="val 16667"/>
+              </a:avLst>
+            </a:prstGeom>
+            <a:solidFill>
+              <a:schemeClr val="bg1"/>
+            </a:solidFill>
+            <a:ln w="9525">
+              <a:solidFill>
+                <a:schemeClr val="tx1"/>
+              </a:solidFill>
+              <a:round/>
+              <a:headEnd/>
+              <a:tailEnd/>
+            </a:ln>
+            <a:effectLst/>
+            <a:extLst>
+              <a:ext uri="{AF507438-7753-43E0-B8FC-AC1667EBCBE1}">
+                <a14:hiddenEffects xmlns:a14="http://schemas.microsoft.com/office/drawing/2010/main">
+                  <a:effectLst>
+                    <a:outerShdw dist="35921" dir="2700000" algn="ctr" rotWithShape="0">
+                      <a:schemeClr val="bg2"/>
+                    </a:outerShdw>
+                  </a:effectLst>
+                </a14:hiddenEffects>
+              </a:ext>
+            </a:extLst>
+          </p:spPr>
+          <p:txBody>
+            <a:bodyPr wrap="none" anchor="ctr"/>
+            <a:lstStyle/>
+            <a:p>
+              <a:endParaRPr lang="en-US" dirty="0">
+                <a:latin typeface="Arial" pitchFamily="34" charset="0"/>
+              </a:endParaRPr>
+            </a:p>
+          </p:txBody>
+        </p:sp>
+        <p:sp>
+          <p:nvSpPr>
+            <p:cNvPr id="56" name="Oval 100"/>
+            <p:cNvSpPr>
+              <a:spLocks noChangeArrowheads="1"/>
+            </p:cNvSpPr>
+            <p:nvPr>
+              <p:custDataLst>
+                <p:tags r:id="rId9"/>
+              </p:custDataLst>
+            </p:nvPr>
+          </p:nvSpPr>
+          <p:spPr bwMode="gray">
+            <a:xfrm>
+              <a:off x="2358" y="3090"/>
+              <a:ext cx="90" cy="90"/>
+            </a:xfrm>
+            <a:prstGeom prst="ellipse">
+              <a:avLst/>
+            </a:prstGeom>
+            <a:solidFill>
+              <a:schemeClr val="accent4">
+                <a:lumMod val="60000"/>
+                <a:lumOff val="40000"/>
+              </a:schemeClr>
+            </a:solidFill>
+            <a:ln w="9525">
+              <a:solidFill>
+                <a:schemeClr val="tx1"/>
+              </a:solidFill>
+              <a:round/>
+              <a:headEnd/>
+              <a:tailEnd/>
+            </a:ln>
+            <a:effectLst/>
+            <a:extLst>
+              <a:ext uri="{AF507438-7753-43E0-B8FC-AC1667EBCBE1}">
+                <a14:hiddenEffects xmlns:a14="http://schemas.microsoft.com/office/drawing/2010/main">
+                  <a:effectLst>
+                    <a:outerShdw dist="35921" dir="2700000" algn="ctr" rotWithShape="0">
+                      <a:schemeClr val="bg2"/>
+                    </a:outerShdw>
+                  </a:effectLst>
+                </a14:hiddenEffects>
+              </a:ext>
+            </a:extLst>
+          </p:spPr>
+          <p:txBody>
+            <a:bodyPr wrap="none" anchor="ctr"/>
+            <a:lstStyle/>
+            <a:p>
+              <a:endParaRPr lang="en-US" dirty="0">
+                <a:latin typeface="Arial" pitchFamily="34" charset="0"/>
+              </a:endParaRPr>
+            </a:p>
+          </p:txBody>
+        </p:sp>
+        <p:sp>
+          <p:nvSpPr>
+            <p:cNvPr id="57" name="Oval 101"/>
+            <p:cNvSpPr>
+              <a:spLocks noChangeArrowheads="1"/>
+            </p:cNvSpPr>
+            <p:nvPr>
+              <p:custDataLst>
+                <p:tags r:id="rId10"/>
+              </p:custDataLst>
+            </p:nvPr>
+          </p:nvSpPr>
+          <p:spPr bwMode="gray">
+            <a:xfrm>
+              <a:off x="2358" y="3203"/>
+              <a:ext cx="90" cy="90"/>
+            </a:xfrm>
+            <a:prstGeom prst="ellipse">
+              <a:avLst/>
+            </a:prstGeom>
+            <a:solidFill>
+              <a:schemeClr val="bg1"/>
+            </a:solidFill>
+            <a:ln w="9525" algn="ctr">
+              <a:solidFill>
+                <a:schemeClr val="tx1"/>
+              </a:solidFill>
+              <a:round/>
+              <a:headEnd/>
+              <a:tailEnd/>
+            </a:ln>
+            <a:effectLst/>
+            <a:extLst>
+              <a:ext uri="{AF507438-7753-43E0-B8FC-AC1667EBCBE1}">
+                <a14:hiddenEffects xmlns:a14="http://schemas.microsoft.com/office/drawing/2010/main">
+                  <a:effectLst>
+                    <a:outerShdw dist="35921" dir="2700000" algn="ctr" rotWithShape="0">
+                      <a:schemeClr val="bg2"/>
+                    </a:outerShdw>
+                  </a:effectLst>
+                </a14:hiddenEffects>
+              </a:ext>
+            </a:extLst>
+          </p:spPr>
+          <p:txBody>
+            <a:bodyPr wrap="none" anchor="ctr"/>
+            <a:lstStyle/>
+            <a:p>
+              <a:endParaRPr lang="en-US" dirty="0">
+                <a:latin typeface="Arial" pitchFamily="34" charset="0"/>
+              </a:endParaRPr>
+            </a:p>
+          </p:txBody>
+        </p:sp>
+        <p:sp>
+          <p:nvSpPr>
+            <p:cNvPr id="58" name="Oval 102"/>
+            <p:cNvSpPr>
+              <a:spLocks noChangeArrowheads="1"/>
+            </p:cNvSpPr>
+            <p:nvPr>
+              <p:custDataLst>
+                <p:tags r:id="rId11"/>
+              </p:custDataLst>
+            </p:nvPr>
+          </p:nvSpPr>
+          <p:spPr bwMode="gray">
+            <a:xfrm>
+              <a:off x="2358" y="2977"/>
+              <a:ext cx="90" cy="90"/>
+            </a:xfrm>
+            <a:prstGeom prst="ellipse">
+              <a:avLst/>
+            </a:prstGeom>
+            <a:solidFill>
+              <a:schemeClr val="bg1"/>
+            </a:solidFill>
+            <a:ln w="9525">
+              <a:solidFill>
+                <a:schemeClr val="tx1"/>
+              </a:solidFill>
+              <a:round/>
+              <a:headEnd/>
+              <a:tailEnd/>
+            </a:ln>
+            <a:effectLst/>
+            <a:extLst>
+              <a:ext uri="{AF507438-7753-43E0-B8FC-AC1667EBCBE1}">
+                <a14:hiddenEffects xmlns:a14="http://schemas.microsoft.com/office/drawing/2010/main">
+                  <a:effectLst>
+                    <a:outerShdw dist="35921" dir="2700000" algn="ctr" rotWithShape="0">
+                      <a:schemeClr val="bg2"/>
+                    </a:outerShdw>
+                  </a:effectLst>
+                </a14:hiddenEffects>
+              </a:ext>
+            </a:extLst>
+          </p:spPr>
+          <p:txBody>
+            <a:bodyPr wrap="none" anchor="ctr"/>
+            <a:lstStyle/>
+            <a:p>
+              <a:endParaRPr lang="en-US" dirty="0">
+                <a:latin typeface="Arial" pitchFamily="34" charset="0"/>
+              </a:endParaRPr>
+            </a:p>
+          </p:txBody>
+        </p:sp>
+      </p:grpSp>
     </p:spTree>
     <p:extLst>
       <p:ext uri="{BB962C8B-B14F-4D97-AF65-F5344CB8AC3E}">
-        <p14:creationId xmlns:p14="http://schemas.microsoft.com/office/powerpoint/2010/main" val="538070859"/>
+        <p14:creationId xmlns:p14="http://schemas.microsoft.com/office/powerpoint/2010/main" val="1117825117"/>
       </p:ext>
     </p:extLst>
   </p:cSld>
   <p:clrMapOvr>
     <a:masterClrMapping/>
   </p:clrMapOvr>
+  <p:timing>
+    <p:tnLst>
+      <p:par>
+        <p:cTn id="1" dur="indefinite" restart="never" nodeType="tmRoot"/>
+      </p:par>
+    </p:tnLst>
+  </p:timing>
 </p:sld>
 </file>
 
@@ -15759,96 +17911,37 @@
       </p:grpSpPr>
       <p:sp>
         <p:nvSpPr>
-          <p:cNvPr id="5" name="Content Placeholder 4"/>
+          <p:cNvPr id="2" name="Text Placeholder 1"/>
           <p:cNvSpPr>
             <a:spLocks noGrp="1"/>
           </p:cNvSpPr>
           <p:nvPr>
-            <p:ph sz="quarter" idx="16"/>
+            <p:ph type="body" sz="quarter" idx="10"/>
           </p:nvPr>
         </p:nvSpPr>
-        <p:spPr/>
+        <p:spPr>
+          <a:xfrm>
+            <a:off x="323410" y="915566"/>
+            <a:ext cx="8496740" cy="540476"/>
+          </a:xfrm>
+        </p:spPr>
         <p:txBody>
           <a:bodyPr/>
           <a:lstStyle/>
           <a:p>
-            <a:endParaRPr lang="en-US" dirty="0"/>
-          </a:p>
-        </p:txBody>
-      </p:sp>
-      <p:sp>
-        <p:nvSpPr>
-          <p:cNvPr id="6" name="Content Placeholder 5"/>
-          <p:cNvSpPr>
-            <a:spLocks noGrp="1"/>
-          </p:cNvSpPr>
-          <p:nvPr>
-            <p:ph sz="quarter" idx="17"/>
-          </p:nvPr>
-        </p:nvSpPr>
-        <p:spPr/>
-        <p:txBody>
-          <a:bodyPr/>
-          <a:lstStyle/>
-          <a:p>
-            <a:endParaRPr lang="en-US" dirty="0"/>
-          </a:p>
-        </p:txBody>
-      </p:sp>
-      <p:sp>
-        <p:nvSpPr>
-          <p:cNvPr id="7" name="Content Placeholder 6"/>
-          <p:cNvSpPr>
-            <a:spLocks noGrp="1"/>
-          </p:cNvSpPr>
-          <p:nvPr>
-            <p:ph sz="quarter" idx="18"/>
-          </p:nvPr>
-        </p:nvSpPr>
-        <p:spPr/>
-        <p:txBody>
-          <a:bodyPr/>
-          <a:lstStyle/>
-          <a:p>
-            <a:endParaRPr lang="en-US" dirty="0"/>
-          </a:p>
-        </p:txBody>
-      </p:sp>
-      <p:sp>
-        <p:nvSpPr>
-          <p:cNvPr id="8" name="Content Placeholder 7"/>
-          <p:cNvSpPr>
-            <a:spLocks noGrp="1"/>
-          </p:cNvSpPr>
-          <p:nvPr>
-            <p:ph sz="quarter" idx="19"/>
-          </p:nvPr>
-        </p:nvSpPr>
-        <p:spPr/>
-        <p:txBody>
-          <a:bodyPr/>
-          <a:lstStyle/>
-          <a:p>
-            <a:endParaRPr lang="en-US" dirty="0"/>
-          </a:p>
-        </p:txBody>
-      </p:sp>
-      <p:sp>
-        <p:nvSpPr>
-          <p:cNvPr id="2" name="Title 1"/>
-          <p:cNvSpPr>
-            <a:spLocks noGrp="1"/>
-          </p:cNvSpPr>
-          <p:nvPr>
-            <p:ph type="title"/>
-          </p:nvPr>
-        </p:nvSpPr>
-        <p:spPr/>
-        <p:txBody>
-          <a:bodyPr/>
-          <a:lstStyle/>
-          <a:p>
-            <a:endParaRPr lang="en-US" dirty="0"/>
+            <a:r>
+              <a:rPr lang="en-US" sz="1600" dirty="0" smtClean="0"/>
+              <a:t>Overall, our primary focus should be on improving public health: </a:t>
+            </a:r>
+            <a:r>
+              <a:rPr lang="en-US" sz="1600" dirty="0" err="1" smtClean="0"/>
+              <a:t>esp</a:t>
+            </a:r>
+            <a:r>
+              <a:rPr lang="en-US" sz="1600" dirty="0" smtClean="0"/>
+              <a:t>, fighting tuberculosis, and lowering infant mortality rate; and improving fixed phone line infrastructure.</a:t>
+            </a:r>
+            <a:endParaRPr lang="en-US" sz="1600" dirty="0"/>
           </a:p>
         </p:txBody>
       </p:sp>
@@ -15867,18 +17960,18 @@
           <a:bodyPr/>
           <a:lstStyle/>
           <a:p>
-            <a:endParaRPr lang="en-US" dirty="0"/>
-          </a:p>
-        </p:txBody>
-      </p:sp>
-      <p:sp>
-        <p:nvSpPr>
-          <p:cNvPr id="4" name="Text Placeholder 3"/>
+            <a:endParaRPr lang="en-US"/>
+          </a:p>
+        </p:txBody>
+      </p:sp>
+      <p:sp>
+        <p:nvSpPr>
+          <p:cNvPr id="4" name="Title 3"/>
           <p:cNvSpPr>
             <a:spLocks noGrp="1"/>
           </p:cNvSpPr>
           <p:nvPr>
-            <p:ph type="body" sz="quarter" idx="12"/>
+            <p:ph type="title"/>
           </p:nvPr>
         </p:nvSpPr>
         <p:spPr/>
@@ -15886,14 +17979,1218 @@
           <a:bodyPr/>
           <a:lstStyle/>
           <a:p>
+            <a:r>
+              <a:rPr lang="en-US" dirty="0" smtClean="0"/>
+              <a:t>Summary of top predictors of Happiness, our absolute standing on them (vs. others) and our trends over time</a:t>
+            </a:r>
             <a:endParaRPr lang="en-US" dirty="0"/>
+          </a:p>
+        </p:txBody>
+      </p:sp>
+      <p:graphicFrame>
+        <p:nvGraphicFramePr>
+          <p:cNvPr id="5" name="Table 4"/>
+          <p:cNvGraphicFramePr>
+            <a:graphicFrameLocks noGrp="1"/>
+          </p:cNvGraphicFramePr>
+          <p:nvPr>
+            <p:extLst>
+              <p:ext uri="{D42A27DB-BD31-4B8C-83A1-F6EECF244321}">
+                <p14:modId xmlns:p14="http://schemas.microsoft.com/office/powerpoint/2010/main" val="3235069919"/>
+              </p:ext>
+            </p:extLst>
+          </p:nvPr>
+        </p:nvGraphicFramePr>
+        <p:xfrm>
+          <a:off x="323408" y="1657350"/>
+          <a:ext cx="8058592" cy="2743200"/>
+        </p:xfrm>
+        <a:graphic>
+          <a:graphicData uri="http://schemas.openxmlformats.org/drawingml/2006/table">
+            <a:tbl>
+              <a:tblPr firstRow="1" bandRow="1">
+                <a:tableStyleId>{C115FB49-3FBE-41CF-8DFC-A938FE5134F0}</a:tableStyleId>
+              </a:tblPr>
+              <a:tblGrid>
+                <a:gridCol w="4477192">
+                  <a:extLst>
+                    <a:ext uri="{9D8B030D-6E8A-4147-A177-3AD203B41FA5}">
+                      <a16:colId xmlns:a16="http://schemas.microsoft.com/office/drawing/2014/main" val="1886647842"/>
+                    </a:ext>
+                  </a:extLst>
+                </a:gridCol>
+                <a:gridCol w="1066800">
+                  <a:extLst>
+                    <a:ext uri="{9D8B030D-6E8A-4147-A177-3AD203B41FA5}">
+                      <a16:colId xmlns:a16="http://schemas.microsoft.com/office/drawing/2014/main" val="2071739896"/>
+                    </a:ext>
+                  </a:extLst>
+                </a:gridCol>
+                <a:gridCol w="1295400">
+                  <a:extLst>
+                    <a:ext uri="{9D8B030D-6E8A-4147-A177-3AD203B41FA5}">
+                      <a16:colId xmlns:a16="http://schemas.microsoft.com/office/drawing/2014/main" val="2177605256"/>
+                    </a:ext>
+                  </a:extLst>
+                </a:gridCol>
+                <a:gridCol w="1219200">
+                  <a:extLst>
+                    <a:ext uri="{9D8B030D-6E8A-4147-A177-3AD203B41FA5}">
+                      <a16:colId xmlns:a16="http://schemas.microsoft.com/office/drawing/2014/main" val="652875972"/>
+                    </a:ext>
+                  </a:extLst>
+                </a:gridCol>
+              </a:tblGrid>
+              <a:tr h="370840">
+                <a:tc>
+                  <a:txBody>
+                    <a:bodyPr/>
+                    <a:lstStyle/>
+                    <a:p>
+                      <a:r>
+                        <a:rPr lang="en-US" sz="1400" i="1" dirty="0" smtClean="0"/>
+                        <a:t>Indicator</a:t>
+                      </a:r>
+                      <a:endParaRPr lang="en-US" sz="1400" i="1" dirty="0"/>
+                    </a:p>
+                  </a:txBody>
+                  <a:tcPr anchor="ctr"/>
+                </a:tc>
+                <a:tc>
+                  <a:txBody>
+                    <a:bodyPr/>
+                    <a:lstStyle/>
+                    <a:p>
+                      <a:pPr algn="ctr"/>
+                      <a:r>
+                        <a:rPr lang="en-US" sz="1400" i="1" dirty="0" err="1" smtClean="0"/>
+                        <a:t>Impor-tance</a:t>
+                      </a:r>
+                      <a:endParaRPr lang="en-US" sz="1400" i="1" dirty="0"/>
+                    </a:p>
+                  </a:txBody>
+                  <a:tcPr anchor="ctr"/>
+                </a:tc>
+                <a:tc>
+                  <a:txBody>
+                    <a:bodyPr/>
+                    <a:lstStyle/>
+                    <a:p>
+                      <a:pPr algn="ctr"/>
+                      <a:r>
+                        <a:rPr lang="en-US" sz="1400" i="1" dirty="0" smtClean="0"/>
+                        <a:t>Absolute Standing</a:t>
+                      </a:r>
+                      <a:endParaRPr lang="en-US" sz="1400" i="1" dirty="0"/>
+                    </a:p>
+                  </a:txBody>
+                  <a:tcPr anchor="ctr"/>
+                </a:tc>
+                <a:tc>
+                  <a:txBody>
+                    <a:bodyPr/>
+                    <a:lstStyle/>
+                    <a:p>
+                      <a:pPr algn="ctr"/>
+                      <a:r>
+                        <a:rPr lang="en-US" sz="1400" i="1" dirty="0" smtClean="0"/>
+                        <a:t>Trend</a:t>
+                      </a:r>
+                      <a:r>
+                        <a:rPr lang="en-US" sz="1400" i="1" baseline="0" dirty="0" smtClean="0"/>
+                        <a:t> over time</a:t>
+                      </a:r>
+                      <a:endParaRPr lang="en-US" sz="1400" i="1" dirty="0"/>
+                    </a:p>
+                  </a:txBody>
+                  <a:tcPr anchor="ctr"/>
+                </a:tc>
+                <a:extLst>
+                  <a:ext uri="{0D108BD9-81ED-4DB2-BD59-A6C34878D82A}">
+                    <a16:rowId xmlns:a16="http://schemas.microsoft.com/office/drawing/2014/main" val="498011674"/>
+                  </a:ext>
+                </a:extLst>
+              </a:tr>
+              <a:tr h="370840">
+                <a:tc>
+                  <a:txBody>
+                    <a:bodyPr/>
+                    <a:lstStyle/>
+                    <a:p>
+                      <a:r>
+                        <a:rPr lang="en-US" sz="1600" dirty="0" smtClean="0">
+                          <a:latin typeface="Arial" pitchFamily="34" charset="0"/>
+                          <a:cs typeface="Arial" pitchFamily="34" charset="0"/>
+                        </a:rPr>
+                        <a:t>Internet Users (per 100 people)</a:t>
+                      </a:r>
+                      <a:endParaRPr lang="en-US" sz="1600" dirty="0"/>
+                    </a:p>
+                  </a:txBody>
+                  <a:tcPr/>
+                </a:tc>
+                <a:tc>
+                  <a:txBody>
+                    <a:bodyPr/>
+                    <a:lstStyle/>
+                    <a:p>
+                      <a:pPr algn="ctr"/>
+                      <a:r>
+                        <a:rPr lang="en-US" sz="1600" dirty="0" smtClean="0"/>
+                        <a:t>15</a:t>
+                      </a:r>
+                      <a:endParaRPr lang="en-US" sz="1600" dirty="0"/>
+                    </a:p>
+                  </a:txBody>
+                  <a:tcPr/>
+                </a:tc>
+                <a:tc>
+                  <a:txBody>
+                    <a:bodyPr/>
+                    <a:lstStyle/>
+                    <a:p>
+                      <a:pPr algn="ctr"/>
+                      <a:endParaRPr lang="en-US" sz="1600" dirty="0"/>
+                    </a:p>
+                  </a:txBody>
+                  <a:tcPr/>
+                </a:tc>
+                <a:tc>
+                  <a:txBody>
+                    <a:bodyPr/>
+                    <a:lstStyle/>
+                    <a:p>
+                      <a:pPr algn="ctr"/>
+                      <a:endParaRPr lang="en-US" sz="1600" dirty="0"/>
+                    </a:p>
+                  </a:txBody>
+                  <a:tcPr/>
+                </a:tc>
+                <a:extLst>
+                  <a:ext uri="{0D108BD9-81ED-4DB2-BD59-A6C34878D82A}">
+                    <a16:rowId xmlns:a16="http://schemas.microsoft.com/office/drawing/2014/main" val="144151744"/>
+                  </a:ext>
+                </a:extLst>
+              </a:tr>
+              <a:tr h="370840">
+                <a:tc>
+                  <a:txBody>
+                    <a:bodyPr/>
+                    <a:lstStyle/>
+                    <a:p>
+                      <a:pPr marL="0" marR="0" lvl="0" indent="0" algn="l" defTabSz="914400" rtl="0" eaLnBrk="1" fontAlgn="auto" latinLnBrk="0" hangingPunct="1">
+                        <a:lnSpc>
+                          <a:spcPct val="100000"/>
+                        </a:lnSpc>
+                        <a:spcBef>
+                          <a:spcPts val="0"/>
+                        </a:spcBef>
+                        <a:spcAft>
+                          <a:spcPts val="0"/>
+                        </a:spcAft>
+                        <a:buClrTx/>
+                        <a:buSzTx/>
+                        <a:buFontTx/>
+                        <a:buNone/>
+                        <a:tabLst/>
+                        <a:defRPr/>
+                      </a:pPr>
+                      <a:r>
+                        <a:rPr lang="en-US" sz="1600" dirty="0" smtClean="0">
+                          <a:latin typeface="Arial" pitchFamily="34" charset="0"/>
+                          <a:cs typeface="Arial" pitchFamily="34" charset="0"/>
+                        </a:rPr>
+                        <a:t>Incidence of Tuberculosis (per 100,000 people)</a:t>
+                      </a:r>
+                      <a:endParaRPr lang="en-US" sz="2000" dirty="0" smtClean="0">
+                        <a:latin typeface="Arial" pitchFamily="34" charset="0"/>
+                        <a:cs typeface="Arial" pitchFamily="34" charset="0"/>
+                      </a:endParaRPr>
+                    </a:p>
+                  </a:txBody>
+                  <a:tcPr/>
+                </a:tc>
+                <a:tc>
+                  <a:txBody>
+                    <a:bodyPr/>
+                    <a:lstStyle/>
+                    <a:p>
+                      <a:pPr algn="ctr"/>
+                      <a:r>
+                        <a:rPr lang="en-US" sz="1600" dirty="0" smtClean="0"/>
+                        <a:t>12</a:t>
+                      </a:r>
+                      <a:endParaRPr lang="en-US" sz="1600" dirty="0"/>
+                    </a:p>
+                  </a:txBody>
+                  <a:tcPr/>
+                </a:tc>
+                <a:tc>
+                  <a:txBody>
+                    <a:bodyPr/>
+                    <a:lstStyle/>
+                    <a:p>
+                      <a:pPr algn="ctr"/>
+                      <a:endParaRPr lang="en-US" sz="1600"/>
+                    </a:p>
+                  </a:txBody>
+                  <a:tcPr/>
+                </a:tc>
+                <a:tc>
+                  <a:txBody>
+                    <a:bodyPr/>
+                    <a:lstStyle/>
+                    <a:p>
+                      <a:pPr algn="ctr"/>
+                      <a:endParaRPr lang="en-US" sz="1600"/>
+                    </a:p>
+                  </a:txBody>
+                  <a:tcPr/>
+                </a:tc>
+                <a:extLst>
+                  <a:ext uri="{0D108BD9-81ED-4DB2-BD59-A6C34878D82A}">
+                    <a16:rowId xmlns:a16="http://schemas.microsoft.com/office/drawing/2014/main" val="3699231518"/>
+                  </a:ext>
+                </a:extLst>
+              </a:tr>
+              <a:tr h="370840">
+                <a:tc>
+                  <a:txBody>
+                    <a:bodyPr/>
+                    <a:lstStyle/>
+                    <a:p>
+                      <a:pPr marL="0" marR="0" lvl="0" indent="0" algn="l" defTabSz="914400" rtl="0" eaLnBrk="1" fontAlgn="auto" latinLnBrk="0" hangingPunct="1">
+                        <a:lnSpc>
+                          <a:spcPct val="100000"/>
+                        </a:lnSpc>
+                        <a:spcBef>
+                          <a:spcPts val="0"/>
+                        </a:spcBef>
+                        <a:spcAft>
+                          <a:spcPts val="0"/>
+                        </a:spcAft>
+                        <a:buClrTx/>
+                        <a:buSzTx/>
+                        <a:buFontTx/>
+                        <a:buNone/>
+                        <a:tabLst/>
+                        <a:defRPr/>
+                      </a:pPr>
+                      <a:r>
+                        <a:rPr lang="en-US" sz="1600" dirty="0" smtClean="0">
+                          <a:latin typeface="Arial" pitchFamily="34" charset="0"/>
+                          <a:cs typeface="Arial" pitchFamily="34" charset="0"/>
+                        </a:rPr>
+                        <a:t>Infant mortality rate ( per 1,000 live births)</a:t>
+                      </a:r>
+                      <a:endParaRPr lang="en-US" sz="2000" dirty="0" smtClean="0">
+                        <a:latin typeface="Arial" pitchFamily="34" charset="0"/>
+                        <a:cs typeface="Arial" pitchFamily="34" charset="0"/>
+                      </a:endParaRPr>
+                    </a:p>
+                  </a:txBody>
+                  <a:tcPr/>
+                </a:tc>
+                <a:tc>
+                  <a:txBody>
+                    <a:bodyPr/>
+                    <a:lstStyle/>
+                    <a:p>
+                      <a:pPr algn="ctr"/>
+                      <a:r>
+                        <a:rPr lang="en-US" sz="1600" dirty="0" smtClean="0"/>
+                        <a:t>11</a:t>
+                      </a:r>
+                      <a:endParaRPr lang="en-US" sz="1600" dirty="0"/>
+                    </a:p>
+                  </a:txBody>
+                  <a:tcPr/>
+                </a:tc>
+                <a:tc>
+                  <a:txBody>
+                    <a:bodyPr/>
+                    <a:lstStyle/>
+                    <a:p>
+                      <a:pPr algn="ctr"/>
+                      <a:endParaRPr lang="en-US" sz="1600"/>
+                    </a:p>
+                  </a:txBody>
+                  <a:tcPr/>
+                </a:tc>
+                <a:tc>
+                  <a:txBody>
+                    <a:bodyPr/>
+                    <a:lstStyle/>
+                    <a:p>
+                      <a:pPr algn="ctr"/>
+                      <a:endParaRPr lang="en-US" sz="1600"/>
+                    </a:p>
+                  </a:txBody>
+                  <a:tcPr/>
+                </a:tc>
+                <a:extLst>
+                  <a:ext uri="{0D108BD9-81ED-4DB2-BD59-A6C34878D82A}">
+                    <a16:rowId xmlns:a16="http://schemas.microsoft.com/office/drawing/2014/main" val="1955863388"/>
+                  </a:ext>
+                </a:extLst>
+              </a:tr>
+              <a:tr h="370840">
+                <a:tc>
+                  <a:txBody>
+                    <a:bodyPr/>
+                    <a:lstStyle/>
+                    <a:p>
+                      <a:pPr marL="0" marR="0" lvl="0" indent="0" algn="l" defTabSz="914400" rtl="0" eaLnBrk="1" fontAlgn="auto" latinLnBrk="0" hangingPunct="1">
+                        <a:lnSpc>
+                          <a:spcPct val="100000"/>
+                        </a:lnSpc>
+                        <a:spcBef>
+                          <a:spcPts val="0"/>
+                        </a:spcBef>
+                        <a:spcAft>
+                          <a:spcPts val="0"/>
+                        </a:spcAft>
+                        <a:buClrTx/>
+                        <a:buSzTx/>
+                        <a:buFontTx/>
+                        <a:buNone/>
+                        <a:tabLst/>
+                        <a:defRPr/>
+                      </a:pPr>
+                      <a:r>
+                        <a:rPr lang="en-US" sz="1600" dirty="0" smtClean="0">
+                          <a:latin typeface="Arial" pitchFamily="34" charset="0"/>
+                          <a:cs typeface="Arial" pitchFamily="34" charset="0"/>
+                        </a:rPr>
+                        <a:t>Fixed telephone subscriptions (per 100 people)</a:t>
+                      </a:r>
+                      <a:endParaRPr lang="en-US" sz="2000" dirty="0" smtClean="0">
+                        <a:latin typeface="Arial" pitchFamily="34" charset="0"/>
+                        <a:cs typeface="Arial" pitchFamily="34" charset="0"/>
+                      </a:endParaRPr>
+                    </a:p>
+                  </a:txBody>
+                  <a:tcPr/>
+                </a:tc>
+                <a:tc>
+                  <a:txBody>
+                    <a:bodyPr/>
+                    <a:lstStyle/>
+                    <a:p>
+                      <a:pPr algn="ctr"/>
+                      <a:r>
+                        <a:rPr lang="en-US" sz="1600" dirty="0" smtClean="0"/>
+                        <a:t>11</a:t>
+                      </a:r>
+                      <a:endParaRPr lang="en-US" sz="1600" dirty="0"/>
+                    </a:p>
+                  </a:txBody>
+                  <a:tcPr/>
+                </a:tc>
+                <a:tc>
+                  <a:txBody>
+                    <a:bodyPr/>
+                    <a:lstStyle/>
+                    <a:p>
+                      <a:pPr algn="ctr"/>
+                      <a:endParaRPr lang="en-US" sz="1600"/>
+                    </a:p>
+                  </a:txBody>
+                  <a:tcPr/>
+                </a:tc>
+                <a:tc>
+                  <a:txBody>
+                    <a:bodyPr/>
+                    <a:lstStyle/>
+                    <a:p>
+                      <a:pPr algn="ctr"/>
+                      <a:endParaRPr lang="en-US" sz="1600" dirty="0"/>
+                    </a:p>
+                  </a:txBody>
+                  <a:tcPr/>
+                </a:tc>
+                <a:extLst>
+                  <a:ext uri="{0D108BD9-81ED-4DB2-BD59-A6C34878D82A}">
+                    <a16:rowId xmlns:a16="http://schemas.microsoft.com/office/drawing/2014/main" val="451731158"/>
+                  </a:ext>
+                </a:extLst>
+              </a:tr>
+              <a:tr h="370840">
+                <a:tc>
+                  <a:txBody>
+                    <a:bodyPr/>
+                    <a:lstStyle/>
+                    <a:p>
+                      <a:pPr marL="0" marR="0" lvl="0" indent="0" algn="l" defTabSz="914400" rtl="0" eaLnBrk="1" fontAlgn="auto" latinLnBrk="0" hangingPunct="1">
+                        <a:lnSpc>
+                          <a:spcPct val="100000"/>
+                        </a:lnSpc>
+                        <a:spcBef>
+                          <a:spcPts val="0"/>
+                        </a:spcBef>
+                        <a:spcAft>
+                          <a:spcPts val="0"/>
+                        </a:spcAft>
+                        <a:buClrTx/>
+                        <a:buSzTx/>
+                        <a:buFontTx/>
+                        <a:buNone/>
+                        <a:tabLst/>
+                        <a:defRPr/>
+                      </a:pPr>
+                      <a:r>
+                        <a:rPr lang="en-US" sz="1800" dirty="0" smtClean="0">
+                          <a:latin typeface="Arial" pitchFamily="34" charset="0"/>
+                          <a:cs typeface="Arial" pitchFamily="34" charset="0"/>
+                        </a:rPr>
+                        <a:t>Improved sanitation facilities (% of pop.)</a:t>
+                      </a:r>
+                    </a:p>
+                  </a:txBody>
+                  <a:tcPr/>
+                </a:tc>
+                <a:tc>
+                  <a:txBody>
+                    <a:bodyPr/>
+                    <a:lstStyle/>
+                    <a:p>
+                      <a:pPr algn="ctr"/>
+                      <a:r>
+                        <a:rPr lang="en-US" sz="1600" dirty="0" smtClean="0"/>
+                        <a:t>8</a:t>
+                      </a:r>
+                      <a:endParaRPr lang="en-US" sz="1600" dirty="0"/>
+                    </a:p>
+                  </a:txBody>
+                  <a:tcPr/>
+                </a:tc>
+                <a:tc>
+                  <a:txBody>
+                    <a:bodyPr/>
+                    <a:lstStyle/>
+                    <a:p>
+                      <a:pPr algn="ctr"/>
+                      <a:endParaRPr lang="en-US" sz="1600"/>
+                    </a:p>
+                  </a:txBody>
+                  <a:tcPr/>
+                </a:tc>
+                <a:tc>
+                  <a:txBody>
+                    <a:bodyPr/>
+                    <a:lstStyle/>
+                    <a:p>
+                      <a:pPr algn="ctr"/>
+                      <a:endParaRPr lang="en-US" sz="1600" dirty="0"/>
+                    </a:p>
+                  </a:txBody>
+                  <a:tcPr/>
+                </a:tc>
+                <a:extLst>
+                  <a:ext uri="{0D108BD9-81ED-4DB2-BD59-A6C34878D82A}">
+                    <a16:rowId xmlns:a16="http://schemas.microsoft.com/office/drawing/2014/main" val="1082225593"/>
+                  </a:ext>
+                </a:extLst>
+              </a:tr>
+              <a:tr h="370840">
+                <a:tc>
+                  <a:txBody>
+                    <a:bodyPr/>
+                    <a:lstStyle/>
+                    <a:p>
+                      <a:r>
+                        <a:rPr lang="en-US" sz="1600" dirty="0" smtClean="0"/>
+                        <a:t>Mobile cellular subscriptions (per 100 people)</a:t>
+                      </a:r>
+                      <a:endParaRPr lang="en-US" sz="1600" dirty="0"/>
+                    </a:p>
+                  </a:txBody>
+                  <a:tcPr/>
+                </a:tc>
+                <a:tc>
+                  <a:txBody>
+                    <a:bodyPr/>
+                    <a:lstStyle/>
+                    <a:p>
+                      <a:pPr algn="ctr"/>
+                      <a:r>
+                        <a:rPr lang="en-US" sz="1600" dirty="0" smtClean="0"/>
+                        <a:t>7</a:t>
+                      </a:r>
+                      <a:endParaRPr lang="en-US" sz="1600" dirty="0"/>
+                    </a:p>
+                  </a:txBody>
+                  <a:tcPr/>
+                </a:tc>
+                <a:tc>
+                  <a:txBody>
+                    <a:bodyPr/>
+                    <a:lstStyle/>
+                    <a:p>
+                      <a:pPr algn="ctr"/>
+                      <a:endParaRPr lang="en-US" sz="1600"/>
+                    </a:p>
+                  </a:txBody>
+                  <a:tcPr/>
+                </a:tc>
+                <a:tc>
+                  <a:txBody>
+                    <a:bodyPr/>
+                    <a:lstStyle/>
+                    <a:p>
+                      <a:pPr algn="ctr"/>
+                      <a:endParaRPr lang="en-US" sz="1600" dirty="0"/>
+                    </a:p>
+                  </a:txBody>
+                  <a:tcPr/>
+                </a:tc>
+                <a:extLst>
+                  <a:ext uri="{0D108BD9-81ED-4DB2-BD59-A6C34878D82A}">
+                    <a16:rowId xmlns:a16="http://schemas.microsoft.com/office/drawing/2014/main" val="2687790181"/>
+                  </a:ext>
+                </a:extLst>
+              </a:tr>
+            </a:tbl>
+          </a:graphicData>
+        </a:graphic>
+      </p:graphicFrame>
+      <p:sp>
+        <p:nvSpPr>
+          <p:cNvPr id="6" name="Oval 107"/>
+          <p:cNvSpPr>
+            <a:spLocks noChangeArrowheads="1"/>
+          </p:cNvSpPr>
+          <p:nvPr>
+            <p:custDataLst>
+              <p:tags r:id="rId1"/>
+            </p:custDataLst>
+          </p:nvPr>
+        </p:nvSpPr>
+        <p:spPr bwMode="gray">
+          <a:xfrm>
+            <a:off x="7778750" y="2282190"/>
+            <a:ext cx="142942" cy="142941"/>
+          </a:xfrm>
+          <a:prstGeom prst="ellipse">
+            <a:avLst/>
+          </a:prstGeom>
+          <a:solidFill>
+            <a:schemeClr val="accent3"/>
+          </a:solidFill>
+          <a:ln w="9525" algn="ctr">
+            <a:solidFill>
+              <a:schemeClr val="tx1"/>
+            </a:solidFill>
+            <a:round/>
+            <a:headEnd/>
+            <a:tailEnd/>
+          </a:ln>
+          <a:effectLst/>
+          <a:extLst>
+            <a:ext uri="{AF507438-7753-43E0-B8FC-AC1667EBCBE1}">
+              <a14:hiddenEffects xmlns:a14="http://schemas.microsoft.com/office/drawing/2010/main">
+                <a:effectLst>
+                  <a:outerShdw dist="35921" dir="2700000" algn="ctr" rotWithShape="0">
+                    <a:schemeClr val="bg2"/>
+                  </a:outerShdw>
+                </a:effectLst>
+              </a14:hiddenEffects>
+            </a:ext>
+          </a:extLst>
+        </p:spPr>
+        <p:txBody>
+          <a:bodyPr wrap="none" anchor="ctr"/>
+          <a:lstStyle/>
+          <a:p>
+            <a:pPr algn="ctr"/>
+            <a:endParaRPr lang="en-US" dirty="0">
+              <a:latin typeface="Arial" pitchFamily="34" charset="0"/>
+            </a:endParaRPr>
+          </a:p>
+        </p:txBody>
+      </p:sp>
+      <p:sp>
+        <p:nvSpPr>
+          <p:cNvPr id="7" name="Oval 95"/>
+          <p:cNvSpPr>
+            <a:spLocks noChangeArrowheads="1"/>
+          </p:cNvSpPr>
+          <p:nvPr>
+            <p:custDataLst>
+              <p:tags r:id="rId2"/>
+            </p:custDataLst>
+          </p:nvPr>
+        </p:nvSpPr>
+        <p:spPr bwMode="gray">
+          <a:xfrm>
+            <a:off x="6486525" y="2275919"/>
+            <a:ext cx="142942" cy="142941"/>
+          </a:xfrm>
+          <a:prstGeom prst="ellipse">
+            <a:avLst/>
+          </a:prstGeom>
+          <a:solidFill>
+            <a:schemeClr val="accent5"/>
+          </a:solidFill>
+          <a:ln w="9525">
+            <a:solidFill>
+              <a:schemeClr val="tx1"/>
+            </a:solidFill>
+            <a:round/>
+            <a:headEnd/>
+            <a:tailEnd/>
+          </a:ln>
+          <a:effectLst/>
+          <a:extLst>
+            <a:ext uri="{AF507438-7753-43E0-B8FC-AC1667EBCBE1}">
+              <a14:hiddenEffects xmlns:a14="http://schemas.microsoft.com/office/drawing/2010/main">
+                <a:effectLst>
+                  <a:outerShdw dist="35921" dir="2700000" algn="ctr" rotWithShape="0">
+                    <a:schemeClr val="bg2"/>
+                  </a:outerShdw>
+                </a:effectLst>
+              </a14:hiddenEffects>
+            </a:ext>
+          </a:extLst>
+        </p:spPr>
+        <p:txBody>
+          <a:bodyPr wrap="none" anchor="ctr"/>
+          <a:lstStyle/>
+          <a:p>
+            <a:endParaRPr lang="en-US" dirty="0">
+              <a:latin typeface="Arial" pitchFamily="34" charset="0"/>
+            </a:endParaRPr>
+          </a:p>
+        </p:txBody>
+      </p:sp>
+      <p:sp>
+        <p:nvSpPr>
+          <p:cNvPr id="9" name="Oval 95"/>
+          <p:cNvSpPr>
+            <a:spLocks noChangeArrowheads="1"/>
+          </p:cNvSpPr>
+          <p:nvPr>
+            <p:custDataLst>
+              <p:tags r:id="rId3"/>
+            </p:custDataLst>
+          </p:nvPr>
+        </p:nvSpPr>
+        <p:spPr bwMode="gray">
+          <a:xfrm>
+            <a:off x="6486525" y="2665029"/>
+            <a:ext cx="142942" cy="142941"/>
+          </a:xfrm>
+          <a:prstGeom prst="ellipse">
+            <a:avLst/>
+          </a:prstGeom>
+          <a:solidFill>
+            <a:schemeClr val="accent5"/>
+          </a:solidFill>
+          <a:ln w="9525">
+            <a:solidFill>
+              <a:schemeClr val="tx1"/>
+            </a:solidFill>
+            <a:round/>
+            <a:headEnd/>
+            <a:tailEnd/>
+          </a:ln>
+          <a:effectLst/>
+          <a:extLst>
+            <a:ext uri="{AF507438-7753-43E0-B8FC-AC1667EBCBE1}">
+              <a14:hiddenEffects xmlns:a14="http://schemas.microsoft.com/office/drawing/2010/main">
+                <a:effectLst>
+                  <a:outerShdw dist="35921" dir="2700000" algn="ctr" rotWithShape="0">
+                    <a:schemeClr val="bg2"/>
+                  </a:outerShdw>
+                </a:effectLst>
+              </a14:hiddenEffects>
+            </a:ext>
+          </a:extLst>
+        </p:spPr>
+        <p:txBody>
+          <a:bodyPr wrap="none" anchor="ctr"/>
+          <a:lstStyle/>
+          <a:p>
+            <a:endParaRPr lang="en-US" dirty="0">
+              <a:latin typeface="Arial" pitchFamily="34" charset="0"/>
+            </a:endParaRPr>
+          </a:p>
+        </p:txBody>
+      </p:sp>
+      <p:sp>
+        <p:nvSpPr>
+          <p:cNvPr id="10" name="Oval 95"/>
+          <p:cNvSpPr>
+            <a:spLocks noChangeArrowheads="1"/>
+          </p:cNvSpPr>
+          <p:nvPr>
+            <p:custDataLst>
+              <p:tags r:id="rId4"/>
+            </p:custDataLst>
+          </p:nvPr>
+        </p:nvSpPr>
+        <p:spPr bwMode="gray">
+          <a:xfrm>
+            <a:off x="6486525" y="3036570"/>
+            <a:ext cx="142942" cy="142941"/>
+          </a:xfrm>
+          <a:prstGeom prst="ellipse">
+            <a:avLst/>
+          </a:prstGeom>
+          <a:solidFill>
+            <a:schemeClr val="accent5"/>
+          </a:solidFill>
+          <a:ln w="9525">
+            <a:solidFill>
+              <a:schemeClr val="tx1"/>
+            </a:solidFill>
+            <a:round/>
+            <a:headEnd/>
+            <a:tailEnd/>
+          </a:ln>
+          <a:effectLst/>
+          <a:extLst>
+            <a:ext uri="{AF507438-7753-43E0-B8FC-AC1667EBCBE1}">
+              <a14:hiddenEffects xmlns:a14="http://schemas.microsoft.com/office/drawing/2010/main">
+                <a:effectLst>
+                  <a:outerShdw dist="35921" dir="2700000" algn="ctr" rotWithShape="0">
+                    <a:schemeClr val="bg2"/>
+                  </a:outerShdw>
+                </a:effectLst>
+              </a14:hiddenEffects>
+            </a:ext>
+          </a:extLst>
+        </p:spPr>
+        <p:txBody>
+          <a:bodyPr wrap="none" anchor="ctr"/>
+          <a:lstStyle/>
+          <a:p>
+            <a:endParaRPr lang="en-US" dirty="0">
+              <a:latin typeface="Arial" pitchFamily="34" charset="0"/>
+            </a:endParaRPr>
+          </a:p>
+        </p:txBody>
+      </p:sp>
+      <p:sp>
+        <p:nvSpPr>
+          <p:cNvPr id="11" name="Oval 95"/>
+          <p:cNvSpPr>
+            <a:spLocks noChangeArrowheads="1"/>
+          </p:cNvSpPr>
+          <p:nvPr>
+            <p:custDataLst>
+              <p:tags r:id="rId5"/>
+            </p:custDataLst>
+          </p:nvPr>
+        </p:nvSpPr>
+        <p:spPr bwMode="gray">
+          <a:xfrm>
+            <a:off x="6486525" y="3425680"/>
+            <a:ext cx="142942" cy="142941"/>
+          </a:xfrm>
+          <a:prstGeom prst="ellipse">
+            <a:avLst/>
+          </a:prstGeom>
+          <a:solidFill>
+            <a:schemeClr val="accent5"/>
+          </a:solidFill>
+          <a:ln w="9525">
+            <a:solidFill>
+              <a:schemeClr val="tx1"/>
+            </a:solidFill>
+            <a:round/>
+            <a:headEnd/>
+            <a:tailEnd/>
+          </a:ln>
+          <a:effectLst/>
+          <a:extLst>
+            <a:ext uri="{AF507438-7753-43E0-B8FC-AC1667EBCBE1}">
+              <a14:hiddenEffects xmlns:a14="http://schemas.microsoft.com/office/drawing/2010/main">
+                <a:effectLst>
+                  <a:outerShdw dist="35921" dir="2700000" algn="ctr" rotWithShape="0">
+                    <a:schemeClr val="bg2"/>
+                  </a:outerShdw>
+                </a:effectLst>
+              </a14:hiddenEffects>
+            </a:ext>
+          </a:extLst>
+        </p:spPr>
+        <p:txBody>
+          <a:bodyPr wrap="none" anchor="ctr"/>
+          <a:lstStyle/>
+          <a:p>
+            <a:endParaRPr lang="en-US" dirty="0">
+              <a:latin typeface="Arial" pitchFamily="34" charset="0"/>
+            </a:endParaRPr>
+          </a:p>
+        </p:txBody>
+      </p:sp>
+      <p:sp>
+        <p:nvSpPr>
+          <p:cNvPr id="12" name="Oval 100"/>
+          <p:cNvSpPr>
+            <a:spLocks noChangeArrowheads="1"/>
+          </p:cNvSpPr>
+          <p:nvPr>
+            <p:custDataLst>
+              <p:tags r:id="rId6"/>
+            </p:custDataLst>
+          </p:nvPr>
+        </p:nvSpPr>
+        <p:spPr bwMode="gray">
+          <a:xfrm>
+            <a:off x="6486525" y="3769929"/>
+            <a:ext cx="142942" cy="142941"/>
+          </a:xfrm>
+          <a:prstGeom prst="ellipse">
+            <a:avLst/>
+          </a:prstGeom>
+          <a:solidFill>
+            <a:schemeClr val="accent4">
+              <a:lumMod val="60000"/>
+              <a:lumOff val="40000"/>
+            </a:schemeClr>
+          </a:solidFill>
+          <a:ln w="9525">
+            <a:solidFill>
+              <a:schemeClr val="tx1"/>
+            </a:solidFill>
+            <a:round/>
+            <a:headEnd/>
+            <a:tailEnd/>
+          </a:ln>
+          <a:effectLst/>
+          <a:extLst/>
+        </p:spPr>
+        <p:txBody>
+          <a:bodyPr wrap="none" anchor="ctr"/>
+          <a:lstStyle/>
+          <a:p>
+            <a:endParaRPr lang="en-US" dirty="0">
+              <a:latin typeface="Arial" pitchFamily="34" charset="0"/>
+            </a:endParaRPr>
+          </a:p>
+        </p:txBody>
+      </p:sp>
+      <p:sp>
+        <p:nvSpPr>
+          <p:cNvPr id="13" name="Oval 100"/>
+          <p:cNvSpPr>
+            <a:spLocks noChangeArrowheads="1"/>
+          </p:cNvSpPr>
+          <p:nvPr>
+            <p:custDataLst>
+              <p:tags r:id="rId7"/>
+            </p:custDataLst>
+          </p:nvPr>
+        </p:nvSpPr>
+        <p:spPr bwMode="gray">
+          <a:xfrm>
+            <a:off x="6486525" y="4150929"/>
+            <a:ext cx="142942" cy="142941"/>
+          </a:xfrm>
+          <a:prstGeom prst="ellipse">
+            <a:avLst/>
+          </a:prstGeom>
+          <a:solidFill>
+            <a:schemeClr val="accent4">
+              <a:lumMod val="60000"/>
+              <a:lumOff val="40000"/>
+            </a:schemeClr>
+          </a:solidFill>
+          <a:ln w="9525">
+            <a:solidFill>
+              <a:schemeClr val="tx1"/>
+            </a:solidFill>
+            <a:round/>
+            <a:headEnd/>
+            <a:tailEnd/>
+          </a:ln>
+          <a:effectLst/>
+          <a:extLst/>
+        </p:spPr>
+        <p:txBody>
+          <a:bodyPr wrap="none" anchor="ctr"/>
+          <a:lstStyle/>
+          <a:p>
+            <a:endParaRPr lang="en-US" dirty="0">
+              <a:latin typeface="Arial" pitchFamily="34" charset="0"/>
+            </a:endParaRPr>
+          </a:p>
+        </p:txBody>
+      </p:sp>
+      <p:sp>
+        <p:nvSpPr>
+          <p:cNvPr id="14" name="Oval 95"/>
+          <p:cNvSpPr>
+            <a:spLocks noChangeArrowheads="1"/>
+          </p:cNvSpPr>
+          <p:nvPr>
+            <p:custDataLst>
+              <p:tags r:id="rId8"/>
+            </p:custDataLst>
+          </p:nvPr>
+        </p:nvSpPr>
+        <p:spPr bwMode="gray">
+          <a:xfrm>
+            <a:off x="7778750" y="2678430"/>
+            <a:ext cx="142942" cy="142941"/>
+          </a:xfrm>
+          <a:prstGeom prst="ellipse">
+            <a:avLst/>
+          </a:prstGeom>
+          <a:solidFill>
+            <a:schemeClr val="accent5"/>
+          </a:solidFill>
+          <a:ln w="9525">
+            <a:solidFill>
+              <a:schemeClr val="tx1"/>
+            </a:solidFill>
+            <a:round/>
+            <a:headEnd/>
+            <a:tailEnd/>
+          </a:ln>
+          <a:effectLst/>
+          <a:extLst>
+            <a:ext uri="{AF507438-7753-43E0-B8FC-AC1667EBCBE1}">
+              <a14:hiddenEffects xmlns:a14="http://schemas.microsoft.com/office/drawing/2010/main">
+                <a:effectLst>
+                  <a:outerShdw dist="35921" dir="2700000" algn="ctr" rotWithShape="0">
+                    <a:schemeClr val="bg2"/>
+                  </a:outerShdw>
+                </a:effectLst>
+              </a14:hiddenEffects>
+            </a:ext>
+          </a:extLst>
+        </p:spPr>
+        <p:txBody>
+          <a:bodyPr wrap="none" anchor="ctr"/>
+          <a:lstStyle/>
+          <a:p>
+            <a:pPr algn="ctr"/>
+            <a:endParaRPr lang="en-US" dirty="0">
+              <a:latin typeface="Arial" pitchFamily="34" charset="0"/>
+            </a:endParaRPr>
+          </a:p>
+        </p:txBody>
+      </p:sp>
+      <p:sp>
+        <p:nvSpPr>
+          <p:cNvPr id="15" name="Oval 107"/>
+          <p:cNvSpPr>
+            <a:spLocks noChangeArrowheads="1"/>
+          </p:cNvSpPr>
+          <p:nvPr>
+            <p:custDataLst>
+              <p:tags r:id="rId9"/>
+            </p:custDataLst>
+          </p:nvPr>
+        </p:nvSpPr>
+        <p:spPr bwMode="gray">
+          <a:xfrm>
+            <a:off x="7778750" y="3038409"/>
+            <a:ext cx="142942" cy="142941"/>
+          </a:xfrm>
+          <a:prstGeom prst="ellipse">
+            <a:avLst/>
+          </a:prstGeom>
+          <a:solidFill>
+            <a:schemeClr val="accent4">
+              <a:lumMod val="60000"/>
+              <a:lumOff val="40000"/>
+            </a:schemeClr>
+          </a:solidFill>
+          <a:ln w="9525" algn="ctr">
+            <a:solidFill>
+              <a:schemeClr val="tx1"/>
+            </a:solidFill>
+            <a:round/>
+            <a:headEnd/>
+            <a:tailEnd/>
+          </a:ln>
+          <a:effectLst/>
+          <a:extLst/>
+        </p:spPr>
+        <p:txBody>
+          <a:bodyPr wrap="none" anchor="ctr"/>
+          <a:lstStyle/>
+          <a:p>
+            <a:pPr algn="ctr"/>
+            <a:endParaRPr lang="en-US" dirty="0">
+              <a:latin typeface="Arial" pitchFamily="34" charset="0"/>
+            </a:endParaRPr>
+          </a:p>
+        </p:txBody>
+      </p:sp>
+      <p:sp>
+        <p:nvSpPr>
+          <p:cNvPr id="16" name="Oval 95"/>
+          <p:cNvSpPr>
+            <a:spLocks noChangeArrowheads="1"/>
+          </p:cNvSpPr>
+          <p:nvPr>
+            <p:custDataLst>
+              <p:tags r:id="rId10"/>
+            </p:custDataLst>
+          </p:nvPr>
+        </p:nvSpPr>
+        <p:spPr bwMode="gray">
+          <a:xfrm>
+            <a:off x="7778750" y="3419409"/>
+            <a:ext cx="142942" cy="142941"/>
+          </a:xfrm>
+          <a:prstGeom prst="ellipse">
+            <a:avLst/>
+          </a:prstGeom>
+          <a:solidFill>
+            <a:schemeClr val="accent5"/>
+          </a:solidFill>
+          <a:ln w="9525">
+            <a:solidFill>
+              <a:schemeClr val="tx1"/>
+            </a:solidFill>
+            <a:round/>
+            <a:headEnd/>
+            <a:tailEnd/>
+          </a:ln>
+          <a:effectLst/>
+          <a:extLst>
+            <a:ext uri="{AF507438-7753-43E0-B8FC-AC1667EBCBE1}">
+              <a14:hiddenEffects xmlns:a14="http://schemas.microsoft.com/office/drawing/2010/main">
+                <a:effectLst>
+                  <a:outerShdw dist="35921" dir="2700000" algn="ctr" rotWithShape="0">
+                    <a:schemeClr val="bg2"/>
+                  </a:outerShdw>
+                </a:effectLst>
+              </a14:hiddenEffects>
+            </a:ext>
+          </a:extLst>
+        </p:spPr>
+        <p:txBody>
+          <a:bodyPr wrap="none" anchor="ctr"/>
+          <a:lstStyle/>
+          <a:p>
+            <a:pPr algn="ctr"/>
+            <a:endParaRPr lang="en-US" dirty="0">
+              <a:latin typeface="Arial" pitchFamily="34" charset="0"/>
+            </a:endParaRPr>
+          </a:p>
+        </p:txBody>
+      </p:sp>
+      <p:sp>
+        <p:nvSpPr>
+          <p:cNvPr id="17" name="Oval 107"/>
+          <p:cNvSpPr>
+            <a:spLocks noChangeArrowheads="1"/>
+          </p:cNvSpPr>
+          <p:nvPr>
+            <p:custDataLst>
+              <p:tags r:id="rId11"/>
+            </p:custDataLst>
+          </p:nvPr>
+        </p:nvSpPr>
+        <p:spPr bwMode="gray">
+          <a:xfrm>
+            <a:off x="7778750" y="3775009"/>
+            <a:ext cx="142942" cy="142941"/>
+          </a:xfrm>
+          <a:prstGeom prst="ellipse">
+            <a:avLst/>
+          </a:prstGeom>
+          <a:solidFill>
+            <a:schemeClr val="accent3"/>
+          </a:solidFill>
+          <a:ln w="9525" algn="ctr">
+            <a:solidFill>
+              <a:schemeClr val="tx1"/>
+            </a:solidFill>
+            <a:round/>
+            <a:headEnd/>
+            <a:tailEnd/>
+          </a:ln>
+          <a:effectLst/>
+          <a:extLst>
+            <a:ext uri="{AF507438-7753-43E0-B8FC-AC1667EBCBE1}">
+              <a14:hiddenEffects xmlns:a14="http://schemas.microsoft.com/office/drawing/2010/main">
+                <a:effectLst>
+                  <a:outerShdw dist="35921" dir="2700000" algn="ctr" rotWithShape="0">
+                    <a:schemeClr val="bg2"/>
+                  </a:outerShdw>
+                </a:effectLst>
+              </a14:hiddenEffects>
+            </a:ext>
+          </a:extLst>
+        </p:spPr>
+        <p:txBody>
+          <a:bodyPr wrap="none" anchor="ctr"/>
+          <a:lstStyle/>
+          <a:p>
+            <a:pPr algn="ctr"/>
+            <a:endParaRPr lang="en-US" dirty="0">
+              <a:latin typeface="Arial" pitchFamily="34" charset="0"/>
+            </a:endParaRPr>
+          </a:p>
+        </p:txBody>
+      </p:sp>
+      <p:sp>
+        <p:nvSpPr>
+          <p:cNvPr id="18" name="Oval 107"/>
+          <p:cNvSpPr>
+            <a:spLocks noChangeArrowheads="1"/>
+          </p:cNvSpPr>
+          <p:nvPr>
+            <p:custDataLst>
+              <p:tags r:id="rId12"/>
+            </p:custDataLst>
+          </p:nvPr>
+        </p:nvSpPr>
+        <p:spPr bwMode="gray">
+          <a:xfrm>
+            <a:off x="7778750" y="4152900"/>
+            <a:ext cx="142942" cy="142941"/>
+          </a:xfrm>
+          <a:prstGeom prst="ellipse">
+            <a:avLst/>
+          </a:prstGeom>
+          <a:solidFill>
+            <a:schemeClr val="accent3"/>
+          </a:solidFill>
+          <a:ln w="9525" algn="ctr">
+            <a:solidFill>
+              <a:schemeClr val="tx1"/>
+            </a:solidFill>
+            <a:round/>
+            <a:headEnd/>
+            <a:tailEnd/>
+          </a:ln>
+          <a:effectLst/>
+          <a:extLst>
+            <a:ext uri="{AF507438-7753-43E0-B8FC-AC1667EBCBE1}">
+              <a14:hiddenEffects xmlns:a14="http://schemas.microsoft.com/office/drawing/2010/main">
+                <a:effectLst>
+                  <a:outerShdw dist="35921" dir="2700000" algn="ctr" rotWithShape="0">
+                    <a:schemeClr val="bg2"/>
+                  </a:outerShdw>
+                </a:effectLst>
+              </a14:hiddenEffects>
+            </a:ext>
+          </a:extLst>
+        </p:spPr>
+        <p:txBody>
+          <a:bodyPr wrap="none" anchor="ctr"/>
+          <a:lstStyle/>
+          <a:p>
+            <a:pPr algn="ctr"/>
+            <a:endParaRPr lang="en-US" dirty="0">
+              <a:latin typeface="Arial" pitchFamily="34" charset="0"/>
+            </a:endParaRPr>
           </a:p>
         </p:txBody>
       </p:sp>
     </p:spTree>
     <p:extLst>
       <p:ext uri="{BB962C8B-B14F-4D97-AF65-F5344CB8AC3E}">
-        <p14:creationId xmlns:p14="http://schemas.microsoft.com/office/powerpoint/2010/main" val="3396897783"/>
+        <p14:creationId xmlns:p14="http://schemas.microsoft.com/office/powerpoint/2010/main" val="3698252373"/>
       </p:ext>
     </p:extLst>
   </p:cSld>
@@ -15928,6 +19225,1204 @@
           </p:cNvSpPr>
           <p:nvPr>
             <p:ph type="title"/>
+            <p:custDataLst>
+              <p:tags r:id="rId1"/>
+            </p:custDataLst>
+          </p:nvPr>
+        </p:nvSpPr>
+        <p:spPr/>
+        <p:txBody>
+          <a:bodyPr/>
+          <a:lstStyle/>
+          <a:p>
+            <a:r>
+              <a:rPr lang="en-US" dirty="0" smtClean="0"/>
+              <a:t>Appendix</a:t>
+            </a:r>
+            <a:endParaRPr lang="en-US" dirty="0"/>
+          </a:p>
+        </p:txBody>
+      </p:sp>
+    </p:spTree>
+    <p:extLst>
+      <p:ext uri="{BB962C8B-B14F-4D97-AF65-F5344CB8AC3E}">
+        <p14:creationId xmlns:p14="http://schemas.microsoft.com/office/powerpoint/2010/main" val="3838497406"/>
+      </p:ext>
+    </p:extLst>
+  </p:cSld>
+  <p:clrMapOvr>
+    <a:masterClrMapping/>
+  </p:clrMapOvr>
+  <p:timing>
+    <p:tnLst>
+      <p:par>
+        <p:cTn id="1" dur="indefinite" restart="never" nodeType="tmRoot"/>
+      </p:par>
+    </p:tnLst>
+  </p:timing>
+</p:sld>
+</file>
+
+<file path=ppt/slides/slide14.xml><?xml version="1.0" encoding="utf-8"?>
+<p:sld xmlns:a="http://schemas.openxmlformats.org/drawingml/2006/main" xmlns:r="http://schemas.openxmlformats.org/officeDocument/2006/relationships" xmlns:p="http://schemas.openxmlformats.org/presentationml/2006/main">
+  <p:cSld>
+    <p:spTree>
+      <p:nvGrpSpPr>
+        <p:cNvPr id="1" name=""/>
+        <p:cNvGrpSpPr/>
+        <p:nvPr/>
+      </p:nvGrpSpPr>
+      <p:grpSpPr>
+        <a:xfrm>
+          <a:off x="0" y="0"/>
+          <a:ext cx="0" cy="0"/>
+          <a:chOff x="0" y="0"/>
+          <a:chExt cx="0" cy="0"/>
+        </a:xfrm>
+      </p:grpSpPr>
+      <p:sp>
+        <p:nvSpPr>
+          <p:cNvPr id="5" name="Content Placeholder 4"/>
+          <p:cNvSpPr>
+            <a:spLocks noGrp="1"/>
+          </p:cNvSpPr>
+          <p:nvPr>
+            <p:ph sz="quarter" idx="12"/>
+          </p:nvPr>
+        </p:nvSpPr>
+        <p:spPr/>
+        <p:txBody>
+          <a:bodyPr/>
+          <a:lstStyle/>
+          <a:p>
+            <a:r>
+              <a:rPr lang="en-US" sz="1400" b="1" dirty="0" smtClean="0"/>
+              <a:t>World Happiness Scores:</a:t>
+            </a:r>
+          </a:p>
+          <a:p>
+            <a:pPr marL="285750" indent="-285750">
+              <a:buFont typeface="Arial" panose="020B0604020202020204" pitchFamily="34" charset="0"/>
+              <a:buChar char="•"/>
+            </a:pPr>
+            <a:r>
+              <a:rPr lang="en-US" sz="1400" dirty="0" smtClean="0"/>
+              <a:t>Used regularly by the </a:t>
+            </a:r>
+            <a:r>
+              <a:rPr lang="en-US" sz="1400" dirty="0" smtClean="0">
+                <a:hlinkClick r:id="rId2"/>
+              </a:rPr>
+              <a:t>World Happiness Report</a:t>
+            </a:r>
+            <a:r>
+              <a:rPr lang="en-US" sz="1400" dirty="0" smtClean="0"/>
+              <a:t>.</a:t>
+            </a:r>
+          </a:p>
+          <a:p>
+            <a:pPr marL="285750" indent="-285750">
+              <a:buFont typeface="Arial" panose="020B0604020202020204" pitchFamily="34" charset="0"/>
+              <a:buChar char="•"/>
+            </a:pPr>
+            <a:r>
+              <a:rPr lang="en-US" sz="1400" dirty="0"/>
+              <a:t>The </a:t>
+            </a:r>
+            <a:r>
+              <a:rPr lang="en-US" sz="1400" dirty="0" smtClean="0"/>
+              <a:t>actual happiness </a:t>
+            </a:r>
+            <a:r>
+              <a:rPr lang="en-US" sz="1400" dirty="0"/>
+              <a:t>scores and rankings </a:t>
+            </a:r>
+            <a:r>
+              <a:rPr lang="en-US" sz="1400" dirty="0" smtClean="0"/>
+              <a:t>come from </a:t>
+            </a:r>
+            <a:r>
+              <a:rPr lang="en-US" sz="1400" dirty="0"/>
+              <a:t>the </a:t>
+            </a:r>
+            <a:r>
+              <a:rPr lang="en-US" sz="1400" dirty="0">
+                <a:hlinkClick r:id="rId3"/>
+              </a:rPr>
+              <a:t>Gallup World Poll</a:t>
+            </a:r>
+            <a:r>
+              <a:rPr lang="en-US" sz="1400" dirty="0" smtClean="0"/>
+              <a:t>.</a:t>
+            </a:r>
+          </a:p>
+          <a:p>
+            <a:pPr marL="285750" indent="-285750">
+              <a:buFont typeface="Arial" panose="020B0604020202020204" pitchFamily="34" charset="0"/>
+              <a:buChar char="•"/>
+            </a:pPr>
+            <a:r>
+              <a:rPr lang="en-US" sz="1400" dirty="0" smtClean="0"/>
+              <a:t>The exact wording of the “happiness” question is:</a:t>
+            </a:r>
+          </a:p>
+          <a:p>
+            <a:pPr marL="465750" lvl="1" indent="-285750">
+              <a:buFont typeface="Arial" panose="020B0604020202020204" pitchFamily="34" charset="0"/>
+              <a:buChar char="•"/>
+            </a:pPr>
+            <a:r>
+              <a:rPr lang="en-US" sz="1400" dirty="0"/>
+              <a:t>“Please imagine a ladder, with steps numbered </a:t>
+            </a:r>
+            <a:r>
+              <a:rPr lang="en-US" sz="1400" dirty="0" smtClean="0"/>
+              <a:t>from 0 </a:t>
+            </a:r>
+            <a:r>
+              <a:rPr lang="en-US" sz="1400" dirty="0"/>
+              <a:t>at the bottom to 10 at the top. The top of the ladder represents the </a:t>
+            </a:r>
+            <a:r>
+              <a:rPr lang="en-US" sz="1400" dirty="0" smtClean="0"/>
+              <a:t>best possible </a:t>
+            </a:r>
+            <a:r>
+              <a:rPr lang="en-US" sz="1400" dirty="0"/>
+              <a:t>life for you and the bottom of the ladder represents the worst </a:t>
+            </a:r>
+            <a:r>
+              <a:rPr lang="en-US" sz="1400" dirty="0" smtClean="0"/>
+              <a:t>possible life </a:t>
+            </a:r>
+            <a:r>
+              <a:rPr lang="en-US" sz="1400" dirty="0"/>
+              <a:t>for you. On which step of the ladder would you say you personally feel </a:t>
+            </a:r>
+            <a:r>
+              <a:rPr lang="en-US" sz="1400" dirty="0" smtClean="0"/>
+              <a:t>you stand </a:t>
+            </a:r>
+            <a:r>
+              <a:rPr lang="en-US" sz="1400" dirty="0"/>
+              <a:t>at this time?”</a:t>
+            </a:r>
+          </a:p>
+          <a:p>
+            <a:pPr marL="285750" indent="-285750">
+              <a:buFont typeface="Arial" panose="020B0604020202020204" pitchFamily="34" charset="0"/>
+              <a:buChar char="•"/>
+            </a:pPr>
+            <a:r>
+              <a:rPr lang="en-US" sz="1400" dirty="0" smtClean="0"/>
+              <a:t>This app used the World Happiness Scores and rankings for 2015 posted on </a:t>
+            </a:r>
+            <a:r>
+              <a:rPr lang="en-US" sz="1400" dirty="0" err="1" smtClean="0">
+                <a:hlinkClick r:id="rId4"/>
+              </a:rPr>
+              <a:t>Kaggle</a:t>
+            </a:r>
+            <a:r>
+              <a:rPr lang="en-US" sz="1400" dirty="0" smtClean="0"/>
+              <a:t>.</a:t>
+            </a:r>
+          </a:p>
+          <a:p>
+            <a:pPr>
+              <a:spcBef>
+                <a:spcPts val="600"/>
+              </a:spcBef>
+            </a:pPr>
+            <a:r>
+              <a:rPr lang="en-US" sz="1400" b="1" dirty="0" smtClean="0"/>
+              <a:t>World Development Indicators:</a:t>
+            </a:r>
+          </a:p>
+          <a:p>
+            <a:pPr marL="285750" indent="-285750">
+              <a:buFont typeface="Arial" panose="020B0604020202020204" pitchFamily="34" charset="0"/>
+              <a:buChar char="•"/>
+            </a:pPr>
+            <a:r>
+              <a:rPr lang="en-US" sz="1400" dirty="0" smtClean="0"/>
+              <a:t>Are collected and published yearly by the </a:t>
+            </a:r>
+            <a:r>
+              <a:rPr lang="en-US" sz="1400" dirty="0" smtClean="0">
+                <a:hlinkClick r:id="rId5"/>
+              </a:rPr>
+              <a:t>World Bank</a:t>
+            </a:r>
+            <a:r>
+              <a:rPr lang="en-US" sz="1400" dirty="0" smtClean="0"/>
+              <a:t>.</a:t>
+            </a:r>
+          </a:p>
+          <a:p>
+            <a:pPr marL="285750" indent="-285750">
+              <a:buFont typeface="Arial" panose="020B0604020202020204" pitchFamily="34" charset="0"/>
+              <a:buChar char="•"/>
+            </a:pPr>
+            <a:r>
+              <a:rPr lang="en-US" sz="1400" dirty="0" smtClean="0"/>
+              <a:t>This app used the data on 74 indicators from 1993 to 2014 posted on </a:t>
+            </a:r>
+            <a:r>
+              <a:rPr lang="en-US" sz="1400" dirty="0" err="1" smtClean="0">
+                <a:hlinkClick r:id="rId6"/>
+              </a:rPr>
+              <a:t>Kaggle</a:t>
+            </a:r>
+            <a:r>
+              <a:rPr lang="en-US" sz="1400" dirty="0" smtClean="0"/>
+              <a:t>.</a:t>
+            </a:r>
+            <a:endParaRPr lang="en-US" sz="1400" dirty="0"/>
+          </a:p>
+        </p:txBody>
+      </p:sp>
+      <p:sp>
+        <p:nvSpPr>
+          <p:cNvPr id="2" name="Title 1"/>
+          <p:cNvSpPr>
+            <a:spLocks noGrp="1"/>
+          </p:cNvSpPr>
+          <p:nvPr>
+            <p:ph type="title"/>
+          </p:nvPr>
+        </p:nvSpPr>
+        <p:spPr/>
+        <p:txBody>
+          <a:bodyPr/>
+          <a:lstStyle/>
+          <a:p>
+            <a:r>
+              <a:rPr lang="en-US" dirty="0" smtClean="0"/>
+              <a:t>About World </a:t>
+            </a:r>
+            <a:r>
+              <a:rPr lang="en-US" dirty="0"/>
+              <a:t>Happiness </a:t>
+            </a:r>
+            <a:r>
+              <a:rPr lang="en-US" dirty="0" smtClean="0"/>
+              <a:t>Score and World Development Indicators</a:t>
+            </a:r>
+            <a:endParaRPr lang="en-US" dirty="0"/>
+          </a:p>
+        </p:txBody>
+      </p:sp>
+      <p:sp>
+        <p:nvSpPr>
+          <p:cNvPr id="3" name="Text Placeholder 2"/>
+          <p:cNvSpPr>
+            <a:spLocks noGrp="1"/>
+          </p:cNvSpPr>
+          <p:nvPr>
+            <p:ph type="body" sz="quarter" idx="10"/>
+          </p:nvPr>
+        </p:nvSpPr>
+        <p:spPr/>
+        <p:txBody>
+          <a:bodyPr/>
+          <a:lstStyle/>
+          <a:p>
+            <a:r>
+              <a:rPr lang="en-US" dirty="0" smtClean="0"/>
+              <a:t>WHR has was published in 2012, 2013, 2015, and 2016</a:t>
+            </a:r>
+            <a:endParaRPr lang="en-US" dirty="0"/>
+          </a:p>
+        </p:txBody>
+      </p:sp>
+      <p:sp>
+        <p:nvSpPr>
+          <p:cNvPr id="4" name="Text Placeholder 3"/>
+          <p:cNvSpPr>
+            <a:spLocks noGrp="1"/>
+          </p:cNvSpPr>
+          <p:nvPr>
+            <p:ph type="body" sz="quarter" idx="11"/>
+          </p:nvPr>
+        </p:nvSpPr>
+        <p:spPr/>
+        <p:txBody>
+          <a:bodyPr/>
+          <a:lstStyle/>
+          <a:p>
+            <a:endParaRPr lang="en-US" dirty="0"/>
+          </a:p>
+        </p:txBody>
+      </p:sp>
+    </p:spTree>
+    <p:extLst>
+      <p:ext uri="{BB962C8B-B14F-4D97-AF65-F5344CB8AC3E}">
+        <p14:creationId xmlns:p14="http://schemas.microsoft.com/office/powerpoint/2010/main" val="1701639976"/>
+      </p:ext>
+    </p:extLst>
+  </p:cSld>
+  <p:clrMapOvr>
+    <a:masterClrMapping/>
+  </p:clrMapOvr>
+  <p:timing>
+    <p:tnLst>
+      <p:par>
+        <p:cTn id="1" dur="indefinite" restart="never" nodeType="tmRoot"/>
+      </p:par>
+    </p:tnLst>
+  </p:timing>
+</p:sld>
+</file>
+
+<file path=ppt/slides/slide15.xml><?xml version="1.0" encoding="utf-8"?>
+<p:sld xmlns:a="http://schemas.openxmlformats.org/drawingml/2006/main" xmlns:r="http://schemas.openxmlformats.org/officeDocument/2006/relationships" xmlns:p="http://schemas.openxmlformats.org/presentationml/2006/main">
+  <p:cSld>
+    <p:spTree>
+      <p:nvGrpSpPr>
+        <p:cNvPr id="1" name=""/>
+        <p:cNvGrpSpPr/>
+        <p:nvPr/>
+      </p:nvGrpSpPr>
+      <p:grpSpPr>
+        <a:xfrm>
+          <a:off x="0" y="0"/>
+          <a:ext cx="0" cy="0"/>
+          <a:chOff x="0" y="0"/>
+          <a:chExt cx="0" cy="0"/>
+        </a:xfrm>
+      </p:grpSpPr>
+      <p:sp>
+        <p:nvSpPr>
+          <p:cNvPr id="2" name="Content Placeholder 1"/>
+          <p:cNvSpPr>
+            <a:spLocks noGrp="1"/>
+          </p:cNvSpPr>
+          <p:nvPr>
+            <p:ph sz="quarter" idx="12"/>
+          </p:nvPr>
+        </p:nvSpPr>
+        <p:spPr/>
+        <p:txBody>
+          <a:bodyPr/>
+          <a:lstStyle/>
+          <a:p>
+            <a:endParaRPr lang="en-US"/>
+          </a:p>
+        </p:txBody>
+      </p:sp>
+      <p:sp>
+        <p:nvSpPr>
+          <p:cNvPr id="3" name="Title 2"/>
+          <p:cNvSpPr>
+            <a:spLocks noGrp="1"/>
+          </p:cNvSpPr>
+          <p:nvPr>
+            <p:ph type="title"/>
+          </p:nvPr>
+        </p:nvSpPr>
+        <p:spPr/>
+        <p:txBody>
+          <a:bodyPr/>
+          <a:lstStyle/>
+          <a:p>
+            <a:endParaRPr lang="en-US"/>
+          </a:p>
+        </p:txBody>
+      </p:sp>
+      <p:sp>
+        <p:nvSpPr>
+          <p:cNvPr id="4" name="Text Placeholder 3"/>
+          <p:cNvSpPr>
+            <a:spLocks noGrp="1"/>
+          </p:cNvSpPr>
+          <p:nvPr>
+            <p:ph type="body" sz="quarter" idx="10"/>
+          </p:nvPr>
+        </p:nvSpPr>
+        <p:spPr/>
+        <p:txBody>
+          <a:bodyPr/>
+          <a:lstStyle/>
+          <a:p>
+            <a:endParaRPr lang="en-US"/>
+          </a:p>
+        </p:txBody>
+      </p:sp>
+      <p:sp>
+        <p:nvSpPr>
+          <p:cNvPr id="5" name="Text Placeholder 4"/>
+          <p:cNvSpPr>
+            <a:spLocks noGrp="1"/>
+          </p:cNvSpPr>
+          <p:nvPr>
+            <p:ph type="body" sz="quarter" idx="11"/>
+          </p:nvPr>
+        </p:nvSpPr>
+        <p:spPr/>
+        <p:txBody>
+          <a:bodyPr/>
+          <a:lstStyle/>
+          <a:p>
+            <a:endParaRPr lang="en-US"/>
+          </a:p>
+        </p:txBody>
+      </p:sp>
+    </p:spTree>
+    <p:extLst>
+      <p:ext uri="{BB962C8B-B14F-4D97-AF65-F5344CB8AC3E}">
+        <p14:creationId xmlns:p14="http://schemas.microsoft.com/office/powerpoint/2010/main" val="1694463369"/>
+      </p:ext>
+    </p:extLst>
+  </p:cSld>
+  <p:clrMapOvr>
+    <a:masterClrMapping/>
+  </p:clrMapOvr>
+  <p:timing>
+    <p:tnLst>
+      <p:par>
+        <p:cTn id="1" dur="indefinite" restart="never" nodeType="tmRoot"/>
+      </p:par>
+    </p:tnLst>
+  </p:timing>
+</p:sld>
+</file>
+
+<file path=ppt/slides/slide16.xml><?xml version="1.0" encoding="utf-8"?>
+<p:sld xmlns:a="http://schemas.openxmlformats.org/drawingml/2006/main" xmlns:r="http://schemas.openxmlformats.org/officeDocument/2006/relationships" xmlns:p="http://schemas.openxmlformats.org/presentationml/2006/main">
+  <p:cSld>
+    <p:spTree>
+      <p:nvGrpSpPr>
+        <p:cNvPr id="1" name=""/>
+        <p:cNvGrpSpPr/>
+        <p:nvPr/>
+      </p:nvGrpSpPr>
+      <p:grpSpPr>
+        <a:xfrm>
+          <a:off x="0" y="0"/>
+          <a:ext cx="0" cy="0"/>
+          <a:chOff x="0" y="0"/>
+          <a:chExt cx="0" cy="0"/>
+        </a:xfrm>
+      </p:grpSpPr>
+      <p:sp>
+        <p:nvSpPr>
+          <p:cNvPr id="3" name="Text Placeholder 2"/>
+          <p:cNvSpPr>
+            <a:spLocks noGrp="1"/>
+          </p:cNvSpPr>
+          <p:nvPr>
+            <p:ph type="body" sz="quarter" idx="10"/>
+          </p:nvPr>
+        </p:nvSpPr>
+        <p:spPr/>
+        <p:txBody>
+          <a:bodyPr/>
+          <a:lstStyle/>
+          <a:p>
+            <a:endParaRPr lang="en-US" dirty="0"/>
+          </a:p>
+        </p:txBody>
+      </p:sp>
+      <p:sp>
+        <p:nvSpPr>
+          <p:cNvPr id="4" name="Text Placeholder 3"/>
+          <p:cNvSpPr>
+            <a:spLocks noGrp="1"/>
+          </p:cNvSpPr>
+          <p:nvPr>
+            <p:ph type="body" sz="quarter" idx="11"/>
+          </p:nvPr>
+        </p:nvSpPr>
+        <p:spPr/>
+        <p:txBody>
+          <a:bodyPr/>
+          <a:lstStyle/>
+          <a:p>
+            <a:endParaRPr lang="en-US" dirty="0"/>
+          </a:p>
+        </p:txBody>
+      </p:sp>
+      <p:sp>
+        <p:nvSpPr>
+          <p:cNvPr id="2" name="Title 1"/>
+          <p:cNvSpPr>
+            <a:spLocks noGrp="1"/>
+          </p:cNvSpPr>
+          <p:nvPr>
+            <p:ph type="title"/>
+          </p:nvPr>
+        </p:nvSpPr>
+        <p:spPr/>
+        <p:txBody>
+          <a:bodyPr/>
+          <a:lstStyle/>
+          <a:p>
+            <a:r>
+              <a:rPr lang="en-US" dirty="0" smtClean="0"/>
+              <a:t>World Happiness Report</a:t>
+            </a:r>
+            <a:endParaRPr lang="en-US" dirty="0"/>
+          </a:p>
+        </p:txBody>
+      </p:sp>
+    </p:spTree>
+    <p:extLst>
+      <p:ext uri="{BB962C8B-B14F-4D97-AF65-F5344CB8AC3E}">
+        <p14:creationId xmlns:p14="http://schemas.microsoft.com/office/powerpoint/2010/main" val="3358266197"/>
+      </p:ext>
+    </p:extLst>
+  </p:cSld>
+  <p:clrMapOvr>
+    <a:masterClrMapping/>
+  </p:clrMapOvr>
+  <p:timing>
+    <p:tnLst>
+      <p:par>
+        <p:cTn id="1" dur="indefinite" restart="never" nodeType="tmRoot"/>
+      </p:par>
+    </p:tnLst>
+  </p:timing>
+</p:sld>
+</file>
+
+<file path=ppt/slides/slide17.xml><?xml version="1.0" encoding="utf-8"?>
+<p:sld xmlns:a="http://schemas.openxmlformats.org/drawingml/2006/main" xmlns:r="http://schemas.openxmlformats.org/officeDocument/2006/relationships" xmlns:p="http://schemas.openxmlformats.org/presentationml/2006/main">
+  <p:cSld>
+    <p:spTree>
+      <p:nvGrpSpPr>
+        <p:cNvPr id="1" name=""/>
+        <p:cNvGrpSpPr/>
+        <p:nvPr/>
+      </p:nvGrpSpPr>
+      <p:grpSpPr>
+        <a:xfrm>
+          <a:off x="0" y="0"/>
+          <a:ext cx="0" cy="0"/>
+          <a:chOff x="0" y="0"/>
+          <a:chExt cx="0" cy="0"/>
+        </a:xfrm>
+      </p:grpSpPr>
+      <p:sp>
+        <p:nvSpPr>
+          <p:cNvPr id="2" name="Title 1"/>
+          <p:cNvSpPr>
+            <a:spLocks noGrp="1"/>
+          </p:cNvSpPr>
+          <p:nvPr>
+            <p:ph type="title"/>
+            <p:custDataLst>
+              <p:tags r:id="rId1"/>
+            </p:custDataLst>
+          </p:nvPr>
+        </p:nvSpPr>
+        <p:spPr/>
+        <p:txBody>
+          <a:bodyPr/>
+          <a:lstStyle/>
+          <a:p>
+            <a:endParaRPr lang="en-US" dirty="0"/>
+          </a:p>
+        </p:txBody>
+      </p:sp>
+    </p:spTree>
+    <p:extLst>
+      <p:ext uri="{BB962C8B-B14F-4D97-AF65-F5344CB8AC3E}">
+        <p14:creationId xmlns:p14="http://schemas.microsoft.com/office/powerpoint/2010/main" val="139468528"/>
+      </p:ext>
+    </p:extLst>
+  </p:cSld>
+  <p:clrMapOvr>
+    <a:masterClrMapping/>
+  </p:clrMapOvr>
+  <p:timing>
+    <p:tnLst>
+      <p:par>
+        <p:cTn id="1" dur="indefinite" restart="never" nodeType="tmRoot"/>
+      </p:par>
+    </p:tnLst>
+  </p:timing>
+</p:sld>
+</file>
+
+<file path=ppt/slides/slide18.xml><?xml version="1.0" encoding="utf-8"?>
+<p:sld xmlns:a="http://schemas.openxmlformats.org/drawingml/2006/main" xmlns:r="http://schemas.openxmlformats.org/officeDocument/2006/relationships" xmlns:p="http://schemas.openxmlformats.org/presentationml/2006/main">
+  <p:cSld>
+    <p:spTree>
+      <p:nvGrpSpPr>
+        <p:cNvPr id="1" name=""/>
+        <p:cNvGrpSpPr/>
+        <p:nvPr/>
+      </p:nvGrpSpPr>
+      <p:grpSpPr>
+        <a:xfrm>
+          <a:off x="0" y="0"/>
+          <a:ext cx="0" cy="0"/>
+          <a:chOff x="0" y="0"/>
+          <a:chExt cx="0" cy="0"/>
+        </a:xfrm>
+      </p:grpSpPr>
+      <p:sp>
+        <p:nvSpPr>
+          <p:cNvPr id="2" name="Title 1"/>
+          <p:cNvSpPr>
+            <a:spLocks noGrp="1"/>
+          </p:cNvSpPr>
+          <p:nvPr>
+            <p:ph type="title"/>
+          </p:nvPr>
+        </p:nvSpPr>
+        <p:spPr/>
+        <p:txBody>
+          <a:bodyPr/>
+          <a:lstStyle/>
+          <a:p>
+            <a:endParaRPr lang="en-US" dirty="0"/>
+          </a:p>
+        </p:txBody>
+      </p:sp>
+      <p:sp>
+        <p:nvSpPr>
+          <p:cNvPr id="3" name="Text Placeholder 2"/>
+          <p:cNvSpPr>
+            <a:spLocks noGrp="1"/>
+          </p:cNvSpPr>
+          <p:nvPr>
+            <p:ph type="body" sz="quarter" idx="11"/>
+          </p:nvPr>
+        </p:nvSpPr>
+        <p:spPr/>
+        <p:txBody>
+          <a:bodyPr/>
+          <a:lstStyle/>
+          <a:p>
+            <a:endParaRPr lang="en-US" dirty="0"/>
+          </a:p>
+        </p:txBody>
+      </p:sp>
+      <p:sp>
+        <p:nvSpPr>
+          <p:cNvPr id="4" name="Text Placeholder 3"/>
+          <p:cNvSpPr>
+            <a:spLocks noGrp="1"/>
+          </p:cNvSpPr>
+          <p:nvPr>
+            <p:ph type="body" sz="quarter" idx="12"/>
+          </p:nvPr>
+        </p:nvSpPr>
+        <p:spPr/>
+        <p:txBody>
+          <a:bodyPr/>
+          <a:lstStyle/>
+          <a:p>
+            <a:endParaRPr lang="en-US" dirty="0"/>
+          </a:p>
+        </p:txBody>
+      </p:sp>
+      <p:sp>
+        <p:nvSpPr>
+          <p:cNvPr id="5" name="Content Placeholder 4"/>
+          <p:cNvSpPr>
+            <a:spLocks noGrp="1"/>
+          </p:cNvSpPr>
+          <p:nvPr>
+            <p:ph sz="quarter" idx="13"/>
+          </p:nvPr>
+        </p:nvSpPr>
+        <p:spPr/>
+        <p:txBody>
+          <a:bodyPr/>
+          <a:lstStyle/>
+          <a:p>
+            <a:endParaRPr lang="en-US" dirty="0"/>
+          </a:p>
+        </p:txBody>
+      </p:sp>
+      <p:sp>
+        <p:nvSpPr>
+          <p:cNvPr id="6" name="Content Placeholder 5"/>
+          <p:cNvSpPr>
+            <a:spLocks noGrp="1"/>
+          </p:cNvSpPr>
+          <p:nvPr>
+            <p:ph sz="quarter" idx="14"/>
+          </p:nvPr>
+        </p:nvSpPr>
+        <p:spPr/>
+        <p:txBody>
+          <a:bodyPr/>
+          <a:lstStyle/>
+          <a:p>
+            <a:endParaRPr lang="en-US" dirty="0"/>
+          </a:p>
+        </p:txBody>
+      </p:sp>
+    </p:spTree>
+    <p:extLst>
+      <p:ext uri="{BB962C8B-B14F-4D97-AF65-F5344CB8AC3E}">
+        <p14:creationId xmlns:p14="http://schemas.microsoft.com/office/powerpoint/2010/main" val="2282566597"/>
+      </p:ext>
+    </p:extLst>
+  </p:cSld>
+  <p:clrMapOvr>
+    <a:masterClrMapping/>
+  </p:clrMapOvr>
+  <p:timing>
+    <p:tnLst>
+      <p:par>
+        <p:cTn id="1" dur="indefinite" restart="never" nodeType="tmRoot"/>
+      </p:par>
+    </p:tnLst>
+  </p:timing>
+</p:sld>
+</file>
+
+<file path=ppt/slides/slide19.xml><?xml version="1.0" encoding="utf-8"?>
+<p:sld xmlns:a="http://schemas.openxmlformats.org/drawingml/2006/main" xmlns:r="http://schemas.openxmlformats.org/officeDocument/2006/relationships" xmlns:p="http://schemas.openxmlformats.org/presentationml/2006/main">
+  <p:cSld>
+    <p:spTree>
+      <p:nvGrpSpPr>
+        <p:cNvPr id="1" name=""/>
+        <p:cNvGrpSpPr/>
+        <p:nvPr/>
+      </p:nvGrpSpPr>
+      <p:grpSpPr>
+        <a:xfrm>
+          <a:off x="0" y="0"/>
+          <a:ext cx="0" cy="0"/>
+          <a:chOff x="0" y="0"/>
+          <a:chExt cx="0" cy="0"/>
+        </a:xfrm>
+      </p:grpSpPr>
+      <p:sp>
+        <p:nvSpPr>
+          <p:cNvPr id="2" name="Title 1"/>
+          <p:cNvSpPr>
+            <a:spLocks noGrp="1"/>
+          </p:cNvSpPr>
+          <p:nvPr>
+            <p:ph type="title"/>
+          </p:nvPr>
+        </p:nvSpPr>
+        <p:spPr/>
+        <p:txBody>
+          <a:bodyPr/>
+          <a:lstStyle/>
+          <a:p>
+            <a:endParaRPr lang="en-US" dirty="0"/>
+          </a:p>
+        </p:txBody>
+      </p:sp>
+      <p:sp>
+        <p:nvSpPr>
+          <p:cNvPr id="3" name="Text Placeholder 2"/>
+          <p:cNvSpPr>
+            <a:spLocks noGrp="1"/>
+          </p:cNvSpPr>
+          <p:nvPr>
+            <p:ph type="body" sz="quarter" idx="11"/>
+          </p:nvPr>
+        </p:nvSpPr>
+        <p:spPr/>
+        <p:txBody>
+          <a:bodyPr/>
+          <a:lstStyle/>
+          <a:p>
+            <a:endParaRPr lang="en-US" dirty="0"/>
+          </a:p>
+        </p:txBody>
+      </p:sp>
+      <p:sp>
+        <p:nvSpPr>
+          <p:cNvPr id="4" name="Text Placeholder 3"/>
+          <p:cNvSpPr>
+            <a:spLocks noGrp="1"/>
+          </p:cNvSpPr>
+          <p:nvPr>
+            <p:ph type="body" sz="quarter" idx="12"/>
+          </p:nvPr>
+        </p:nvSpPr>
+        <p:spPr/>
+        <p:txBody>
+          <a:bodyPr/>
+          <a:lstStyle/>
+          <a:p>
+            <a:endParaRPr lang="en-US" dirty="0"/>
+          </a:p>
+        </p:txBody>
+      </p:sp>
+      <p:sp>
+        <p:nvSpPr>
+          <p:cNvPr id="5" name="Content Placeholder 4"/>
+          <p:cNvSpPr>
+            <a:spLocks noGrp="1"/>
+          </p:cNvSpPr>
+          <p:nvPr>
+            <p:ph sz="quarter" idx="13"/>
+          </p:nvPr>
+        </p:nvSpPr>
+        <p:spPr/>
+        <p:txBody>
+          <a:bodyPr/>
+          <a:lstStyle/>
+          <a:p>
+            <a:endParaRPr lang="en-US" dirty="0"/>
+          </a:p>
+        </p:txBody>
+      </p:sp>
+      <p:sp>
+        <p:nvSpPr>
+          <p:cNvPr id="6" name="Content Placeholder 5"/>
+          <p:cNvSpPr>
+            <a:spLocks noGrp="1"/>
+          </p:cNvSpPr>
+          <p:nvPr>
+            <p:ph sz="quarter" idx="14"/>
+          </p:nvPr>
+        </p:nvSpPr>
+        <p:spPr/>
+        <p:txBody>
+          <a:bodyPr/>
+          <a:lstStyle/>
+          <a:p>
+            <a:endParaRPr lang="en-US" dirty="0"/>
+          </a:p>
+        </p:txBody>
+      </p:sp>
+      <p:sp>
+        <p:nvSpPr>
+          <p:cNvPr id="7" name="Content Placeholder 6"/>
+          <p:cNvSpPr>
+            <a:spLocks noGrp="1"/>
+          </p:cNvSpPr>
+          <p:nvPr>
+            <p:ph sz="quarter" idx="15"/>
+          </p:nvPr>
+        </p:nvSpPr>
+        <p:spPr/>
+        <p:txBody>
+          <a:bodyPr/>
+          <a:lstStyle/>
+          <a:p>
+            <a:endParaRPr lang="en-US" dirty="0"/>
+          </a:p>
+        </p:txBody>
+      </p:sp>
+    </p:spTree>
+    <p:extLst>
+      <p:ext uri="{BB962C8B-B14F-4D97-AF65-F5344CB8AC3E}">
+        <p14:creationId xmlns:p14="http://schemas.microsoft.com/office/powerpoint/2010/main" val="538070859"/>
+      </p:ext>
+    </p:extLst>
+  </p:cSld>
+  <p:clrMapOvr>
+    <a:masterClrMapping/>
+  </p:clrMapOvr>
+</p:sld>
+</file>
+
+<file path=ppt/slides/slide2.xml><?xml version="1.0" encoding="utf-8"?>
+<p:sld xmlns:a="http://schemas.openxmlformats.org/drawingml/2006/main" xmlns:r="http://schemas.openxmlformats.org/officeDocument/2006/relationships" xmlns:p="http://schemas.openxmlformats.org/presentationml/2006/main">
+  <p:cSld>
+    <p:spTree>
+      <p:nvGrpSpPr>
+        <p:cNvPr id="1" name=""/>
+        <p:cNvGrpSpPr/>
+        <p:nvPr/>
+      </p:nvGrpSpPr>
+      <p:grpSpPr>
+        <a:xfrm>
+          <a:off x="0" y="0"/>
+          <a:ext cx="0" cy="0"/>
+          <a:chOff x="0" y="0"/>
+          <a:chExt cx="0" cy="0"/>
+        </a:xfrm>
+      </p:grpSpPr>
+      <p:sp>
+        <p:nvSpPr>
+          <p:cNvPr id="3" name="Title 2"/>
+          <p:cNvSpPr>
+            <a:spLocks noGrp="1"/>
+          </p:cNvSpPr>
+          <p:nvPr>
+            <p:ph type="title"/>
+          </p:nvPr>
+        </p:nvSpPr>
+        <p:spPr/>
+        <p:txBody>
+          <a:bodyPr/>
+          <a:lstStyle/>
+          <a:p>
+            <a:r>
+              <a:rPr lang="en-US" dirty="0" smtClean="0"/>
+              <a:t>Government of Bangladesh is interested in increasing the subjective well being of their people</a:t>
+            </a:r>
+            <a:endParaRPr lang="en-US" dirty="0"/>
+          </a:p>
+        </p:txBody>
+      </p:sp>
+      <p:sp>
+        <p:nvSpPr>
+          <p:cNvPr id="4" name="Text Placeholder 3"/>
+          <p:cNvSpPr>
+            <a:spLocks noGrp="1"/>
+          </p:cNvSpPr>
+          <p:nvPr>
+            <p:ph type="body" sz="quarter" idx="10"/>
+          </p:nvPr>
+        </p:nvSpPr>
+        <p:spPr/>
+        <p:txBody>
+          <a:bodyPr/>
+          <a:lstStyle/>
+          <a:p>
+            <a:r>
+              <a:rPr lang="en-US" dirty="0" smtClean="0"/>
+              <a:t>It’s important to make our people happy!</a:t>
+            </a:r>
+            <a:endParaRPr lang="en-US" dirty="0"/>
+          </a:p>
+        </p:txBody>
+      </p:sp>
+      <p:sp>
+        <p:nvSpPr>
+          <p:cNvPr id="5" name="Text Placeholder 4"/>
+          <p:cNvSpPr>
+            <a:spLocks noGrp="1"/>
+          </p:cNvSpPr>
+          <p:nvPr>
+            <p:ph type="body" sz="quarter" idx="11"/>
+          </p:nvPr>
+        </p:nvSpPr>
+        <p:spPr/>
+        <p:txBody>
+          <a:bodyPr/>
+          <a:lstStyle/>
+          <a:p>
+            <a:endParaRPr lang="en-US"/>
+          </a:p>
+        </p:txBody>
+      </p:sp>
+      <p:sp>
+        <p:nvSpPr>
+          <p:cNvPr id="7" name="Content Placeholder 6"/>
+          <p:cNvSpPr>
+            <a:spLocks noGrp="1"/>
+          </p:cNvSpPr>
+          <p:nvPr>
+            <p:ph sz="quarter" idx="12"/>
+          </p:nvPr>
+        </p:nvSpPr>
+        <p:spPr/>
+        <p:txBody>
+          <a:bodyPr/>
+          <a:lstStyle/>
+          <a:p>
+            <a:endParaRPr lang="en-US"/>
+          </a:p>
+        </p:txBody>
+      </p:sp>
+    </p:spTree>
+    <p:extLst>
+      <p:ext uri="{BB962C8B-B14F-4D97-AF65-F5344CB8AC3E}">
+        <p14:creationId xmlns:p14="http://schemas.microsoft.com/office/powerpoint/2010/main" val="622371689"/>
+      </p:ext>
+    </p:extLst>
+  </p:cSld>
+  <p:clrMapOvr>
+    <a:masterClrMapping/>
+  </p:clrMapOvr>
+</p:sld>
+</file>
+
+<file path=ppt/slides/slide20.xml><?xml version="1.0" encoding="utf-8"?>
+<p:sld xmlns:a="http://schemas.openxmlformats.org/drawingml/2006/main" xmlns:r="http://schemas.openxmlformats.org/officeDocument/2006/relationships" xmlns:p="http://schemas.openxmlformats.org/presentationml/2006/main">
+  <p:cSld>
+    <p:spTree>
+      <p:nvGrpSpPr>
+        <p:cNvPr id="1" name=""/>
+        <p:cNvGrpSpPr/>
+        <p:nvPr/>
+      </p:nvGrpSpPr>
+      <p:grpSpPr>
+        <a:xfrm>
+          <a:off x="0" y="0"/>
+          <a:ext cx="0" cy="0"/>
+          <a:chOff x="0" y="0"/>
+          <a:chExt cx="0" cy="0"/>
+        </a:xfrm>
+      </p:grpSpPr>
+      <p:sp>
+        <p:nvSpPr>
+          <p:cNvPr id="5" name="Content Placeholder 4"/>
+          <p:cNvSpPr>
+            <a:spLocks noGrp="1"/>
+          </p:cNvSpPr>
+          <p:nvPr>
+            <p:ph sz="quarter" idx="16"/>
+          </p:nvPr>
+        </p:nvSpPr>
+        <p:spPr/>
+        <p:txBody>
+          <a:bodyPr/>
+          <a:lstStyle/>
+          <a:p>
+            <a:endParaRPr lang="en-US" dirty="0"/>
+          </a:p>
+        </p:txBody>
+      </p:sp>
+      <p:sp>
+        <p:nvSpPr>
+          <p:cNvPr id="6" name="Content Placeholder 5"/>
+          <p:cNvSpPr>
+            <a:spLocks noGrp="1"/>
+          </p:cNvSpPr>
+          <p:nvPr>
+            <p:ph sz="quarter" idx="17"/>
+          </p:nvPr>
+        </p:nvSpPr>
+        <p:spPr/>
+        <p:txBody>
+          <a:bodyPr/>
+          <a:lstStyle/>
+          <a:p>
+            <a:endParaRPr lang="en-US" dirty="0"/>
+          </a:p>
+        </p:txBody>
+      </p:sp>
+      <p:sp>
+        <p:nvSpPr>
+          <p:cNvPr id="7" name="Content Placeholder 6"/>
+          <p:cNvSpPr>
+            <a:spLocks noGrp="1"/>
+          </p:cNvSpPr>
+          <p:nvPr>
+            <p:ph sz="quarter" idx="18"/>
+          </p:nvPr>
+        </p:nvSpPr>
+        <p:spPr/>
+        <p:txBody>
+          <a:bodyPr/>
+          <a:lstStyle/>
+          <a:p>
+            <a:endParaRPr lang="en-US" dirty="0"/>
+          </a:p>
+        </p:txBody>
+      </p:sp>
+      <p:sp>
+        <p:nvSpPr>
+          <p:cNvPr id="8" name="Content Placeholder 7"/>
+          <p:cNvSpPr>
+            <a:spLocks noGrp="1"/>
+          </p:cNvSpPr>
+          <p:nvPr>
+            <p:ph sz="quarter" idx="19"/>
+          </p:nvPr>
+        </p:nvSpPr>
+        <p:spPr/>
+        <p:txBody>
+          <a:bodyPr/>
+          <a:lstStyle/>
+          <a:p>
+            <a:endParaRPr lang="en-US" dirty="0"/>
+          </a:p>
+        </p:txBody>
+      </p:sp>
+      <p:sp>
+        <p:nvSpPr>
+          <p:cNvPr id="2" name="Title 1"/>
+          <p:cNvSpPr>
+            <a:spLocks noGrp="1"/>
+          </p:cNvSpPr>
+          <p:nvPr>
+            <p:ph type="title"/>
+          </p:nvPr>
+        </p:nvSpPr>
+        <p:spPr/>
+        <p:txBody>
+          <a:bodyPr/>
+          <a:lstStyle/>
+          <a:p>
+            <a:endParaRPr lang="en-US" dirty="0"/>
+          </a:p>
+        </p:txBody>
+      </p:sp>
+      <p:sp>
+        <p:nvSpPr>
+          <p:cNvPr id="3" name="Text Placeholder 2"/>
+          <p:cNvSpPr>
+            <a:spLocks noGrp="1"/>
+          </p:cNvSpPr>
+          <p:nvPr>
+            <p:ph type="body" sz="quarter" idx="11"/>
+          </p:nvPr>
+        </p:nvSpPr>
+        <p:spPr/>
+        <p:txBody>
+          <a:bodyPr/>
+          <a:lstStyle/>
+          <a:p>
+            <a:endParaRPr lang="en-US" dirty="0"/>
+          </a:p>
+        </p:txBody>
+      </p:sp>
+      <p:sp>
+        <p:nvSpPr>
+          <p:cNvPr id="4" name="Text Placeholder 3"/>
+          <p:cNvSpPr>
+            <a:spLocks noGrp="1"/>
+          </p:cNvSpPr>
+          <p:nvPr>
+            <p:ph type="body" sz="quarter" idx="12"/>
+          </p:nvPr>
+        </p:nvSpPr>
+        <p:spPr/>
+        <p:txBody>
+          <a:bodyPr/>
+          <a:lstStyle/>
+          <a:p>
+            <a:endParaRPr lang="en-US" dirty="0"/>
+          </a:p>
+        </p:txBody>
+      </p:sp>
+    </p:spTree>
+    <p:extLst>
+      <p:ext uri="{BB962C8B-B14F-4D97-AF65-F5344CB8AC3E}">
+        <p14:creationId xmlns:p14="http://schemas.microsoft.com/office/powerpoint/2010/main" val="3396897783"/>
+      </p:ext>
+    </p:extLst>
+  </p:cSld>
+  <p:clrMapOvr>
+    <a:masterClrMapping/>
+  </p:clrMapOvr>
+</p:sld>
+</file>
+
+<file path=ppt/slides/slide21.xml><?xml version="1.0" encoding="utf-8"?>
+<p:sld xmlns:a="http://schemas.openxmlformats.org/drawingml/2006/main" xmlns:r="http://schemas.openxmlformats.org/officeDocument/2006/relationships" xmlns:p="http://schemas.openxmlformats.org/presentationml/2006/main">
+  <p:cSld>
+    <p:spTree>
+      <p:nvGrpSpPr>
+        <p:cNvPr id="1" name=""/>
+        <p:cNvGrpSpPr/>
+        <p:nvPr/>
+      </p:nvGrpSpPr>
+      <p:grpSpPr>
+        <a:xfrm>
+          <a:off x="0" y="0"/>
+          <a:ext cx="0" cy="0"/>
+          <a:chOff x="0" y="0"/>
+          <a:chExt cx="0" cy="0"/>
+        </a:xfrm>
+      </p:grpSpPr>
+      <p:sp>
+        <p:nvSpPr>
+          <p:cNvPr id="2" name="Title 1"/>
+          <p:cNvSpPr>
+            <a:spLocks noGrp="1"/>
+          </p:cNvSpPr>
+          <p:nvPr>
+            <p:ph type="title"/>
           </p:nvPr>
         </p:nvSpPr>
         <p:spPr/>
@@ -16066,7 +20561,7 @@
 </p:sld>
 </file>
 
-<file path=ppt/slides/slide14.xml><?xml version="1.0" encoding="utf-8"?>
+<file path=ppt/slides/slide22.xml><?xml version="1.0" encoding="utf-8"?>
 <p:sld xmlns:a="http://schemas.openxmlformats.org/drawingml/2006/main" xmlns:r="http://schemas.openxmlformats.org/officeDocument/2006/relationships" xmlns:p="http://schemas.openxmlformats.org/presentationml/2006/main">
   <p:cSld>
     <p:spTree>
@@ -16096,7 +20591,7 @@
 </p:sld>
 </file>
 
-<file path=ppt/slides/slide15.xml><?xml version="1.0" encoding="utf-8"?>
+<file path=ppt/slides/slide23.xml><?xml version="1.0" encoding="utf-8"?>
 <p:sld xmlns:a="http://schemas.openxmlformats.org/drawingml/2006/main" xmlns:r="http://schemas.openxmlformats.org/officeDocument/2006/relationships" xmlns:p="http://schemas.openxmlformats.org/presentationml/2006/main">
   <p:cSld>
     <p:spTree>
@@ -16145,7 +20640,7 @@
 </p:sld>
 </file>
 
-<file path=ppt/slides/slide16.xml><?xml version="1.0" encoding="utf-8"?>
+<file path=ppt/slides/slide24.xml><?xml version="1.0" encoding="utf-8"?>
 <p:sld xmlns:a="http://schemas.openxmlformats.org/drawingml/2006/main" xmlns:r="http://schemas.openxmlformats.org/officeDocument/2006/relationships" xmlns:p="http://schemas.openxmlformats.org/presentationml/2006/main">
   <p:cSld>
     <p:spTree>
@@ -16194,7 +20689,7 @@
 </p:sld>
 </file>
 
-<file path=ppt/slides/slide17.xml><?xml version="1.0" encoding="utf-8"?>
+<file path=ppt/slides/slide25.xml><?xml version="1.0" encoding="utf-8"?>
 <p:sld xmlns:a="http://schemas.openxmlformats.org/drawingml/2006/main" xmlns:r="http://schemas.openxmlformats.org/officeDocument/2006/relationships" xmlns:p="http://schemas.openxmlformats.org/presentationml/2006/main">
   <p:cSld>
     <p:spTree>
@@ -16243,7 +20738,7 @@
 </p:sld>
 </file>
 
-<file path=ppt/slides/slide18.xml><?xml version="1.0" encoding="utf-8"?>
+<file path=ppt/slides/slide26.xml><?xml version="1.0" encoding="utf-8"?>
 <p:sld xmlns:a="http://schemas.openxmlformats.org/drawingml/2006/main" xmlns:r="http://schemas.openxmlformats.org/officeDocument/2006/relationships" xmlns:p="http://schemas.openxmlformats.org/presentationml/2006/main">
   <p:cSld>
     <p:spTree>
@@ -16525,7 +21020,7 @@
 </p:sld>
 </file>
 
-<file path=ppt/slides/slide19.xml><?xml version="1.0" encoding="utf-8"?>
+<file path=ppt/slides/slide27.xml><?xml version="1.0" encoding="utf-8"?>
 <p:sld xmlns:a="http://schemas.openxmlformats.org/drawingml/2006/main" xmlns:r="http://schemas.openxmlformats.org/officeDocument/2006/relationships" xmlns:p="http://schemas.openxmlformats.org/presentationml/2006/main">
   <p:cSld>
     <p:spTree>
@@ -17021,106 +21516,7 @@
 </p:sld>
 </file>
 
-<file path=ppt/slides/slide2.xml><?xml version="1.0" encoding="utf-8"?>
-<p:sld xmlns:a="http://schemas.openxmlformats.org/drawingml/2006/main" xmlns:r="http://schemas.openxmlformats.org/officeDocument/2006/relationships" xmlns:p="http://schemas.openxmlformats.org/presentationml/2006/main">
-  <p:cSld>
-    <p:spTree>
-      <p:nvGrpSpPr>
-        <p:cNvPr id="1" name=""/>
-        <p:cNvGrpSpPr/>
-        <p:nvPr/>
-      </p:nvGrpSpPr>
-      <p:grpSpPr>
-        <a:xfrm>
-          <a:off x="0" y="0"/>
-          <a:ext cx="0" cy="0"/>
-          <a:chOff x="0" y="0"/>
-          <a:chExt cx="0" cy="0"/>
-        </a:xfrm>
-      </p:grpSpPr>
-      <p:sp>
-        <p:nvSpPr>
-          <p:cNvPr id="5" name="Picture Placeholder 4"/>
-          <p:cNvSpPr>
-            <a:spLocks noGrp="1"/>
-          </p:cNvSpPr>
-          <p:nvPr>
-            <p:ph type="pic" sz="quarter" idx="11"/>
-          </p:nvPr>
-        </p:nvSpPr>
-        <p:spPr/>
-      </p:sp>
-      <p:sp>
-        <p:nvSpPr>
-          <p:cNvPr id="2" name="Title 1"/>
-          <p:cNvSpPr>
-            <a:spLocks noGrp="1"/>
-          </p:cNvSpPr>
-          <p:nvPr>
-            <p:ph type="ctrTitle"/>
-          </p:nvPr>
-        </p:nvSpPr>
-        <p:spPr/>
-        <p:txBody>
-          <a:bodyPr/>
-          <a:lstStyle/>
-          <a:p>
-            <a:endParaRPr lang="en-US" dirty="0"/>
-          </a:p>
-        </p:txBody>
-      </p:sp>
-      <p:sp>
-        <p:nvSpPr>
-          <p:cNvPr id="3" name="Subtitle 2"/>
-          <p:cNvSpPr>
-            <a:spLocks noGrp="1"/>
-          </p:cNvSpPr>
-          <p:nvPr>
-            <p:ph type="subTitle" idx="1"/>
-          </p:nvPr>
-        </p:nvSpPr>
-        <p:spPr/>
-        <p:txBody>
-          <a:bodyPr/>
-          <a:lstStyle/>
-          <a:p>
-            <a:endParaRPr lang="en-US" dirty="0"/>
-          </a:p>
-        </p:txBody>
-      </p:sp>
-      <p:sp>
-        <p:nvSpPr>
-          <p:cNvPr id="4" name="Text Placeholder 3"/>
-          <p:cNvSpPr>
-            <a:spLocks noGrp="1"/>
-          </p:cNvSpPr>
-          <p:nvPr>
-            <p:ph type="body" sz="quarter" idx="10"/>
-          </p:nvPr>
-        </p:nvSpPr>
-        <p:spPr/>
-        <p:txBody>
-          <a:bodyPr/>
-          <a:lstStyle/>
-          <a:p>
-            <a:endParaRPr lang="en-US" dirty="0"/>
-          </a:p>
-        </p:txBody>
-      </p:sp>
-    </p:spTree>
-    <p:extLst>
-      <p:ext uri="{BB962C8B-B14F-4D97-AF65-F5344CB8AC3E}">
-        <p14:creationId xmlns:p14="http://schemas.microsoft.com/office/powerpoint/2010/main" val="2132025991"/>
-      </p:ext>
-    </p:extLst>
-  </p:cSld>
-  <p:clrMapOvr>
-    <a:masterClrMapping/>
-  </p:clrMapOvr>
-</p:sld>
-</file>
-
-<file path=ppt/slides/slide20.xml><?xml version="1.0" encoding="utf-8"?>
+<file path=ppt/slides/slide28.xml><?xml version="1.0" encoding="utf-8"?>
 <p:sld xmlns:a="http://schemas.openxmlformats.org/drawingml/2006/main" xmlns:r="http://schemas.openxmlformats.org/officeDocument/2006/relationships" xmlns:p="http://schemas.openxmlformats.org/presentationml/2006/main">
   <p:cSld>
     <p:spTree>
@@ -17207,24 +21603,12 @@
       </p:grpSpPr>
       <p:sp>
         <p:nvSpPr>
-          <p:cNvPr id="5" name="Picture Placeholder 4"/>
+          <p:cNvPr id="3" name="Title 2"/>
           <p:cNvSpPr>
             <a:spLocks noGrp="1"/>
           </p:cNvSpPr>
           <p:nvPr>
-            <p:ph type="pic" sz="quarter" idx="11"/>
-          </p:nvPr>
-        </p:nvSpPr>
-        <p:spPr/>
-      </p:sp>
-      <p:sp>
-        <p:nvSpPr>
-          <p:cNvPr id="2" name="Title 1"/>
-          <p:cNvSpPr>
-            <a:spLocks noGrp="1"/>
-          </p:cNvSpPr>
-          <p:nvPr>
-            <p:ph type="ctrTitle"/>
+            <p:ph type="title"/>
           </p:nvPr>
         </p:nvSpPr>
         <p:spPr/>
@@ -17232,25 +21616,10 @@
           <a:bodyPr/>
           <a:lstStyle/>
           <a:p>
-            <a:endParaRPr lang="en-US" dirty="0"/>
-          </a:p>
-        </p:txBody>
-      </p:sp>
-      <p:sp>
-        <p:nvSpPr>
-          <p:cNvPr id="3" name="Subtitle 2"/>
-          <p:cNvSpPr>
-            <a:spLocks noGrp="1"/>
-          </p:cNvSpPr>
-          <p:nvPr>
-            <p:ph type="subTitle" idx="1"/>
-          </p:nvPr>
-        </p:nvSpPr>
-        <p:spPr/>
-        <p:txBody>
-          <a:bodyPr/>
-          <a:lstStyle/>
-          <a:p>
+            <a:r>
+              <a:rPr lang="en-US" dirty="0" smtClean="0"/>
+              <a:t>Is there a need to do anything to make our people happier?</a:t>
+            </a:r>
             <a:endParaRPr lang="en-US" dirty="0"/>
           </a:p>
         </p:txBody>
@@ -17265,19 +21634,91 @@
             <p:ph type="body" sz="quarter" idx="10"/>
           </p:nvPr>
         </p:nvSpPr>
-        <p:spPr/>
+        <p:spPr>
+          <a:xfrm>
+            <a:off x="323410" y="1352550"/>
+            <a:ext cx="8497180" cy="2514600"/>
+          </a:xfrm>
+        </p:spPr>
         <p:txBody>
           <a:bodyPr/>
           <a:lstStyle/>
           <a:p>
-            <a:endParaRPr lang="en-US" dirty="0"/>
+            <a:pPr marL="285750" indent="-285750">
+              <a:buFont typeface="Arial" panose="020B0604020202020204" pitchFamily="34" charset="0"/>
+              <a:buChar char="•"/>
+            </a:pPr>
+            <a:r>
+              <a:rPr lang="en-US" sz="1600" dirty="0" smtClean="0"/>
+              <a:t>Maybe they are already pretty happy?</a:t>
+            </a:r>
+          </a:p>
+          <a:p>
+            <a:pPr marL="285750" indent="-285750">
+              <a:buFont typeface="Arial" panose="020B0604020202020204" pitchFamily="34" charset="0"/>
+              <a:buChar char="•"/>
+            </a:pPr>
+            <a:r>
+              <a:rPr lang="en-US" sz="1600" dirty="0" smtClean="0"/>
+              <a:t>If they are not – what aspects of our country’s life should we focus on?</a:t>
+            </a:r>
+          </a:p>
+          <a:p>
+            <a:pPr marL="285750" indent="-285750">
+              <a:buFont typeface="Arial" panose="020B0604020202020204" pitchFamily="34" charset="0"/>
+              <a:buChar char="•"/>
+            </a:pPr>
+            <a:r>
+              <a:rPr lang="en-US" sz="1600" dirty="0" smtClean="0"/>
+              <a:t>What socio-economic indicators are important for people’s happiness?</a:t>
+            </a:r>
+          </a:p>
+          <a:p>
+            <a:pPr marL="285750" indent="-285750">
+              <a:buFont typeface="Arial" panose="020B0604020202020204" pitchFamily="34" charset="0"/>
+              <a:buChar char="•"/>
+            </a:pPr>
+            <a:r>
+              <a:rPr lang="en-US" sz="1600" dirty="0" smtClean="0"/>
+              <a:t>And which of them are important for us?</a:t>
+            </a:r>
+            <a:endParaRPr lang="en-US" sz="1600" dirty="0"/>
+          </a:p>
+          <a:p>
+            <a:endParaRPr lang="en-US" sz="1600" dirty="0" smtClean="0"/>
+          </a:p>
+          <a:p>
+            <a:r>
+              <a:rPr lang="en-US" sz="1600" dirty="0" smtClean="0"/>
+              <a:t>Fortunately, we’ve heard of that nifty online Machine Learning App based on the data from …</a:t>
+            </a:r>
+            <a:endParaRPr lang="en-US" sz="1600" dirty="0"/>
+          </a:p>
+        </p:txBody>
+      </p:sp>
+      <p:sp>
+        <p:nvSpPr>
+          <p:cNvPr id="5" name="Text Placeholder 4"/>
+          <p:cNvSpPr>
+            <a:spLocks noGrp="1"/>
+          </p:cNvSpPr>
+          <p:nvPr>
+            <p:ph type="body" sz="quarter" idx="11"/>
+          </p:nvPr>
+        </p:nvSpPr>
+        <p:spPr/>
+        <p:txBody>
+          <a:bodyPr/>
+          <a:lstStyle/>
+          <a:p>
+            <a:endParaRPr lang="en-US"/>
           </a:p>
         </p:txBody>
       </p:sp>
     </p:spTree>
     <p:extLst>
       <p:ext uri="{BB962C8B-B14F-4D97-AF65-F5344CB8AC3E}">
-        <p14:creationId xmlns:p14="http://schemas.microsoft.com/office/powerpoint/2010/main" val="314146480"/>
+        <p14:creationId xmlns:p14="http://schemas.microsoft.com/office/powerpoint/2010/main" val="2488651978"/>
       </p:ext>
     </p:extLst>
   </p:cSld>
@@ -17306,6 +21747,48 @@
       </p:grpSpPr>
       <p:sp>
         <p:nvSpPr>
+          <p:cNvPr id="2" name="Text Placeholder 1"/>
+          <p:cNvSpPr>
+            <a:spLocks noGrp="1"/>
+          </p:cNvSpPr>
+          <p:nvPr>
+            <p:ph type="body" sz="quarter" idx="10"/>
+          </p:nvPr>
+        </p:nvSpPr>
+        <p:spPr/>
+        <p:txBody>
+          <a:bodyPr/>
+          <a:lstStyle/>
+          <a:p>
+            <a:r>
+              <a:rPr lang="en-US" sz="1600" dirty="0" smtClean="0"/>
+              <a:t>Not so well! Our score is just 4.7 – a lot of room for improvement!</a:t>
+            </a:r>
+            <a:endParaRPr lang="en-US" sz="1600" dirty="0"/>
+          </a:p>
+        </p:txBody>
+      </p:sp>
+      <p:sp>
+        <p:nvSpPr>
+          <p:cNvPr id="3" name="Text Placeholder 2"/>
+          <p:cNvSpPr>
+            <a:spLocks noGrp="1"/>
+          </p:cNvSpPr>
+          <p:nvPr>
+            <p:ph type="body" sz="quarter" idx="11"/>
+          </p:nvPr>
+        </p:nvSpPr>
+        <p:spPr/>
+        <p:txBody>
+          <a:bodyPr/>
+          <a:lstStyle/>
+          <a:p>
+            <a:endParaRPr lang="en-US"/>
+          </a:p>
+        </p:txBody>
+      </p:sp>
+      <p:sp>
+        <p:nvSpPr>
           <p:cNvPr id="4" name="Title 3"/>
           <p:cNvSpPr>
             <a:spLocks noGrp="1"/>
@@ -17319,19 +21802,21 @@
           <a:bodyPr/>
           <a:lstStyle/>
           <a:p>
+            <a:r>
+              <a:rPr lang="en-US" dirty="0" smtClean="0"/>
+              <a:t>Maybe our people are already happy? How does our country compare to the rest of the world/region on Happiness?</a:t>
+            </a:r>
             <a:endParaRPr lang="en-US" dirty="0"/>
           </a:p>
         </p:txBody>
       </p:sp>
       <p:pic>
         <p:nvPicPr>
-          <p:cNvPr id="2" name="Content Placeholder 1"/>
+          <p:cNvPr id="6" name="Picture 5"/>
           <p:cNvPicPr>
-            <a:picLocks noGrp="1" noChangeAspect="1"/>
+            <a:picLocks noChangeAspect="1"/>
           </p:cNvPicPr>
-          <p:nvPr>
-            <p:ph idx="1"/>
-          </p:nvPr>
+          <p:nvPr/>
         </p:nvPicPr>
         <p:blipFill>
           <a:blip r:embed="rId2"/>
@@ -17341,8 +21826,8 @@
         </p:blipFill>
         <p:spPr>
           <a:xfrm>
-            <a:off x="2116519" y="915988"/>
-            <a:ext cx="4910962" cy="3816350"/>
+            <a:off x="323409" y="1394802"/>
+            <a:ext cx="8225905" cy="3408750"/>
           </a:xfrm>
           <a:prstGeom prst="rect">
             <a:avLst/>
@@ -17352,7 +21837,7 @@
     </p:spTree>
     <p:extLst>
       <p:ext uri="{BB962C8B-B14F-4D97-AF65-F5344CB8AC3E}">
-        <p14:creationId xmlns:p14="http://schemas.microsoft.com/office/powerpoint/2010/main" val="1485206547"/>
+        <p14:creationId xmlns:p14="http://schemas.microsoft.com/office/powerpoint/2010/main" val="1968826166"/>
       </p:ext>
     </p:extLst>
   </p:cSld>
@@ -17379,17 +21864,40 @@
           <a:chExt cx="0" cy="0"/>
         </a:xfrm>
       </p:grpSpPr>
-      <p:sp>
-        <p:nvSpPr>
-          <p:cNvPr id="2" name="Title 1"/>
+      <p:pic>
+        <p:nvPicPr>
+          <p:cNvPr id="6" name="Content Placeholder 5"/>
+          <p:cNvPicPr>
+            <a:picLocks noGrp="1" noChangeAspect="1"/>
+          </p:cNvPicPr>
+          <p:nvPr>
+            <p:ph sz="quarter" idx="12"/>
+          </p:nvPr>
+        </p:nvPicPr>
+        <p:blipFill>
+          <a:blip r:embed="rId2"/>
+          <a:stretch>
+            <a:fillRect/>
+          </a:stretch>
+        </p:blipFill>
+        <p:spPr>
+          <a:xfrm>
+            <a:off x="323410" y="1347582"/>
+            <a:ext cx="5927620" cy="3455988"/>
+          </a:xfrm>
+          <a:prstGeom prst="rect">
+            <a:avLst/>
+          </a:prstGeom>
+        </p:spPr>
+      </p:pic>
+      <p:sp>
+        <p:nvSpPr>
+          <p:cNvPr id="3" name="Title 2"/>
           <p:cNvSpPr>
             <a:spLocks noGrp="1"/>
           </p:cNvSpPr>
           <p:nvPr>
             <p:ph type="title"/>
-            <p:custDataLst>
-              <p:tags r:id="rId1"/>
-            </p:custDataLst>
           </p:nvPr>
         </p:nvSpPr>
         <p:spPr/>
@@ -17399,29 +21907,143 @@
           <a:p>
             <a:r>
               <a:rPr lang="en-US" dirty="0" smtClean="0"/>
-              <a:t>Appendix</a:t>
+              <a:t>OK, their predictive model has 74 socio-economic indicators. And how well do those </a:t>
+            </a:r>
+            <a:r>
+              <a:rPr lang="en-US" dirty="0"/>
+              <a:t>– as a </a:t>
+            </a:r>
+            <a:r>
+              <a:rPr lang="en-US" dirty="0" smtClean="0"/>
+              <a:t>group – predict Happiness?</a:t>
             </a:r>
             <a:endParaRPr lang="en-US" dirty="0"/>
+          </a:p>
+        </p:txBody>
+      </p:sp>
+      <p:sp>
+        <p:nvSpPr>
+          <p:cNvPr id="4" name="Text Placeholder 3"/>
+          <p:cNvSpPr>
+            <a:spLocks noGrp="1"/>
+          </p:cNvSpPr>
+          <p:nvPr>
+            <p:ph type="body" sz="quarter" idx="10"/>
+          </p:nvPr>
+        </p:nvSpPr>
+        <p:spPr/>
+        <p:txBody>
+          <a:bodyPr/>
+          <a:lstStyle/>
+          <a:p>
+            <a:r>
+              <a:rPr lang="en-US" dirty="0" smtClean="0"/>
+              <a:t>Wow, quite well: an R</a:t>
+            </a:r>
+            <a:r>
+              <a:rPr lang="en-US" baseline="30000" dirty="0" smtClean="0"/>
+              <a:t>2</a:t>
+            </a:r>
+            <a:r>
+              <a:rPr lang="en-US" dirty="0" smtClean="0"/>
+              <a:t> of 0.77 is very impressive!</a:t>
+            </a:r>
+            <a:endParaRPr lang="en-US" dirty="0"/>
+          </a:p>
+        </p:txBody>
+      </p:sp>
+      <p:sp>
+        <p:nvSpPr>
+          <p:cNvPr id="5" name="Text Placeholder 4"/>
+          <p:cNvSpPr>
+            <a:spLocks noGrp="1"/>
+          </p:cNvSpPr>
+          <p:nvPr>
+            <p:ph type="body" sz="quarter" idx="11"/>
+          </p:nvPr>
+        </p:nvSpPr>
+        <p:spPr/>
+        <p:txBody>
+          <a:bodyPr/>
+          <a:lstStyle/>
+          <a:p>
+            <a:endParaRPr lang="en-US"/>
+          </a:p>
+        </p:txBody>
+      </p:sp>
+      <p:sp>
+        <p:nvSpPr>
+          <p:cNvPr id="7" name="Oval 6"/>
+          <p:cNvSpPr/>
+          <p:nvPr/>
+        </p:nvSpPr>
+        <p:spPr bwMode="gray">
+          <a:xfrm>
+            <a:off x="3886200" y="1879511"/>
+            <a:ext cx="1454239" cy="304800"/>
+          </a:xfrm>
+          <a:prstGeom prst="ellipse">
+            <a:avLst/>
+          </a:prstGeom>
+          <a:noFill/>
+          <a:ln w="19050">
+            <a:solidFill>
+              <a:schemeClr val="tx2"/>
+            </a:solidFill>
+          </a:ln>
+        </p:spPr>
+        <p:style>
+          <a:lnRef idx="2">
+            <a:schemeClr val="accent1">
+              <a:shade val="50000"/>
+            </a:schemeClr>
+          </a:lnRef>
+          <a:fillRef idx="1">
+            <a:schemeClr val="accent1"/>
+          </a:fillRef>
+          <a:effectRef idx="0">
+            <a:schemeClr val="accent1"/>
+          </a:effectRef>
+          <a:fontRef idx="minor">
+            <a:schemeClr val="lt1"/>
+          </a:fontRef>
+        </p:style>
+        <p:txBody>
+          <a:bodyPr rot="0" spcFirstLastPara="0" vertOverflow="overflow" horzOverflow="overflow" vert="horz" wrap="square" lIns="91440" tIns="45720" rIns="91440" bIns="45720" numCol="1" spcCol="0" rtlCol="0" fromWordArt="0" anchor="ctr" anchorCtr="0" forceAA="0" compatLnSpc="1">
+            <a:prstTxWarp prst="textNoShape">
+              <a:avLst/>
+            </a:prstTxWarp>
+            <a:noAutofit/>
+          </a:bodyPr>
+          <a:lstStyle/>
+          <a:p>
+            <a:pPr marL="0" indent="0" algn="ctr">
+              <a:spcBef>
+                <a:spcPts val="300"/>
+              </a:spcBef>
+              <a:buFont typeface="Courier New" pitchFamily="49" charset="0"/>
+              <a:buNone/>
+            </a:pPr>
+            <a:endParaRPr lang="en-US" sz="1600" dirty="0" smtClean="0">
+              <a:solidFill>
+                <a:schemeClr val="tx1"/>
+              </a:solidFill>
+              <a:latin typeface="Arial" pitchFamily="34" charset="0"/>
+              <a:cs typeface="Arial" pitchFamily="34" charset="0"/>
+            </a:endParaRPr>
           </a:p>
         </p:txBody>
       </p:sp>
     </p:spTree>
     <p:extLst>
       <p:ext uri="{BB962C8B-B14F-4D97-AF65-F5344CB8AC3E}">
-        <p14:creationId xmlns:p14="http://schemas.microsoft.com/office/powerpoint/2010/main" val="3838497406"/>
+        <p14:creationId xmlns:p14="http://schemas.microsoft.com/office/powerpoint/2010/main" val="265018134"/>
       </p:ext>
     </p:extLst>
   </p:cSld>
   <p:clrMapOvr>
     <a:masterClrMapping/>
   </p:clrMapOvr>
-  <p:timing>
-    <p:tnLst>
-      <p:par>
-        <p:cTn id="1" dur="indefinite" restart="never" nodeType="tmRoot"/>
-      </p:par>
-    </p:tnLst>
-  </p:timing>
 </p:sld>
 </file>
 
@@ -17442,211 +22064,35 @@
           <a:chExt cx="0" cy="0"/>
         </a:xfrm>
       </p:grpSpPr>
-      <p:sp>
-        <p:nvSpPr>
-          <p:cNvPr id="5" name="Content Placeholder 4"/>
-          <p:cNvSpPr>
-            <a:spLocks noGrp="1"/>
-          </p:cNvSpPr>
+      <p:pic>
+        <p:nvPicPr>
+          <p:cNvPr id="12" name="Content Placeholder 11"/>
+          <p:cNvPicPr>
+            <a:picLocks noGrp="1" noChangeAspect="1"/>
+          </p:cNvPicPr>
           <p:nvPr>
             <p:ph sz="quarter" idx="12"/>
           </p:nvPr>
-        </p:nvSpPr>
-        <p:spPr/>
-        <p:txBody>
-          <a:bodyPr/>
-          <a:lstStyle/>
-          <a:p>
-            <a:r>
-              <a:rPr lang="en-US" sz="1400" b="1" dirty="0" smtClean="0"/>
-              <a:t>World Happiness Scores:</a:t>
-            </a:r>
-          </a:p>
-          <a:p>
-            <a:pPr marL="285750" indent="-285750">
-              <a:buFont typeface="Arial" panose="020B0604020202020204" pitchFamily="34" charset="0"/>
-              <a:buChar char="•"/>
-            </a:pPr>
-            <a:r>
-              <a:rPr lang="en-US" sz="1400" dirty="0" smtClean="0"/>
-              <a:t>Used regularly by the </a:t>
-            </a:r>
-            <a:r>
-              <a:rPr lang="en-US" sz="1400" dirty="0" smtClean="0">
-                <a:hlinkClick r:id="rId2"/>
-              </a:rPr>
-              <a:t>World Happiness Report</a:t>
-            </a:r>
-            <a:r>
-              <a:rPr lang="en-US" sz="1400" dirty="0" smtClean="0"/>
-              <a:t>.</a:t>
-            </a:r>
-          </a:p>
-          <a:p>
-            <a:pPr marL="285750" indent="-285750">
-              <a:buFont typeface="Arial" panose="020B0604020202020204" pitchFamily="34" charset="0"/>
-              <a:buChar char="•"/>
-            </a:pPr>
-            <a:r>
-              <a:rPr lang="en-US" sz="1400" dirty="0"/>
-              <a:t>The </a:t>
-            </a:r>
-            <a:r>
-              <a:rPr lang="en-US" sz="1400" dirty="0" smtClean="0"/>
-              <a:t>actual happiness </a:t>
-            </a:r>
-            <a:r>
-              <a:rPr lang="en-US" sz="1400" dirty="0"/>
-              <a:t>scores and rankings </a:t>
-            </a:r>
-            <a:r>
-              <a:rPr lang="en-US" sz="1400" dirty="0" smtClean="0"/>
-              <a:t>come from </a:t>
-            </a:r>
-            <a:r>
-              <a:rPr lang="en-US" sz="1400" dirty="0"/>
-              <a:t>the </a:t>
-            </a:r>
-            <a:r>
-              <a:rPr lang="en-US" sz="1400" dirty="0">
-                <a:hlinkClick r:id="rId3"/>
-              </a:rPr>
-              <a:t>Gallup World Poll</a:t>
-            </a:r>
-            <a:r>
-              <a:rPr lang="en-US" sz="1400" dirty="0" smtClean="0"/>
-              <a:t>.</a:t>
-            </a:r>
-          </a:p>
-          <a:p>
-            <a:pPr marL="285750" indent="-285750">
-              <a:buFont typeface="Arial" panose="020B0604020202020204" pitchFamily="34" charset="0"/>
-              <a:buChar char="•"/>
-            </a:pPr>
-            <a:r>
-              <a:rPr lang="en-US" sz="1400" dirty="0" smtClean="0"/>
-              <a:t>The exact wording of the “happiness” question is:</a:t>
-            </a:r>
-          </a:p>
-          <a:p>
-            <a:pPr marL="465750" lvl="1" indent="-285750">
-              <a:buFont typeface="Arial" panose="020B0604020202020204" pitchFamily="34" charset="0"/>
-              <a:buChar char="•"/>
-            </a:pPr>
-            <a:r>
-              <a:rPr lang="en-US" sz="1400" dirty="0"/>
-              <a:t>“Please imagine a ladder, with steps numbered </a:t>
-            </a:r>
-            <a:r>
-              <a:rPr lang="en-US" sz="1400" dirty="0" smtClean="0"/>
-              <a:t>from 0 </a:t>
-            </a:r>
-            <a:r>
-              <a:rPr lang="en-US" sz="1400" dirty="0"/>
-              <a:t>at the bottom to 10 at the top. The top of the ladder represents the </a:t>
-            </a:r>
-            <a:r>
-              <a:rPr lang="en-US" sz="1400" dirty="0" smtClean="0"/>
-              <a:t>best possible </a:t>
-            </a:r>
-            <a:r>
-              <a:rPr lang="en-US" sz="1400" dirty="0"/>
-              <a:t>life for you and the bottom of the ladder represents the worst </a:t>
-            </a:r>
-            <a:r>
-              <a:rPr lang="en-US" sz="1400" dirty="0" smtClean="0"/>
-              <a:t>possible life </a:t>
-            </a:r>
-            <a:r>
-              <a:rPr lang="en-US" sz="1400" dirty="0"/>
-              <a:t>for you. On which step of the ladder would you say you personally feel </a:t>
-            </a:r>
-            <a:r>
-              <a:rPr lang="en-US" sz="1400" dirty="0" smtClean="0"/>
-              <a:t>you stand </a:t>
-            </a:r>
-            <a:r>
-              <a:rPr lang="en-US" sz="1400" dirty="0"/>
-              <a:t>at this time?”</a:t>
-            </a:r>
-          </a:p>
-          <a:p>
-            <a:pPr marL="285750" indent="-285750">
-              <a:buFont typeface="Arial" panose="020B0604020202020204" pitchFamily="34" charset="0"/>
-              <a:buChar char="•"/>
-            </a:pPr>
-            <a:r>
-              <a:rPr lang="en-US" sz="1400" dirty="0" smtClean="0"/>
-              <a:t>This app used the World Happiness Scores and rankings for 2015 posted on </a:t>
-            </a:r>
-            <a:r>
-              <a:rPr lang="en-US" sz="1400" dirty="0" err="1" smtClean="0">
-                <a:hlinkClick r:id="rId4"/>
-              </a:rPr>
-              <a:t>Kaggle</a:t>
-            </a:r>
-            <a:r>
-              <a:rPr lang="en-US" sz="1400" dirty="0" smtClean="0"/>
-              <a:t>.</a:t>
-            </a:r>
-          </a:p>
-          <a:p>
-            <a:pPr>
-              <a:spcBef>
-                <a:spcPts val="600"/>
-              </a:spcBef>
-            </a:pPr>
-            <a:r>
-              <a:rPr lang="en-US" sz="1400" b="1" dirty="0" smtClean="0"/>
-              <a:t>World Development Indicators:</a:t>
-            </a:r>
-          </a:p>
-          <a:p>
-            <a:pPr marL="285750" indent="-285750">
-              <a:buFont typeface="Arial" panose="020B0604020202020204" pitchFamily="34" charset="0"/>
-              <a:buChar char="•"/>
-            </a:pPr>
-            <a:r>
-              <a:rPr lang="en-US" sz="1400" dirty="0" smtClean="0"/>
-              <a:t>Are collected and published yearly by the </a:t>
-            </a:r>
-            <a:r>
-              <a:rPr lang="en-US" sz="1400" dirty="0" smtClean="0">
-                <a:hlinkClick r:id="rId5"/>
-              </a:rPr>
-              <a:t>World Bank</a:t>
-            </a:r>
-            <a:r>
-              <a:rPr lang="en-US" sz="1400" dirty="0" smtClean="0"/>
-              <a:t>.</a:t>
-            </a:r>
-          </a:p>
-          <a:p>
-            <a:pPr marL="285750" indent="-285750">
-              <a:buFont typeface="Arial" panose="020B0604020202020204" pitchFamily="34" charset="0"/>
-              <a:buChar char="•"/>
-            </a:pPr>
-            <a:r>
-              <a:rPr lang="en-US" sz="1400" dirty="0" smtClean="0"/>
-              <a:t>This app used the data on 74 indicators from 1993 to 2014 posted on </a:t>
-            </a:r>
-            <a:r>
-              <a:rPr lang="en-US" sz="1400" dirty="0" err="1" smtClean="0">
-                <a:hlinkClick r:id="rId6"/>
-              </a:rPr>
-              <a:t>Kaggle</a:t>
-            </a:r>
-            <a:r>
-              <a:rPr lang="en-US" sz="1400" dirty="0" smtClean="0"/>
-              <a:t>.</a:t>
-            </a:r>
-            <a:endParaRPr lang="en-US" sz="1400" dirty="0"/>
-          </a:p>
-        </p:txBody>
-      </p:sp>
-      <p:sp>
-        <p:nvSpPr>
-          <p:cNvPr id="2" name="Title 1"/>
+        </p:nvPicPr>
+        <p:blipFill>
+          <a:blip r:embed="rId2"/>
+          <a:stretch>
+            <a:fillRect/>
+          </a:stretch>
+        </p:blipFill>
+        <p:spPr>
+          <a:xfrm>
+            <a:off x="332720" y="1276350"/>
+            <a:ext cx="6084115" cy="3455988"/>
+          </a:xfrm>
+          <a:prstGeom prst="rect">
+            <a:avLst/>
+          </a:prstGeom>
+        </p:spPr>
+      </p:pic>
+      <p:sp>
+        <p:nvSpPr>
+          <p:cNvPr id="3" name="Title 2"/>
           <p:cNvSpPr>
             <a:spLocks noGrp="1"/>
           </p:cNvSpPr>
@@ -17661,15 +22107,7 @@
           <a:p>
             <a:r>
               <a:rPr lang="en-US" dirty="0" smtClean="0"/>
-              <a:t>About World </a:t>
-            </a:r>
-            <a:r>
-              <a:rPr lang="en-US" dirty="0"/>
-              <a:t>Happiness </a:t>
-            </a:r>
-            <a:r>
-              <a:rPr lang="en-US" dirty="0" smtClean="0"/>
-              <a:t>Score and World Development Indicators</a:t>
+              <a:t>We can’t focus on all indicators, but are ready to consider 13. How well do those predict Happiness?</a:t>
             </a:r>
             <a:endParaRPr lang="en-US" dirty="0"/>
           </a:p>
@@ -17677,7 +22115,7 @@
       </p:sp>
       <p:sp>
         <p:nvSpPr>
-          <p:cNvPr id="3" name="Text Placeholder 2"/>
+          <p:cNvPr id="4" name="Text Placeholder 3"/>
           <p:cNvSpPr>
             <a:spLocks noGrp="1"/>
           </p:cNvSpPr>
@@ -17692,15 +22130,30 @@
           <a:p>
             <a:r>
               <a:rPr lang="en-US" dirty="0" smtClean="0"/>
-              <a:t>WHR has was published in 2012, 2013, 2015, and 2016</a:t>
-            </a:r>
-            <a:endParaRPr lang="en-US" dirty="0"/>
-          </a:p>
-        </p:txBody>
-      </p:sp>
-      <p:sp>
-        <p:nvSpPr>
-          <p:cNvPr id="4" name="Text Placeholder 3"/>
+              <a:t>Incredibly well! </a:t>
+            </a:r>
+            <a:r>
+              <a:rPr lang="en-US" dirty="0"/>
+              <a:t>An R</a:t>
+            </a:r>
+            <a:r>
+              <a:rPr lang="en-US" baseline="30000" dirty="0"/>
+              <a:t>2</a:t>
+            </a:r>
+            <a:r>
+              <a:rPr lang="en-US" dirty="0"/>
+              <a:t> of </a:t>
+            </a:r>
+            <a:r>
+              <a:rPr lang="en-US" dirty="0" smtClean="0"/>
+              <a:t>0.69! And the RMSE decreased from 0.57 to just 0.65!</a:t>
+            </a:r>
+          </a:p>
+        </p:txBody>
+      </p:sp>
+      <p:sp>
+        <p:nvSpPr>
+          <p:cNvPr id="5" name="Text Placeholder 4"/>
           <p:cNvSpPr>
             <a:spLocks noGrp="1"/>
           </p:cNvSpPr>
@@ -17713,27 +22166,234 @@
           <a:bodyPr/>
           <a:lstStyle/>
           <a:p>
-            <a:endParaRPr lang="en-US" dirty="0"/>
+            <a:endParaRPr lang="en-US"/>
+          </a:p>
+        </p:txBody>
+      </p:sp>
+      <p:sp>
+        <p:nvSpPr>
+          <p:cNvPr id="9" name="Oval 8"/>
+          <p:cNvSpPr/>
+          <p:nvPr/>
+        </p:nvSpPr>
+        <p:spPr bwMode="gray">
+          <a:xfrm>
+            <a:off x="3990900" y="1782410"/>
+            <a:ext cx="1454239" cy="304800"/>
+          </a:xfrm>
+          <a:prstGeom prst="ellipse">
+            <a:avLst/>
+          </a:prstGeom>
+          <a:noFill/>
+          <a:ln w="19050">
+            <a:solidFill>
+              <a:schemeClr val="tx2"/>
+            </a:solidFill>
+          </a:ln>
+        </p:spPr>
+        <p:style>
+          <a:lnRef idx="2">
+            <a:schemeClr val="accent1">
+              <a:shade val="50000"/>
+            </a:schemeClr>
+          </a:lnRef>
+          <a:fillRef idx="1">
+            <a:schemeClr val="accent1"/>
+          </a:fillRef>
+          <a:effectRef idx="0">
+            <a:schemeClr val="accent1"/>
+          </a:effectRef>
+          <a:fontRef idx="minor">
+            <a:schemeClr val="lt1"/>
+          </a:fontRef>
+        </p:style>
+        <p:txBody>
+          <a:bodyPr rot="0" spcFirstLastPara="0" vertOverflow="overflow" horzOverflow="overflow" vert="horz" wrap="square" lIns="91440" tIns="45720" rIns="91440" bIns="45720" numCol="1" spcCol="0" rtlCol="0" fromWordArt="0" anchor="ctr" anchorCtr="0" forceAA="0" compatLnSpc="1">
+            <a:prstTxWarp prst="textNoShape">
+              <a:avLst/>
+            </a:prstTxWarp>
+            <a:noAutofit/>
+          </a:bodyPr>
+          <a:lstStyle/>
+          <a:p>
+            <a:pPr marL="0" indent="0" algn="ctr">
+              <a:spcBef>
+                <a:spcPts val="300"/>
+              </a:spcBef>
+              <a:buFont typeface="Courier New" pitchFamily="49" charset="0"/>
+              <a:buNone/>
+            </a:pPr>
+            <a:endParaRPr lang="en-US" sz="1600" dirty="0" smtClean="0">
+              <a:solidFill>
+                <a:schemeClr val="tx1"/>
+              </a:solidFill>
+              <a:latin typeface="Arial" pitchFamily="34" charset="0"/>
+              <a:cs typeface="Arial" pitchFamily="34" charset="0"/>
+            </a:endParaRPr>
+          </a:p>
+        </p:txBody>
+      </p:sp>
+      <p:sp>
+        <p:nvSpPr>
+          <p:cNvPr id="10" name="TextBox 9"/>
+          <p:cNvSpPr txBox="1"/>
+          <p:nvPr/>
+        </p:nvSpPr>
+        <p:spPr bwMode="gray">
+          <a:xfrm>
+            <a:off x="6629400" y="1504950"/>
+            <a:ext cx="1752600" cy="646331"/>
+          </a:xfrm>
+          <a:prstGeom prst="rect">
+            <a:avLst/>
+          </a:prstGeom>
+          <a:noFill/>
+        </p:spPr>
+        <p:txBody>
+          <a:bodyPr wrap="square" lIns="0" tIns="0" rIns="0" bIns="0" rtlCol="0">
+            <a:spAutoFit/>
+          </a:bodyPr>
+          <a:lstStyle/>
+          <a:p>
+            <a:pPr algn="ctr">
+              <a:spcBef>
+                <a:spcPts val="300"/>
+              </a:spcBef>
+            </a:pPr>
+            <a:r>
+              <a:rPr lang="en-US" sz="1400" dirty="0">
+                <a:solidFill>
+                  <a:schemeClr val="tx2"/>
+                </a:solidFill>
+                <a:latin typeface="Arial" pitchFamily="34" charset="0"/>
+                <a:cs typeface="Arial" pitchFamily="34" charset="0"/>
+              </a:rPr>
+              <a:t>We were </a:t>
+            </a:r>
+            <a:r>
+              <a:rPr lang="en-US" sz="1400" dirty="0" smtClean="0">
+                <a:solidFill>
+                  <a:schemeClr val="tx2"/>
+                </a:solidFill>
+                <a:latin typeface="Arial" pitchFamily="34" charset="0"/>
+                <a:cs typeface="Arial" pitchFamily="34" charset="0"/>
+              </a:rPr>
+              <a:t>very smart </a:t>
+            </a:r>
+            <a:r>
+              <a:rPr lang="en-US" sz="1400" dirty="0">
+                <a:solidFill>
+                  <a:schemeClr val="tx2"/>
+                </a:solidFill>
+                <a:latin typeface="Arial" pitchFamily="34" charset="0"/>
+                <a:cs typeface="Arial" pitchFamily="34" charset="0"/>
+              </a:rPr>
+              <a:t>to select those few indicators! </a:t>
+            </a:r>
+          </a:p>
+        </p:txBody>
+      </p:sp>
+      <p:sp>
+        <p:nvSpPr>
+          <p:cNvPr id="13" name="TextBox 12"/>
+          <p:cNvSpPr txBox="1"/>
+          <p:nvPr/>
+        </p:nvSpPr>
+        <p:spPr bwMode="gray">
+          <a:xfrm>
+            <a:off x="6762483" y="2979341"/>
+            <a:ext cx="1752600" cy="861774"/>
+          </a:xfrm>
+          <a:prstGeom prst="rect">
+            <a:avLst/>
+          </a:prstGeom>
+          <a:noFill/>
+        </p:spPr>
+        <p:txBody>
+          <a:bodyPr wrap="square" lIns="0" tIns="0" rIns="0" bIns="0" rtlCol="0">
+            <a:spAutoFit/>
+          </a:bodyPr>
+          <a:lstStyle/>
+          <a:p>
+            <a:pPr algn="ctr">
+              <a:spcBef>
+                <a:spcPts val="300"/>
+              </a:spcBef>
+            </a:pPr>
+            <a:r>
+              <a:rPr lang="en-US" sz="1400" dirty="0" smtClean="0">
+                <a:solidFill>
+                  <a:schemeClr val="tx2"/>
+                </a:solidFill>
+                <a:latin typeface="Arial" pitchFamily="34" charset="0"/>
+                <a:cs typeface="Arial" pitchFamily="34" charset="0"/>
+              </a:rPr>
+              <a:t>And we can see the most important predictors of Happiness! </a:t>
+            </a:r>
+            <a:endParaRPr lang="en-US" sz="1400" dirty="0">
+              <a:solidFill>
+                <a:schemeClr val="tx2"/>
+              </a:solidFill>
+              <a:latin typeface="Arial" pitchFamily="34" charset="0"/>
+              <a:cs typeface="Arial" pitchFamily="34" charset="0"/>
+            </a:endParaRPr>
+          </a:p>
+        </p:txBody>
+      </p:sp>
+      <p:sp>
+        <p:nvSpPr>
+          <p:cNvPr id="14" name="Right Brace 13"/>
+          <p:cNvSpPr/>
+          <p:nvPr/>
+        </p:nvSpPr>
+        <p:spPr>
+          <a:xfrm>
+            <a:off x="6324600" y="2800350"/>
+            <a:ext cx="304800" cy="990600"/>
+          </a:xfrm>
+          <a:prstGeom prst="rightBrace">
+            <a:avLst/>
+          </a:prstGeom>
+          <a:ln>
+            <a:solidFill>
+              <a:schemeClr val="tx1"/>
+            </a:solidFill>
+            <a:tailEnd type="none"/>
+          </a:ln>
+        </p:spPr>
+        <p:style>
+          <a:lnRef idx="1">
+            <a:schemeClr val="accent1"/>
+          </a:lnRef>
+          <a:fillRef idx="0">
+            <a:schemeClr val="accent1"/>
+          </a:fillRef>
+          <a:effectRef idx="0">
+            <a:schemeClr val="accent1"/>
+          </a:effectRef>
+          <a:fontRef idx="minor">
+            <a:schemeClr val="tx1"/>
+          </a:fontRef>
+        </p:style>
+        <p:txBody>
+          <a:bodyPr rtlCol="0" anchor="ctr"/>
+          <a:lstStyle/>
+          <a:p>
+            <a:pPr algn="ctr"/>
+            <a:endParaRPr lang="en-US"/>
           </a:p>
         </p:txBody>
       </p:sp>
     </p:spTree>
     <p:extLst>
       <p:ext uri="{BB962C8B-B14F-4D97-AF65-F5344CB8AC3E}">
-        <p14:creationId xmlns:p14="http://schemas.microsoft.com/office/powerpoint/2010/main" val="1701639976"/>
+        <p14:creationId xmlns:p14="http://schemas.microsoft.com/office/powerpoint/2010/main" val="1280499447"/>
       </p:ext>
     </p:extLst>
   </p:cSld>
   <p:clrMapOvr>
     <a:masterClrMapping/>
   </p:clrMapOvr>
-  <p:timing>
-    <p:tnLst>
-      <p:par>
-        <p:cTn id="1" dur="indefinite" restart="never" nodeType="tmRoot"/>
-      </p:par>
-    </p:tnLst>
-  </p:timing>
 </p:sld>
 </file>
 
@@ -17756,12 +22416,12 @@
       </p:grpSpPr>
       <p:sp>
         <p:nvSpPr>
-          <p:cNvPr id="2" name="Content Placeholder 1"/>
+          <p:cNvPr id="2" name="Text Placeholder 1"/>
           <p:cNvSpPr>
             <a:spLocks noGrp="1"/>
           </p:cNvSpPr>
           <p:nvPr>
-            <p:ph sz="quarter" idx="12"/>
+            <p:ph type="body" sz="quarter" idx="10"/>
           </p:nvPr>
         </p:nvSpPr>
         <p:spPr/>
@@ -17769,13 +22429,36 @@
           <a:bodyPr/>
           <a:lstStyle/>
           <a:p>
+            <a:r>
+              <a:rPr lang="en-US" dirty="0" smtClean="0"/>
+              <a:t>Ah, some of them are related positively and some – inversely.</a:t>
+            </a:r>
+            <a:endParaRPr lang="en-US" dirty="0"/>
+          </a:p>
+        </p:txBody>
+      </p:sp>
+      <p:sp>
+        <p:nvSpPr>
+          <p:cNvPr id="3" name="Text Placeholder 2"/>
+          <p:cNvSpPr>
+            <a:spLocks noGrp="1"/>
+          </p:cNvSpPr>
+          <p:nvPr>
+            <p:ph type="body" sz="quarter" idx="11"/>
+          </p:nvPr>
+        </p:nvSpPr>
+        <p:spPr/>
+        <p:txBody>
+          <a:bodyPr/>
+          <a:lstStyle/>
+          <a:p>
             <a:endParaRPr lang="en-US"/>
           </a:p>
         </p:txBody>
       </p:sp>
       <p:sp>
         <p:nvSpPr>
-          <p:cNvPr id="3" name="Title 2"/>
+          <p:cNvPr id="4" name="Title 3"/>
           <p:cNvSpPr>
             <a:spLocks noGrp="1"/>
           </p:cNvSpPr>
@@ -17788,65 +22471,216 @@
           <a:bodyPr/>
           <a:lstStyle/>
           <a:p>
-            <a:endParaRPr lang="en-US"/>
-          </a:p>
-        </p:txBody>
-      </p:sp>
-      <p:sp>
-        <p:nvSpPr>
-          <p:cNvPr id="4" name="Text Placeholder 3"/>
-          <p:cNvSpPr>
-            <a:spLocks noGrp="1"/>
-          </p:cNvSpPr>
-          <p:nvPr>
-            <p:ph type="body" sz="quarter" idx="10"/>
-          </p:nvPr>
-        </p:nvSpPr>
-        <p:spPr/>
-        <p:txBody>
-          <a:bodyPr/>
-          <a:lstStyle/>
-          <a:p>
-            <a:endParaRPr lang="en-US"/>
-          </a:p>
-        </p:txBody>
-      </p:sp>
-      <p:sp>
-        <p:nvSpPr>
-          <p:cNvPr id="5" name="Text Placeholder 4"/>
-          <p:cNvSpPr>
-            <a:spLocks noGrp="1"/>
-          </p:cNvSpPr>
-          <p:nvPr>
-            <p:ph type="body" sz="quarter" idx="11"/>
-          </p:nvPr>
-        </p:nvSpPr>
-        <p:spPr/>
-        <p:txBody>
-          <a:bodyPr/>
-          <a:lstStyle/>
-          <a:p>
-            <a:endParaRPr lang="en-US"/>
-          </a:p>
-        </p:txBody>
-      </p:sp>
+            <a:r>
+              <a:rPr lang="en-US" dirty="0" smtClean="0"/>
+              <a:t>But how exactly are those indicators related to Happiness?</a:t>
+            </a:r>
+            <a:endParaRPr lang="en-US" dirty="0"/>
+          </a:p>
+        </p:txBody>
+      </p:sp>
+      <p:pic>
+        <p:nvPicPr>
+          <p:cNvPr id="5" name="Picture 4"/>
+          <p:cNvPicPr>
+            <a:picLocks noChangeAspect="1"/>
+          </p:cNvPicPr>
+          <p:nvPr/>
+        </p:nvPicPr>
+        <p:blipFill>
+          <a:blip r:embed="rId2"/>
+          <a:stretch>
+            <a:fillRect/>
+          </a:stretch>
+        </p:blipFill>
+        <p:spPr>
+          <a:xfrm>
+            <a:off x="323409" y="1347886"/>
+            <a:ext cx="3250321" cy="1681063"/>
+          </a:xfrm>
+          <a:prstGeom prst="rect">
+            <a:avLst/>
+          </a:prstGeom>
+        </p:spPr>
+      </p:pic>
+      <p:pic>
+        <p:nvPicPr>
+          <p:cNvPr id="6" name="Picture 5"/>
+          <p:cNvPicPr>
+            <a:picLocks noChangeAspect="1"/>
+          </p:cNvPicPr>
+          <p:nvPr/>
+        </p:nvPicPr>
+        <p:blipFill>
+          <a:blip r:embed="rId3"/>
+          <a:stretch>
+            <a:fillRect/>
+          </a:stretch>
+        </p:blipFill>
+        <p:spPr>
+          <a:xfrm>
+            <a:off x="3612910" y="1347886"/>
+            <a:ext cx="3276634" cy="1670599"/>
+          </a:xfrm>
+          <a:prstGeom prst="rect">
+            <a:avLst/>
+          </a:prstGeom>
+        </p:spPr>
+      </p:pic>
+      <p:pic>
+        <p:nvPicPr>
+          <p:cNvPr id="7" name="Picture 6"/>
+          <p:cNvPicPr>
+            <a:picLocks noChangeAspect="1"/>
+          </p:cNvPicPr>
+          <p:nvPr/>
+        </p:nvPicPr>
+        <p:blipFill>
+          <a:blip r:embed="rId4"/>
+          <a:stretch>
+            <a:fillRect/>
+          </a:stretch>
+        </p:blipFill>
+        <p:spPr>
+          <a:xfrm>
+            <a:off x="329871" y="3058584"/>
+            <a:ext cx="3243859" cy="1660116"/>
+          </a:xfrm>
+          <a:prstGeom prst="rect">
+            <a:avLst/>
+          </a:prstGeom>
+        </p:spPr>
+      </p:pic>
+      <p:pic>
+        <p:nvPicPr>
+          <p:cNvPr id="8" name="Picture 7"/>
+          <p:cNvPicPr>
+            <a:picLocks noChangeAspect="1"/>
+          </p:cNvPicPr>
+          <p:nvPr/>
+        </p:nvPicPr>
+        <p:blipFill>
+          <a:blip r:embed="rId5"/>
+          <a:stretch>
+            <a:fillRect/>
+          </a:stretch>
+        </p:blipFill>
+        <p:spPr>
+          <a:xfrm>
+            <a:off x="3612910" y="3058396"/>
+            <a:ext cx="3276634" cy="1662769"/>
+          </a:xfrm>
+          <a:prstGeom prst="rect">
+            <a:avLst/>
+          </a:prstGeom>
+        </p:spPr>
+      </p:pic>
+      <p:pic>
+        <p:nvPicPr>
+          <p:cNvPr id="9" name="Picture 8"/>
+          <p:cNvPicPr>
+            <a:picLocks noChangeAspect="1"/>
+          </p:cNvPicPr>
+          <p:nvPr/>
+        </p:nvPicPr>
+        <p:blipFill>
+          <a:blip r:embed="rId6"/>
+          <a:stretch>
+            <a:fillRect/>
+          </a:stretch>
+        </p:blipFill>
+        <p:spPr>
+          <a:xfrm>
+            <a:off x="5766512" y="4489628"/>
+            <a:ext cx="1093253" cy="197237"/>
+          </a:xfrm>
+          <a:prstGeom prst="rect">
+            <a:avLst/>
+          </a:prstGeom>
+        </p:spPr>
+      </p:pic>
+      <p:pic>
+        <p:nvPicPr>
+          <p:cNvPr id="10" name="Picture 9"/>
+          <p:cNvPicPr>
+            <a:picLocks noChangeAspect="1"/>
+          </p:cNvPicPr>
+          <p:nvPr/>
+        </p:nvPicPr>
+        <p:blipFill>
+          <a:blip r:embed="rId7"/>
+          <a:stretch>
+            <a:fillRect/>
+          </a:stretch>
+        </p:blipFill>
+        <p:spPr>
+          <a:xfrm>
+            <a:off x="2527478" y="4483189"/>
+            <a:ext cx="1008849" cy="199772"/>
+          </a:xfrm>
+          <a:prstGeom prst="rect">
+            <a:avLst/>
+          </a:prstGeom>
+        </p:spPr>
+      </p:pic>
+      <p:pic>
+        <p:nvPicPr>
+          <p:cNvPr id="11" name="Picture 10"/>
+          <p:cNvPicPr>
+            <a:picLocks noChangeAspect="1"/>
+          </p:cNvPicPr>
+          <p:nvPr/>
+        </p:nvPicPr>
+        <p:blipFill>
+          <a:blip r:embed="rId8"/>
+          <a:stretch>
+            <a:fillRect/>
+          </a:stretch>
+        </p:blipFill>
+        <p:spPr>
+          <a:xfrm>
+            <a:off x="5722802" y="2801540"/>
+            <a:ext cx="1124085" cy="187348"/>
+          </a:xfrm>
+          <a:prstGeom prst="rect">
+            <a:avLst/>
+          </a:prstGeom>
+        </p:spPr>
+      </p:pic>
+      <p:pic>
+        <p:nvPicPr>
+          <p:cNvPr id="12" name="Picture 11"/>
+          <p:cNvPicPr>
+            <a:picLocks noChangeAspect="1"/>
+          </p:cNvPicPr>
+          <p:nvPr/>
+        </p:nvPicPr>
+        <p:blipFill>
+          <a:blip r:embed="rId9"/>
+          <a:stretch>
+            <a:fillRect/>
+          </a:stretch>
+        </p:blipFill>
+        <p:spPr>
+          <a:xfrm>
+            <a:off x="2477034" y="2781119"/>
+            <a:ext cx="1047483" cy="190948"/>
+          </a:xfrm>
+          <a:prstGeom prst="rect">
+            <a:avLst/>
+          </a:prstGeom>
+        </p:spPr>
+      </p:pic>
     </p:spTree>
     <p:extLst>
       <p:ext uri="{BB962C8B-B14F-4D97-AF65-F5344CB8AC3E}">
-        <p14:creationId xmlns:p14="http://schemas.microsoft.com/office/powerpoint/2010/main" val="1694463369"/>
+        <p14:creationId xmlns:p14="http://schemas.microsoft.com/office/powerpoint/2010/main" val="824272306"/>
       </p:ext>
     </p:extLst>
   </p:cSld>
   <p:clrMapOvr>
     <a:masterClrMapping/>
   </p:clrMapOvr>
-  <p:timing>
-    <p:tnLst>
-      <p:par>
-        <p:cTn id="1" dur="indefinite" restart="never" nodeType="tmRoot"/>
-      </p:par>
-    </p:tnLst>
-  </p:timing>
 </p:sld>
 </file>
 
@@ -17869,7 +22703,7 @@
       </p:grpSpPr>
       <p:sp>
         <p:nvSpPr>
-          <p:cNvPr id="3" name="Text Placeholder 2"/>
+          <p:cNvPr id="2" name="Text Placeholder 1"/>
           <p:cNvSpPr>
             <a:spLocks noGrp="1"/>
           </p:cNvSpPr>
@@ -17882,13 +22716,17 @@
           <a:bodyPr/>
           <a:lstStyle/>
           <a:p>
+            <a:r>
+              <a:rPr lang="en-US" dirty="0" smtClean="0"/>
+              <a:t>Not so great on Internet Usage; still quite high incidence of tuberculosis</a:t>
+            </a:r>
             <a:endParaRPr lang="en-US" dirty="0"/>
           </a:p>
         </p:txBody>
       </p:sp>
       <p:sp>
         <p:nvSpPr>
-          <p:cNvPr id="4" name="Text Placeholder 3"/>
+          <p:cNvPr id="3" name="Text Placeholder 2"/>
           <p:cNvSpPr>
             <a:spLocks noGrp="1"/>
           </p:cNvSpPr>
@@ -17901,13 +22739,13 @@
           <a:bodyPr/>
           <a:lstStyle/>
           <a:p>
-            <a:endParaRPr lang="en-US" dirty="0"/>
-          </a:p>
-        </p:txBody>
-      </p:sp>
-      <p:sp>
-        <p:nvSpPr>
-          <p:cNvPr id="2" name="Title 1"/>
+            <a:endParaRPr lang="en-US"/>
+          </a:p>
+        </p:txBody>
+      </p:sp>
+      <p:sp>
+        <p:nvSpPr>
+          <p:cNvPr id="4" name="Title 3"/>
           <p:cNvSpPr>
             <a:spLocks noGrp="1"/>
           </p:cNvSpPr>
@@ -17921,17 +22759,151 @@
           <a:lstStyle/>
           <a:p>
             <a:r>
+              <a:rPr lang="en-US" dirty="0"/>
+              <a:t>Where do we stand on those indicators compared to other countries in the </a:t>
+            </a:r>
+            <a:r>
               <a:rPr lang="en-US" dirty="0" smtClean="0"/>
-              <a:t>World Happiness Report</a:t>
+              <a:t>world/region?</a:t>
             </a:r>
             <a:endParaRPr lang="en-US" dirty="0"/>
+          </a:p>
+        </p:txBody>
+      </p:sp>
+      <p:pic>
+        <p:nvPicPr>
+          <p:cNvPr id="5" name="Picture 4"/>
+          <p:cNvPicPr>
+            <a:picLocks noChangeAspect="1"/>
+          </p:cNvPicPr>
+          <p:nvPr/>
+        </p:nvPicPr>
+        <p:blipFill>
+          <a:blip r:embed="rId2"/>
+          <a:stretch>
+            <a:fillRect/>
+          </a:stretch>
+        </p:blipFill>
+        <p:spPr>
+          <a:xfrm>
+            <a:off x="323410" y="1652435"/>
+            <a:ext cx="3410390" cy="2520944"/>
+          </a:xfrm>
+          <a:prstGeom prst="rect">
+            <a:avLst/>
+          </a:prstGeom>
+        </p:spPr>
+      </p:pic>
+      <p:sp>
+        <p:nvSpPr>
+          <p:cNvPr id="6" name="TextBox 5"/>
+          <p:cNvSpPr txBox="1"/>
+          <p:nvPr/>
+        </p:nvSpPr>
+        <p:spPr bwMode="gray">
+          <a:xfrm>
+            <a:off x="323410" y="1428750"/>
+            <a:ext cx="3410390" cy="184666"/>
+          </a:xfrm>
+          <a:prstGeom prst="rect">
+            <a:avLst/>
+          </a:prstGeom>
+          <a:noFill/>
+        </p:spPr>
+        <p:txBody>
+          <a:bodyPr wrap="square" lIns="0" tIns="0" rIns="0" bIns="0" rtlCol="0">
+            <a:spAutoFit/>
+          </a:bodyPr>
+          <a:lstStyle/>
+          <a:p>
+            <a:pPr>
+              <a:spcBef>
+                <a:spcPts val="300"/>
+              </a:spcBef>
+            </a:pPr>
+            <a:r>
+              <a:rPr lang="en-US" sz="1200" dirty="0" smtClean="0">
+                <a:latin typeface="Arial" pitchFamily="34" charset="0"/>
+                <a:cs typeface="Arial" pitchFamily="34" charset="0"/>
+              </a:rPr>
+              <a:t>Internet Users (per 100 people)</a:t>
+            </a:r>
+            <a:endParaRPr lang="en-US" sz="1600" dirty="0" smtClean="0">
+              <a:latin typeface="Arial" pitchFamily="34" charset="0"/>
+              <a:cs typeface="Arial" pitchFamily="34" charset="0"/>
+            </a:endParaRPr>
+          </a:p>
+        </p:txBody>
+      </p:sp>
+      <p:pic>
+        <p:nvPicPr>
+          <p:cNvPr id="8" name="Picture 7"/>
+          <p:cNvPicPr>
+            <a:picLocks noChangeAspect="1"/>
+          </p:cNvPicPr>
+          <p:nvPr/>
+        </p:nvPicPr>
+        <p:blipFill>
+          <a:blip r:embed="rId3"/>
+          <a:stretch>
+            <a:fillRect/>
+          </a:stretch>
+        </p:blipFill>
+        <p:spPr>
+          <a:xfrm>
+            <a:off x="4314963" y="1652434"/>
+            <a:ext cx="3457437" cy="2539533"/>
+          </a:xfrm>
+          <a:prstGeom prst="rect">
+            <a:avLst/>
+          </a:prstGeom>
+        </p:spPr>
+      </p:pic>
+      <p:sp>
+        <p:nvSpPr>
+          <p:cNvPr id="9" name="TextBox 8"/>
+          <p:cNvSpPr txBox="1"/>
+          <p:nvPr/>
+        </p:nvSpPr>
+        <p:spPr bwMode="gray">
+          <a:xfrm>
+            <a:off x="4310392" y="1428750"/>
+            <a:ext cx="3410390" cy="184666"/>
+          </a:xfrm>
+          <a:prstGeom prst="rect">
+            <a:avLst/>
+          </a:prstGeom>
+          <a:noFill/>
+        </p:spPr>
+        <p:txBody>
+          <a:bodyPr wrap="square" lIns="0" tIns="0" rIns="0" bIns="0" rtlCol="0">
+            <a:spAutoFit/>
+          </a:bodyPr>
+          <a:lstStyle/>
+          <a:p>
+            <a:pPr>
+              <a:spcBef>
+                <a:spcPts val="300"/>
+              </a:spcBef>
+            </a:pPr>
+            <a:r>
+              <a:rPr lang="en-US" sz="1200" dirty="0" smtClean="0">
+                <a:latin typeface="Arial" pitchFamily="34" charset="0"/>
+                <a:cs typeface="Arial" pitchFamily="34" charset="0"/>
+              </a:rPr>
+              <a:t>Incidence of Tuberculosis (per 100,000 people)</a:t>
+            </a:r>
+            <a:endParaRPr lang="en-US" sz="1600" dirty="0" smtClean="0">
+              <a:latin typeface="Arial" pitchFamily="34" charset="0"/>
+              <a:cs typeface="Arial" pitchFamily="34" charset="0"/>
+            </a:endParaRPr>
           </a:p>
         </p:txBody>
       </p:sp>
     </p:spTree>
     <p:extLst>
       <p:ext uri="{BB962C8B-B14F-4D97-AF65-F5344CB8AC3E}">
-        <p14:creationId xmlns:p14="http://schemas.microsoft.com/office/powerpoint/2010/main" val="3358266197"/>
+        <p14:creationId xmlns:p14="http://schemas.microsoft.com/office/powerpoint/2010/main" val="952182630"/>
       </p:ext>
     </p:extLst>
   </p:cSld>
@@ -17967,15 +22939,54 @@
       </p:grpSpPr>
       <p:sp>
         <p:nvSpPr>
-          <p:cNvPr id="2" name="Title 1"/>
+          <p:cNvPr id="2" name="Text Placeholder 1"/>
+          <p:cNvSpPr>
+            <a:spLocks noGrp="1"/>
+          </p:cNvSpPr>
+          <p:nvPr>
+            <p:ph type="body" sz="quarter" idx="10"/>
+          </p:nvPr>
+        </p:nvSpPr>
+        <p:spPr/>
+        <p:txBody>
+          <a:bodyPr/>
+          <a:lstStyle/>
+          <a:p>
+            <a:r>
+              <a:rPr lang="en-US" dirty="0" smtClean="0"/>
+              <a:t>Relatively high mortality rate; very low number of fixed phone subscriptions</a:t>
+            </a:r>
+            <a:endParaRPr lang="en-US" dirty="0"/>
+          </a:p>
+        </p:txBody>
+      </p:sp>
+      <p:sp>
+        <p:nvSpPr>
+          <p:cNvPr id="3" name="Text Placeholder 2"/>
+          <p:cNvSpPr>
+            <a:spLocks noGrp="1"/>
+          </p:cNvSpPr>
+          <p:nvPr>
+            <p:ph type="body" sz="quarter" idx="11"/>
+          </p:nvPr>
+        </p:nvSpPr>
+        <p:spPr/>
+        <p:txBody>
+          <a:bodyPr/>
+          <a:lstStyle/>
+          <a:p>
+            <a:endParaRPr lang="en-US"/>
+          </a:p>
+        </p:txBody>
+      </p:sp>
+      <p:sp>
+        <p:nvSpPr>
+          <p:cNvPr id="4" name="Title 3"/>
           <p:cNvSpPr>
             <a:spLocks noGrp="1"/>
           </p:cNvSpPr>
           <p:nvPr>
             <p:ph type="title"/>
-            <p:custDataLst>
-              <p:tags r:id="rId1"/>
-            </p:custDataLst>
           </p:nvPr>
         </p:nvSpPr>
         <p:spPr/>
@@ -17983,27 +22994,158 @@
           <a:bodyPr/>
           <a:lstStyle/>
           <a:p>
+            <a:r>
+              <a:rPr lang="en-US" dirty="0"/>
+              <a:t>Where do we stand on those indicators compared to other countries in the </a:t>
+            </a:r>
+            <a:r>
+              <a:rPr lang="en-US" dirty="0" smtClean="0"/>
+              <a:t>world/region? (cont’d)</a:t>
+            </a:r>
             <a:endParaRPr lang="en-US" dirty="0"/>
           </a:p>
         </p:txBody>
       </p:sp>
+      <p:sp>
+        <p:nvSpPr>
+          <p:cNvPr id="6" name="TextBox 5"/>
+          <p:cNvSpPr txBox="1"/>
+          <p:nvPr/>
+        </p:nvSpPr>
+        <p:spPr bwMode="gray">
+          <a:xfrm>
+            <a:off x="323410" y="1428750"/>
+            <a:ext cx="3410390" cy="184666"/>
+          </a:xfrm>
+          <a:prstGeom prst="rect">
+            <a:avLst/>
+          </a:prstGeom>
+          <a:noFill/>
+        </p:spPr>
+        <p:txBody>
+          <a:bodyPr wrap="square" lIns="0" tIns="0" rIns="0" bIns="0" rtlCol="0">
+            <a:spAutoFit/>
+          </a:bodyPr>
+          <a:lstStyle/>
+          <a:p>
+            <a:pPr>
+              <a:spcBef>
+                <a:spcPts val="300"/>
+              </a:spcBef>
+            </a:pPr>
+            <a:r>
+              <a:rPr lang="en-US" sz="1200" dirty="0" smtClean="0">
+                <a:latin typeface="Arial" pitchFamily="34" charset="0"/>
+                <a:cs typeface="Arial" pitchFamily="34" charset="0"/>
+              </a:rPr>
+              <a:t>Infant mortality rate ( per 1,000 live births)</a:t>
+            </a:r>
+            <a:endParaRPr lang="en-US" sz="1600" dirty="0" smtClean="0">
+              <a:latin typeface="Arial" pitchFamily="34" charset="0"/>
+              <a:cs typeface="Arial" pitchFamily="34" charset="0"/>
+            </a:endParaRPr>
+          </a:p>
+        </p:txBody>
+      </p:sp>
+      <p:sp>
+        <p:nvSpPr>
+          <p:cNvPr id="9" name="TextBox 8"/>
+          <p:cNvSpPr txBox="1"/>
+          <p:nvPr/>
+        </p:nvSpPr>
+        <p:spPr bwMode="gray">
+          <a:xfrm>
+            <a:off x="4310392" y="1428750"/>
+            <a:ext cx="3410390" cy="184666"/>
+          </a:xfrm>
+          <a:prstGeom prst="rect">
+            <a:avLst/>
+          </a:prstGeom>
+          <a:noFill/>
+        </p:spPr>
+        <p:txBody>
+          <a:bodyPr wrap="square" lIns="0" tIns="0" rIns="0" bIns="0" rtlCol="0">
+            <a:spAutoFit/>
+          </a:bodyPr>
+          <a:lstStyle/>
+          <a:p>
+            <a:pPr>
+              <a:spcBef>
+                <a:spcPts val="300"/>
+              </a:spcBef>
+            </a:pPr>
+            <a:r>
+              <a:rPr lang="en-US" sz="1200" dirty="0" smtClean="0">
+                <a:latin typeface="Arial" pitchFamily="34" charset="0"/>
+                <a:cs typeface="Arial" pitchFamily="34" charset="0"/>
+              </a:rPr>
+              <a:t>Fixed telephone subscriptions (per 100 people)</a:t>
+            </a:r>
+            <a:endParaRPr lang="en-US" sz="1600" dirty="0" smtClean="0">
+              <a:latin typeface="Arial" pitchFamily="34" charset="0"/>
+              <a:cs typeface="Arial" pitchFamily="34" charset="0"/>
+            </a:endParaRPr>
+          </a:p>
+        </p:txBody>
+      </p:sp>
+      <p:pic>
+        <p:nvPicPr>
+          <p:cNvPr id="11" name="Picture 10"/>
+          <p:cNvPicPr>
+            <a:picLocks noChangeAspect="1"/>
+          </p:cNvPicPr>
+          <p:nvPr/>
+        </p:nvPicPr>
+        <p:blipFill>
+          <a:blip r:embed="rId2"/>
+          <a:stretch>
+            <a:fillRect/>
+          </a:stretch>
+        </p:blipFill>
+        <p:spPr>
+          <a:xfrm>
+            <a:off x="4310392" y="1771203"/>
+            <a:ext cx="3555460" cy="2600028"/>
+          </a:xfrm>
+          <a:prstGeom prst="rect">
+            <a:avLst/>
+          </a:prstGeom>
+        </p:spPr>
+      </p:pic>
+      <p:pic>
+        <p:nvPicPr>
+          <p:cNvPr id="12" name="Picture 11"/>
+          <p:cNvPicPr>
+            <a:picLocks noChangeAspect="1"/>
+          </p:cNvPicPr>
+          <p:nvPr/>
+        </p:nvPicPr>
+        <p:blipFill>
+          <a:blip r:embed="rId3"/>
+          <a:stretch>
+            <a:fillRect/>
+          </a:stretch>
+        </p:blipFill>
+        <p:spPr>
+          <a:xfrm>
+            <a:off x="304800" y="1769992"/>
+            <a:ext cx="3505200" cy="2586311"/>
+          </a:xfrm>
+          <a:prstGeom prst="rect">
+            <a:avLst/>
+          </a:prstGeom>
+        </p:spPr>
+      </p:pic>
     </p:spTree>
     <p:extLst>
       <p:ext uri="{BB962C8B-B14F-4D97-AF65-F5344CB8AC3E}">
-        <p14:creationId xmlns:p14="http://schemas.microsoft.com/office/powerpoint/2010/main" val="139468528"/>
+        <p14:creationId xmlns:p14="http://schemas.microsoft.com/office/powerpoint/2010/main" val="3292926038"/>
       </p:ext>
     </p:extLst>
   </p:cSld>
   <p:clrMapOvr>
     <a:masterClrMapping/>
   </p:clrMapOvr>
-  <p:timing>
-    <p:tnLst>
-      <p:par>
-        <p:cTn id="1" dur="indefinite" restart="never" nodeType="tmRoot"/>
-      </p:par>
-    </p:tnLst>
-  </p:timing>
 </p:sld>
 </file>
 
@@ -18015,9 +23157,129 @@
 </p:tagLst>
 </file>
 
+<file path=ppt/tags/tag10.xml><?xml version="1.0" encoding="utf-8"?>
+<p:tagLst xmlns:a="http://schemas.openxmlformats.org/drawingml/2006/main" xmlns:r="http://schemas.openxmlformats.org/officeDocument/2006/relationships" xmlns:p="http://schemas.openxmlformats.org/presentationml/2006/main">
+  <p:tag name="THINKCELLSHAPEDONOTDELETE" val="pllgG_bqYVkWQBNwzALXc4A"/>
+</p:tagLst>
+</file>
+
+<file path=ppt/tags/tag11.xml><?xml version="1.0" encoding="utf-8"?>
+<p:tagLst xmlns:a="http://schemas.openxmlformats.org/drawingml/2006/main" xmlns:r="http://schemas.openxmlformats.org/officeDocument/2006/relationships" xmlns:p="http://schemas.openxmlformats.org/presentationml/2006/main">
+  <p:tag name="THINKCELLSHAPEDONOTDELETE" val="p2LzZlfhioU6xxsfM6MsByg"/>
+</p:tagLst>
+</file>
+
+<file path=ppt/tags/tag12.xml><?xml version="1.0" encoding="utf-8"?>
+<p:tagLst xmlns:a="http://schemas.openxmlformats.org/drawingml/2006/main" xmlns:r="http://schemas.openxmlformats.org/officeDocument/2006/relationships" xmlns:p="http://schemas.openxmlformats.org/presentationml/2006/main">
+  <p:tag name="THINKCELLSHAPEDONOTDELETE" val="p2LzZlfhioU6xxsfM6MsByg"/>
+</p:tagLst>
+</file>
+
+<file path=ppt/tags/tag13.xml><?xml version="1.0" encoding="utf-8"?>
+<p:tagLst xmlns:a="http://schemas.openxmlformats.org/drawingml/2006/main" xmlns:r="http://schemas.openxmlformats.org/officeDocument/2006/relationships" xmlns:p="http://schemas.openxmlformats.org/presentationml/2006/main">
+  <p:tag name="THINKCELLSHAPEDONOTDELETE" val="pbCCnsO0mHEay4y3hFN6RNg"/>
+</p:tagLst>
+</file>
+
+<file path=ppt/tags/tag14.xml><?xml version="1.0" encoding="utf-8"?>
+<p:tagLst xmlns:a="http://schemas.openxmlformats.org/drawingml/2006/main" xmlns:r="http://schemas.openxmlformats.org/officeDocument/2006/relationships" xmlns:p="http://schemas.openxmlformats.org/presentationml/2006/main">
+  <p:tag name="THINKCELLSHAPEDONOTDELETE" val="ptKEkNCI7eEqJvWG3bk2Png"/>
+</p:tagLst>
+</file>
+
+<file path=ppt/tags/tag15.xml><?xml version="1.0" encoding="utf-8"?>
+<p:tagLst xmlns:a="http://schemas.openxmlformats.org/drawingml/2006/main" xmlns:r="http://schemas.openxmlformats.org/officeDocument/2006/relationships" xmlns:p="http://schemas.openxmlformats.org/presentationml/2006/main">
+  <p:tag name="THINKCELLSHAPEDONOTDELETE" val="ptweaUwBi3UWSsAdno8u33w"/>
+</p:tagLst>
+</file>
+
+<file path=ppt/tags/tag16.xml><?xml version="1.0" encoding="utf-8"?>
+<p:tagLst xmlns:a="http://schemas.openxmlformats.org/drawingml/2006/main" xmlns:r="http://schemas.openxmlformats.org/officeDocument/2006/relationships" xmlns:p="http://schemas.openxmlformats.org/presentationml/2006/main">
+  <p:tag name="THINKCELLSHAPEDONOTDELETE" val="puW8DAj43FkigBD_wCsT_Hw"/>
+</p:tagLst>
+</file>
+
+<file path=ppt/tags/tag17.xml><?xml version="1.0" encoding="utf-8"?>
+<p:tagLst xmlns:a="http://schemas.openxmlformats.org/drawingml/2006/main" xmlns:r="http://schemas.openxmlformats.org/officeDocument/2006/relationships" xmlns:p="http://schemas.openxmlformats.org/presentationml/2006/main">
+  <p:tag name="THINKCELLSHAPEDONOTDELETE" val="pmcDCLg2KVkKASeka7XIK8A"/>
+</p:tagLst>
+</file>
+
+<file path=ppt/tags/tag18.xml><?xml version="1.0" encoding="utf-8"?>
+<p:tagLst xmlns:a="http://schemas.openxmlformats.org/drawingml/2006/main" xmlns:r="http://schemas.openxmlformats.org/officeDocument/2006/relationships" xmlns:p="http://schemas.openxmlformats.org/presentationml/2006/main">
+  <p:tag name="THINKCELLSHAPEDONOTDELETE" val="p6opkEUMWf0maufbann.CvQ"/>
+</p:tagLst>
+</file>
+
+<file path=ppt/tags/tag19.xml><?xml version="1.0" encoding="utf-8"?>
+<p:tagLst xmlns:a="http://schemas.openxmlformats.org/drawingml/2006/main" xmlns:r="http://schemas.openxmlformats.org/officeDocument/2006/relationships" xmlns:p="http://schemas.openxmlformats.org/presentationml/2006/main">
+  <p:tag name="THINKCELLSHAPEDONOTDELETE" val="ptKEkNCI7eEqJvWG3bk2Png"/>
+</p:tagLst>
+</file>
+
 <file path=ppt/tags/tag2.xml><?xml version="1.0" encoding="utf-8"?>
 <p:tagLst xmlns:a="http://schemas.openxmlformats.org/drawingml/2006/main" xmlns:r="http://schemas.openxmlformats.org/officeDocument/2006/relationships" xmlns:p="http://schemas.openxmlformats.org/presentationml/2006/main">
   <p:tag name="THINKCELLSHAPEDONOTDELETE" val="thinkcellActiveDocDoNotDelete"/>
+</p:tagLst>
+</file>
+
+<file path=ppt/tags/tag20.xml><?xml version="1.0" encoding="utf-8"?>
+<p:tagLst xmlns:a="http://schemas.openxmlformats.org/drawingml/2006/main" xmlns:r="http://schemas.openxmlformats.org/officeDocument/2006/relationships" xmlns:p="http://schemas.openxmlformats.org/presentationml/2006/main">
+  <p:tag name="THINKCELLSHAPEDONOTDELETE" val="ptweaUwBi3UWSsAdno8u33w"/>
+</p:tagLst>
+</file>
+
+<file path=ppt/tags/tag21.xml><?xml version="1.0" encoding="utf-8"?>
+<p:tagLst xmlns:a="http://schemas.openxmlformats.org/drawingml/2006/main" xmlns:r="http://schemas.openxmlformats.org/officeDocument/2006/relationships" xmlns:p="http://schemas.openxmlformats.org/presentationml/2006/main">
+  <p:tag name="THINKCELLSHAPEDONOTDELETE" val="puW8DAj43FkigBD_wCsT_Hw"/>
+</p:tagLst>
+</file>
+
+<file path=ppt/tags/tag22.xml><?xml version="1.0" encoding="utf-8"?>
+<p:tagLst xmlns:a="http://schemas.openxmlformats.org/drawingml/2006/main" xmlns:r="http://schemas.openxmlformats.org/officeDocument/2006/relationships" xmlns:p="http://schemas.openxmlformats.org/presentationml/2006/main">
+  <p:tag name="THINKCELLSHAPEDONOTDELETE" val="pmcDCLg2KVkKASeka7XIK8A"/>
+</p:tagLst>
+</file>
+
+<file path=ppt/tags/tag23.xml><?xml version="1.0" encoding="utf-8"?>
+<p:tagLst xmlns:a="http://schemas.openxmlformats.org/drawingml/2006/main" xmlns:r="http://schemas.openxmlformats.org/officeDocument/2006/relationships" xmlns:p="http://schemas.openxmlformats.org/presentationml/2006/main">
+  <p:tag name="THINKCELLSHAPEDONOTDELETE" val="p6opkEUMWf0maufbann.CvQ"/>
+</p:tagLst>
+</file>
+
+<file path=ppt/tags/tag24.xml><?xml version="1.0" encoding="utf-8"?>
+<p:tagLst xmlns:a="http://schemas.openxmlformats.org/drawingml/2006/main" xmlns:r="http://schemas.openxmlformats.org/officeDocument/2006/relationships" xmlns:p="http://schemas.openxmlformats.org/presentationml/2006/main">
+  <p:tag name="THINKCELLSHAPEDONOTDELETE" val="ptKEkNCI7eEqJvWG3bk2Png"/>
+</p:tagLst>
+</file>
+
+<file path=ppt/tags/tag25.xml><?xml version="1.0" encoding="utf-8"?>
+<p:tagLst xmlns:a="http://schemas.openxmlformats.org/drawingml/2006/main" xmlns:r="http://schemas.openxmlformats.org/officeDocument/2006/relationships" xmlns:p="http://schemas.openxmlformats.org/presentationml/2006/main">
+  <p:tag name="THINKCELLSHAPEDONOTDELETE" val="ptweaUwBi3UWSsAdno8u33w"/>
+</p:tagLst>
+</file>
+
+<file path=ppt/tags/tag26.xml><?xml version="1.0" encoding="utf-8"?>
+<p:tagLst xmlns:a="http://schemas.openxmlformats.org/drawingml/2006/main" xmlns:r="http://schemas.openxmlformats.org/officeDocument/2006/relationships" xmlns:p="http://schemas.openxmlformats.org/presentationml/2006/main">
+  <p:tag name="THINKCELLSHAPEDONOTDELETE" val="puW8DAj43FkigBD_wCsT_Hw"/>
+</p:tagLst>
+</file>
+
+<file path=ppt/tags/tag27.xml><?xml version="1.0" encoding="utf-8"?>
+<p:tagLst xmlns:a="http://schemas.openxmlformats.org/drawingml/2006/main" xmlns:r="http://schemas.openxmlformats.org/officeDocument/2006/relationships" xmlns:p="http://schemas.openxmlformats.org/presentationml/2006/main">
+  <p:tag name="THINKCELLSHAPEDONOTDELETE" val="pmcDCLg2KVkKASeka7XIK8A"/>
+</p:tagLst>
+</file>
+
+<file path=ppt/tags/tag28.xml><?xml version="1.0" encoding="utf-8"?>
+<p:tagLst xmlns:a="http://schemas.openxmlformats.org/drawingml/2006/main" xmlns:r="http://schemas.openxmlformats.org/officeDocument/2006/relationships" xmlns:p="http://schemas.openxmlformats.org/presentationml/2006/main">
+  <p:tag name="THINKCELLSHAPEDONOTDELETE" val="p6opkEUMWf0maufbann.CvQ"/>
+</p:tagLst>
+</file>
+
+<file path=ppt/tags/tag29.xml><?xml version="1.0" encoding="utf-8"?>
+<p:tagLst xmlns:a="http://schemas.openxmlformats.org/drawingml/2006/main" xmlns:r="http://schemas.openxmlformats.org/officeDocument/2006/relationships" xmlns:p="http://schemas.openxmlformats.org/presentationml/2006/main">
+  <p:tag name="THINKCELLSHAPEDONOTDELETE" val="ptKEkNCI7eEqJvWG3bk2Png"/>
 </p:tagLst>
 </file>
 
@@ -18025,6 +23287,66 @@
 <p:tagLst xmlns:a="http://schemas.openxmlformats.org/drawingml/2006/main" xmlns:r="http://schemas.openxmlformats.org/officeDocument/2006/relationships" xmlns:p="http://schemas.openxmlformats.org/presentationml/2006/main">
   <p:tag name="VCT-BODYINDENTATION" val="0;0;0;14.17323;14.09646;28.34646;28.26968;42.51968;42.44291;56.69291;42.44291;56.69291;42.44291;56.69291;42.44291;56.69291;42.44291;56.69291;"/>
   <p:tag name="VCT-BULLETVISIBILITY" val="G ********"/>
+</p:tagLst>
+</file>
+
+<file path=ppt/tags/tag30.xml><?xml version="1.0" encoding="utf-8"?>
+<p:tagLst xmlns:a="http://schemas.openxmlformats.org/drawingml/2006/main" xmlns:r="http://schemas.openxmlformats.org/officeDocument/2006/relationships" xmlns:p="http://schemas.openxmlformats.org/presentationml/2006/main">
+  <p:tag name="THINKCELLSHAPEDONOTDELETE" val="ptweaUwBi3UWSsAdno8u33w"/>
+</p:tagLst>
+</file>
+
+<file path=ppt/tags/tag31.xml><?xml version="1.0" encoding="utf-8"?>
+<p:tagLst xmlns:a="http://schemas.openxmlformats.org/drawingml/2006/main" xmlns:r="http://schemas.openxmlformats.org/officeDocument/2006/relationships" xmlns:p="http://schemas.openxmlformats.org/presentationml/2006/main">
+  <p:tag name="THINKCELLSHAPEDONOTDELETE" val="puW8DAj43FkigBD_wCsT_Hw"/>
+</p:tagLst>
+</file>
+
+<file path=ppt/tags/tag32.xml><?xml version="1.0" encoding="utf-8"?>
+<p:tagLst xmlns:a="http://schemas.openxmlformats.org/drawingml/2006/main" xmlns:r="http://schemas.openxmlformats.org/officeDocument/2006/relationships" xmlns:p="http://schemas.openxmlformats.org/presentationml/2006/main">
+  <p:tag name="THINKCELLSHAPEDONOTDELETE" val="pmcDCLg2KVkKASeka7XIK8A"/>
+</p:tagLst>
+</file>
+
+<file path=ppt/tags/tag33.xml><?xml version="1.0" encoding="utf-8"?>
+<p:tagLst xmlns:a="http://schemas.openxmlformats.org/drawingml/2006/main" xmlns:r="http://schemas.openxmlformats.org/officeDocument/2006/relationships" xmlns:p="http://schemas.openxmlformats.org/presentationml/2006/main">
+  <p:tag name="THINKCELLSHAPEDONOTDELETE" val="p6opkEUMWf0maufbann.CvQ"/>
+</p:tagLst>
+</file>
+
+<file path=ppt/tags/tag34.xml><?xml version="1.0" encoding="utf-8"?>
+<p:tagLst xmlns:a="http://schemas.openxmlformats.org/drawingml/2006/main" xmlns:r="http://schemas.openxmlformats.org/officeDocument/2006/relationships" xmlns:p="http://schemas.openxmlformats.org/presentationml/2006/main">
+  <p:tag name="THINKCELLSHAPEDONOTDELETE" val="ptKEkNCI7eEqJvWG3bk2Png"/>
+</p:tagLst>
+</file>
+
+<file path=ppt/tags/tag35.xml><?xml version="1.0" encoding="utf-8"?>
+<p:tagLst xmlns:a="http://schemas.openxmlformats.org/drawingml/2006/main" xmlns:r="http://schemas.openxmlformats.org/officeDocument/2006/relationships" xmlns:p="http://schemas.openxmlformats.org/presentationml/2006/main">
+  <p:tag name="THINKCELLSHAPEDONOTDELETE" val="ptweaUwBi3UWSsAdno8u33w"/>
+</p:tagLst>
+</file>
+
+<file path=ppt/tags/tag36.xml><?xml version="1.0" encoding="utf-8"?>
+<p:tagLst xmlns:a="http://schemas.openxmlformats.org/drawingml/2006/main" xmlns:r="http://schemas.openxmlformats.org/officeDocument/2006/relationships" xmlns:p="http://schemas.openxmlformats.org/presentationml/2006/main">
+  <p:tag name="THINKCELLSHAPEDONOTDELETE" val="puW8DAj43FkigBD_wCsT_Hw"/>
+</p:tagLst>
+</file>
+
+<file path=ppt/tags/tag37.xml><?xml version="1.0" encoding="utf-8"?>
+<p:tagLst xmlns:a="http://schemas.openxmlformats.org/drawingml/2006/main" xmlns:r="http://schemas.openxmlformats.org/officeDocument/2006/relationships" xmlns:p="http://schemas.openxmlformats.org/presentationml/2006/main">
+  <p:tag name="THINKCELLSHAPEDONOTDELETE" val="pmcDCLg2KVkKASeka7XIK8A"/>
+</p:tagLst>
+</file>
+
+<file path=ppt/tags/tag38.xml><?xml version="1.0" encoding="utf-8"?>
+<p:tagLst xmlns:a="http://schemas.openxmlformats.org/drawingml/2006/main" xmlns:r="http://schemas.openxmlformats.org/officeDocument/2006/relationships" xmlns:p="http://schemas.openxmlformats.org/presentationml/2006/main">
+  <p:tag name="THINKCELLSHAPEDONOTDELETE" val="p6opkEUMWf0maufbann.CvQ"/>
+</p:tagLst>
+</file>
+
+<file path=ppt/tags/tag39.xml><?xml version="1.0" encoding="utf-8"?>
+<p:tagLst xmlns:a="http://schemas.openxmlformats.org/drawingml/2006/main" xmlns:r="http://schemas.openxmlformats.org/officeDocument/2006/relationships" xmlns:p="http://schemas.openxmlformats.org/presentationml/2006/main">
+  <p:tag name="THINKCELLSHAPEDONOTDELETE" val="ptKEkNCI7eEqJvWG3bk2Png"/>
 </p:tagLst>
 </file>
 
@@ -18038,9 +23360,117 @@
 </p:tagLst>
 </file>
 
+<file path=ppt/tags/tag40.xml><?xml version="1.0" encoding="utf-8"?>
+<p:tagLst xmlns:a="http://schemas.openxmlformats.org/drawingml/2006/main" xmlns:r="http://schemas.openxmlformats.org/officeDocument/2006/relationships" xmlns:p="http://schemas.openxmlformats.org/presentationml/2006/main">
+  <p:tag name="THINKCELLSHAPEDONOTDELETE" val="ptweaUwBi3UWSsAdno8u33w"/>
+</p:tagLst>
+</file>
+
+<file path=ppt/tags/tag41.xml><?xml version="1.0" encoding="utf-8"?>
+<p:tagLst xmlns:a="http://schemas.openxmlformats.org/drawingml/2006/main" xmlns:r="http://schemas.openxmlformats.org/officeDocument/2006/relationships" xmlns:p="http://schemas.openxmlformats.org/presentationml/2006/main">
+  <p:tag name="THINKCELLSHAPEDONOTDELETE" val="puW8DAj43FkigBD_wCsT_Hw"/>
+</p:tagLst>
+</file>
+
+<file path=ppt/tags/tag42.xml><?xml version="1.0" encoding="utf-8"?>
+<p:tagLst xmlns:a="http://schemas.openxmlformats.org/drawingml/2006/main" xmlns:r="http://schemas.openxmlformats.org/officeDocument/2006/relationships" xmlns:p="http://schemas.openxmlformats.org/presentationml/2006/main">
+  <p:tag name="THINKCELLSHAPEDONOTDELETE" val="pmcDCLg2KVkKASeka7XIK8A"/>
+</p:tagLst>
+</file>
+
+<file path=ppt/tags/tag43.xml><?xml version="1.0" encoding="utf-8"?>
+<p:tagLst xmlns:a="http://schemas.openxmlformats.org/drawingml/2006/main" xmlns:r="http://schemas.openxmlformats.org/officeDocument/2006/relationships" xmlns:p="http://schemas.openxmlformats.org/presentationml/2006/main">
+  <p:tag name="THINKCELLSHAPEDONOTDELETE" val="p6opkEUMWf0maufbann.CvQ"/>
+</p:tagLst>
+</file>
+
+<file path=ppt/tags/tag44.xml><?xml version="1.0" encoding="utf-8"?>
+<p:tagLst xmlns:a="http://schemas.openxmlformats.org/drawingml/2006/main" xmlns:r="http://schemas.openxmlformats.org/officeDocument/2006/relationships" xmlns:p="http://schemas.openxmlformats.org/presentationml/2006/main">
+  <p:tag name="THINKCELLSHAPEDONOTDELETE" val="pmcDCLg2KVkKASeka7XIK8A"/>
+</p:tagLst>
+</file>
+
+<file path=ppt/tags/tag45.xml><?xml version="1.0" encoding="utf-8"?>
+<p:tagLst xmlns:a="http://schemas.openxmlformats.org/drawingml/2006/main" xmlns:r="http://schemas.openxmlformats.org/officeDocument/2006/relationships" xmlns:p="http://schemas.openxmlformats.org/presentationml/2006/main">
+  <p:tag name="THINKCELLSHAPEDONOTDELETE" val="p6opkEUMWf0maufbann.CvQ"/>
+</p:tagLst>
+</file>
+
+<file path=ppt/tags/tag46.xml><?xml version="1.0" encoding="utf-8"?>
+<p:tagLst xmlns:a="http://schemas.openxmlformats.org/drawingml/2006/main" xmlns:r="http://schemas.openxmlformats.org/officeDocument/2006/relationships" xmlns:p="http://schemas.openxmlformats.org/presentationml/2006/main">
+  <p:tag name="THINKCELLSHAPEDONOTDELETE" val="p6opkEUMWf0maufbann.CvQ"/>
+</p:tagLst>
+</file>
+
+<file path=ppt/tags/tag47.xml><?xml version="1.0" encoding="utf-8"?>
+<p:tagLst xmlns:a="http://schemas.openxmlformats.org/drawingml/2006/main" xmlns:r="http://schemas.openxmlformats.org/officeDocument/2006/relationships" xmlns:p="http://schemas.openxmlformats.org/presentationml/2006/main">
+  <p:tag name="THINKCELLSHAPEDONOTDELETE" val="p6opkEUMWf0maufbann.CvQ"/>
+</p:tagLst>
+</file>
+
+<file path=ppt/tags/tag48.xml><?xml version="1.0" encoding="utf-8"?>
+<p:tagLst xmlns:a="http://schemas.openxmlformats.org/drawingml/2006/main" xmlns:r="http://schemas.openxmlformats.org/officeDocument/2006/relationships" xmlns:p="http://schemas.openxmlformats.org/presentationml/2006/main">
+  <p:tag name="THINKCELLSHAPEDONOTDELETE" val="p6opkEUMWf0maufbann.CvQ"/>
+</p:tagLst>
+</file>
+
+<file path=ppt/tags/tag49.xml><?xml version="1.0" encoding="utf-8"?>
+<p:tagLst xmlns:a="http://schemas.openxmlformats.org/drawingml/2006/main" xmlns:r="http://schemas.openxmlformats.org/officeDocument/2006/relationships" xmlns:p="http://schemas.openxmlformats.org/presentationml/2006/main">
+  <p:tag name="THINKCELLSHAPEDONOTDELETE" val="puW8DAj43FkigBD_wCsT_Hw"/>
+</p:tagLst>
+</file>
+
 <file path=ppt/tags/tag5.xml><?xml version="1.0" encoding="utf-8"?>
 <p:tagLst xmlns:a="http://schemas.openxmlformats.org/drawingml/2006/main" xmlns:r="http://schemas.openxmlformats.org/officeDocument/2006/relationships" xmlns:p="http://schemas.openxmlformats.org/presentationml/2006/main">
   <p:tag name="THINKCELLSHAPEDONOTDELETE" val="thinkcellActiveDocDoNotDelete"/>
+</p:tagLst>
+</file>
+
+<file path=ppt/tags/tag50.xml><?xml version="1.0" encoding="utf-8"?>
+<p:tagLst xmlns:a="http://schemas.openxmlformats.org/drawingml/2006/main" xmlns:r="http://schemas.openxmlformats.org/officeDocument/2006/relationships" xmlns:p="http://schemas.openxmlformats.org/presentationml/2006/main">
+  <p:tag name="THINKCELLSHAPEDONOTDELETE" val="puW8DAj43FkigBD_wCsT_Hw"/>
+</p:tagLst>
+</file>
+
+<file path=ppt/tags/tag51.xml><?xml version="1.0" encoding="utf-8"?>
+<p:tagLst xmlns:a="http://schemas.openxmlformats.org/drawingml/2006/main" xmlns:r="http://schemas.openxmlformats.org/officeDocument/2006/relationships" xmlns:p="http://schemas.openxmlformats.org/presentationml/2006/main">
+  <p:tag name="THINKCELLSHAPEDONOTDELETE" val="p6opkEUMWf0maufbann.CvQ"/>
+</p:tagLst>
+</file>
+
+<file path=ppt/tags/tag52.xml><?xml version="1.0" encoding="utf-8"?>
+<p:tagLst xmlns:a="http://schemas.openxmlformats.org/drawingml/2006/main" xmlns:r="http://schemas.openxmlformats.org/officeDocument/2006/relationships" xmlns:p="http://schemas.openxmlformats.org/presentationml/2006/main">
+  <p:tag name="THINKCELLSHAPEDONOTDELETE" val="pmcDCLg2KVkKASeka7XIK8A"/>
+</p:tagLst>
+</file>
+
+<file path=ppt/tags/tag53.xml><?xml version="1.0" encoding="utf-8"?>
+<p:tagLst xmlns:a="http://schemas.openxmlformats.org/drawingml/2006/main" xmlns:r="http://schemas.openxmlformats.org/officeDocument/2006/relationships" xmlns:p="http://schemas.openxmlformats.org/presentationml/2006/main">
+  <p:tag name="THINKCELLSHAPEDONOTDELETE" val="p6opkEUMWf0maufbann.CvQ"/>
+</p:tagLst>
+</file>
+
+<file path=ppt/tags/tag54.xml><?xml version="1.0" encoding="utf-8"?>
+<p:tagLst xmlns:a="http://schemas.openxmlformats.org/drawingml/2006/main" xmlns:r="http://schemas.openxmlformats.org/officeDocument/2006/relationships" xmlns:p="http://schemas.openxmlformats.org/presentationml/2006/main">
+  <p:tag name="THINKCELLSHAPEDONOTDELETE" val="pmcDCLg2KVkKASeka7XIK8A"/>
+</p:tagLst>
+</file>
+
+<file path=ppt/tags/tag55.xml><?xml version="1.0" encoding="utf-8"?>
+<p:tagLst xmlns:a="http://schemas.openxmlformats.org/drawingml/2006/main" xmlns:r="http://schemas.openxmlformats.org/officeDocument/2006/relationships" xmlns:p="http://schemas.openxmlformats.org/presentationml/2006/main">
+  <p:tag name="THINKCELLSHAPEDONOTDELETE" val="pmcDCLg2KVkKASeka7XIK8A"/>
+</p:tagLst>
+</file>
+
+<file path=ppt/tags/tag56.xml><?xml version="1.0" encoding="utf-8"?>
+<p:tagLst xmlns:a="http://schemas.openxmlformats.org/drawingml/2006/main" xmlns:r="http://schemas.openxmlformats.org/officeDocument/2006/relationships" xmlns:p="http://schemas.openxmlformats.org/presentationml/2006/main">
+  <p:tag name="VCTCREATESHAPEHANDLED" val="0"/>
+</p:tagLst>
+</file>
+
+<file path=ppt/tags/tag57.xml><?xml version="1.0" encoding="utf-8"?>
+<p:tagLst xmlns:a="http://schemas.openxmlformats.org/drawingml/2006/main" xmlns:r="http://schemas.openxmlformats.org/officeDocument/2006/relationships" xmlns:p="http://schemas.openxmlformats.org/presentationml/2006/main">
+  <p:tag name="VCTCREATESHAPEHANDLED" val="0"/>
 </p:tagLst>
 </file>
 
@@ -18058,13 +23488,13 @@
 
 <file path=ppt/tags/tag8.xml><?xml version="1.0" encoding="utf-8"?>
 <p:tagLst xmlns:a="http://schemas.openxmlformats.org/drawingml/2006/main" xmlns:r="http://schemas.openxmlformats.org/officeDocument/2006/relationships" xmlns:p="http://schemas.openxmlformats.org/presentationml/2006/main">
-  <p:tag name="VCTCREATESHAPEHANDLED" val="0"/>
+  <p:tag name="THINKCELLSHAPEDONOTDELETE" val="p2LzZlfhioU6xxsfM6MsByg"/>
 </p:tagLst>
 </file>
 
 <file path=ppt/tags/tag9.xml><?xml version="1.0" encoding="utf-8"?>
 <p:tagLst xmlns:a="http://schemas.openxmlformats.org/drawingml/2006/main" xmlns:r="http://schemas.openxmlformats.org/officeDocument/2006/relationships" xmlns:p="http://schemas.openxmlformats.org/presentationml/2006/main">
-  <p:tag name="VCTCREATESHAPEHANDLED" val="0"/>
+  <p:tag name="THINKCELLSHAPEDONOTDELETE" val="pllgG_bqYVkWQBNwzALXc4A"/>
 </p:tagLst>
 </file>
 
@@ -19131,6 +24561,15 @@
 </file>
 
 <file path=customXml/item1.xml><?xml version="1.0" encoding="utf-8"?>
+<?mso-contentType ?>
+<FormTemplates xmlns="http://schemas.microsoft.com/sharepoint/v3/contenttype/forms">
+  <Display>DocumentLibraryForm</Display>
+  <Edit>DocumentLibraryForm</Edit>
+  <New>DocumentLibraryForm</New>
+</FormTemplates>
+</file>
+
+<file path=customXml/item2.xml><?xml version="1.0" encoding="utf-8"?>
 <ct:contentTypeSchema xmlns:ct="http://schemas.microsoft.com/office/2006/metadata/contentType" xmlns:ma="http://schemas.microsoft.com/office/2006/metadata/properties/metaAttributes" ct:_="" ma:_="" ma:contentTypeName="ExpertContentDocumentLibrary" ma:contentTypeID="0x010100D0AFC36ACFD74F7BA0C77049996D405C00FF49417D29D72E4D9B5054C9AC26121A" ma:contentTypeVersion="0" ma:contentTypeDescription="" ma:contentTypeScope="" ma:versionID="6360a5f94c527d9e7ec2ba7d0336b460">
   <xsd:schema xmlns:xsd="http://www.w3.org/2001/XMLSchema" xmlns:xs="http://www.w3.org/2001/XMLSchema" xmlns:p="http://schemas.microsoft.com/office/2006/metadata/properties" xmlns:ns2="92833d98-8015-4e73-bff4-7fc7bdc77146" xmlns:ns3="72acfbc7-13d6-4e32-8fe0-794e2d8bf5d1" xmlns:ns4="f2684793-112f-4fec-9fa7-c952a73f86d3" targetNamespace="http://schemas.microsoft.com/office/2006/metadata/properties" ma:root="true" ma:fieldsID="4dd616222a85d58f18a73fd7fa601ae7" ns2:_="" ns3:_="" ns4:_="">
     <xsd:import namespace="92833d98-8015-4e73-bff4-7fc7bdc77146"/>
@@ -19349,16 +24788,12 @@
 </ct:contentTypeSchema>
 </file>
 
-<file path=customXml/item2.xml><?xml version="1.0" encoding="utf-8"?>
+<file path=customXml/item3.xml><?xml version="1.0" encoding="utf-8"?>
 <?mso-contentType ?>
-<FormTemplates xmlns="http://schemas.microsoft.com/sharepoint/v3/contenttype/forms">
-  <Display>DocumentLibraryForm</Display>
-  <Edit>DocumentLibraryForm</Edit>
-  <New>DocumentLibraryForm</New>
-</FormTemplates>
+<SharedContentType xmlns="Microsoft.SharePoint.Taxonomy.ContentTypeSync" SourceId="8fb135ec-df78-4771-b246-ee3879de3bc6" ContentTypeId="0x010100D0AFC36ACFD74F7BA0C77049996D405C" PreviousValue="false"/>
 </file>
 
-<file path=customXml/item3.xml><?xml version="1.0" encoding="utf-8"?>
+<file path=customXml/item4.xml><?xml version="1.0" encoding="utf-8"?>
 <p:properties xmlns:p="http://schemas.microsoft.com/office/2006/metadata/properties" xmlns:xsi="http://www.w3.org/2001/XMLSchema-instance" xmlns:pc="http://schemas.microsoft.com/office/infopath/2007/PartnerControls">
   <documentManagement>
     <TaxCatchAll xmlns="f2684793-112f-4fec-9fa7-c952a73f86d3">
@@ -19425,12 +24860,15 @@
 </p:properties>
 </file>
 
-<file path=customXml/item4.xml><?xml version="1.0" encoding="utf-8"?>
-<?mso-contentType ?>
-<SharedContentType xmlns="Microsoft.SharePoint.Taxonomy.ContentTypeSync" SourceId="8fb135ec-df78-4771-b246-ee3879de3bc6" ContentTypeId="0x010100D0AFC36ACFD74F7BA0C77049996D405C" PreviousValue="false"/>
+<file path=customXml/itemProps1.xml><?xml version="1.0" encoding="utf-8"?>
+<ds:datastoreItem xmlns:ds="http://schemas.openxmlformats.org/officeDocument/2006/customXml" ds:itemID="{04CCC1B3-4CD5-4833-95A6-6904C602CD4E}">
+  <ds:schemaRefs>
+    <ds:schemaRef ds:uri="http://schemas.microsoft.com/sharepoint/v3/contenttype/forms"/>
+  </ds:schemaRefs>
+</ds:datastoreItem>
 </file>
 
-<file path=customXml/itemProps1.xml><?xml version="1.0" encoding="utf-8"?>
+<file path=customXml/itemProps2.xml><?xml version="1.0" encoding="utf-8"?>
 <ds:datastoreItem xmlns:ds="http://schemas.openxmlformats.org/officeDocument/2006/customXml" ds:itemID="{AA007D11-31CB-4D9E-BAA6-32EAC9008540}">
   <ds:schemaRefs>
     <ds:schemaRef ds:uri="http://schemas.microsoft.com/office/2006/metadata/contentType"/>
@@ -19450,15 +24888,15 @@
 </ds:datastoreItem>
 </file>
 
-<file path=customXml/itemProps2.xml><?xml version="1.0" encoding="utf-8"?>
-<ds:datastoreItem xmlns:ds="http://schemas.openxmlformats.org/officeDocument/2006/customXml" ds:itemID="{04CCC1B3-4CD5-4833-95A6-6904C602CD4E}">
+<file path=customXml/itemProps3.xml><?xml version="1.0" encoding="utf-8"?>
+<ds:datastoreItem xmlns:ds="http://schemas.openxmlformats.org/officeDocument/2006/customXml" ds:itemID="{F3F5683F-DE5A-4128-8136-79393BDF5936}">
   <ds:schemaRefs>
-    <ds:schemaRef ds:uri="http://schemas.microsoft.com/sharepoint/v3/contenttype/forms"/>
+    <ds:schemaRef ds:uri="Microsoft.SharePoint.Taxonomy.ContentTypeSync"/>
   </ds:schemaRefs>
 </ds:datastoreItem>
 </file>
 
-<file path=customXml/itemProps3.xml><?xml version="1.0" encoding="utf-8"?>
+<file path=customXml/itemProps4.xml><?xml version="1.0" encoding="utf-8"?>
 <ds:datastoreItem xmlns:ds="http://schemas.openxmlformats.org/officeDocument/2006/customXml" ds:itemID="{643044BF-A435-4394-AA7A-C500776C88E9}">
   <ds:schemaRefs>
     <ds:schemaRef ds:uri="http://purl.org/dc/elements/1.1/"/>
@@ -19474,12 +24912,4 @@
     <ds:schemaRef ds:uri="http://purl.org/dc/dcmitype/"/>
   </ds:schemaRefs>
 </ds:datastoreItem>
-</file>
-
-<file path=customXml/itemProps4.xml><?xml version="1.0" encoding="utf-8"?>
-<ds:datastoreItem xmlns:ds="http://schemas.openxmlformats.org/officeDocument/2006/customXml" ds:itemID="{F3F5683F-DE5A-4128-8136-79393BDF5936}">
-  <ds:schemaRefs>
-    <ds:schemaRef ds:uri="Microsoft.SharePoint.Taxonomy.ContentTypeSync"/>
-  </ds:schemaRefs>
-</ds:datastoreItem>
 </file>
--- a/World Happiness.pptx
+++ b/World Happiness.pptx
@@ -5,45 +5,52 @@
     <p:sldMasterId id="2147483648" r:id="rId5"/>
   </p:sldMasterIdLst>
   <p:notesMasterIdLst>
-    <p:notesMasterId r:id="rId34"/>
+    <p:notesMasterId r:id="rId41"/>
   </p:notesMasterIdLst>
   <p:handoutMasterIdLst>
-    <p:handoutMasterId r:id="rId35"/>
+    <p:handoutMasterId r:id="rId42"/>
   </p:handoutMasterIdLst>
   <p:sldIdLst>
     <p:sldId id="256" r:id="rId6"/>
-    <p:sldId id="286" r:id="rId7"/>
-    <p:sldId id="287" r:id="rId8"/>
-    <p:sldId id="281" r:id="rId9"/>
-    <p:sldId id="277" r:id="rId10"/>
-    <p:sldId id="278" r:id="rId11"/>
-    <p:sldId id="279" r:id="rId12"/>
-    <p:sldId id="282" r:id="rId13"/>
-    <p:sldId id="283" r:id="rId14"/>
-    <p:sldId id="285" r:id="rId15"/>
-    <p:sldId id="280" r:id="rId16"/>
-    <p:sldId id="284" r:id="rId17"/>
-    <p:sldId id="259" r:id="rId18"/>
-    <p:sldId id="262" r:id="rId19"/>
-    <p:sldId id="275" r:id="rId20"/>
-    <p:sldId id="261" r:id="rId21"/>
-    <p:sldId id="260" r:id="rId22"/>
-    <p:sldId id="263" r:id="rId23"/>
-    <p:sldId id="264" r:id="rId24"/>
-    <p:sldId id="273" r:id="rId25"/>
-    <p:sldId id="274" r:id="rId26"/>
-    <p:sldId id="265" r:id="rId27"/>
-    <p:sldId id="266" r:id="rId28"/>
-    <p:sldId id="267" r:id="rId29"/>
-    <p:sldId id="268" r:id="rId30"/>
-    <p:sldId id="269" r:id="rId31"/>
-    <p:sldId id="270" r:id="rId32"/>
-    <p:sldId id="271" r:id="rId33"/>
+    <p:sldId id="288" r:id="rId7"/>
+    <p:sldId id="286" r:id="rId8"/>
+    <p:sldId id="287" r:id="rId9"/>
+    <p:sldId id="289" r:id="rId10"/>
+    <p:sldId id="290" r:id="rId11"/>
+    <p:sldId id="281" r:id="rId12"/>
+    <p:sldId id="291" r:id="rId13"/>
+    <p:sldId id="277" r:id="rId14"/>
+    <p:sldId id="278" r:id="rId15"/>
+    <p:sldId id="292" r:id="rId16"/>
+    <p:sldId id="279" r:id="rId17"/>
+    <p:sldId id="293" r:id="rId18"/>
+    <p:sldId id="282" r:id="rId19"/>
+    <p:sldId id="283" r:id="rId20"/>
+    <p:sldId id="285" r:id="rId21"/>
+    <p:sldId id="294" r:id="rId22"/>
+    <p:sldId id="280" r:id="rId23"/>
+    <p:sldId id="284" r:id="rId24"/>
+    <p:sldId id="259" r:id="rId25"/>
+    <p:sldId id="262" r:id="rId26"/>
+    <p:sldId id="275" r:id="rId27"/>
+    <p:sldId id="261" r:id="rId28"/>
+    <p:sldId id="260" r:id="rId29"/>
+    <p:sldId id="263" r:id="rId30"/>
+    <p:sldId id="264" r:id="rId31"/>
+    <p:sldId id="273" r:id="rId32"/>
+    <p:sldId id="274" r:id="rId33"/>
+    <p:sldId id="265" r:id="rId34"/>
+    <p:sldId id="266" r:id="rId35"/>
+    <p:sldId id="267" r:id="rId36"/>
+    <p:sldId id="268" r:id="rId37"/>
+    <p:sldId id="269" r:id="rId38"/>
+    <p:sldId id="270" r:id="rId39"/>
+    <p:sldId id="271" r:id="rId40"/>
   </p:sldIdLst>
   <p:sldSz cx="9144000" cy="5143500" type="screen16x9"/>
   <p:notesSz cx="6797675" cy="9926638"/>
   <p:custDataLst>
-    <p:tags r:id="rId36"/>
+    <p:tags r:id="rId43"/>
   </p:custDataLst>
   <p:defaultTextStyle>
     <a:defPPr>
@@ -413,7 +420,7 @@
             </a:r>
             <a:fld id="{C8998D9E-49B2-4097-B552-57EEB9E5A717}" type="datetime4">
               <a:rPr lang="en-US" smtClean="0"/>
-              <a:t>October 7, 2017</a:t>
+              <a:t>October 8, 2017</a:t>
             </a:fld>
             <a:r>
               <a:rPr lang="en-US" dirty="0"/>
@@ -656,7 +663,7 @@
             </a:r>
             <a:fld id="{0B798607-B8D6-44E8-B6BA-DA2D673578FB}" type="datetime4">
               <a:rPr lang="en-US" smtClean="0"/>
-              <a:t>October 7, 2017</a:t>
+              <a:t>October 8, 2017</a:t>
             </a:fld>
             <a:r>
               <a:rPr lang="en-US" dirty="0"/>
@@ -1321,12 +1328,51 @@
           <a:p>
             <a:pPr lvl="0"/>
             <a:r>
-              <a:rPr lang="en-US" noProof="0" dirty="0"/>
-              <a:t>Click to add additional text, e.g. author, location, date</a:t>
-            </a:r>
+              <a:rPr lang="en-US" noProof="0" dirty="0" smtClean="0"/>
+              <a:t>Dimitri Liakhovitski, NYC Data Science Academy </a:t>
+            </a:r>
+            <a:r>
+              <a:rPr lang="en-US" noProof="0" dirty="0" err="1" smtClean="0"/>
+              <a:t>Bootcamp</a:t>
+            </a:r>
+            <a:r>
+              <a:rPr lang="en-US" noProof="0" dirty="0" smtClean="0"/>
+              <a:t> – Fall 2017</a:t>
+            </a:r>
+            <a:endParaRPr lang="en-US" noProof="0" dirty="0"/>
           </a:p>
         </p:txBody>
       </p:sp>
+      <p:pic>
+        <p:nvPicPr>
+          <p:cNvPr id="7" name="Content Placeholder 5"/>
+          <p:cNvPicPr>
+            <a:picLocks noChangeAspect="1"/>
+          </p:cNvPicPr>
+          <p:nvPr userDrawn="1"/>
+        </p:nvPicPr>
+        <p:blipFill>
+          <a:blip r:embed="rId2">
+            <a:extLst>
+              <a:ext uri="{28A0092B-C50C-407E-A947-70E740481C1C}">
+                <a14:useLocalDpi xmlns:a14="http://schemas.microsoft.com/office/drawing/2010/main" val="0"/>
+              </a:ext>
+            </a:extLst>
+          </a:blip>
+          <a:stretch>
+            <a:fillRect/>
+          </a:stretch>
+        </p:blipFill>
+        <p:spPr bwMode="gray">
+          <a:xfrm>
+            <a:off x="6867813" y="180509"/>
+            <a:ext cx="1056987" cy="588472"/>
+          </a:xfrm>
+          <a:prstGeom prst="rect">
+            <a:avLst/>
+          </a:prstGeom>
+        </p:spPr>
+      </p:pic>
     </p:spTree>
     <p:extLst>
       <p:ext uri="{BB962C8B-B14F-4D97-AF65-F5344CB8AC3E}">
@@ -1988,7 +2034,7 @@
           <a:graphicData uri="http://schemas.openxmlformats.org/presentationml/2006/ole">
             <mc:AlternateContent xmlns:mc="http://schemas.openxmlformats.org/markup-compatibility/2006">
               <mc:Choice xmlns:v="urn:schemas-microsoft-com:vml" Requires="v">
-                <p:oleObj spid="_x0000_s3179" name="think-cell Slide" r:id="rId4" imgW="353" imgH="353" progId="TCLayout.ActiveDocument.1">
+                <p:oleObj spid="_x0000_s3220" name="think-cell Slide" r:id="rId4" imgW="353" imgH="353" progId="TCLayout.ActiveDocument.1">
                   <p:embed/>
                 </p:oleObj>
               </mc:Choice>
@@ -11333,7 +11379,7 @@
           <a:graphicData uri="http://schemas.openxmlformats.org/presentationml/2006/ole">
             <mc:AlternateContent xmlns:mc="http://schemas.openxmlformats.org/markup-compatibility/2006">
               <mc:Choice xmlns:v="urn:schemas-microsoft-com:vml" Requires="v">
-                <p:oleObj spid="_x0000_s2157" name="think-cell Slide" r:id="rId4" imgW="353" imgH="353" progId="TCLayout.ActiveDocument.1">
+                <p:oleObj spid="_x0000_s2198" name="think-cell Slide" r:id="rId4" imgW="353" imgH="353" progId="TCLayout.ActiveDocument.1">
                   <p:embed/>
                 </p:oleObj>
               </mc:Choice>
@@ -12472,7 +12518,7 @@
           <a:graphicData uri="http://schemas.openxmlformats.org/presentationml/2006/ole">
             <mc:AlternateContent xmlns:mc="http://schemas.openxmlformats.org/markup-compatibility/2006">
               <mc:Choice xmlns:v="urn:schemas-microsoft-com:vml" Requires="v">
-                <p:oleObj spid="_x0000_s1133" name="think-cell Slide" r:id="rId25" imgW="353" imgH="353" progId="TCLayout.ActiveDocument.1">
+                <p:oleObj spid="_x0000_s1174" name="think-cell Slide" r:id="rId25" imgW="353" imgH="353" progId="TCLayout.ActiveDocument.1">
                   <p:embed/>
                 </p:oleObj>
               </mc:Choice>
@@ -14750,7 +14796,7 @@
                 </a:solidFill>
                 <a:latin typeface="Arial" pitchFamily="34" charset="0"/>
               </a:rPr>
-              <a:t>October 7, 2017</a:t>
+              <a:t>October 8, 2017</a:t>
             </a:fld>
             <a:r>
               <a:rPr lang="en-US" sz="800" noProof="0" dirty="0">
@@ -15199,7 +15245,7 @@
     <p:sldLayoutId id="2147483670" r:id="rId18"/>
     <p:sldLayoutId id="2147483671" r:id="rId19"/>
   </p:sldLayoutIdLst>
-  <p:hf hdr="0" ftr="0" dt="0"/>
+  <p:hf hdr="0" ftr="0"/>
   <p:txStyles>
     <p:titleStyle>
       <a:lvl1pPr algn="l" defTabSz="914400" rtl="0" eaLnBrk="1" latinLnBrk="0" hangingPunct="1">
@@ -15565,7 +15611,11 @@
           <a:p>
             <a:r>
               <a:rPr lang="en-US" dirty="0" smtClean="0"/>
-              <a:t>Raising Your Country’s Happiness</a:t>
+              <a:t>Increasing </a:t>
+            </a:r>
+            <a:r>
+              <a:rPr lang="en-US" dirty="0" smtClean="0"/>
+              <a:t>Your Country’s Happiness</a:t>
             </a:r>
             <a:endParaRPr lang="en-US" dirty="0"/>
           </a:p>
@@ -15643,6 +15693,360 @@
           <a:chExt cx="0" cy="0"/>
         </a:xfrm>
       </p:grpSpPr>
+      <p:pic>
+        <p:nvPicPr>
+          <p:cNvPr id="12" name="Content Placeholder 11"/>
+          <p:cNvPicPr>
+            <a:picLocks noGrp="1" noChangeAspect="1"/>
+          </p:cNvPicPr>
+          <p:nvPr>
+            <p:ph sz="quarter" idx="12"/>
+          </p:nvPr>
+        </p:nvPicPr>
+        <p:blipFill>
+          <a:blip r:embed="rId2"/>
+          <a:stretch>
+            <a:fillRect/>
+          </a:stretch>
+        </p:blipFill>
+        <p:spPr>
+          <a:xfrm>
+            <a:off x="332720" y="1276350"/>
+            <a:ext cx="6084115" cy="3455988"/>
+          </a:xfrm>
+          <a:prstGeom prst="rect">
+            <a:avLst/>
+          </a:prstGeom>
+        </p:spPr>
+      </p:pic>
+      <p:sp>
+        <p:nvSpPr>
+          <p:cNvPr id="3" name="Title 2"/>
+          <p:cNvSpPr>
+            <a:spLocks noGrp="1"/>
+          </p:cNvSpPr>
+          <p:nvPr>
+            <p:ph type="title"/>
+          </p:nvPr>
+        </p:nvSpPr>
+        <p:spPr/>
+        <p:txBody>
+          <a:bodyPr/>
+          <a:lstStyle/>
+          <a:p>
+            <a:r>
+              <a:rPr lang="en-US" dirty="0" smtClean="0"/>
+              <a:t>We can’t focus on all indicators, but are ready to consider 13. How well do those predict Happiness?</a:t>
+            </a:r>
+            <a:endParaRPr lang="en-US" dirty="0"/>
+          </a:p>
+        </p:txBody>
+      </p:sp>
+      <p:sp>
+        <p:nvSpPr>
+          <p:cNvPr id="4" name="Text Placeholder 3"/>
+          <p:cNvSpPr>
+            <a:spLocks noGrp="1"/>
+          </p:cNvSpPr>
+          <p:nvPr>
+            <p:ph type="body" sz="quarter" idx="10"/>
+          </p:nvPr>
+        </p:nvSpPr>
+        <p:spPr/>
+        <p:txBody>
+          <a:bodyPr/>
+          <a:lstStyle/>
+          <a:p>
+            <a:r>
+              <a:rPr lang="en-US" dirty="0" smtClean="0"/>
+              <a:t>Very </a:t>
+            </a:r>
+            <a:r>
+              <a:rPr lang="en-US" dirty="0" smtClean="0"/>
+              <a:t>well! </a:t>
+            </a:r>
+            <a:r>
+              <a:rPr lang="en-US" dirty="0"/>
+              <a:t>An R</a:t>
+            </a:r>
+            <a:r>
+              <a:rPr lang="en-US" baseline="30000" dirty="0"/>
+              <a:t>2</a:t>
+            </a:r>
+            <a:r>
+              <a:rPr lang="en-US" dirty="0"/>
+              <a:t> of </a:t>
+            </a:r>
+            <a:r>
+              <a:rPr lang="en-US" dirty="0" smtClean="0"/>
+              <a:t>0.69! And the RMSE decreased from 0.57 to just 0.65!</a:t>
+            </a:r>
+          </a:p>
+        </p:txBody>
+      </p:sp>
+      <p:sp>
+        <p:nvSpPr>
+          <p:cNvPr id="5" name="Text Placeholder 4"/>
+          <p:cNvSpPr>
+            <a:spLocks noGrp="1"/>
+          </p:cNvSpPr>
+          <p:nvPr>
+            <p:ph type="body" sz="quarter" idx="11"/>
+          </p:nvPr>
+        </p:nvSpPr>
+        <p:spPr/>
+        <p:txBody>
+          <a:bodyPr/>
+          <a:lstStyle/>
+          <a:p>
+            <a:endParaRPr lang="en-US"/>
+          </a:p>
+        </p:txBody>
+      </p:sp>
+      <p:sp>
+        <p:nvSpPr>
+          <p:cNvPr id="9" name="Oval 8"/>
+          <p:cNvSpPr/>
+          <p:nvPr/>
+        </p:nvSpPr>
+        <p:spPr bwMode="gray">
+          <a:xfrm>
+            <a:off x="3990900" y="1782410"/>
+            <a:ext cx="1454239" cy="304800"/>
+          </a:xfrm>
+          <a:prstGeom prst="ellipse">
+            <a:avLst/>
+          </a:prstGeom>
+          <a:noFill/>
+          <a:ln w="19050">
+            <a:solidFill>
+              <a:schemeClr val="tx2"/>
+            </a:solidFill>
+          </a:ln>
+        </p:spPr>
+        <p:style>
+          <a:lnRef idx="2">
+            <a:schemeClr val="accent1">
+              <a:shade val="50000"/>
+            </a:schemeClr>
+          </a:lnRef>
+          <a:fillRef idx="1">
+            <a:schemeClr val="accent1"/>
+          </a:fillRef>
+          <a:effectRef idx="0">
+            <a:schemeClr val="accent1"/>
+          </a:effectRef>
+          <a:fontRef idx="minor">
+            <a:schemeClr val="lt1"/>
+          </a:fontRef>
+        </p:style>
+        <p:txBody>
+          <a:bodyPr rot="0" spcFirstLastPara="0" vertOverflow="overflow" horzOverflow="overflow" vert="horz" wrap="square" lIns="91440" tIns="45720" rIns="91440" bIns="45720" numCol="1" spcCol="0" rtlCol="0" fromWordArt="0" anchor="ctr" anchorCtr="0" forceAA="0" compatLnSpc="1">
+            <a:prstTxWarp prst="textNoShape">
+              <a:avLst/>
+            </a:prstTxWarp>
+            <a:noAutofit/>
+          </a:bodyPr>
+          <a:lstStyle/>
+          <a:p>
+            <a:pPr marL="0" indent="0" algn="ctr">
+              <a:spcBef>
+                <a:spcPts val="300"/>
+              </a:spcBef>
+              <a:buFont typeface="Courier New" pitchFamily="49" charset="0"/>
+              <a:buNone/>
+            </a:pPr>
+            <a:endParaRPr lang="en-US" sz="1600" dirty="0" smtClean="0">
+              <a:solidFill>
+                <a:schemeClr val="tx1"/>
+              </a:solidFill>
+              <a:latin typeface="Arial" pitchFamily="34" charset="0"/>
+              <a:cs typeface="Arial" pitchFamily="34" charset="0"/>
+            </a:endParaRPr>
+          </a:p>
+        </p:txBody>
+      </p:sp>
+      <p:sp>
+        <p:nvSpPr>
+          <p:cNvPr id="10" name="TextBox 9"/>
+          <p:cNvSpPr txBox="1"/>
+          <p:nvPr/>
+        </p:nvSpPr>
+        <p:spPr bwMode="gray">
+          <a:xfrm>
+            <a:off x="6629400" y="1504950"/>
+            <a:ext cx="1752600" cy="646331"/>
+          </a:xfrm>
+          <a:prstGeom prst="rect">
+            <a:avLst/>
+          </a:prstGeom>
+          <a:noFill/>
+        </p:spPr>
+        <p:txBody>
+          <a:bodyPr wrap="square" lIns="0" tIns="0" rIns="0" bIns="0" rtlCol="0">
+            <a:spAutoFit/>
+          </a:bodyPr>
+          <a:lstStyle/>
+          <a:p>
+            <a:pPr algn="ctr">
+              <a:spcBef>
+                <a:spcPts val="300"/>
+              </a:spcBef>
+            </a:pPr>
+            <a:r>
+              <a:rPr lang="en-US" sz="1400" dirty="0">
+                <a:solidFill>
+                  <a:schemeClr val="tx2"/>
+                </a:solidFill>
+                <a:latin typeface="Arial" pitchFamily="34" charset="0"/>
+                <a:cs typeface="Arial" pitchFamily="34" charset="0"/>
+              </a:rPr>
+              <a:t>We were </a:t>
+            </a:r>
+            <a:r>
+              <a:rPr lang="en-US" sz="1400" dirty="0" smtClean="0">
+                <a:solidFill>
+                  <a:schemeClr val="tx2"/>
+                </a:solidFill>
+                <a:latin typeface="Arial" pitchFamily="34" charset="0"/>
+                <a:cs typeface="Arial" pitchFamily="34" charset="0"/>
+              </a:rPr>
+              <a:t>very smart </a:t>
+            </a:r>
+            <a:r>
+              <a:rPr lang="en-US" sz="1400" dirty="0">
+                <a:solidFill>
+                  <a:schemeClr val="tx2"/>
+                </a:solidFill>
+                <a:latin typeface="Arial" pitchFamily="34" charset="0"/>
+                <a:cs typeface="Arial" pitchFamily="34" charset="0"/>
+              </a:rPr>
+              <a:t>to select those few indicators! </a:t>
+            </a:r>
+          </a:p>
+        </p:txBody>
+      </p:sp>
+      <p:sp>
+        <p:nvSpPr>
+          <p:cNvPr id="13" name="TextBox 12"/>
+          <p:cNvSpPr txBox="1"/>
+          <p:nvPr/>
+        </p:nvSpPr>
+        <p:spPr bwMode="gray">
+          <a:xfrm>
+            <a:off x="6762483" y="2979341"/>
+            <a:ext cx="1752600" cy="861774"/>
+          </a:xfrm>
+          <a:prstGeom prst="rect">
+            <a:avLst/>
+          </a:prstGeom>
+          <a:noFill/>
+        </p:spPr>
+        <p:txBody>
+          <a:bodyPr wrap="square" lIns="0" tIns="0" rIns="0" bIns="0" rtlCol="0">
+            <a:spAutoFit/>
+          </a:bodyPr>
+          <a:lstStyle/>
+          <a:p>
+            <a:pPr algn="ctr">
+              <a:spcBef>
+                <a:spcPts val="300"/>
+              </a:spcBef>
+            </a:pPr>
+            <a:r>
+              <a:rPr lang="en-US" sz="1400" dirty="0" smtClean="0">
+                <a:solidFill>
+                  <a:schemeClr val="tx2"/>
+                </a:solidFill>
+                <a:latin typeface="Arial" pitchFamily="34" charset="0"/>
+                <a:cs typeface="Arial" pitchFamily="34" charset="0"/>
+              </a:rPr>
+              <a:t>And we can see the most important predictors of Happiness! </a:t>
+            </a:r>
+            <a:endParaRPr lang="en-US" sz="1400" dirty="0">
+              <a:solidFill>
+                <a:schemeClr val="tx2"/>
+              </a:solidFill>
+              <a:latin typeface="Arial" pitchFamily="34" charset="0"/>
+              <a:cs typeface="Arial" pitchFamily="34" charset="0"/>
+            </a:endParaRPr>
+          </a:p>
+        </p:txBody>
+      </p:sp>
+      <p:sp>
+        <p:nvSpPr>
+          <p:cNvPr id="14" name="Right Brace 13"/>
+          <p:cNvSpPr/>
+          <p:nvPr/>
+        </p:nvSpPr>
+        <p:spPr>
+          <a:xfrm>
+            <a:off x="6324600" y="2800350"/>
+            <a:ext cx="304800" cy="990600"/>
+          </a:xfrm>
+          <a:prstGeom prst="rightBrace">
+            <a:avLst/>
+          </a:prstGeom>
+          <a:ln>
+            <a:solidFill>
+              <a:schemeClr val="tx1"/>
+            </a:solidFill>
+            <a:tailEnd type="none"/>
+          </a:ln>
+        </p:spPr>
+        <p:style>
+          <a:lnRef idx="1">
+            <a:schemeClr val="accent1"/>
+          </a:lnRef>
+          <a:fillRef idx="0">
+            <a:schemeClr val="accent1"/>
+          </a:fillRef>
+          <a:effectRef idx="0">
+            <a:schemeClr val="accent1"/>
+          </a:effectRef>
+          <a:fontRef idx="minor">
+            <a:schemeClr val="tx1"/>
+          </a:fontRef>
+        </p:style>
+        <p:txBody>
+          <a:bodyPr rtlCol="0" anchor="ctr"/>
+          <a:lstStyle/>
+          <a:p>
+            <a:pPr algn="ctr"/>
+            <a:endParaRPr lang="en-US"/>
+          </a:p>
+        </p:txBody>
+      </p:sp>
+    </p:spTree>
+    <p:extLst>
+      <p:ext uri="{BB962C8B-B14F-4D97-AF65-F5344CB8AC3E}">
+        <p14:creationId xmlns:p14="http://schemas.microsoft.com/office/powerpoint/2010/main" val="1280499447"/>
+      </p:ext>
+    </p:extLst>
+  </p:cSld>
+  <p:clrMapOvr>
+    <a:masterClrMapping/>
+  </p:clrMapOvr>
+</p:sld>
+</file>
+
+<file path=ppt/slides/slide11.xml><?xml version="1.0" encoding="utf-8"?>
+<p:sld xmlns:a="http://schemas.openxmlformats.org/drawingml/2006/main" xmlns:r="http://schemas.openxmlformats.org/officeDocument/2006/relationships" xmlns:p="http://schemas.openxmlformats.org/presentationml/2006/main">
+  <p:cSld>
+    <p:spTree>
+      <p:nvGrpSpPr>
+        <p:cNvPr id="1" name=""/>
+        <p:cNvGrpSpPr/>
+        <p:nvPr/>
+      </p:nvGrpSpPr>
+      <p:grpSpPr>
+        <a:xfrm>
+          <a:off x="0" y="0"/>
+          <a:ext cx="0" cy="0"/>
+          <a:chOff x="0" y="0"/>
+          <a:chExt cx="0" cy="0"/>
+        </a:xfrm>
+      </p:grpSpPr>
       <p:sp>
         <p:nvSpPr>
           <p:cNvPr id="2" name="Text Placeholder 1"/>
@@ -15659,8 +16063,1066 @@
           <a:lstStyle/>
           <a:p>
             <a:r>
+              <a:rPr lang="en-US" sz="1600" dirty="0" smtClean="0"/>
+              <a:t>Allows you to visualize the bivariate relationship between any indicator and Happiness:</a:t>
+            </a:r>
+            <a:endParaRPr lang="en-US" sz="1600" dirty="0"/>
+          </a:p>
+        </p:txBody>
+      </p:sp>
+      <p:sp>
+        <p:nvSpPr>
+          <p:cNvPr id="3" name="Text Placeholder 2"/>
+          <p:cNvSpPr>
+            <a:spLocks noGrp="1"/>
+          </p:cNvSpPr>
+          <p:nvPr>
+            <p:ph type="body" sz="quarter" idx="11"/>
+          </p:nvPr>
+        </p:nvSpPr>
+        <p:spPr/>
+        <p:txBody>
+          <a:bodyPr/>
+          <a:lstStyle/>
+          <a:p>
+            <a:endParaRPr lang="en-US"/>
+          </a:p>
+        </p:txBody>
+      </p:sp>
+      <p:sp>
+        <p:nvSpPr>
+          <p:cNvPr id="4" name="Title 3"/>
+          <p:cNvSpPr>
+            <a:spLocks noGrp="1"/>
+          </p:cNvSpPr>
+          <p:nvPr>
+            <p:ph type="title"/>
+          </p:nvPr>
+        </p:nvSpPr>
+        <p:spPr/>
+        <p:txBody>
+          <a:bodyPr/>
+          <a:lstStyle/>
+          <a:p>
+            <a:r>
               <a:rPr lang="en-US" dirty="0" smtClean="0"/>
-              <a:t>Relative success on improved sanitation facilities and on cellular subscriptions</a:t>
+              <a:t>Tab 3: Happiness vs. Indicators</a:t>
+            </a:r>
+            <a:endParaRPr lang="en-US" dirty="0"/>
+          </a:p>
+        </p:txBody>
+      </p:sp>
+      <p:pic>
+        <p:nvPicPr>
+          <p:cNvPr id="7" name="Picture 6"/>
+          <p:cNvPicPr>
+            <a:picLocks noChangeAspect="1"/>
+          </p:cNvPicPr>
+          <p:nvPr/>
+        </p:nvPicPr>
+        <p:blipFill>
+          <a:blip r:embed="rId2"/>
+          <a:stretch>
+            <a:fillRect/>
+          </a:stretch>
+        </p:blipFill>
+        <p:spPr>
+          <a:xfrm>
+            <a:off x="304800" y="1297057"/>
+            <a:ext cx="4793475" cy="3357228"/>
+          </a:xfrm>
+          <a:prstGeom prst="rect">
+            <a:avLst/>
+          </a:prstGeom>
+        </p:spPr>
+      </p:pic>
+    </p:spTree>
+    <p:extLst>
+      <p:ext uri="{BB962C8B-B14F-4D97-AF65-F5344CB8AC3E}">
+        <p14:creationId xmlns:p14="http://schemas.microsoft.com/office/powerpoint/2010/main" val="2515054320"/>
+      </p:ext>
+    </p:extLst>
+  </p:cSld>
+  <p:clrMapOvr>
+    <a:masterClrMapping/>
+  </p:clrMapOvr>
+</p:sld>
+</file>
+
+<file path=ppt/slides/slide12.xml><?xml version="1.0" encoding="utf-8"?>
+<p:sld xmlns:a="http://schemas.openxmlformats.org/drawingml/2006/main" xmlns:r="http://schemas.openxmlformats.org/officeDocument/2006/relationships" xmlns:p="http://schemas.openxmlformats.org/presentationml/2006/main">
+  <p:cSld>
+    <p:spTree>
+      <p:nvGrpSpPr>
+        <p:cNvPr id="1" name=""/>
+        <p:cNvGrpSpPr/>
+        <p:nvPr/>
+      </p:nvGrpSpPr>
+      <p:grpSpPr>
+        <a:xfrm>
+          <a:off x="0" y="0"/>
+          <a:ext cx="0" cy="0"/>
+          <a:chOff x="0" y="0"/>
+          <a:chExt cx="0" cy="0"/>
+        </a:xfrm>
+      </p:grpSpPr>
+      <p:sp>
+        <p:nvSpPr>
+          <p:cNvPr id="2" name="Text Placeholder 1"/>
+          <p:cNvSpPr>
+            <a:spLocks noGrp="1"/>
+          </p:cNvSpPr>
+          <p:nvPr>
+            <p:ph type="body" sz="quarter" idx="10"/>
+          </p:nvPr>
+        </p:nvSpPr>
+        <p:spPr/>
+        <p:txBody>
+          <a:bodyPr/>
+          <a:lstStyle/>
+          <a:p>
+            <a:r>
+              <a:rPr lang="en-US" dirty="0" smtClean="0"/>
+              <a:t>Some </a:t>
+            </a:r>
+            <a:r>
+              <a:rPr lang="en-US" dirty="0" smtClean="0"/>
+              <a:t>of them are related positively and some – inversely.</a:t>
+            </a:r>
+            <a:endParaRPr lang="en-US" dirty="0"/>
+          </a:p>
+        </p:txBody>
+      </p:sp>
+      <p:sp>
+        <p:nvSpPr>
+          <p:cNvPr id="3" name="Text Placeholder 2"/>
+          <p:cNvSpPr>
+            <a:spLocks noGrp="1"/>
+          </p:cNvSpPr>
+          <p:nvPr>
+            <p:ph type="body" sz="quarter" idx="11"/>
+          </p:nvPr>
+        </p:nvSpPr>
+        <p:spPr/>
+        <p:txBody>
+          <a:bodyPr/>
+          <a:lstStyle/>
+          <a:p>
+            <a:endParaRPr lang="en-US"/>
+          </a:p>
+        </p:txBody>
+      </p:sp>
+      <p:sp>
+        <p:nvSpPr>
+          <p:cNvPr id="4" name="Title 3"/>
+          <p:cNvSpPr>
+            <a:spLocks noGrp="1"/>
+          </p:cNvSpPr>
+          <p:nvPr>
+            <p:ph type="title"/>
+          </p:nvPr>
+        </p:nvSpPr>
+        <p:spPr/>
+        <p:txBody>
+          <a:bodyPr/>
+          <a:lstStyle/>
+          <a:p>
+            <a:r>
+              <a:rPr lang="en-US" dirty="0" smtClean="0"/>
+              <a:t>How </a:t>
+            </a:r>
+            <a:r>
+              <a:rPr lang="en-US" dirty="0" smtClean="0"/>
+              <a:t>exactly </a:t>
+            </a:r>
+            <a:r>
+              <a:rPr lang="en-US" dirty="0" smtClean="0"/>
+              <a:t>the most important predictors we identified are related </a:t>
+            </a:r>
+            <a:r>
+              <a:rPr lang="en-US" dirty="0" smtClean="0"/>
+              <a:t>to Happiness?</a:t>
+            </a:r>
+            <a:endParaRPr lang="en-US" dirty="0"/>
+          </a:p>
+        </p:txBody>
+      </p:sp>
+      <p:pic>
+        <p:nvPicPr>
+          <p:cNvPr id="5" name="Picture 4"/>
+          <p:cNvPicPr>
+            <a:picLocks noChangeAspect="1"/>
+          </p:cNvPicPr>
+          <p:nvPr/>
+        </p:nvPicPr>
+        <p:blipFill>
+          <a:blip r:embed="rId2"/>
+          <a:stretch>
+            <a:fillRect/>
+          </a:stretch>
+        </p:blipFill>
+        <p:spPr>
+          <a:xfrm>
+            <a:off x="323409" y="1347886"/>
+            <a:ext cx="3250321" cy="1681063"/>
+          </a:xfrm>
+          <a:prstGeom prst="rect">
+            <a:avLst/>
+          </a:prstGeom>
+        </p:spPr>
+      </p:pic>
+      <p:pic>
+        <p:nvPicPr>
+          <p:cNvPr id="6" name="Picture 5"/>
+          <p:cNvPicPr>
+            <a:picLocks noChangeAspect="1"/>
+          </p:cNvPicPr>
+          <p:nvPr/>
+        </p:nvPicPr>
+        <p:blipFill>
+          <a:blip r:embed="rId3"/>
+          <a:stretch>
+            <a:fillRect/>
+          </a:stretch>
+        </p:blipFill>
+        <p:spPr>
+          <a:xfrm>
+            <a:off x="3612910" y="1347886"/>
+            <a:ext cx="3276634" cy="1670599"/>
+          </a:xfrm>
+          <a:prstGeom prst="rect">
+            <a:avLst/>
+          </a:prstGeom>
+        </p:spPr>
+      </p:pic>
+      <p:pic>
+        <p:nvPicPr>
+          <p:cNvPr id="7" name="Picture 6"/>
+          <p:cNvPicPr>
+            <a:picLocks noChangeAspect="1"/>
+          </p:cNvPicPr>
+          <p:nvPr/>
+        </p:nvPicPr>
+        <p:blipFill>
+          <a:blip r:embed="rId4"/>
+          <a:stretch>
+            <a:fillRect/>
+          </a:stretch>
+        </p:blipFill>
+        <p:spPr>
+          <a:xfrm>
+            <a:off x="329871" y="3058584"/>
+            <a:ext cx="3243859" cy="1660116"/>
+          </a:xfrm>
+          <a:prstGeom prst="rect">
+            <a:avLst/>
+          </a:prstGeom>
+        </p:spPr>
+      </p:pic>
+      <p:pic>
+        <p:nvPicPr>
+          <p:cNvPr id="8" name="Picture 7"/>
+          <p:cNvPicPr>
+            <a:picLocks noChangeAspect="1"/>
+          </p:cNvPicPr>
+          <p:nvPr/>
+        </p:nvPicPr>
+        <p:blipFill>
+          <a:blip r:embed="rId5"/>
+          <a:stretch>
+            <a:fillRect/>
+          </a:stretch>
+        </p:blipFill>
+        <p:spPr>
+          <a:xfrm>
+            <a:off x="3612910" y="3058396"/>
+            <a:ext cx="3276634" cy="1662769"/>
+          </a:xfrm>
+          <a:prstGeom prst="rect">
+            <a:avLst/>
+          </a:prstGeom>
+        </p:spPr>
+      </p:pic>
+      <p:pic>
+        <p:nvPicPr>
+          <p:cNvPr id="9" name="Picture 8"/>
+          <p:cNvPicPr>
+            <a:picLocks noChangeAspect="1"/>
+          </p:cNvPicPr>
+          <p:nvPr/>
+        </p:nvPicPr>
+        <p:blipFill>
+          <a:blip r:embed="rId6"/>
+          <a:stretch>
+            <a:fillRect/>
+          </a:stretch>
+        </p:blipFill>
+        <p:spPr>
+          <a:xfrm>
+            <a:off x="5766512" y="4489628"/>
+            <a:ext cx="1093253" cy="197237"/>
+          </a:xfrm>
+          <a:prstGeom prst="rect">
+            <a:avLst/>
+          </a:prstGeom>
+        </p:spPr>
+      </p:pic>
+      <p:pic>
+        <p:nvPicPr>
+          <p:cNvPr id="10" name="Picture 9"/>
+          <p:cNvPicPr>
+            <a:picLocks noChangeAspect="1"/>
+          </p:cNvPicPr>
+          <p:nvPr/>
+        </p:nvPicPr>
+        <p:blipFill>
+          <a:blip r:embed="rId7"/>
+          <a:stretch>
+            <a:fillRect/>
+          </a:stretch>
+        </p:blipFill>
+        <p:spPr>
+          <a:xfrm>
+            <a:off x="2527478" y="4483189"/>
+            <a:ext cx="1008849" cy="199772"/>
+          </a:xfrm>
+          <a:prstGeom prst="rect">
+            <a:avLst/>
+          </a:prstGeom>
+        </p:spPr>
+      </p:pic>
+      <p:pic>
+        <p:nvPicPr>
+          <p:cNvPr id="11" name="Picture 10"/>
+          <p:cNvPicPr>
+            <a:picLocks noChangeAspect="1"/>
+          </p:cNvPicPr>
+          <p:nvPr/>
+        </p:nvPicPr>
+        <p:blipFill>
+          <a:blip r:embed="rId8"/>
+          <a:stretch>
+            <a:fillRect/>
+          </a:stretch>
+        </p:blipFill>
+        <p:spPr>
+          <a:xfrm>
+            <a:off x="5722802" y="2801540"/>
+            <a:ext cx="1124085" cy="187348"/>
+          </a:xfrm>
+          <a:prstGeom prst="rect">
+            <a:avLst/>
+          </a:prstGeom>
+        </p:spPr>
+      </p:pic>
+      <p:pic>
+        <p:nvPicPr>
+          <p:cNvPr id="12" name="Picture 11"/>
+          <p:cNvPicPr>
+            <a:picLocks noChangeAspect="1"/>
+          </p:cNvPicPr>
+          <p:nvPr/>
+        </p:nvPicPr>
+        <p:blipFill>
+          <a:blip r:embed="rId9"/>
+          <a:stretch>
+            <a:fillRect/>
+          </a:stretch>
+        </p:blipFill>
+        <p:spPr>
+          <a:xfrm>
+            <a:off x="2477034" y="2781119"/>
+            <a:ext cx="1047483" cy="190948"/>
+          </a:xfrm>
+          <a:prstGeom prst="rect">
+            <a:avLst/>
+          </a:prstGeom>
+        </p:spPr>
+      </p:pic>
+    </p:spTree>
+    <p:extLst>
+      <p:ext uri="{BB962C8B-B14F-4D97-AF65-F5344CB8AC3E}">
+        <p14:creationId xmlns:p14="http://schemas.microsoft.com/office/powerpoint/2010/main" val="824272306"/>
+      </p:ext>
+    </p:extLst>
+  </p:cSld>
+  <p:clrMapOvr>
+    <a:masterClrMapping/>
+  </p:clrMapOvr>
+</p:sld>
+</file>
+
+<file path=ppt/slides/slide13.xml><?xml version="1.0" encoding="utf-8"?>
+<p:sld xmlns:a="http://schemas.openxmlformats.org/drawingml/2006/main" xmlns:r="http://schemas.openxmlformats.org/officeDocument/2006/relationships" xmlns:p="http://schemas.openxmlformats.org/presentationml/2006/main">
+  <p:cSld>
+    <p:spTree>
+      <p:nvGrpSpPr>
+        <p:cNvPr id="1" name=""/>
+        <p:cNvGrpSpPr/>
+        <p:nvPr/>
+      </p:nvGrpSpPr>
+      <p:grpSpPr>
+        <a:xfrm>
+          <a:off x="0" y="0"/>
+          <a:ext cx="0" cy="0"/>
+          <a:chOff x="0" y="0"/>
+          <a:chExt cx="0" cy="0"/>
+        </a:xfrm>
+      </p:grpSpPr>
+      <p:sp>
+        <p:nvSpPr>
+          <p:cNvPr id="2" name="Text Placeholder 1"/>
+          <p:cNvSpPr>
+            <a:spLocks noGrp="1"/>
+          </p:cNvSpPr>
+          <p:nvPr>
+            <p:ph type="body" sz="quarter" idx="10"/>
+          </p:nvPr>
+        </p:nvSpPr>
+        <p:spPr/>
+        <p:txBody>
+          <a:bodyPr/>
+          <a:lstStyle/>
+          <a:p>
+            <a:r>
+              <a:rPr lang="en-US" sz="1600" dirty="0"/>
+              <a:t>The world map </a:t>
+            </a:r>
+            <a:r>
+              <a:rPr lang="en-US" sz="1600" dirty="0" smtClean="0"/>
+              <a:t>– by year – where </a:t>
+            </a:r>
+            <a:r>
+              <a:rPr lang="en-US" sz="1600" dirty="0"/>
+              <a:t>country color corresponds to its </a:t>
+            </a:r>
+            <a:r>
+              <a:rPr lang="en-US" sz="1600" dirty="0" smtClean="0"/>
+              <a:t>standing on an indicator:</a:t>
+            </a:r>
+            <a:endParaRPr lang="en-US" sz="1600" dirty="0"/>
+          </a:p>
+        </p:txBody>
+      </p:sp>
+      <p:sp>
+        <p:nvSpPr>
+          <p:cNvPr id="3" name="Text Placeholder 2"/>
+          <p:cNvSpPr>
+            <a:spLocks noGrp="1"/>
+          </p:cNvSpPr>
+          <p:nvPr>
+            <p:ph type="body" sz="quarter" idx="11"/>
+          </p:nvPr>
+        </p:nvSpPr>
+        <p:spPr/>
+        <p:txBody>
+          <a:bodyPr/>
+          <a:lstStyle/>
+          <a:p>
+            <a:endParaRPr lang="en-US"/>
+          </a:p>
+        </p:txBody>
+      </p:sp>
+      <p:sp>
+        <p:nvSpPr>
+          <p:cNvPr id="4" name="Title 3"/>
+          <p:cNvSpPr>
+            <a:spLocks noGrp="1"/>
+          </p:cNvSpPr>
+          <p:nvPr>
+            <p:ph type="title"/>
+          </p:nvPr>
+        </p:nvSpPr>
+        <p:spPr/>
+        <p:txBody>
+          <a:bodyPr/>
+          <a:lstStyle/>
+          <a:p>
+            <a:r>
+              <a:rPr lang="en-US" dirty="0" smtClean="0"/>
+              <a:t>Tab 4: </a:t>
+            </a:r>
+            <a:r>
+              <a:rPr lang="en-US" dirty="0" err="1" smtClean="0"/>
+              <a:t>Worldmap</a:t>
+            </a:r>
+            <a:r>
+              <a:rPr lang="en-US" dirty="0" smtClean="0"/>
+              <a:t> by Indicator</a:t>
+            </a:r>
+            <a:endParaRPr lang="en-US" dirty="0"/>
+          </a:p>
+        </p:txBody>
+      </p:sp>
+      <p:pic>
+        <p:nvPicPr>
+          <p:cNvPr id="5" name="Picture 4"/>
+          <p:cNvPicPr>
+            <a:picLocks noChangeAspect="1"/>
+          </p:cNvPicPr>
+          <p:nvPr/>
+        </p:nvPicPr>
+        <p:blipFill>
+          <a:blip r:embed="rId2"/>
+          <a:stretch>
+            <a:fillRect/>
+          </a:stretch>
+        </p:blipFill>
+        <p:spPr>
+          <a:xfrm>
+            <a:off x="323410" y="1265747"/>
+            <a:ext cx="5848790" cy="3537805"/>
+          </a:xfrm>
+          <a:prstGeom prst="rect">
+            <a:avLst/>
+          </a:prstGeom>
+        </p:spPr>
+      </p:pic>
+    </p:spTree>
+    <p:extLst>
+      <p:ext uri="{BB962C8B-B14F-4D97-AF65-F5344CB8AC3E}">
+        <p14:creationId xmlns:p14="http://schemas.microsoft.com/office/powerpoint/2010/main" val="2000422622"/>
+      </p:ext>
+    </p:extLst>
+  </p:cSld>
+  <p:clrMapOvr>
+    <a:masterClrMapping/>
+  </p:clrMapOvr>
+</p:sld>
+</file>
+
+<file path=ppt/slides/slide14.xml><?xml version="1.0" encoding="utf-8"?>
+<p:sld xmlns:a="http://schemas.openxmlformats.org/drawingml/2006/main" xmlns:r="http://schemas.openxmlformats.org/officeDocument/2006/relationships" xmlns:p="http://schemas.openxmlformats.org/presentationml/2006/main">
+  <p:cSld>
+    <p:spTree>
+      <p:nvGrpSpPr>
+        <p:cNvPr id="1" name=""/>
+        <p:cNvGrpSpPr/>
+        <p:nvPr/>
+      </p:nvGrpSpPr>
+      <p:grpSpPr>
+        <a:xfrm>
+          <a:off x="0" y="0"/>
+          <a:ext cx="0" cy="0"/>
+          <a:chOff x="0" y="0"/>
+          <a:chExt cx="0" cy="0"/>
+        </a:xfrm>
+      </p:grpSpPr>
+      <p:sp>
+        <p:nvSpPr>
+          <p:cNvPr id="2" name="Text Placeholder 1"/>
+          <p:cNvSpPr>
+            <a:spLocks noGrp="1"/>
+          </p:cNvSpPr>
+          <p:nvPr>
+            <p:ph type="body" sz="quarter" idx="10"/>
+          </p:nvPr>
+        </p:nvSpPr>
+        <p:spPr/>
+        <p:txBody>
+          <a:bodyPr/>
+          <a:lstStyle/>
+          <a:p>
+            <a:r>
+              <a:rPr lang="en-US" dirty="0" smtClean="0"/>
+              <a:t>Not so great on Internet Usage; still quite high incidence of </a:t>
+            </a:r>
+            <a:r>
+              <a:rPr lang="en-US" dirty="0" smtClean="0"/>
+              <a:t>tuberculosis.</a:t>
+            </a:r>
+            <a:endParaRPr lang="en-US" dirty="0"/>
+          </a:p>
+        </p:txBody>
+      </p:sp>
+      <p:sp>
+        <p:nvSpPr>
+          <p:cNvPr id="3" name="Text Placeholder 2"/>
+          <p:cNvSpPr>
+            <a:spLocks noGrp="1"/>
+          </p:cNvSpPr>
+          <p:nvPr>
+            <p:ph type="body" sz="quarter" idx="11"/>
+          </p:nvPr>
+        </p:nvSpPr>
+        <p:spPr/>
+        <p:txBody>
+          <a:bodyPr/>
+          <a:lstStyle/>
+          <a:p>
+            <a:endParaRPr lang="en-US"/>
+          </a:p>
+        </p:txBody>
+      </p:sp>
+      <p:sp>
+        <p:nvSpPr>
+          <p:cNvPr id="4" name="Title 3"/>
+          <p:cNvSpPr>
+            <a:spLocks noGrp="1"/>
+          </p:cNvSpPr>
+          <p:nvPr>
+            <p:ph type="title"/>
+          </p:nvPr>
+        </p:nvSpPr>
+        <p:spPr/>
+        <p:txBody>
+          <a:bodyPr/>
+          <a:lstStyle/>
+          <a:p>
+            <a:r>
+              <a:rPr lang="en-US" dirty="0"/>
+              <a:t>Where do we stand on </a:t>
+            </a:r>
+            <a:r>
+              <a:rPr lang="en-US" dirty="0" smtClean="0"/>
+              <a:t>important </a:t>
+            </a:r>
+            <a:r>
+              <a:rPr lang="en-US" dirty="0"/>
+              <a:t>indicators compared to other countries in the </a:t>
+            </a:r>
+            <a:r>
+              <a:rPr lang="en-US" dirty="0" smtClean="0"/>
+              <a:t>world/region?</a:t>
+            </a:r>
+            <a:endParaRPr lang="en-US" dirty="0"/>
+          </a:p>
+        </p:txBody>
+      </p:sp>
+      <p:pic>
+        <p:nvPicPr>
+          <p:cNvPr id="5" name="Picture 4"/>
+          <p:cNvPicPr>
+            <a:picLocks noChangeAspect="1"/>
+          </p:cNvPicPr>
+          <p:nvPr/>
+        </p:nvPicPr>
+        <p:blipFill>
+          <a:blip r:embed="rId2"/>
+          <a:stretch>
+            <a:fillRect/>
+          </a:stretch>
+        </p:blipFill>
+        <p:spPr>
+          <a:xfrm>
+            <a:off x="323410" y="1652435"/>
+            <a:ext cx="3410390" cy="2520944"/>
+          </a:xfrm>
+          <a:prstGeom prst="rect">
+            <a:avLst/>
+          </a:prstGeom>
+        </p:spPr>
+      </p:pic>
+      <p:sp>
+        <p:nvSpPr>
+          <p:cNvPr id="6" name="TextBox 5"/>
+          <p:cNvSpPr txBox="1"/>
+          <p:nvPr/>
+        </p:nvSpPr>
+        <p:spPr bwMode="gray">
+          <a:xfrm>
+            <a:off x="323410" y="1428750"/>
+            <a:ext cx="3410390" cy="184666"/>
+          </a:xfrm>
+          <a:prstGeom prst="rect">
+            <a:avLst/>
+          </a:prstGeom>
+          <a:noFill/>
+        </p:spPr>
+        <p:txBody>
+          <a:bodyPr wrap="square" lIns="0" tIns="0" rIns="0" bIns="0" rtlCol="0">
+            <a:spAutoFit/>
+          </a:bodyPr>
+          <a:lstStyle/>
+          <a:p>
+            <a:pPr>
+              <a:spcBef>
+                <a:spcPts val="300"/>
+              </a:spcBef>
+            </a:pPr>
+            <a:r>
+              <a:rPr lang="en-US" sz="1200" dirty="0" smtClean="0">
+                <a:latin typeface="Arial" pitchFamily="34" charset="0"/>
+                <a:cs typeface="Arial" pitchFamily="34" charset="0"/>
+              </a:rPr>
+              <a:t>Internet Users (per 100 people)</a:t>
+            </a:r>
+            <a:endParaRPr lang="en-US" sz="1600" dirty="0" smtClean="0">
+              <a:latin typeface="Arial" pitchFamily="34" charset="0"/>
+              <a:cs typeface="Arial" pitchFamily="34" charset="0"/>
+            </a:endParaRPr>
+          </a:p>
+        </p:txBody>
+      </p:sp>
+      <p:pic>
+        <p:nvPicPr>
+          <p:cNvPr id="8" name="Picture 7"/>
+          <p:cNvPicPr>
+            <a:picLocks noChangeAspect="1"/>
+          </p:cNvPicPr>
+          <p:nvPr/>
+        </p:nvPicPr>
+        <p:blipFill>
+          <a:blip r:embed="rId3"/>
+          <a:stretch>
+            <a:fillRect/>
+          </a:stretch>
+        </p:blipFill>
+        <p:spPr>
+          <a:xfrm>
+            <a:off x="4314963" y="1652434"/>
+            <a:ext cx="3457437" cy="2539533"/>
+          </a:xfrm>
+          <a:prstGeom prst="rect">
+            <a:avLst/>
+          </a:prstGeom>
+        </p:spPr>
+      </p:pic>
+      <p:sp>
+        <p:nvSpPr>
+          <p:cNvPr id="9" name="TextBox 8"/>
+          <p:cNvSpPr txBox="1"/>
+          <p:nvPr/>
+        </p:nvSpPr>
+        <p:spPr bwMode="gray">
+          <a:xfrm>
+            <a:off x="4310392" y="1428750"/>
+            <a:ext cx="3410390" cy="184666"/>
+          </a:xfrm>
+          <a:prstGeom prst="rect">
+            <a:avLst/>
+          </a:prstGeom>
+          <a:noFill/>
+        </p:spPr>
+        <p:txBody>
+          <a:bodyPr wrap="square" lIns="0" tIns="0" rIns="0" bIns="0" rtlCol="0">
+            <a:spAutoFit/>
+          </a:bodyPr>
+          <a:lstStyle/>
+          <a:p>
+            <a:pPr>
+              <a:spcBef>
+                <a:spcPts val="300"/>
+              </a:spcBef>
+            </a:pPr>
+            <a:r>
+              <a:rPr lang="en-US" sz="1200" dirty="0" smtClean="0">
+                <a:latin typeface="Arial" pitchFamily="34" charset="0"/>
+                <a:cs typeface="Arial" pitchFamily="34" charset="0"/>
+              </a:rPr>
+              <a:t>Incidence of Tuberculosis (per 100,000 people)</a:t>
+            </a:r>
+            <a:endParaRPr lang="en-US" sz="1600" dirty="0" smtClean="0">
+              <a:latin typeface="Arial" pitchFamily="34" charset="0"/>
+              <a:cs typeface="Arial" pitchFamily="34" charset="0"/>
+            </a:endParaRPr>
+          </a:p>
+        </p:txBody>
+      </p:sp>
+    </p:spTree>
+    <p:extLst>
+      <p:ext uri="{BB962C8B-B14F-4D97-AF65-F5344CB8AC3E}">
+        <p14:creationId xmlns:p14="http://schemas.microsoft.com/office/powerpoint/2010/main" val="952182630"/>
+      </p:ext>
+    </p:extLst>
+  </p:cSld>
+  <p:clrMapOvr>
+    <a:masterClrMapping/>
+  </p:clrMapOvr>
+  <p:timing>
+    <p:tnLst>
+      <p:par>
+        <p:cTn id="1" dur="indefinite" restart="never" nodeType="tmRoot"/>
+      </p:par>
+    </p:tnLst>
+  </p:timing>
+</p:sld>
+</file>
+
+<file path=ppt/slides/slide15.xml><?xml version="1.0" encoding="utf-8"?>
+<p:sld xmlns:a="http://schemas.openxmlformats.org/drawingml/2006/main" xmlns:r="http://schemas.openxmlformats.org/officeDocument/2006/relationships" xmlns:p="http://schemas.openxmlformats.org/presentationml/2006/main">
+  <p:cSld>
+    <p:spTree>
+      <p:nvGrpSpPr>
+        <p:cNvPr id="1" name=""/>
+        <p:cNvGrpSpPr/>
+        <p:nvPr/>
+      </p:nvGrpSpPr>
+      <p:grpSpPr>
+        <a:xfrm>
+          <a:off x="0" y="0"/>
+          <a:ext cx="0" cy="0"/>
+          <a:chOff x="0" y="0"/>
+          <a:chExt cx="0" cy="0"/>
+        </a:xfrm>
+      </p:grpSpPr>
+      <p:sp>
+        <p:nvSpPr>
+          <p:cNvPr id="2" name="Text Placeholder 1"/>
+          <p:cNvSpPr>
+            <a:spLocks noGrp="1"/>
+          </p:cNvSpPr>
+          <p:nvPr>
+            <p:ph type="body" sz="quarter" idx="10"/>
+          </p:nvPr>
+        </p:nvSpPr>
+        <p:spPr/>
+        <p:txBody>
+          <a:bodyPr/>
+          <a:lstStyle/>
+          <a:p>
+            <a:r>
+              <a:rPr lang="en-US" dirty="0" smtClean="0"/>
+              <a:t>Relatively high </a:t>
+            </a:r>
+            <a:r>
+              <a:rPr lang="en-US" dirty="0" smtClean="0"/>
+              <a:t>infant mortality </a:t>
+            </a:r>
+            <a:r>
+              <a:rPr lang="en-US" dirty="0" smtClean="0"/>
+              <a:t>rate; very low number of fixed phone </a:t>
+            </a:r>
+            <a:r>
+              <a:rPr lang="en-US" dirty="0" smtClean="0"/>
+              <a:t>subscriptions.</a:t>
+            </a:r>
+            <a:endParaRPr lang="en-US" dirty="0"/>
+          </a:p>
+        </p:txBody>
+      </p:sp>
+      <p:sp>
+        <p:nvSpPr>
+          <p:cNvPr id="3" name="Text Placeholder 2"/>
+          <p:cNvSpPr>
+            <a:spLocks noGrp="1"/>
+          </p:cNvSpPr>
+          <p:nvPr>
+            <p:ph type="body" sz="quarter" idx="11"/>
+          </p:nvPr>
+        </p:nvSpPr>
+        <p:spPr/>
+        <p:txBody>
+          <a:bodyPr/>
+          <a:lstStyle/>
+          <a:p>
+            <a:endParaRPr lang="en-US"/>
+          </a:p>
+        </p:txBody>
+      </p:sp>
+      <p:sp>
+        <p:nvSpPr>
+          <p:cNvPr id="4" name="Title 3"/>
+          <p:cNvSpPr>
+            <a:spLocks noGrp="1"/>
+          </p:cNvSpPr>
+          <p:nvPr>
+            <p:ph type="title"/>
+          </p:nvPr>
+        </p:nvSpPr>
+        <p:spPr/>
+        <p:txBody>
+          <a:bodyPr/>
+          <a:lstStyle/>
+          <a:p>
+            <a:r>
+              <a:rPr lang="en-US" dirty="0"/>
+              <a:t>Where do we stand on those indicators compared to other countries in the </a:t>
+            </a:r>
+            <a:r>
+              <a:rPr lang="en-US" dirty="0" smtClean="0"/>
+              <a:t>world/region? (</a:t>
+            </a:r>
+            <a:r>
+              <a:rPr lang="en-US" dirty="0" smtClean="0"/>
+              <a:t>cont’d 1)</a:t>
+            </a:r>
+            <a:endParaRPr lang="en-US" dirty="0"/>
+          </a:p>
+        </p:txBody>
+      </p:sp>
+      <p:sp>
+        <p:nvSpPr>
+          <p:cNvPr id="6" name="TextBox 5"/>
+          <p:cNvSpPr txBox="1"/>
+          <p:nvPr/>
+        </p:nvSpPr>
+        <p:spPr bwMode="gray">
+          <a:xfrm>
+            <a:off x="323410" y="1428750"/>
+            <a:ext cx="3410390" cy="184666"/>
+          </a:xfrm>
+          <a:prstGeom prst="rect">
+            <a:avLst/>
+          </a:prstGeom>
+          <a:noFill/>
+        </p:spPr>
+        <p:txBody>
+          <a:bodyPr wrap="square" lIns="0" tIns="0" rIns="0" bIns="0" rtlCol="0">
+            <a:spAutoFit/>
+          </a:bodyPr>
+          <a:lstStyle/>
+          <a:p>
+            <a:pPr>
+              <a:spcBef>
+                <a:spcPts val="300"/>
+              </a:spcBef>
+            </a:pPr>
+            <a:r>
+              <a:rPr lang="en-US" sz="1200" dirty="0" smtClean="0">
+                <a:latin typeface="Arial" pitchFamily="34" charset="0"/>
+                <a:cs typeface="Arial" pitchFamily="34" charset="0"/>
+              </a:rPr>
+              <a:t>Infant mortality rate ( per 1,000 live births)</a:t>
+            </a:r>
+            <a:endParaRPr lang="en-US" sz="1600" dirty="0" smtClean="0">
+              <a:latin typeface="Arial" pitchFamily="34" charset="0"/>
+              <a:cs typeface="Arial" pitchFamily="34" charset="0"/>
+            </a:endParaRPr>
+          </a:p>
+        </p:txBody>
+      </p:sp>
+      <p:sp>
+        <p:nvSpPr>
+          <p:cNvPr id="9" name="TextBox 8"/>
+          <p:cNvSpPr txBox="1"/>
+          <p:nvPr/>
+        </p:nvSpPr>
+        <p:spPr bwMode="gray">
+          <a:xfrm>
+            <a:off x="4310392" y="1428750"/>
+            <a:ext cx="3410390" cy="184666"/>
+          </a:xfrm>
+          <a:prstGeom prst="rect">
+            <a:avLst/>
+          </a:prstGeom>
+          <a:noFill/>
+        </p:spPr>
+        <p:txBody>
+          <a:bodyPr wrap="square" lIns="0" tIns="0" rIns="0" bIns="0" rtlCol="0">
+            <a:spAutoFit/>
+          </a:bodyPr>
+          <a:lstStyle/>
+          <a:p>
+            <a:pPr>
+              <a:spcBef>
+                <a:spcPts val="300"/>
+              </a:spcBef>
+            </a:pPr>
+            <a:r>
+              <a:rPr lang="en-US" sz="1200" dirty="0" smtClean="0">
+                <a:latin typeface="Arial" pitchFamily="34" charset="0"/>
+                <a:cs typeface="Arial" pitchFamily="34" charset="0"/>
+              </a:rPr>
+              <a:t>Fixed telephone subscriptions (per 100 people)</a:t>
+            </a:r>
+            <a:endParaRPr lang="en-US" sz="1600" dirty="0" smtClean="0">
+              <a:latin typeface="Arial" pitchFamily="34" charset="0"/>
+              <a:cs typeface="Arial" pitchFamily="34" charset="0"/>
+            </a:endParaRPr>
+          </a:p>
+        </p:txBody>
+      </p:sp>
+      <p:pic>
+        <p:nvPicPr>
+          <p:cNvPr id="11" name="Picture 10"/>
+          <p:cNvPicPr>
+            <a:picLocks noChangeAspect="1"/>
+          </p:cNvPicPr>
+          <p:nvPr/>
+        </p:nvPicPr>
+        <p:blipFill>
+          <a:blip r:embed="rId2"/>
+          <a:stretch>
+            <a:fillRect/>
+          </a:stretch>
+        </p:blipFill>
+        <p:spPr>
+          <a:xfrm>
+            <a:off x="4310392" y="1771203"/>
+            <a:ext cx="3555460" cy="2600028"/>
+          </a:xfrm>
+          <a:prstGeom prst="rect">
+            <a:avLst/>
+          </a:prstGeom>
+        </p:spPr>
+      </p:pic>
+      <p:pic>
+        <p:nvPicPr>
+          <p:cNvPr id="12" name="Picture 11"/>
+          <p:cNvPicPr>
+            <a:picLocks noChangeAspect="1"/>
+          </p:cNvPicPr>
+          <p:nvPr/>
+        </p:nvPicPr>
+        <p:blipFill>
+          <a:blip r:embed="rId3"/>
+          <a:stretch>
+            <a:fillRect/>
+          </a:stretch>
+        </p:blipFill>
+        <p:spPr>
+          <a:xfrm>
+            <a:off x="304800" y="1769992"/>
+            <a:ext cx="3505200" cy="2586311"/>
+          </a:xfrm>
+          <a:prstGeom prst="rect">
+            <a:avLst/>
+          </a:prstGeom>
+        </p:spPr>
+      </p:pic>
+    </p:spTree>
+    <p:extLst>
+      <p:ext uri="{BB962C8B-B14F-4D97-AF65-F5344CB8AC3E}">
+        <p14:creationId xmlns:p14="http://schemas.microsoft.com/office/powerpoint/2010/main" val="3292926038"/>
+      </p:ext>
+    </p:extLst>
+  </p:cSld>
+  <p:clrMapOvr>
+    <a:masterClrMapping/>
+  </p:clrMapOvr>
+</p:sld>
+</file>
+
+<file path=ppt/slides/slide16.xml><?xml version="1.0" encoding="utf-8"?>
+<p:sld xmlns:a="http://schemas.openxmlformats.org/drawingml/2006/main" xmlns:r="http://schemas.openxmlformats.org/officeDocument/2006/relationships" xmlns:p="http://schemas.openxmlformats.org/presentationml/2006/main">
+  <p:cSld>
+    <p:spTree>
+      <p:nvGrpSpPr>
+        <p:cNvPr id="1" name=""/>
+        <p:cNvGrpSpPr/>
+        <p:nvPr/>
+      </p:nvGrpSpPr>
+      <p:grpSpPr>
+        <a:xfrm>
+          <a:off x="0" y="0"/>
+          <a:ext cx="0" cy="0"/>
+          <a:chOff x="0" y="0"/>
+          <a:chExt cx="0" cy="0"/>
+        </a:xfrm>
+      </p:grpSpPr>
+      <p:sp>
+        <p:nvSpPr>
+          <p:cNvPr id="2" name="Text Placeholder 1"/>
+          <p:cNvSpPr>
+            <a:spLocks noGrp="1"/>
+          </p:cNvSpPr>
+          <p:nvPr>
+            <p:ph type="body" sz="quarter" idx="10"/>
+          </p:nvPr>
+        </p:nvSpPr>
+        <p:spPr/>
+        <p:txBody>
+          <a:bodyPr/>
+          <a:lstStyle/>
+          <a:p>
+            <a:r>
+              <a:rPr lang="en-US" dirty="0" smtClean="0"/>
+              <a:t>Relative success on improved sanitation facilities and on cellular </a:t>
+            </a:r>
+            <a:r>
+              <a:rPr lang="en-US" dirty="0" smtClean="0"/>
+              <a:t>subscriptions.</a:t>
             </a:r>
             <a:endParaRPr lang="en-US" dirty="0"/>
           </a:p>
@@ -15855,7 +17317,126 @@
 </p:sld>
 </file>
 
-<file path=ppt/slides/slide11.xml><?xml version="1.0" encoding="utf-8"?>
+<file path=ppt/slides/slide17.xml><?xml version="1.0" encoding="utf-8"?>
+<p:sld xmlns:a="http://schemas.openxmlformats.org/drawingml/2006/main" xmlns:r="http://schemas.openxmlformats.org/officeDocument/2006/relationships" xmlns:p="http://schemas.openxmlformats.org/presentationml/2006/main">
+  <p:cSld>
+    <p:spTree>
+      <p:nvGrpSpPr>
+        <p:cNvPr id="1" name=""/>
+        <p:cNvGrpSpPr/>
+        <p:nvPr/>
+      </p:nvGrpSpPr>
+      <p:grpSpPr>
+        <a:xfrm>
+          <a:off x="0" y="0"/>
+          <a:ext cx="0" cy="0"/>
+          <a:chOff x="0" y="0"/>
+          <a:chExt cx="0" cy="0"/>
+        </a:xfrm>
+      </p:grpSpPr>
+      <p:sp>
+        <p:nvSpPr>
+          <p:cNvPr id="2" name="Text Placeholder 1"/>
+          <p:cNvSpPr>
+            <a:spLocks noGrp="1"/>
+          </p:cNvSpPr>
+          <p:nvPr>
+            <p:ph type="body" sz="quarter" idx="10"/>
+          </p:nvPr>
+        </p:nvSpPr>
+        <p:spPr/>
+        <p:txBody>
+          <a:bodyPr/>
+          <a:lstStyle/>
+          <a:p>
+            <a:r>
+              <a:rPr lang="en-US" sz="1600" dirty="0" smtClean="0"/>
+              <a:t>Line plots to explore indicator trends over time and to juxtapose any 2 indicators:</a:t>
+            </a:r>
+            <a:endParaRPr lang="en-US" sz="1600" dirty="0"/>
+          </a:p>
+        </p:txBody>
+      </p:sp>
+      <p:sp>
+        <p:nvSpPr>
+          <p:cNvPr id="3" name="Text Placeholder 2"/>
+          <p:cNvSpPr>
+            <a:spLocks noGrp="1"/>
+          </p:cNvSpPr>
+          <p:nvPr>
+            <p:ph type="body" sz="quarter" idx="11"/>
+          </p:nvPr>
+        </p:nvSpPr>
+        <p:spPr/>
+        <p:txBody>
+          <a:bodyPr/>
+          <a:lstStyle/>
+          <a:p>
+            <a:endParaRPr lang="en-US"/>
+          </a:p>
+        </p:txBody>
+      </p:sp>
+      <p:sp>
+        <p:nvSpPr>
+          <p:cNvPr id="4" name="Title 3"/>
+          <p:cNvSpPr>
+            <a:spLocks noGrp="1"/>
+          </p:cNvSpPr>
+          <p:nvPr>
+            <p:ph type="title"/>
+          </p:nvPr>
+        </p:nvSpPr>
+        <p:spPr/>
+        <p:txBody>
+          <a:bodyPr/>
+          <a:lstStyle/>
+          <a:p>
+            <a:r>
+              <a:rPr lang="en-US" dirty="0" smtClean="0"/>
+              <a:t>Tab 5: Indicator Trends over Time</a:t>
+            </a:r>
+            <a:endParaRPr lang="en-US" dirty="0"/>
+          </a:p>
+        </p:txBody>
+      </p:sp>
+      <p:pic>
+        <p:nvPicPr>
+          <p:cNvPr id="6" name="Picture 5"/>
+          <p:cNvPicPr>
+            <a:picLocks noChangeAspect="1"/>
+          </p:cNvPicPr>
+          <p:nvPr/>
+        </p:nvPicPr>
+        <p:blipFill>
+          <a:blip r:embed="rId2"/>
+          <a:stretch>
+            <a:fillRect/>
+          </a:stretch>
+        </p:blipFill>
+        <p:spPr>
+          <a:xfrm>
+            <a:off x="323410" y="1254840"/>
+            <a:ext cx="5772590" cy="3584288"/>
+          </a:xfrm>
+          <a:prstGeom prst="rect">
+            <a:avLst/>
+          </a:prstGeom>
+        </p:spPr>
+      </p:pic>
+    </p:spTree>
+    <p:extLst>
+      <p:ext uri="{BB962C8B-B14F-4D97-AF65-F5344CB8AC3E}">
+        <p14:creationId xmlns:p14="http://schemas.microsoft.com/office/powerpoint/2010/main" val="2709354940"/>
+      </p:ext>
+    </p:extLst>
+  </p:cSld>
+  <p:clrMapOvr>
+    <a:masterClrMapping/>
+  </p:clrMapOvr>
+</p:sld>
+</file>
+
+<file path=ppt/slides/slide18.xml><?xml version="1.0" encoding="utf-8"?>
 <p:sld xmlns:a="http://schemas.openxmlformats.org/drawingml/2006/main" xmlns:r="http://schemas.openxmlformats.org/officeDocument/2006/relationships" xmlns:p="http://schemas.openxmlformats.org/presentationml/2006/main">
   <p:cSld>
     <p:spTree>
@@ -17892,7 +19473,7 @@
 </p:sld>
 </file>
 
-<file path=ppt/slides/slide12.xml><?xml version="1.0" encoding="utf-8"?>
+<file path=ppt/slides/slide19.xml><?xml version="1.0" encoding="utf-8"?>
 <p:sld xmlns:a="http://schemas.openxmlformats.org/drawingml/2006/main" xmlns:r="http://schemas.openxmlformats.org/officeDocument/2006/relationships" xmlns:p="http://schemas.openxmlformats.org/presentationml/2006/main">
   <p:cSld>
     <p:spTree>
@@ -17931,15 +19512,47 @@
           <a:p>
             <a:r>
               <a:rPr lang="en-US" sz="1600" dirty="0" smtClean="0"/>
-              <a:t>Overall, our primary focus should be on improving public health: </a:t>
-            </a:r>
-            <a:r>
-              <a:rPr lang="en-US" sz="1600" dirty="0" err="1" smtClean="0"/>
-              <a:t>esp</a:t>
+              <a:t>Overall, </a:t>
             </a:r>
             <a:r>
               <a:rPr lang="en-US" sz="1600" dirty="0" smtClean="0"/>
-              <a:t>, fighting tuberculosis, and lowering infant mortality rate; and improving fixed phone line infrastructure.</a:t>
+              <a:t>Bangladesh’s </a:t>
+            </a:r>
+            <a:r>
+              <a:rPr lang="en-US" sz="1600" dirty="0" smtClean="0"/>
+              <a:t>primary focus should be on </a:t>
+            </a:r>
+            <a:r>
+              <a:rPr lang="en-US" sz="1600" dirty="0" smtClean="0"/>
+              <a:t>improving (a) public </a:t>
+            </a:r>
+            <a:r>
+              <a:rPr lang="en-US" sz="1600" dirty="0" smtClean="0"/>
+              <a:t>health: </a:t>
+            </a:r>
+            <a:r>
+              <a:rPr lang="en-US" sz="1600" dirty="0" smtClean="0"/>
+              <a:t>esp., </a:t>
+            </a:r>
+            <a:r>
+              <a:rPr lang="en-US" sz="1600" dirty="0" smtClean="0"/>
+              <a:t>fighting </a:t>
+            </a:r>
+            <a:r>
+              <a:rPr lang="en-US" sz="1600" dirty="0" smtClean="0"/>
+              <a:t>tuberculosis </a:t>
+            </a:r>
+            <a:r>
+              <a:rPr lang="en-US" sz="1600" dirty="0" smtClean="0"/>
+              <a:t>and lowering infant mortality rate; and </a:t>
+            </a:r>
+            <a:r>
+              <a:rPr lang="en-US" sz="1600" dirty="0" smtClean="0"/>
+              <a:t>(b) fixed </a:t>
+            </a:r>
+            <a:r>
+              <a:rPr lang="en-US" sz="1600" dirty="0" smtClean="0"/>
+              <a:t>phone line infrastructure.</a:t>
             </a:r>
             <a:endParaRPr lang="en-US" sz="1600" dirty="0"/>
           </a:p>
@@ -17980,10 +19593,26 @@
           <a:lstStyle/>
           <a:p>
             <a:r>
-              <a:rPr lang="en-US" dirty="0" smtClean="0"/>
-              <a:t>Summary of top predictors of Happiness, our absolute standing on them (vs. others) and our trends over time</a:t>
-            </a:r>
-            <a:endParaRPr lang="en-US" dirty="0"/>
+              <a:rPr lang="en-US" sz="1600" dirty="0" smtClean="0"/>
+              <a:t>Summary of top predictors of Happiness, </a:t>
+            </a:r>
+            <a:r>
+              <a:rPr lang="en-US" sz="1600" dirty="0" smtClean="0"/>
+              <a:t>Bangladesh’s </a:t>
+            </a:r>
+            <a:r>
+              <a:rPr lang="en-US" sz="1600" dirty="0" smtClean="0"/>
+              <a:t>absolute standing on them (vs. others) and </a:t>
+            </a:r>
+            <a:r>
+              <a:rPr lang="en-US" sz="1600" dirty="0" smtClean="0"/>
+              <a:t>trends </a:t>
+            </a:r>
+            <a:r>
+              <a:rPr lang="en-US" sz="1600" dirty="0" smtClean="0"/>
+              <a:t>over time</a:t>
+            </a:r>
+            <a:endParaRPr lang="en-US" sz="1600" dirty="0"/>
           </a:p>
         </p:txBody>
       </p:sp>
@@ -17996,14 +19625,14 @@
           <p:nvPr>
             <p:extLst>
               <p:ext uri="{D42A27DB-BD31-4B8C-83A1-F6EECF244321}">
-                <p14:modId xmlns:p14="http://schemas.microsoft.com/office/powerpoint/2010/main" val="3235069919"/>
+                <p14:modId xmlns:p14="http://schemas.microsoft.com/office/powerpoint/2010/main" val="4283787883"/>
               </p:ext>
             </p:extLst>
           </p:nvPr>
         </p:nvGraphicFramePr>
         <p:xfrm>
-          <a:off x="323408" y="1657350"/>
-          <a:ext cx="8058592" cy="2743200"/>
+          <a:off x="780608" y="1657350"/>
+          <a:ext cx="8058592" cy="2682240"/>
         </p:xfrm>
         <a:graphic>
           <a:graphicData uri="http://schemas.openxmlformats.org/drawingml/2006/table">
@@ -18048,10 +19677,10 @@
                     <a:lstStyle/>
                     <a:p>
                       <a:r>
-                        <a:rPr lang="en-US" sz="1400" i="1" dirty="0" smtClean="0"/>
+                        <a:rPr lang="en-US" sz="1200" i="1" dirty="0" smtClean="0"/>
                         <a:t>Indicator</a:t>
                       </a:r>
-                      <a:endParaRPr lang="en-US" sz="1400" i="1" dirty="0"/>
+                      <a:endParaRPr lang="en-US" sz="1200" i="1" dirty="0"/>
                     </a:p>
                   </a:txBody>
                   <a:tcPr anchor="ctr"/>
@@ -18063,10 +19692,10 @@
                     <a:p>
                       <a:pPr algn="ctr"/>
                       <a:r>
-                        <a:rPr lang="en-US" sz="1400" i="1" dirty="0" err="1" smtClean="0"/>
-                        <a:t>Impor-tance</a:t>
+                        <a:rPr lang="en-US" sz="1200" i="1" dirty="0" smtClean="0"/>
+                        <a:t>Importance</a:t>
                       </a:r>
-                      <a:endParaRPr lang="en-US" sz="1400" i="1" dirty="0"/>
+                      <a:endParaRPr lang="en-US" sz="1200" i="1" dirty="0"/>
                     </a:p>
                   </a:txBody>
                   <a:tcPr anchor="ctr"/>
@@ -18078,10 +19707,10 @@
                     <a:p>
                       <a:pPr algn="ctr"/>
                       <a:r>
-                        <a:rPr lang="en-US" sz="1400" i="1" dirty="0" smtClean="0"/>
+                        <a:rPr lang="en-US" sz="1200" i="1" dirty="0" smtClean="0"/>
                         <a:t>Absolute Standing</a:t>
                       </a:r>
-                      <a:endParaRPr lang="en-US" sz="1400" i="1" dirty="0"/>
+                      <a:endParaRPr lang="en-US" sz="1200" i="1" dirty="0"/>
                     </a:p>
                   </a:txBody>
                   <a:tcPr anchor="ctr"/>
@@ -18093,14 +19722,14 @@
                     <a:p>
                       <a:pPr algn="ctr"/>
                       <a:r>
-                        <a:rPr lang="en-US" sz="1400" i="1" dirty="0" smtClean="0"/>
+                        <a:rPr lang="en-US" sz="1200" i="1" dirty="0" smtClean="0"/>
                         <a:t>Trend</a:t>
                       </a:r>
                       <a:r>
-                        <a:rPr lang="en-US" sz="1400" i="1" baseline="0" dirty="0" smtClean="0"/>
+                        <a:rPr lang="en-US" sz="1200" i="1" baseline="0" dirty="0" smtClean="0"/>
                         <a:t> over time</a:t>
                       </a:r>
-                      <a:endParaRPr lang="en-US" sz="1400" i="1" dirty="0"/>
+                      <a:endParaRPr lang="en-US" sz="1200" i="1" dirty="0"/>
                     </a:p>
                   </a:txBody>
                   <a:tcPr anchor="ctr"/>
@@ -18568,7 +20197,7 @@
         </p:nvSpPr>
         <p:spPr bwMode="gray">
           <a:xfrm>
-            <a:off x="7778750" y="2282190"/>
+            <a:off x="8178358" y="2282190"/>
             <a:ext cx="142942" cy="142941"/>
           </a:xfrm>
           <a:prstGeom prst="ellipse">
@@ -18623,7 +20252,7 @@
         </p:nvSpPr>
         <p:spPr bwMode="gray">
           <a:xfrm>
-            <a:off x="6486525" y="2275919"/>
+            <a:off x="6886133" y="2275919"/>
             <a:ext cx="142942" cy="142941"/>
           </a:xfrm>
           <a:prstGeom prst="ellipse">
@@ -18677,7 +20306,7 @@
         </p:nvSpPr>
         <p:spPr bwMode="gray">
           <a:xfrm>
-            <a:off x="6486525" y="2665029"/>
+            <a:off x="6886133" y="2665029"/>
             <a:ext cx="142942" cy="142941"/>
           </a:xfrm>
           <a:prstGeom prst="ellipse">
@@ -18731,7 +20360,7 @@
         </p:nvSpPr>
         <p:spPr bwMode="gray">
           <a:xfrm>
-            <a:off x="6486525" y="3036570"/>
+            <a:off x="6886133" y="3036570"/>
             <a:ext cx="142942" cy="142941"/>
           </a:xfrm>
           <a:prstGeom prst="ellipse">
@@ -18785,7 +20414,7 @@
         </p:nvSpPr>
         <p:spPr bwMode="gray">
           <a:xfrm>
-            <a:off x="6486525" y="3425680"/>
+            <a:off x="6886133" y="3425680"/>
             <a:ext cx="142942" cy="142941"/>
           </a:xfrm>
           <a:prstGeom prst="ellipse">
@@ -18839,7 +20468,7 @@
         </p:nvSpPr>
         <p:spPr bwMode="gray">
           <a:xfrm>
-            <a:off x="6486525" y="3769929"/>
+            <a:off x="6886133" y="3769929"/>
             <a:ext cx="142942" cy="142941"/>
           </a:xfrm>
           <a:prstGeom prst="ellipse">
@@ -18886,7 +20515,7 @@
         </p:nvSpPr>
         <p:spPr bwMode="gray">
           <a:xfrm>
-            <a:off x="6486525" y="4150929"/>
+            <a:off x="6886133" y="4150929"/>
             <a:ext cx="142942" cy="142941"/>
           </a:xfrm>
           <a:prstGeom prst="ellipse">
@@ -18933,7 +20562,7 @@
         </p:nvSpPr>
         <p:spPr bwMode="gray">
           <a:xfrm>
-            <a:off x="7778750" y="2678430"/>
+            <a:off x="8178358" y="2678430"/>
             <a:ext cx="142942" cy="142941"/>
           </a:xfrm>
           <a:prstGeom prst="ellipse">
@@ -18988,7 +20617,7 @@
         </p:nvSpPr>
         <p:spPr bwMode="gray">
           <a:xfrm>
-            <a:off x="7778750" y="3038409"/>
+            <a:off x="8178358" y="3038409"/>
             <a:ext cx="142942" cy="142941"/>
           </a:xfrm>
           <a:prstGeom prst="ellipse">
@@ -19036,7 +20665,7 @@
         </p:nvSpPr>
         <p:spPr bwMode="gray">
           <a:xfrm>
-            <a:off x="7778750" y="3419409"/>
+            <a:off x="8178358" y="3419409"/>
             <a:ext cx="142942" cy="142941"/>
           </a:xfrm>
           <a:prstGeom prst="ellipse">
@@ -19091,7 +20720,7 @@
         </p:nvSpPr>
         <p:spPr bwMode="gray">
           <a:xfrm>
-            <a:off x="7778750" y="3775009"/>
+            <a:off x="8178358" y="3775009"/>
             <a:ext cx="142942" cy="142941"/>
           </a:xfrm>
           <a:prstGeom prst="ellipse">
@@ -19146,7 +20775,7 @@
         </p:nvSpPr>
         <p:spPr bwMode="gray">
           <a:xfrm>
-            <a:off x="7778750" y="4152900"/>
+            <a:off x="8178358" y="4152900"/>
             <a:ext cx="142942" cy="142941"/>
           </a:xfrm>
           <a:prstGeom prst="ellipse">
@@ -19187,6 +20816,1521 @@
           </a:p>
         </p:txBody>
       </p:sp>
+      <p:grpSp>
+        <p:nvGrpSpPr>
+          <p:cNvPr id="20" name="Group 67"/>
+          <p:cNvGrpSpPr>
+            <a:grpSpLocks noChangeAspect="1"/>
+          </p:cNvGrpSpPr>
+          <p:nvPr>
+            <p:custDataLst>
+              <p:tags r:id="rId13"/>
+            </p:custDataLst>
+          </p:nvPr>
+        </p:nvGrpSpPr>
+        <p:grpSpPr bwMode="gray">
+          <a:xfrm>
+            <a:off x="357759" y="2495550"/>
+            <a:ext cx="328041" cy="328041"/>
+            <a:chOff x="4013" y="1208"/>
+            <a:chExt cx="318" cy="318"/>
+          </a:xfrm>
+        </p:grpSpPr>
+        <p:sp>
+          <p:nvSpPr>
+            <p:cNvPr id="21" name="Oval 68"/>
+            <p:cNvSpPr>
+              <a:spLocks noChangeArrowheads="1"/>
+            </p:cNvSpPr>
+            <p:nvPr/>
+          </p:nvSpPr>
+          <p:spPr bwMode="gray">
+            <a:xfrm>
+              <a:off x="4013" y="1208"/>
+              <a:ext cx="318" cy="318"/>
+            </a:xfrm>
+            <a:prstGeom prst="ellipse">
+              <a:avLst/>
+            </a:prstGeom>
+            <a:solidFill>
+              <a:schemeClr val="bg1"/>
+            </a:solidFill>
+            <a:ln w="19050" algn="ctr">
+              <a:solidFill>
+                <a:schemeClr val="accent3"/>
+              </a:solidFill>
+              <a:round/>
+              <a:headEnd/>
+              <a:tailEnd/>
+            </a:ln>
+            <a:effectLst/>
+            <a:extLst>
+              <a:ext uri="{AF507438-7753-43E0-B8FC-AC1667EBCBE1}">
+                <a14:hiddenEffects xmlns:a14="http://schemas.microsoft.com/office/drawing/2010/main">
+                  <a:effectLst>
+                    <a:outerShdw dist="35921" dir="2700000" algn="ctr" rotWithShape="0">
+                      <a:schemeClr val="bg2"/>
+                    </a:outerShdw>
+                  </a:effectLst>
+                </a14:hiddenEffects>
+              </a:ext>
+            </a:extLst>
+          </p:spPr>
+          <p:txBody>
+            <a:bodyPr wrap="none" lIns="72000" tIns="72000" rIns="72000" bIns="72000" anchor="ctr"/>
+            <a:lstStyle/>
+            <a:p>
+              <a:endParaRPr lang="en-US" dirty="0">
+                <a:latin typeface="Arial" pitchFamily="34" charset="0"/>
+              </a:endParaRPr>
+            </a:p>
+          </p:txBody>
+        </p:sp>
+        <p:grpSp>
+          <p:nvGrpSpPr>
+            <p:cNvPr id="22" name="Group 69"/>
+            <p:cNvGrpSpPr>
+              <a:grpSpLocks/>
+            </p:cNvGrpSpPr>
+            <p:nvPr>
+              <p:custDataLst>
+                <p:tags r:id="rId18"/>
+              </p:custDataLst>
+            </p:nvPr>
+          </p:nvGrpSpPr>
+          <p:grpSpPr bwMode="gray">
+            <a:xfrm>
+              <a:off x="4096" y="1274"/>
+              <a:ext cx="164" cy="222"/>
+              <a:chOff x="3381" y="1613"/>
+              <a:chExt cx="808" cy="1096"/>
+            </a:xfrm>
+          </p:grpSpPr>
+          <p:sp>
+            <p:nvSpPr>
+              <p:cNvPr id="23" name="Freeform 70"/>
+              <p:cNvSpPr>
+                <a:spLocks/>
+              </p:cNvSpPr>
+              <p:nvPr/>
+            </p:nvSpPr>
+            <p:spPr bwMode="gray">
+              <a:xfrm>
+                <a:off x="3381" y="1613"/>
+                <a:ext cx="808" cy="770"/>
+              </a:xfrm>
+              <a:custGeom>
+                <a:avLst/>
+                <a:gdLst>
+                  <a:gd name="T0" fmla="*/ 333 w 342"/>
+                  <a:gd name="T1" fmla="*/ 0 h 326"/>
+                  <a:gd name="T2" fmla="*/ 342 w 342"/>
+                  <a:gd name="T3" fmla="*/ 12 h 326"/>
+                  <a:gd name="T4" fmla="*/ 224 w 342"/>
+                  <a:gd name="T5" fmla="*/ 135 h 326"/>
+                  <a:gd name="T6" fmla="*/ 126 w 342"/>
+                  <a:gd name="T7" fmla="*/ 290 h 326"/>
+                  <a:gd name="T8" fmla="*/ 108 w 342"/>
+                  <a:gd name="T9" fmla="*/ 302 h 326"/>
+                  <a:gd name="T10" fmla="*/ 77 w 342"/>
+                  <a:gd name="T11" fmla="*/ 326 h 326"/>
+                  <a:gd name="T12" fmla="*/ 63 w 342"/>
+                  <a:gd name="T13" fmla="*/ 287 h 326"/>
+                  <a:gd name="T14" fmla="*/ 56 w 342"/>
+                  <a:gd name="T15" fmla="*/ 271 h 326"/>
+                  <a:gd name="T16" fmla="*/ 28 w 342"/>
+                  <a:gd name="T17" fmla="*/ 220 h 326"/>
+                  <a:gd name="T18" fmla="*/ 0 w 342"/>
+                  <a:gd name="T19" fmla="*/ 198 h 326"/>
+                  <a:gd name="T20" fmla="*/ 49 w 342"/>
+                  <a:gd name="T21" fmla="*/ 170 h 326"/>
+                  <a:gd name="T22" fmla="*/ 91 w 342"/>
+                  <a:gd name="T23" fmla="*/ 222 h 326"/>
+                  <a:gd name="T24" fmla="*/ 98 w 342"/>
+                  <a:gd name="T25" fmla="*/ 239 h 326"/>
+                  <a:gd name="T26" fmla="*/ 205 w 342"/>
+                  <a:gd name="T27" fmla="*/ 102 h 326"/>
+                  <a:gd name="T28" fmla="*/ 333 w 342"/>
+                  <a:gd name="T29" fmla="*/ 0 h 326"/>
+                </a:gdLst>
+                <a:ahLst/>
+                <a:cxnLst>
+                  <a:cxn ang="0">
+                    <a:pos x="T0" y="T1"/>
+                  </a:cxn>
+                  <a:cxn ang="0">
+                    <a:pos x="T2" y="T3"/>
+                  </a:cxn>
+                  <a:cxn ang="0">
+                    <a:pos x="T4" y="T5"/>
+                  </a:cxn>
+                  <a:cxn ang="0">
+                    <a:pos x="T6" y="T7"/>
+                  </a:cxn>
+                  <a:cxn ang="0">
+                    <a:pos x="T8" y="T9"/>
+                  </a:cxn>
+                  <a:cxn ang="0">
+                    <a:pos x="T10" y="T11"/>
+                  </a:cxn>
+                  <a:cxn ang="0">
+                    <a:pos x="T12" y="T13"/>
+                  </a:cxn>
+                  <a:cxn ang="0">
+                    <a:pos x="T14" y="T15"/>
+                  </a:cxn>
+                  <a:cxn ang="0">
+                    <a:pos x="T16" y="T17"/>
+                  </a:cxn>
+                  <a:cxn ang="0">
+                    <a:pos x="T18" y="T19"/>
+                  </a:cxn>
+                  <a:cxn ang="0">
+                    <a:pos x="T20" y="T21"/>
+                  </a:cxn>
+                  <a:cxn ang="0">
+                    <a:pos x="T22" y="T23"/>
+                  </a:cxn>
+                  <a:cxn ang="0">
+                    <a:pos x="T24" y="T25"/>
+                  </a:cxn>
+                  <a:cxn ang="0">
+                    <a:pos x="T26" y="T27"/>
+                  </a:cxn>
+                  <a:cxn ang="0">
+                    <a:pos x="T28" y="T29"/>
+                  </a:cxn>
+                </a:cxnLst>
+                <a:rect l="0" t="0" r="r" b="b"/>
+                <a:pathLst>
+                  <a:path w="342" h="326">
+                    <a:moveTo>
+                      <a:pt x="333" y="0"/>
+                    </a:moveTo>
+                    <a:cubicBezTo>
+                      <a:pt x="342" y="12"/>
+                      <a:pt x="342" y="12"/>
+                      <a:pt x="342" y="12"/>
+                    </a:cubicBezTo>
+                    <a:cubicBezTo>
+                      <a:pt x="307" y="39"/>
+                      <a:pt x="268" y="79"/>
+                      <a:pt x="224" y="135"/>
+                    </a:cubicBezTo>
+                    <a:cubicBezTo>
+                      <a:pt x="181" y="190"/>
+                      <a:pt x="149" y="242"/>
+                      <a:pt x="126" y="290"/>
+                    </a:cubicBezTo>
+                    <a:cubicBezTo>
+                      <a:pt x="108" y="302"/>
+                      <a:pt x="108" y="302"/>
+                      <a:pt x="108" y="302"/>
+                    </a:cubicBezTo>
+                    <a:cubicBezTo>
+                      <a:pt x="92" y="313"/>
+                      <a:pt x="82" y="320"/>
+                      <a:pt x="77" y="326"/>
+                    </a:cubicBezTo>
+                    <a:cubicBezTo>
+                      <a:pt x="75" y="318"/>
+                      <a:pt x="70" y="305"/>
+                      <a:pt x="63" y="287"/>
+                    </a:cubicBezTo>
+                    <a:cubicBezTo>
+                      <a:pt x="56" y="271"/>
+                      <a:pt x="56" y="271"/>
+                      <a:pt x="56" y="271"/>
+                    </a:cubicBezTo>
+                    <a:cubicBezTo>
+                      <a:pt x="46" y="248"/>
+                      <a:pt x="37" y="231"/>
+                      <a:pt x="28" y="220"/>
+                    </a:cubicBezTo>
+                    <a:cubicBezTo>
+                      <a:pt x="20" y="209"/>
+                      <a:pt x="10" y="202"/>
+                      <a:pt x="0" y="198"/>
+                    </a:cubicBezTo>
+                    <a:cubicBezTo>
+                      <a:pt x="18" y="179"/>
+                      <a:pt x="34" y="170"/>
+                      <a:pt x="49" y="170"/>
+                    </a:cubicBezTo>
+                    <a:cubicBezTo>
+                      <a:pt x="61" y="170"/>
+                      <a:pt x="75" y="187"/>
+                      <a:pt x="91" y="222"/>
+                    </a:cubicBezTo>
+                    <a:cubicBezTo>
+                      <a:pt x="98" y="239"/>
+                      <a:pt x="98" y="239"/>
+                      <a:pt x="98" y="239"/>
+                    </a:cubicBezTo>
+                    <a:cubicBezTo>
+                      <a:pt x="126" y="192"/>
+                      <a:pt x="162" y="146"/>
+                      <a:pt x="205" y="102"/>
+                    </a:cubicBezTo>
+                    <a:cubicBezTo>
+                      <a:pt x="249" y="57"/>
+                      <a:pt x="292" y="23"/>
+                      <a:pt x="333" y="0"/>
+                    </a:cubicBezTo>
+                    <a:close/>
+                  </a:path>
+                </a:pathLst>
+              </a:custGeom>
+              <a:solidFill>
+                <a:schemeClr val="accent3"/>
+              </a:solidFill>
+              <a:ln>
+                <a:noFill/>
+              </a:ln>
+              <a:extLst>
+                <a:ext uri="{91240B29-F687-4F45-9708-019B960494DF}">
+                  <a14:hiddenLine xmlns:a14="http://schemas.microsoft.com/office/drawing/2010/main" w="9525">
+                    <a:solidFill>
+                      <a:srgbClr val="000000"/>
+                    </a:solidFill>
+                    <a:round/>
+                    <a:headEnd/>
+                    <a:tailEnd/>
+                  </a14:hiddenLine>
+                </a:ext>
+              </a:extLst>
+            </p:spPr>
+            <p:txBody>
+              <a:bodyPr/>
+              <a:lstStyle/>
+              <a:p>
+                <a:endParaRPr lang="en-US" dirty="0">
+                  <a:solidFill>
+                    <a:schemeClr val="accent3"/>
+                  </a:solidFill>
+                  <a:latin typeface="Arial" pitchFamily="34" charset="0"/>
+                </a:endParaRPr>
+              </a:p>
+            </p:txBody>
+          </p:sp>
+          <p:sp>
+            <p:nvSpPr>
+              <p:cNvPr id="24" name="Freeform 71"/>
+              <p:cNvSpPr>
+                <a:spLocks/>
+              </p:cNvSpPr>
+              <p:nvPr/>
+            </p:nvSpPr>
+            <p:spPr bwMode="gray">
+              <a:xfrm>
+                <a:off x="3381" y="2383"/>
+                <a:ext cx="440" cy="326"/>
+              </a:xfrm>
+              <a:custGeom>
+                <a:avLst/>
+                <a:gdLst>
+                  <a:gd name="T0" fmla="*/ 91 w 186"/>
+                  <a:gd name="T1" fmla="*/ 104 h 138"/>
+                  <a:gd name="T2" fmla="*/ 98 w 186"/>
+                  <a:gd name="T3" fmla="*/ 87 h 138"/>
+                  <a:gd name="T4" fmla="*/ 132 w 186"/>
+                  <a:gd name="T5" fmla="*/ 138 h 138"/>
+                  <a:gd name="T6" fmla="*/ 186 w 186"/>
+                  <a:gd name="T7" fmla="*/ 138 h 138"/>
+                  <a:gd name="T8" fmla="*/ 126 w 186"/>
+                  <a:gd name="T9" fmla="*/ 36 h 138"/>
+                  <a:gd name="T10" fmla="*/ 108 w 186"/>
+                  <a:gd name="T11" fmla="*/ 23 h 138"/>
+                  <a:gd name="T12" fmla="*/ 77 w 186"/>
+                  <a:gd name="T13" fmla="*/ 0 h 138"/>
+                  <a:gd name="T14" fmla="*/ 63 w 186"/>
+                  <a:gd name="T15" fmla="*/ 38 h 138"/>
+                  <a:gd name="T16" fmla="*/ 56 w 186"/>
+                  <a:gd name="T17" fmla="*/ 54 h 138"/>
+                  <a:gd name="T18" fmla="*/ 28 w 186"/>
+                  <a:gd name="T19" fmla="*/ 105 h 138"/>
+                  <a:gd name="T20" fmla="*/ 0 w 186"/>
+                  <a:gd name="T21" fmla="*/ 127 h 138"/>
+                  <a:gd name="T22" fmla="*/ 11 w 186"/>
+                  <a:gd name="T23" fmla="*/ 138 h 138"/>
+                  <a:gd name="T24" fmla="*/ 73 w 186"/>
+                  <a:gd name="T25" fmla="*/ 138 h 138"/>
+                  <a:gd name="T26" fmla="*/ 91 w 186"/>
+                  <a:gd name="T27" fmla="*/ 104 h 138"/>
+                </a:gdLst>
+                <a:ahLst/>
+                <a:cxnLst>
+                  <a:cxn ang="0">
+                    <a:pos x="T0" y="T1"/>
+                  </a:cxn>
+                  <a:cxn ang="0">
+                    <a:pos x="T2" y="T3"/>
+                  </a:cxn>
+                  <a:cxn ang="0">
+                    <a:pos x="T4" y="T5"/>
+                  </a:cxn>
+                  <a:cxn ang="0">
+                    <a:pos x="T6" y="T7"/>
+                  </a:cxn>
+                  <a:cxn ang="0">
+                    <a:pos x="T8" y="T9"/>
+                  </a:cxn>
+                  <a:cxn ang="0">
+                    <a:pos x="T10" y="T11"/>
+                  </a:cxn>
+                  <a:cxn ang="0">
+                    <a:pos x="T12" y="T13"/>
+                  </a:cxn>
+                  <a:cxn ang="0">
+                    <a:pos x="T14" y="T15"/>
+                  </a:cxn>
+                  <a:cxn ang="0">
+                    <a:pos x="T16" y="T17"/>
+                  </a:cxn>
+                  <a:cxn ang="0">
+                    <a:pos x="T18" y="T19"/>
+                  </a:cxn>
+                  <a:cxn ang="0">
+                    <a:pos x="T20" y="T21"/>
+                  </a:cxn>
+                  <a:cxn ang="0">
+                    <a:pos x="T22" y="T23"/>
+                  </a:cxn>
+                  <a:cxn ang="0">
+                    <a:pos x="T24" y="T25"/>
+                  </a:cxn>
+                  <a:cxn ang="0">
+                    <a:pos x="T26" y="T27"/>
+                  </a:cxn>
+                </a:cxnLst>
+                <a:rect l="0" t="0" r="r" b="b"/>
+                <a:pathLst>
+                  <a:path w="186" h="138">
+                    <a:moveTo>
+                      <a:pt x="91" y="104"/>
+                    </a:moveTo>
+                    <a:cubicBezTo>
+                      <a:pt x="98" y="87"/>
+                      <a:pt x="98" y="87"/>
+                      <a:pt x="98" y="87"/>
+                    </a:cubicBezTo>
+                    <a:cubicBezTo>
+                      <a:pt x="109" y="104"/>
+                      <a:pt x="120" y="121"/>
+                      <a:pt x="132" y="138"/>
+                    </a:cubicBezTo>
+                    <a:cubicBezTo>
+                      <a:pt x="186" y="138"/>
+                      <a:pt x="186" y="138"/>
+                      <a:pt x="186" y="138"/>
+                    </a:cubicBezTo>
+                    <a:cubicBezTo>
+                      <a:pt x="161" y="102"/>
+                      <a:pt x="141" y="68"/>
+                      <a:pt x="126" y="36"/>
+                    </a:cubicBezTo>
+                    <a:cubicBezTo>
+                      <a:pt x="108" y="23"/>
+                      <a:pt x="108" y="23"/>
+                      <a:pt x="108" y="23"/>
+                    </a:cubicBezTo>
+                    <a:cubicBezTo>
+                      <a:pt x="92" y="13"/>
+                      <a:pt x="82" y="5"/>
+                      <a:pt x="77" y="0"/>
+                    </a:cubicBezTo>
+                    <a:cubicBezTo>
+                      <a:pt x="75" y="8"/>
+                      <a:pt x="70" y="20"/>
+                      <a:pt x="63" y="38"/>
+                    </a:cubicBezTo>
+                    <a:cubicBezTo>
+                      <a:pt x="56" y="54"/>
+                      <a:pt x="56" y="54"/>
+                      <a:pt x="56" y="54"/>
+                    </a:cubicBezTo>
+                    <a:cubicBezTo>
+                      <a:pt x="46" y="77"/>
+                      <a:pt x="37" y="94"/>
+                      <a:pt x="28" y="105"/>
+                    </a:cubicBezTo>
+                    <a:cubicBezTo>
+                      <a:pt x="20" y="116"/>
+                      <a:pt x="10" y="124"/>
+                      <a:pt x="0" y="127"/>
+                    </a:cubicBezTo>
+                    <a:cubicBezTo>
+                      <a:pt x="3" y="131"/>
+                      <a:pt x="7" y="135"/>
+                      <a:pt x="11" y="138"/>
+                    </a:cubicBezTo>
+                    <a:cubicBezTo>
+                      <a:pt x="73" y="138"/>
+                      <a:pt x="73" y="138"/>
+                      <a:pt x="73" y="138"/>
+                    </a:cubicBezTo>
+                    <a:cubicBezTo>
+                      <a:pt x="78" y="129"/>
+                      <a:pt x="85" y="118"/>
+                      <a:pt x="91" y="104"/>
+                    </a:cubicBezTo>
+                    <a:close/>
+                  </a:path>
+                </a:pathLst>
+              </a:custGeom>
+              <a:gradFill rotWithShape="1">
+                <a:gsLst>
+                  <a:gs pos="0">
+                    <a:schemeClr val="accent3"/>
+                  </a:gs>
+                  <a:gs pos="100000">
+                    <a:schemeClr val="hlink">
+                      <a:gamma/>
+                      <a:tint val="0"/>
+                      <a:invGamma/>
+                    </a:schemeClr>
+                  </a:gs>
+                </a:gsLst>
+                <a:lin ang="5400000" scaled="1"/>
+              </a:gradFill>
+              <a:ln>
+                <a:noFill/>
+              </a:ln>
+              <a:extLst>
+                <a:ext uri="{91240B29-F687-4F45-9708-019B960494DF}">
+                  <a14:hiddenLine xmlns:a14="http://schemas.microsoft.com/office/drawing/2010/main" w="9525">
+                    <a:solidFill>
+                      <a:srgbClr val="000000"/>
+                    </a:solidFill>
+                    <a:round/>
+                    <a:headEnd/>
+                    <a:tailEnd/>
+                  </a14:hiddenLine>
+                </a:ext>
+              </a:extLst>
+            </p:spPr>
+            <p:txBody>
+              <a:bodyPr/>
+              <a:lstStyle/>
+              <a:p>
+                <a:endParaRPr lang="en-US" dirty="0">
+                  <a:latin typeface="Arial" pitchFamily="34" charset="0"/>
+                </a:endParaRPr>
+              </a:p>
+            </p:txBody>
+          </p:sp>
+        </p:grpSp>
+      </p:grpSp>
+      <p:grpSp>
+        <p:nvGrpSpPr>
+          <p:cNvPr id="25" name="Group 67"/>
+          <p:cNvGrpSpPr>
+            <a:grpSpLocks noChangeAspect="1"/>
+          </p:cNvGrpSpPr>
+          <p:nvPr>
+            <p:custDataLst>
+              <p:tags r:id="rId14"/>
+            </p:custDataLst>
+          </p:nvPr>
+        </p:nvGrpSpPr>
+        <p:grpSpPr bwMode="gray">
+          <a:xfrm>
+            <a:off x="357759" y="2873481"/>
+            <a:ext cx="328041" cy="328041"/>
+            <a:chOff x="4013" y="1208"/>
+            <a:chExt cx="318" cy="318"/>
+          </a:xfrm>
+        </p:grpSpPr>
+        <p:sp>
+          <p:nvSpPr>
+            <p:cNvPr id="26" name="Oval 68"/>
+            <p:cNvSpPr>
+              <a:spLocks noChangeArrowheads="1"/>
+            </p:cNvSpPr>
+            <p:nvPr/>
+          </p:nvSpPr>
+          <p:spPr bwMode="gray">
+            <a:xfrm>
+              <a:off x="4013" y="1208"/>
+              <a:ext cx="318" cy="318"/>
+            </a:xfrm>
+            <a:prstGeom prst="ellipse">
+              <a:avLst/>
+            </a:prstGeom>
+            <a:solidFill>
+              <a:schemeClr val="bg1"/>
+            </a:solidFill>
+            <a:ln w="19050" algn="ctr">
+              <a:solidFill>
+                <a:schemeClr val="accent3"/>
+              </a:solidFill>
+              <a:round/>
+              <a:headEnd/>
+              <a:tailEnd/>
+            </a:ln>
+            <a:effectLst/>
+            <a:extLst>
+              <a:ext uri="{AF507438-7753-43E0-B8FC-AC1667EBCBE1}">
+                <a14:hiddenEffects xmlns:a14="http://schemas.microsoft.com/office/drawing/2010/main">
+                  <a:effectLst>
+                    <a:outerShdw dist="35921" dir="2700000" algn="ctr" rotWithShape="0">
+                      <a:schemeClr val="bg2"/>
+                    </a:outerShdw>
+                  </a:effectLst>
+                </a14:hiddenEffects>
+              </a:ext>
+            </a:extLst>
+          </p:spPr>
+          <p:txBody>
+            <a:bodyPr wrap="none" lIns="72000" tIns="72000" rIns="72000" bIns="72000" anchor="ctr"/>
+            <a:lstStyle/>
+            <a:p>
+              <a:endParaRPr lang="en-US" dirty="0">
+                <a:latin typeface="Arial" pitchFamily="34" charset="0"/>
+              </a:endParaRPr>
+            </a:p>
+          </p:txBody>
+        </p:sp>
+        <p:grpSp>
+          <p:nvGrpSpPr>
+            <p:cNvPr id="27" name="Group 69"/>
+            <p:cNvGrpSpPr>
+              <a:grpSpLocks/>
+            </p:cNvGrpSpPr>
+            <p:nvPr>
+              <p:custDataLst>
+                <p:tags r:id="rId17"/>
+              </p:custDataLst>
+            </p:nvPr>
+          </p:nvGrpSpPr>
+          <p:grpSpPr bwMode="gray">
+            <a:xfrm>
+              <a:off x="4096" y="1274"/>
+              <a:ext cx="164" cy="222"/>
+              <a:chOff x="3381" y="1613"/>
+              <a:chExt cx="808" cy="1096"/>
+            </a:xfrm>
+          </p:grpSpPr>
+          <p:sp>
+            <p:nvSpPr>
+              <p:cNvPr id="28" name="Freeform 70"/>
+              <p:cNvSpPr>
+                <a:spLocks/>
+              </p:cNvSpPr>
+              <p:nvPr/>
+            </p:nvSpPr>
+            <p:spPr bwMode="gray">
+              <a:xfrm>
+                <a:off x="3381" y="1613"/>
+                <a:ext cx="808" cy="770"/>
+              </a:xfrm>
+              <a:custGeom>
+                <a:avLst/>
+                <a:gdLst>
+                  <a:gd name="T0" fmla="*/ 333 w 342"/>
+                  <a:gd name="T1" fmla="*/ 0 h 326"/>
+                  <a:gd name="T2" fmla="*/ 342 w 342"/>
+                  <a:gd name="T3" fmla="*/ 12 h 326"/>
+                  <a:gd name="T4" fmla="*/ 224 w 342"/>
+                  <a:gd name="T5" fmla="*/ 135 h 326"/>
+                  <a:gd name="T6" fmla="*/ 126 w 342"/>
+                  <a:gd name="T7" fmla="*/ 290 h 326"/>
+                  <a:gd name="T8" fmla="*/ 108 w 342"/>
+                  <a:gd name="T9" fmla="*/ 302 h 326"/>
+                  <a:gd name="T10" fmla="*/ 77 w 342"/>
+                  <a:gd name="T11" fmla="*/ 326 h 326"/>
+                  <a:gd name="T12" fmla="*/ 63 w 342"/>
+                  <a:gd name="T13" fmla="*/ 287 h 326"/>
+                  <a:gd name="T14" fmla="*/ 56 w 342"/>
+                  <a:gd name="T15" fmla="*/ 271 h 326"/>
+                  <a:gd name="T16" fmla="*/ 28 w 342"/>
+                  <a:gd name="T17" fmla="*/ 220 h 326"/>
+                  <a:gd name="T18" fmla="*/ 0 w 342"/>
+                  <a:gd name="T19" fmla="*/ 198 h 326"/>
+                  <a:gd name="T20" fmla="*/ 49 w 342"/>
+                  <a:gd name="T21" fmla="*/ 170 h 326"/>
+                  <a:gd name="T22" fmla="*/ 91 w 342"/>
+                  <a:gd name="T23" fmla="*/ 222 h 326"/>
+                  <a:gd name="T24" fmla="*/ 98 w 342"/>
+                  <a:gd name="T25" fmla="*/ 239 h 326"/>
+                  <a:gd name="T26" fmla="*/ 205 w 342"/>
+                  <a:gd name="T27" fmla="*/ 102 h 326"/>
+                  <a:gd name="T28" fmla="*/ 333 w 342"/>
+                  <a:gd name="T29" fmla="*/ 0 h 326"/>
+                </a:gdLst>
+                <a:ahLst/>
+                <a:cxnLst>
+                  <a:cxn ang="0">
+                    <a:pos x="T0" y="T1"/>
+                  </a:cxn>
+                  <a:cxn ang="0">
+                    <a:pos x="T2" y="T3"/>
+                  </a:cxn>
+                  <a:cxn ang="0">
+                    <a:pos x="T4" y="T5"/>
+                  </a:cxn>
+                  <a:cxn ang="0">
+                    <a:pos x="T6" y="T7"/>
+                  </a:cxn>
+                  <a:cxn ang="0">
+                    <a:pos x="T8" y="T9"/>
+                  </a:cxn>
+                  <a:cxn ang="0">
+                    <a:pos x="T10" y="T11"/>
+                  </a:cxn>
+                  <a:cxn ang="0">
+                    <a:pos x="T12" y="T13"/>
+                  </a:cxn>
+                  <a:cxn ang="0">
+                    <a:pos x="T14" y="T15"/>
+                  </a:cxn>
+                  <a:cxn ang="0">
+                    <a:pos x="T16" y="T17"/>
+                  </a:cxn>
+                  <a:cxn ang="0">
+                    <a:pos x="T18" y="T19"/>
+                  </a:cxn>
+                  <a:cxn ang="0">
+                    <a:pos x="T20" y="T21"/>
+                  </a:cxn>
+                  <a:cxn ang="0">
+                    <a:pos x="T22" y="T23"/>
+                  </a:cxn>
+                  <a:cxn ang="0">
+                    <a:pos x="T24" y="T25"/>
+                  </a:cxn>
+                  <a:cxn ang="0">
+                    <a:pos x="T26" y="T27"/>
+                  </a:cxn>
+                  <a:cxn ang="0">
+                    <a:pos x="T28" y="T29"/>
+                  </a:cxn>
+                </a:cxnLst>
+                <a:rect l="0" t="0" r="r" b="b"/>
+                <a:pathLst>
+                  <a:path w="342" h="326">
+                    <a:moveTo>
+                      <a:pt x="333" y="0"/>
+                    </a:moveTo>
+                    <a:cubicBezTo>
+                      <a:pt x="342" y="12"/>
+                      <a:pt x="342" y="12"/>
+                      <a:pt x="342" y="12"/>
+                    </a:cubicBezTo>
+                    <a:cubicBezTo>
+                      <a:pt x="307" y="39"/>
+                      <a:pt x="268" y="79"/>
+                      <a:pt x="224" y="135"/>
+                    </a:cubicBezTo>
+                    <a:cubicBezTo>
+                      <a:pt x="181" y="190"/>
+                      <a:pt x="149" y="242"/>
+                      <a:pt x="126" y="290"/>
+                    </a:cubicBezTo>
+                    <a:cubicBezTo>
+                      <a:pt x="108" y="302"/>
+                      <a:pt x="108" y="302"/>
+                      <a:pt x="108" y="302"/>
+                    </a:cubicBezTo>
+                    <a:cubicBezTo>
+                      <a:pt x="92" y="313"/>
+                      <a:pt x="82" y="320"/>
+                      <a:pt x="77" y="326"/>
+                    </a:cubicBezTo>
+                    <a:cubicBezTo>
+                      <a:pt x="75" y="318"/>
+                      <a:pt x="70" y="305"/>
+                      <a:pt x="63" y="287"/>
+                    </a:cubicBezTo>
+                    <a:cubicBezTo>
+                      <a:pt x="56" y="271"/>
+                      <a:pt x="56" y="271"/>
+                      <a:pt x="56" y="271"/>
+                    </a:cubicBezTo>
+                    <a:cubicBezTo>
+                      <a:pt x="46" y="248"/>
+                      <a:pt x="37" y="231"/>
+                      <a:pt x="28" y="220"/>
+                    </a:cubicBezTo>
+                    <a:cubicBezTo>
+                      <a:pt x="20" y="209"/>
+                      <a:pt x="10" y="202"/>
+                      <a:pt x="0" y="198"/>
+                    </a:cubicBezTo>
+                    <a:cubicBezTo>
+                      <a:pt x="18" y="179"/>
+                      <a:pt x="34" y="170"/>
+                      <a:pt x="49" y="170"/>
+                    </a:cubicBezTo>
+                    <a:cubicBezTo>
+                      <a:pt x="61" y="170"/>
+                      <a:pt x="75" y="187"/>
+                      <a:pt x="91" y="222"/>
+                    </a:cubicBezTo>
+                    <a:cubicBezTo>
+                      <a:pt x="98" y="239"/>
+                      <a:pt x="98" y="239"/>
+                      <a:pt x="98" y="239"/>
+                    </a:cubicBezTo>
+                    <a:cubicBezTo>
+                      <a:pt x="126" y="192"/>
+                      <a:pt x="162" y="146"/>
+                      <a:pt x="205" y="102"/>
+                    </a:cubicBezTo>
+                    <a:cubicBezTo>
+                      <a:pt x="249" y="57"/>
+                      <a:pt x="292" y="23"/>
+                      <a:pt x="333" y="0"/>
+                    </a:cubicBezTo>
+                    <a:close/>
+                  </a:path>
+                </a:pathLst>
+              </a:custGeom>
+              <a:solidFill>
+                <a:schemeClr val="accent3"/>
+              </a:solidFill>
+              <a:ln>
+                <a:noFill/>
+              </a:ln>
+              <a:extLst>
+                <a:ext uri="{91240B29-F687-4F45-9708-019B960494DF}">
+                  <a14:hiddenLine xmlns:a14="http://schemas.microsoft.com/office/drawing/2010/main" w="9525">
+                    <a:solidFill>
+                      <a:srgbClr val="000000"/>
+                    </a:solidFill>
+                    <a:round/>
+                    <a:headEnd/>
+                    <a:tailEnd/>
+                  </a14:hiddenLine>
+                </a:ext>
+              </a:extLst>
+            </p:spPr>
+            <p:txBody>
+              <a:bodyPr/>
+              <a:lstStyle/>
+              <a:p>
+                <a:endParaRPr lang="en-US" dirty="0">
+                  <a:solidFill>
+                    <a:schemeClr val="accent3"/>
+                  </a:solidFill>
+                  <a:latin typeface="Arial" pitchFamily="34" charset="0"/>
+                </a:endParaRPr>
+              </a:p>
+            </p:txBody>
+          </p:sp>
+          <p:sp>
+            <p:nvSpPr>
+              <p:cNvPr id="29" name="Freeform 71"/>
+              <p:cNvSpPr>
+                <a:spLocks/>
+              </p:cNvSpPr>
+              <p:nvPr/>
+            </p:nvSpPr>
+            <p:spPr bwMode="gray">
+              <a:xfrm>
+                <a:off x="3381" y="2383"/>
+                <a:ext cx="440" cy="326"/>
+              </a:xfrm>
+              <a:custGeom>
+                <a:avLst/>
+                <a:gdLst>
+                  <a:gd name="T0" fmla="*/ 91 w 186"/>
+                  <a:gd name="T1" fmla="*/ 104 h 138"/>
+                  <a:gd name="T2" fmla="*/ 98 w 186"/>
+                  <a:gd name="T3" fmla="*/ 87 h 138"/>
+                  <a:gd name="T4" fmla="*/ 132 w 186"/>
+                  <a:gd name="T5" fmla="*/ 138 h 138"/>
+                  <a:gd name="T6" fmla="*/ 186 w 186"/>
+                  <a:gd name="T7" fmla="*/ 138 h 138"/>
+                  <a:gd name="T8" fmla="*/ 126 w 186"/>
+                  <a:gd name="T9" fmla="*/ 36 h 138"/>
+                  <a:gd name="T10" fmla="*/ 108 w 186"/>
+                  <a:gd name="T11" fmla="*/ 23 h 138"/>
+                  <a:gd name="T12" fmla="*/ 77 w 186"/>
+                  <a:gd name="T13" fmla="*/ 0 h 138"/>
+                  <a:gd name="T14" fmla="*/ 63 w 186"/>
+                  <a:gd name="T15" fmla="*/ 38 h 138"/>
+                  <a:gd name="T16" fmla="*/ 56 w 186"/>
+                  <a:gd name="T17" fmla="*/ 54 h 138"/>
+                  <a:gd name="T18" fmla="*/ 28 w 186"/>
+                  <a:gd name="T19" fmla="*/ 105 h 138"/>
+                  <a:gd name="T20" fmla="*/ 0 w 186"/>
+                  <a:gd name="T21" fmla="*/ 127 h 138"/>
+                  <a:gd name="T22" fmla="*/ 11 w 186"/>
+                  <a:gd name="T23" fmla="*/ 138 h 138"/>
+                  <a:gd name="T24" fmla="*/ 73 w 186"/>
+                  <a:gd name="T25" fmla="*/ 138 h 138"/>
+                  <a:gd name="T26" fmla="*/ 91 w 186"/>
+                  <a:gd name="T27" fmla="*/ 104 h 138"/>
+                </a:gdLst>
+                <a:ahLst/>
+                <a:cxnLst>
+                  <a:cxn ang="0">
+                    <a:pos x="T0" y="T1"/>
+                  </a:cxn>
+                  <a:cxn ang="0">
+                    <a:pos x="T2" y="T3"/>
+                  </a:cxn>
+                  <a:cxn ang="0">
+                    <a:pos x="T4" y="T5"/>
+                  </a:cxn>
+                  <a:cxn ang="0">
+                    <a:pos x="T6" y="T7"/>
+                  </a:cxn>
+                  <a:cxn ang="0">
+                    <a:pos x="T8" y="T9"/>
+                  </a:cxn>
+                  <a:cxn ang="0">
+                    <a:pos x="T10" y="T11"/>
+                  </a:cxn>
+                  <a:cxn ang="0">
+                    <a:pos x="T12" y="T13"/>
+                  </a:cxn>
+                  <a:cxn ang="0">
+                    <a:pos x="T14" y="T15"/>
+                  </a:cxn>
+                  <a:cxn ang="0">
+                    <a:pos x="T16" y="T17"/>
+                  </a:cxn>
+                  <a:cxn ang="0">
+                    <a:pos x="T18" y="T19"/>
+                  </a:cxn>
+                  <a:cxn ang="0">
+                    <a:pos x="T20" y="T21"/>
+                  </a:cxn>
+                  <a:cxn ang="0">
+                    <a:pos x="T22" y="T23"/>
+                  </a:cxn>
+                  <a:cxn ang="0">
+                    <a:pos x="T24" y="T25"/>
+                  </a:cxn>
+                  <a:cxn ang="0">
+                    <a:pos x="T26" y="T27"/>
+                  </a:cxn>
+                </a:cxnLst>
+                <a:rect l="0" t="0" r="r" b="b"/>
+                <a:pathLst>
+                  <a:path w="186" h="138">
+                    <a:moveTo>
+                      <a:pt x="91" y="104"/>
+                    </a:moveTo>
+                    <a:cubicBezTo>
+                      <a:pt x="98" y="87"/>
+                      <a:pt x="98" y="87"/>
+                      <a:pt x="98" y="87"/>
+                    </a:cubicBezTo>
+                    <a:cubicBezTo>
+                      <a:pt x="109" y="104"/>
+                      <a:pt x="120" y="121"/>
+                      <a:pt x="132" y="138"/>
+                    </a:cubicBezTo>
+                    <a:cubicBezTo>
+                      <a:pt x="186" y="138"/>
+                      <a:pt x="186" y="138"/>
+                      <a:pt x="186" y="138"/>
+                    </a:cubicBezTo>
+                    <a:cubicBezTo>
+                      <a:pt x="161" y="102"/>
+                      <a:pt x="141" y="68"/>
+                      <a:pt x="126" y="36"/>
+                    </a:cubicBezTo>
+                    <a:cubicBezTo>
+                      <a:pt x="108" y="23"/>
+                      <a:pt x="108" y="23"/>
+                      <a:pt x="108" y="23"/>
+                    </a:cubicBezTo>
+                    <a:cubicBezTo>
+                      <a:pt x="92" y="13"/>
+                      <a:pt x="82" y="5"/>
+                      <a:pt x="77" y="0"/>
+                    </a:cubicBezTo>
+                    <a:cubicBezTo>
+                      <a:pt x="75" y="8"/>
+                      <a:pt x="70" y="20"/>
+                      <a:pt x="63" y="38"/>
+                    </a:cubicBezTo>
+                    <a:cubicBezTo>
+                      <a:pt x="56" y="54"/>
+                      <a:pt x="56" y="54"/>
+                      <a:pt x="56" y="54"/>
+                    </a:cubicBezTo>
+                    <a:cubicBezTo>
+                      <a:pt x="46" y="77"/>
+                      <a:pt x="37" y="94"/>
+                      <a:pt x="28" y="105"/>
+                    </a:cubicBezTo>
+                    <a:cubicBezTo>
+                      <a:pt x="20" y="116"/>
+                      <a:pt x="10" y="124"/>
+                      <a:pt x="0" y="127"/>
+                    </a:cubicBezTo>
+                    <a:cubicBezTo>
+                      <a:pt x="3" y="131"/>
+                      <a:pt x="7" y="135"/>
+                      <a:pt x="11" y="138"/>
+                    </a:cubicBezTo>
+                    <a:cubicBezTo>
+                      <a:pt x="73" y="138"/>
+                      <a:pt x="73" y="138"/>
+                      <a:pt x="73" y="138"/>
+                    </a:cubicBezTo>
+                    <a:cubicBezTo>
+                      <a:pt x="78" y="129"/>
+                      <a:pt x="85" y="118"/>
+                      <a:pt x="91" y="104"/>
+                    </a:cubicBezTo>
+                    <a:close/>
+                  </a:path>
+                </a:pathLst>
+              </a:custGeom>
+              <a:gradFill rotWithShape="1">
+                <a:gsLst>
+                  <a:gs pos="0">
+                    <a:schemeClr val="accent3"/>
+                  </a:gs>
+                  <a:gs pos="100000">
+                    <a:schemeClr val="hlink">
+                      <a:gamma/>
+                      <a:tint val="0"/>
+                      <a:invGamma/>
+                    </a:schemeClr>
+                  </a:gs>
+                </a:gsLst>
+                <a:lin ang="5400000" scaled="1"/>
+              </a:gradFill>
+              <a:ln>
+                <a:noFill/>
+              </a:ln>
+              <a:extLst>
+                <a:ext uri="{91240B29-F687-4F45-9708-019B960494DF}">
+                  <a14:hiddenLine xmlns:a14="http://schemas.microsoft.com/office/drawing/2010/main" w="9525">
+                    <a:solidFill>
+                      <a:srgbClr val="000000"/>
+                    </a:solidFill>
+                    <a:round/>
+                    <a:headEnd/>
+                    <a:tailEnd/>
+                  </a14:hiddenLine>
+                </a:ext>
+              </a:extLst>
+            </p:spPr>
+            <p:txBody>
+              <a:bodyPr/>
+              <a:lstStyle/>
+              <a:p>
+                <a:endParaRPr lang="en-US" dirty="0">
+                  <a:latin typeface="Arial" pitchFamily="34" charset="0"/>
+                </a:endParaRPr>
+              </a:p>
+            </p:txBody>
+          </p:sp>
+        </p:grpSp>
+      </p:grpSp>
+      <p:grpSp>
+        <p:nvGrpSpPr>
+          <p:cNvPr id="30" name="Group 67"/>
+          <p:cNvGrpSpPr>
+            <a:grpSpLocks noChangeAspect="1"/>
+          </p:cNvGrpSpPr>
+          <p:nvPr>
+            <p:custDataLst>
+              <p:tags r:id="rId15"/>
+            </p:custDataLst>
+          </p:nvPr>
+        </p:nvGrpSpPr>
+        <p:grpSpPr bwMode="gray">
+          <a:xfrm>
+            <a:off x="357759" y="3257550"/>
+            <a:ext cx="328041" cy="328041"/>
+            <a:chOff x="4013" y="1208"/>
+            <a:chExt cx="318" cy="318"/>
+          </a:xfrm>
+        </p:grpSpPr>
+        <p:sp>
+          <p:nvSpPr>
+            <p:cNvPr id="31" name="Oval 68"/>
+            <p:cNvSpPr>
+              <a:spLocks noChangeArrowheads="1"/>
+            </p:cNvSpPr>
+            <p:nvPr/>
+          </p:nvSpPr>
+          <p:spPr bwMode="gray">
+            <a:xfrm>
+              <a:off x="4013" y="1208"/>
+              <a:ext cx="318" cy="318"/>
+            </a:xfrm>
+            <a:prstGeom prst="ellipse">
+              <a:avLst/>
+            </a:prstGeom>
+            <a:solidFill>
+              <a:schemeClr val="bg1"/>
+            </a:solidFill>
+            <a:ln w="19050" algn="ctr">
+              <a:solidFill>
+                <a:schemeClr val="accent3"/>
+              </a:solidFill>
+              <a:round/>
+              <a:headEnd/>
+              <a:tailEnd/>
+            </a:ln>
+            <a:effectLst/>
+            <a:extLst>
+              <a:ext uri="{AF507438-7753-43E0-B8FC-AC1667EBCBE1}">
+                <a14:hiddenEffects xmlns:a14="http://schemas.microsoft.com/office/drawing/2010/main">
+                  <a:effectLst>
+                    <a:outerShdw dist="35921" dir="2700000" algn="ctr" rotWithShape="0">
+                      <a:schemeClr val="bg2"/>
+                    </a:outerShdw>
+                  </a:effectLst>
+                </a14:hiddenEffects>
+              </a:ext>
+            </a:extLst>
+          </p:spPr>
+          <p:txBody>
+            <a:bodyPr wrap="none" lIns="72000" tIns="72000" rIns="72000" bIns="72000" anchor="ctr"/>
+            <a:lstStyle/>
+            <a:p>
+              <a:endParaRPr lang="en-US" dirty="0">
+                <a:latin typeface="Arial" pitchFamily="34" charset="0"/>
+              </a:endParaRPr>
+            </a:p>
+          </p:txBody>
+        </p:sp>
+        <p:grpSp>
+          <p:nvGrpSpPr>
+            <p:cNvPr id="32" name="Group 69"/>
+            <p:cNvGrpSpPr>
+              <a:grpSpLocks/>
+            </p:cNvGrpSpPr>
+            <p:nvPr>
+              <p:custDataLst>
+                <p:tags r:id="rId16"/>
+              </p:custDataLst>
+            </p:nvPr>
+          </p:nvGrpSpPr>
+          <p:grpSpPr bwMode="gray">
+            <a:xfrm>
+              <a:off x="4096" y="1274"/>
+              <a:ext cx="164" cy="222"/>
+              <a:chOff x="3381" y="1613"/>
+              <a:chExt cx="808" cy="1096"/>
+            </a:xfrm>
+          </p:grpSpPr>
+          <p:sp>
+            <p:nvSpPr>
+              <p:cNvPr id="33" name="Freeform 70"/>
+              <p:cNvSpPr>
+                <a:spLocks/>
+              </p:cNvSpPr>
+              <p:nvPr/>
+            </p:nvSpPr>
+            <p:spPr bwMode="gray">
+              <a:xfrm>
+                <a:off x="3381" y="1613"/>
+                <a:ext cx="808" cy="770"/>
+              </a:xfrm>
+              <a:custGeom>
+                <a:avLst/>
+                <a:gdLst>
+                  <a:gd name="T0" fmla="*/ 333 w 342"/>
+                  <a:gd name="T1" fmla="*/ 0 h 326"/>
+                  <a:gd name="T2" fmla="*/ 342 w 342"/>
+                  <a:gd name="T3" fmla="*/ 12 h 326"/>
+                  <a:gd name="T4" fmla="*/ 224 w 342"/>
+                  <a:gd name="T5" fmla="*/ 135 h 326"/>
+                  <a:gd name="T6" fmla="*/ 126 w 342"/>
+                  <a:gd name="T7" fmla="*/ 290 h 326"/>
+                  <a:gd name="T8" fmla="*/ 108 w 342"/>
+                  <a:gd name="T9" fmla="*/ 302 h 326"/>
+                  <a:gd name="T10" fmla="*/ 77 w 342"/>
+                  <a:gd name="T11" fmla="*/ 326 h 326"/>
+                  <a:gd name="T12" fmla="*/ 63 w 342"/>
+                  <a:gd name="T13" fmla="*/ 287 h 326"/>
+                  <a:gd name="T14" fmla="*/ 56 w 342"/>
+                  <a:gd name="T15" fmla="*/ 271 h 326"/>
+                  <a:gd name="T16" fmla="*/ 28 w 342"/>
+                  <a:gd name="T17" fmla="*/ 220 h 326"/>
+                  <a:gd name="T18" fmla="*/ 0 w 342"/>
+                  <a:gd name="T19" fmla="*/ 198 h 326"/>
+                  <a:gd name="T20" fmla="*/ 49 w 342"/>
+                  <a:gd name="T21" fmla="*/ 170 h 326"/>
+                  <a:gd name="T22" fmla="*/ 91 w 342"/>
+                  <a:gd name="T23" fmla="*/ 222 h 326"/>
+                  <a:gd name="T24" fmla="*/ 98 w 342"/>
+                  <a:gd name="T25" fmla="*/ 239 h 326"/>
+                  <a:gd name="T26" fmla="*/ 205 w 342"/>
+                  <a:gd name="T27" fmla="*/ 102 h 326"/>
+                  <a:gd name="T28" fmla="*/ 333 w 342"/>
+                  <a:gd name="T29" fmla="*/ 0 h 326"/>
+                </a:gdLst>
+                <a:ahLst/>
+                <a:cxnLst>
+                  <a:cxn ang="0">
+                    <a:pos x="T0" y="T1"/>
+                  </a:cxn>
+                  <a:cxn ang="0">
+                    <a:pos x="T2" y="T3"/>
+                  </a:cxn>
+                  <a:cxn ang="0">
+                    <a:pos x="T4" y="T5"/>
+                  </a:cxn>
+                  <a:cxn ang="0">
+                    <a:pos x="T6" y="T7"/>
+                  </a:cxn>
+                  <a:cxn ang="0">
+                    <a:pos x="T8" y="T9"/>
+                  </a:cxn>
+                  <a:cxn ang="0">
+                    <a:pos x="T10" y="T11"/>
+                  </a:cxn>
+                  <a:cxn ang="0">
+                    <a:pos x="T12" y="T13"/>
+                  </a:cxn>
+                  <a:cxn ang="0">
+                    <a:pos x="T14" y="T15"/>
+                  </a:cxn>
+                  <a:cxn ang="0">
+                    <a:pos x="T16" y="T17"/>
+                  </a:cxn>
+                  <a:cxn ang="0">
+                    <a:pos x="T18" y="T19"/>
+                  </a:cxn>
+                  <a:cxn ang="0">
+                    <a:pos x="T20" y="T21"/>
+                  </a:cxn>
+                  <a:cxn ang="0">
+                    <a:pos x="T22" y="T23"/>
+                  </a:cxn>
+                  <a:cxn ang="0">
+                    <a:pos x="T24" y="T25"/>
+                  </a:cxn>
+                  <a:cxn ang="0">
+                    <a:pos x="T26" y="T27"/>
+                  </a:cxn>
+                  <a:cxn ang="0">
+                    <a:pos x="T28" y="T29"/>
+                  </a:cxn>
+                </a:cxnLst>
+                <a:rect l="0" t="0" r="r" b="b"/>
+                <a:pathLst>
+                  <a:path w="342" h="326">
+                    <a:moveTo>
+                      <a:pt x="333" y="0"/>
+                    </a:moveTo>
+                    <a:cubicBezTo>
+                      <a:pt x="342" y="12"/>
+                      <a:pt x="342" y="12"/>
+                      <a:pt x="342" y="12"/>
+                    </a:cubicBezTo>
+                    <a:cubicBezTo>
+                      <a:pt x="307" y="39"/>
+                      <a:pt x="268" y="79"/>
+                      <a:pt x="224" y="135"/>
+                    </a:cubicBezTo>
+                    <a:cubicBezTo>
+                      <a:pt x="181" y="190"/>
+                      <a:pt x="149" y="242"/>
+                      <a:pt x="126" y="290"/>
+                    </a:cubicBezTo>
+                    <a:cubicBezTo>
+                      <a:pt x="108" y="302"/>
+                      <a:pt x="108" y="302"/>
+                      <a:pt x="108" y="302"/>
+                    </a:cubicBezTo>
+                    <a:cubicBezTo>
+                      <a:pt x="92" y="313"/>
+                      <a:pt x="82" y="320"/>
+                      <a:pt x="77" y="326"/>
+                    </a:cubicBezTo>
+                    <a:cubicBezTo>
+                      <a:pt x="75" y="318"/>
+                      <a:pt x="70" y="305"/>
+                      <a:pt x="63" y="287"/>
+                    </a:cubicBezTo>
+                    <a:cubicBezTo>
+                      <a:pt x="56" y="271"/>
+                      <a:pt x="56" y="271"/>
+                      <a:pt x="56" y="271"/>
+                    </a:cubicBezTo>
+                    <a:cubicBezTo>
+                      <a:pt x="46" y="248"/>
+                      <a:pt x="37" y="231"/>
+                      <a:pt x="28" y="220"/>
+                    </a:cubicBezTo>
+                    <a:cubicBezTo>
+                      <a:pt x="20" y="209"/>
+                      <a:pt x="10" y="202"/>
+                      <a:pt x="0" y="198"/>
+                    </a:cubicBezTo>
+                    <a:cubicBezTo>
+                      <a:pt x="18" y="179"/>
+                      <a:pt x="34" y="170"/>
+                      <a:pt x="49" y="170"/>
+                    </a:cubicBezTo>
+                    <a:cubicBezTo>
+                      <a:pt x="61" y="170"/>
+                      <a:pt x="75" y="187"/>
+                      <a:pt x="91" y="222"/>
+                    </a:cubicBezTo>
+                    <a:cubicBezTo>
+                      <a:pt x="98" y="239"/>
+                      <a:pt x="98" y="239"/>
+                      <a:pt x="98" y="239"/>
+                    </a:cubicBezTo>
+                    <a:cubicBezTo>
+                      <a:pt x="126" y="192"/>
+                      <a:pt x="162" y="146"/>
+                      <a:pt x="205" y="102"/>
+                    </a:cubicBezTo>
+                    <a:cubicBezTo>
+                      <a:pt x="249" y="57"/>
+                      <a:pt x="292" y="23"/>
+                      <a:pt x="333" y="0"/>
+                    </a:cubicBezTo>
+                    <a:close/>
+                  </a:path>
+                </a:pathLst>
+              </a:custGeom>
+              <a:solidFill>
+                <a:schemeClr val="accent3"/>
+              </a:solidFill>
+              <a:ln>
+                <a:noFill/>
+              </a:ln>
+              <a:extLst>
+                <a:ext uri="{91240B29-F687-4F45-9708-019B960494DF}">
+                  <a14:hiddenLine xmlns:a14="http://schemas.microsoft.com/office/drawing/2010/main" w="9525">
+                    <a:solidFill>
+                      <a:srgbClr val="000000"/>
+                    </a:solidFill>
+                    <a:round/>
+                    <a:headEnd/>
+                    <a:tailEnd/>
+                  </a14:hiddenLine>
+                </a:ext>
+              </a:extLst>
+            </p:spPr>
+            <p:txBody>
+              <a:bodyPr/>
+              <a:lstStyle/>
+              <a:p>
+                <a:endParaRPr lang="en-US" dirty="0">
+                  <a:solidFill>
+                    <a:schemeClr val="accent3"/>
+                  </a:solidFill>
+                  <a:latin typeface="Arial" pitchFamily="34" charset="0"/>
+                </a:endParaRPr>
+              </a:p>
+            </p:txBody>
+          </p:sp>
+          <p:sp>
+            <p:nvSpPr>
+              <p:cNvPr id="34" name="Freeform 71"/>
+              <p:cNvSpPr>
+                <a:spLocks/>
+              </p:cNvSpPr>
+              <p:nvPr/>
+            </p:nvSpPr>
+            <p:spPr bwMode="gray">
+              <a:xfrm>
+                <a:off x="3381" y="2383"/>
+                <a:ext cx="440" cy="326"/>
+              </a:xfrm>
+              <a:custGeom>
+                <a:avLst/>
+                <a:gdLst>
+                  <a:gd name="T0" fmla="*/ 91 w 186"/>
+                  <a:gd name="T1" fmla="*/ 104 h 138"/>
+                  <a:gd name="T2" fmla="*/ 98 w 186"/>
+                  <a:gd name="T3" fmla="*/ 87 h 138"/>
+                  <a:gd name="T4" fmla="*/ 132 w 186"/>
+                  <a:gd name="T5" fmla="*/ 138 h 138"/>
+                  <a:gd name="T6" fmla="*/ 186 w 186"/>
+                  <a:gd name="T7" fmla="*/ 138 h 138"/>
+                  <a:gd name="T8" fmla="*/ 126 w 186"/>
+                  <a:gd name="T9" fmla="*/ 36 h 138"/>
+                  <a:gd name="T10" fmla="*/ 108 w 186"/>
+                  <a:gd name="T11" fmla="*/ 23 h 138"/>
+                  <a:gd name="T12" fmla="*/ 77 w 186"/>
+                  <a:gd name="T13" fmla="*/ 0 h 138"/>
+                  <a:gd name="T14" fmla="*/ 63 w 186"/>
+                  <a:gd name="T15" fmla="*/ 38 h 138"/>
+                  <a:gd name="T16" fmla="*/ 56 w 186"/>
+                  <a:gd name="T17" fmla="*/ 54 h 138"/>
+                  <a:gd name="T18" fmla="*/ 28 w 186"/>
+                  <a:gd name="T19" fmla="*/ 105 h 138"/>
+                  <a:gd name="T20" fmla="*/ 0 w 186"/>
+                  <a:gd name="T21" fmla="*/ 127 h 138"/>
+                  <a:gd name="T22" fmla="*/ 11 w 186"/>
+                  <a:gd name="T23" fmla="*/ 138 h 138"/>
+                  <a:gd name="T24" fmla="*/ 73 w 186"/>
+                  <a:gd name="T25" fmla="*/ 138 h 138"/>
+                  <a:gd name="T26" fmla="*/ 91 w 186"/>
+                  <a:gd name="T27" fmla="*/ 104 h 138"/>
+                </a:gdLst>
+                <a:ahLst/>
+                <a:cxnLst>
+                  <a:cxn ang="0">
+                    <a:pos x="T0" y="T1"/>
+                  </a:cxn>
+                  <a:cxn ang="0">
+                    <a:pos x="T2" y="T3"/>
+                  </a:cxn>
+                  <a:cxn ang="0">
+                    <a:pos x="T4" y="T5"/>
+                  </a:cxn>
+                  <a:cxn ang="0">
+                    <a:pos x="T6" y="T7"/>
+                  </a:cxn>
+                  <a:cxn ang="0">
+                    <a:pos x="T8" y="T9"/>
+                  </a:cxn>
+                  <a:cxn ang="0">
+                    <a:pos x="T10" y="T11"/>
+                  </a:cxn>
+                  <a:cxn ang="0">
+                    <a:pos x="T12" y="T13"/>
+                  </a:cxn>
+                  <a:cxn ang="0">
+                    <a:pos x="T14" y="T15"/>
+                  </a:cxn>
+                  <a:cxn ang="0">
+                    <a:pos x="T16" y="T17"/>
+                  </a:cxn>
+                  <a:cxn ang="0">
+                    <a:pos x="T18" y="T19"/>
+                  </a:cxn>
+                  <a:cxn ang="0">
+                    <a:pos x="T20" y="T21"/>
+                  </a:cxn>
+                  <a:cxn ang="0">
+                    <a:pos x="T22" y="T23"/>
+                  </a:cxn>
+                  <a:cxn ang="0">
+                    <a:pos x="T24" y="T25"/>
+                  </a:cxn>
+                  <a:cxn ang="0">
+                    <a:pos x="T26" y="T27"/>
+                  </a:cxn>
+                </a:cxnLst>
+                <a:rect l="0" t="0" r="r" b="b"/>
+                <a:pathLst>
+                  <a:path w="186" h="138">
+                    <a:moveTo>
+                      <a:pt x="91" y="104"/>
+                    </a:moveTo>
+                    <a:cubicBezTo>
+                      <a:pt x="98" y="87"/>
+                      <a:pt x="98" y="87"/>
+                      <a:pt x="98" y="87"/>
+                    </a:cubicBezTo>
+                    <a:cubicBezTo>
+                      <a:pt x="109" y="104"/>
+                      <a:pt x="120" y="121"/>
+                      <a:pt x="132" y="138"/>
+                    </a:cubicBezTo>
+                    <a:cubicBezTo>
+                      <a:pt x="186" y="138"/>
+                      <a:pt x="186" y="138"/>
+                      <a:pt x="186" y="138"/>
+                    </a:cubicBezTo>
+                    <a:cubicBezTo>
+                      <a:pt x="161" y="102"/>
+                      <a:pt x="141" y="68"/>
+                      <a:pt x="126" y="36"/>
+                    </a:cubicBezTo>
+                    <a:cubicBezTo>
+                      <a:pt x="108" y="23"/>
+                      <a:pt x="108" y="23"/>
+                      <a:pt x="108" y="23"/>
+                    </a:cubicBezTo>
+                    <a:cubicBezTo>
+                      <a:pt x="92" y="13"/>
+                      <a:pt x="82" y="5"/>
+                      <a:pt x="77" y="0"/>
+                    </a:cubicBezTo>
+                    <a:cubicBezTo>
+                      <a:pt x="75" y="8"/>
+                      <a:pt x="70" y="20"/>
+                      <a:pt x="63" y="38"/>
+                    </a:cubicBezTo>
+                    <a:cubicBezTo>
+                      <a:pt x="56" y="54"/>
+                      <a:pt x="56" y="54"/>
+                      <a:pt x="56" y="54"/>
+                    </a:cubicBezTo>
+                    <a:cubicBezTo>
+                      <a:pt x="46" y="77"/>
+                      <a:pt x="37" y="94"/>
+                      <a:pt x="28" y="105"/>
+                    </a:cubicBezTo>
+                    <a:cubicBezTo>
+                      <a:pt x="20" y="116"/>
+                      <a:pt x="10" y="124"/>
+                      <a:pt x="0" y="127"/>
+                    </a:cubicBezTo>
+                    <a:cubicBezTo>
+                      <a:pt x="3" y="131"/>
+                      <a:pt x="7" y="135"/>
+                      <a:pt x="11" y="138"/>
+                    </a:cubicBezTo>
+                    <a:cubicBezTo>
+                      <a:pt x="73" y="138"/>
+                      <a:pt x="73" y="138"/>
+                      <a:pt x="73" y="138"/>
+                    </a:cubicBezTo>
+                    <a:cubicBezTo>
+                      <a:pt x="78" y="129"/>
+                      <a:pt x="85" y="118"/>
+                      <a:pt x="91" y="104"/>
+                    </a:cubicBezTo>
+                    <a:close/>
+                  </a:path>
+                </a:pathLst>
+              </a:custGeom>
+              <a:gradFill rotWithShape="1">
+                <a:gsLst>
+                  <a:gs pos="0">
+                    <a:schemeClr val="accent3"/>
+                  </a:gs>
+                  <a:gs pos="100000">
+                    <a:schemeClr val="hlink">
+                      <a:gamma/>
+                      <a:tint val="0"/>
+                      <a:invGamma/>
+                    </a:schemeClr>
+                  </a:gs>
+                </a:gsLst>
+                <a:lin ang="5400000" scaled="1"/>
+              </a:gradFill>
+              <a:ln>
+                <a:noFill/>
+              </a:ln>
+              <a:extLst>
+                <a:ext uri="{91240B29-F687-4F45-9708-019B960494DF}">
+                  <a14:hiddenLine xmlns:a14="http://schemas.microsoft.com/office/drawing/2010/main" w="9525">
+                    <a:solidFill>
+                      <a:srgbClr val="000000"/>
+                    </a:solidFill>
+                    <a:round/>
+                    <a:headEnd/>
+                    <a:tailEnd/>
+                  </a14:hiddenLine>
+                </a:ext>
+              </a:extLst>
+            </p:spPr>
+            <p:txBody>
+              <a:bodyPr/>
+              <a:lstStyle/>
+              <a:p>
+                <a:endParaRPr lang="en-US" dirty="0">
+                  <a:latin typeface="Arial" pitchFamily="34" charset="0"/>
+                </a:endParaRPr>
+              </a:p>
+            </p:txBody>
+          </p:sp>
+        </p:grpSp>
+      </p:grpSp>
     </p:spTree>
     <p:extLst>
       <p:ext uri="{BB962C8B-B14F-4D97-AF65-F5344CB8AC3E}">
@@ -19200,7 +22344,89 @@
 </p:sld>
 </file>
 
-<file path=ppt/slides/slide13.xml><?xml version="1.0" encoding="utf-8"?>
+<file path=ppt/slides/slide2.xml><?xml version="1.0" encoding="utf-8"?>
+<p:sld xmlns:a="http://schemas.openxmlformats.org/drawingml/2006/main" xmlns:r="http://schemas.openxmlformats.org/officeDocument/2006/relationships" xmlns:p="http://schemas.openxmlformats.org/presentationml/2006/main">
+  <p:cSld>
+    <p:spTree>
+      <p:nvGrpSpPr>
+        <p:cNvPr id="1" name=""/>
+        <p:cNvGrpSpPr/>
+        <p:nvPr/>
+      </p:nvGrpSpPr>
+      <p:grpSpPr>
+        <a:xfrm>
+          <a:off x="0" y="0"/>
+          <a:ext cx="0" cy="0"/>
+          <a:chOff x="0" y="0"/>
+          <a:chExt cx="0" cy="0"/>
+        </a:xfrm>
+      </p:grpSpPr>
+      <p:sp>
+        <p:nvSpPr>
+          <p:cNvPr id="2" name="Title 1"/>
+          <p:cNvSpPr>
+            <a:spLocks noGrp="1"/>
+          </p:cNvSpPr>
+          <p:nvPr>
+            <p:ph type="title"/>
+          </p:nvPr>
+        </p:nvSpPr>
+        <p:spPr/>
+        <p:txBody>
+          <a:bodyPr/>
+          <a:lstStyle/>
+          <a:p>
+            <a:r>
+              <a:rPr lang="en-US" dirty="0" smtClean="0"/>
+              <a:t>Objectives</a:t>
+            </a:r>
+            <a:endParaRPr lang="en-US" dirty="0"/>
+          </a:p>
+        </p:txBody>
+      </p:sp>
+      <p:sp>
+        <p:nvSpPr>
+          <p:cNvPr id="3" name="Content Placeholder 2"/>
+          <p:cNvSpPr>
+            <a:spLocks noGrp="1"/>
+          </p:cNvSpPr>
+          <p:nvPr>
+            <p:ph idx="1"/>
+          </p:nvPr>
+        </p:nvSpPr>
+        <p:spPr/>
+        <p:txBody>
+          <a:bodyPr/>
+          <a:lstStyle/>
+          <a:p>
+            <a:r>
+              <a:rPr lang="en-US" dirty="0" smtClean="0"/>
+              <a:t>Present an R-Shiny app that helps facilitate policy decisions at country level.</a:t>
+            </a:r>
+          </a:p>
+          <a:p>
+            <a:r>
+              <a:rPr lang="en-US" dirty="0" smtClean="0"/>
+              <a:t>Illustrate the use of the app with a fictitious “case study”.</a:t>
+            </a:r>
+            <a:endParaRPr lang="en-US" dirty="0"/>
+          </a:p>
+        </p:txBody>
+      </p:sp>
+    </p:spTree>
+    <p:extLst>
+      <p:ext uri="{BB962C8B-B14F-4D97-AF65-F5344CB8AC3E}">
+        <p14:creationId xmlns:p14="http://schemas.microsoft.com/office/powerpoint/2010/main" val="2773490498"/>
+      </p:ext>
+    </p:extLst>
+  </p:cSld>
+  <p:clrMapOvr>
+    <a:masterClrMapping/>
+  </p:clrMapOvr>
+</p:sld>
+</file>
+
+<file path=ppt/slides/slide20.xml><?xml version="1.0" encoding="utf-8"?>
 <p:sld xmlns:a="http://schemas.openxmlformats.org/drawingml/2006/main" xmlns:r="http://schemas.openxmlformats.org/officeDocument/2006/relationships" xmlns:p="http://schemas.openxmlformats.org/presentationml/2006/main">
   <p:cSld>
     <p:spTree>
@@ -19263,7 +22489,7 @@
 </p:sld>
 </file>
 
-<file path=ppt/slides/slide14.xml><?xml version="1.0" encoding="utf-8"?>
+<file path=ppt/slides/slide21.xml><?xml version="1.0" encoding="utf-8"?>
 <p:sld xmlns:a="http://schemas.openxmlformats.org/drawingml/2006/main" xmlns:r="http://schemas.openxmlformats.org/officeDocument/2006/relationships" xmlns:p="http://schemas.openxmlformats.org/presentationml/2006/main">
   <p:cSld>
     <p:spTree>
@@ -19575,7 +22801,7 @@
 </p:sld>
 </file>
 
-<file path=ppt/slides/slide15.xml><?xml version="1.0" encoding="utf-8"?>
+<file path=ppt/slides/slide22.xml><?xml version="1.0" encoding="utf-8"?>
 <p:sld xmlns:a="http://schemas.openxmlformats.org/drawingml/2006/main" xmlns:r="http://schemas.openxmlformats.org/officeDocument/2006/relationships" xmlns:p="http://schemas.openxmlformats.org/presentationml/2006/main">
   <p:cSld>
     <p:spTree>
@@ -19688,7 +22914,7 @@
 </p:sld>
 </file>
 
-<file path=ppt/slides/slide16.xml><?xml version="1.0" encoding="utf-8"?>
+<file path=ppt/slides/slide23.xml><?xml version="1.0" encoding="utf-8"?>
 <p:sld xmlns:a="http://schemas.openxmlformats.org/drawingml/2006/main" xmlns:r="http://schemas.openxmlformats.org/officeDocument/2006/relationships" xmlns:p="http://schemas.openxmlformats.org/presentationml/2006/main">
   <p:cSld>
     <p:spTree>
@@ -19786,7 +23012,7 @@
 </p:sld>
 </file>
 
-<file path=ppt/slides/slide17.xml><?xml version="1.0" encoding="utf-8"?>
+<file path=ppt/slides/slide24.xml><?xml version="1.0" encoding="utf-8"?>
 <p:sld xmlns:a="http://schemas.openxmlformats.org/drawingml/2006/main" xmlns:r="http://schemas.openxmlformats.org/officeDocument/2006/relationships" xmlns:p="http://schemas.openxmlformats.org/presentationml/2006/main">
   <p:cSld>
     <p:spTree>
@@ -19842,850 +23068,6 @@
       </p:par>
     </p:tnLst>
   </p:timing>
-</p:sld>
-</file>
-
-<file path=ppt/slides/slide18.xml><?xml version="1.0" encoding="utf-8"?>
-<p:sld xmlns:a="http://schemas.openxmlformats.org/drawingml/2006/main" xmlns:r="http://schemas.openxmlformats.org/officeDocument/2006/relationships" xmlns:p="http://schemas.openxmlformats.org/presentationml/2006/main">
-  <p:cSld>
-    <p:spTree>
-      <p:nvGrpSpPr>
-        <p:cNvPr id="1" name=""/>
-        <p:cNvGrpSpPr/>
-        <p:nvPr/>
-      </p:nvGrpSpPr>
-      <p:grpSpPr>
-        <a:xfrm>
-          <a:off x="0" y="0"/>
-          <a:ext cx="0" cy="0"/>
-          <a:chOff x="0" y="0"/>
-          <a:chExt cx="0" cy="0"/>
-        </a:xfrm>
-      </p:grpSpPr>
-      <p:sp>
-        <p:nvSpPr>
-          <p:cNvPr id="2" name="Title 1"/>
-          <p:cNvSpPr>
-            <a:spLocks noGrp="1"/>
-          </p:cNvSpPr>
-          <p:nvPr>
-            <p:ph type="title"/>
-          </p:nvPr>
-        </p:nvSpPr>
-        <p:spPr/>
-        <p:txBody>
-          <a:bodyPr/>
-          <a:lstStyle/>
-          <a:p>
-            <a:endParaRPr lang="en-US" dirty="0"/>
-          </a:p>
-        </p:txBody>
-      </p:sp>
-      <p:sp>
-        <p:nvSpPr>
-          <p:cNvPr id="3" name="Text Placeholder 2"/>
-          <p:cNvSpPr>
-            <a:spLocks noGrp="1"/>
-          </p:cNvSpPr>
-          <p:nvPr>
-            <p:ph type="body" sz="quarter" idx="11"/>
-          </p:nvPr>
-        </p:nvSpPr>
-        <p:spPr/>
-        <p:txBody>
-          <a:bodyPr/>
-          <a:lstStyle/>
-          <a:p>
-            <a:endParaRPr lang="en-US" dirty="0"/>
-          </a:p>
-        </p:txBody>
-      </p:sp>
-      <p:sp>
-        <p:nvSpPr>
-          <p:cNvPr id="4" name="Text Placeholder 3"/>
-          <p:cNvSpPr>
-            <a:spLocks noGrp="1"/>
-          </p:cNvSpPr>
-          <p:nvPr>
-            <p:ph type="body" sz="quarter" idx="12"/>
-          </p:nvPr>
-        </p:nvSpPr>
-        <p:spPr/>
-        <p:txBody>
-          <a:bodyPr/>
-          <a:lstStyle/>
-          <a:p>
-            <a:endParaRPr lang="en-US" dirty="0"/>
-          </a:p>
-        </p:txBody>
-      </p:sp>
-      <p:sp>
-        <p:nvSpPr>
-          <p:cNvPr id="5" name="Content Placeholder 4"/>
-          <p:cNvSpPr>
-            <a:spLocks noGrp="1"/>
-          </p:cNvSpPr>
-          <p:nvPr>
-            <p:ph sz="quarter" idx="13"/>
-          </p:nvPr>
-        </p:nvSpPr>
-        <p:spPr/>
-        <p:txBody>
-          <a:bodyPr/>
-          <a:lstStyle/>
-          <a:p>
-            <a:endParaRPr lang="en-US" dirty="0"/>
-          </a:p>
-        </p:txBody>
-      </p:sp>
-      <p:sp>
-        <p:nvSpPr>
-          <p:cNvPr id="6" name="Content Placeholder 5"/>
-          <p:cNvSpPr>
-            <a:spLocks noGrp="1"/>
-          </p:cNvSpPr>
-          <p:nvPr>
-            <p:ph sz="quarter" idx="14"/>
-          </p:nvPr>
-        </p:nvSpPr>
-        <p:spPr/>
-        <p:txBody>
-          <a:bodyPr/>
-          <a:lstStyle/>
-          <a:p>
-            <a:endParaRPr lang="en-US" dirty="0"/>
-          </a:p>
-        </p:txBody>
-      </p:sp>
-    </p:spTree>
-    <p:extLst>
-      <p:ext uri="{BB962C8B-B14F-4D97-AF65-F5344CB8AC3E}">
-        <p14:creationId xmlns:p14="http://schemas.microsoft.com/office/powerpoint/2010/main" val="2282566597"/>
-      </p:ext>
-    </p:extLst>
-  </p:cSld>
-  <p:clrMapOvr>
-    <a:masterClrMapping/>
-  </p:clrMapOvr>
-  <p:timing>
-    <p:tnLst>
-      <p:par>
-        <p:cTn id="1" dur="indefinite" restart="never" nodeType="tmRoot"/>
-      </p:par>
-    </p:tnLst>
-  </p:timing>
-</p:sld>
-</file>
-
-<file path=ppt/slides/slide19.xml><?xml version="1.0" encoding="utf-8"?>
-<p:sld xmlns:a="http://schemas.openxmlformats.org/drawingml/2006/main" xmlns:r="http://schemas.openxmlformats.org/officeDocument/2006/relationships" xmlns:p="http://schemas.openxmlformats.org/presentationml/2006/main">
-  <p:cSld>
-    <p:spTree>
-      <p:nvGrpSpPr>
-        <p:cNvPr id="1" name=""/>
-        <p:cNvGrpSpPr/>
-        <p:nvPr/>
-      </p:nvGrpSpPr>
-      <p:grpSpPr>
-        <a:xfrm>
-          <a:off x="0" y="0"/>
-          <a:ext cx="0" cy="0"/>
-          <a:chOff x="0" y="0"/>
-          <a:chExt cx="0" cy="0"/>
-        </a:xfrm>
-      </p:grpSpPr>
-      <p:sp>
-        <p:nvSpPr>
-          <p:cNvPr id="2" name="Title 1"/>
-          <p:cNvSpPr>
-            <a:spLocks noGrp="1"/>
-          </p:cNvSpPr>
-          <p:nvPr>
-            <p:ph type="title"/>
-          </p:nvPr>
-        </p:nvSpPr>
-        <p:spPr/>
-        <p:txBody>
-          <a:bodyPr/>
-          <a:lstStyle/>
-          <a:p>
-            <a:endParaRPr lang="en-US" dirty="0"/>
-          </a:p>
-        </p:txBody>
-      </p:sp>
-      <p:sp>
-        <p:nvSpPr>
-          <p:cNvPr id="3" name="Text Placeholder 2"/>
-          <p:cNvSpPr>
-            <a:spLocks noGrp="1"/>
-          </p:cNvSpPr>
-          <p:nvPr>
-            <p:ph type="body" sz="quarter" idx="11"/>
-          </p:nvPr>
-        </p:nvSpPr>
-        <p:spPr/>
-        <p:txBody>
-          <a:bodyPr/>
-          <a:lstStyle/>
-          <a:p>
-            <a:endParaRPr lang="en-US" dirty="0"/>
-          </a:p>
-        </p:txBody>
-      </p:sp>
-      <p:sp>
-        <p:nvSpPr>
-          <p:cNvPr id="4" name="Text Placeholder 3"/>
-          <p:cNvSpPr>
-            <a:spLocks noGrp="1"/>
-          </p:cNvSpPr>
-          <p:nvPr>
-            <p:ph type="body" sz="quarter" idx="12"/>
-          </p:nvPr>
-        </p:nvSpPr>
-        <p:spPr/>
-        <p:txBody>
-          <a:bodyPr/>
-          <a:lstStyle/>
-          <a:p>
-            <a:endParaRPr lang="en-US" dirty="0"/>
-          </a:p>
-        </p:txBody>
-      </p:sp>
-      <p:sp>
-        <p:nvSpPr>
-          <p:cNvPr id="5" name="Content Placeholder 4"/>
-          <p:cNvSpPr>
-            <a:spLocks noGrp="1"/>
-          </p:cNvSpPr>
-          <p:nvPr>
-            <p:ph sz="quarter" idx="13"/>
-          </p:nvPr>
-        </p:nvSpPr>
-        <p:spPr/>
-        <p:txBody>
-          <a:bodyPr/>
-          <a:lstStyle/>
-          <a:p>
-            <a:endParaRPr lang="en-US" dirty="0"/>
-          </a:p>
-        </p:txBody>
-      </p:sp>
-      <p:sp>
-        <p:nvSpPr>
-          <p:cNvPr id="6" name="Content Placeholder 5"/>
-          <p:cNvSpPr>
-            <a:spLocks noGrp="1"/>
-          </p:cNvSpPr>
-          <p:nvPr>
-            <p:ph sz="quarter" idx="14"/>
-          </p:nvPr>
-        </p:nvSpPr>
-        <p:spPr/>
-        <p:txBody>
-          <a:bodyPr/>
-          <a:lstStyle/>
-          <a:p>
-            <a:endParaRPr lang="en-US" dirty="0"/>
-          </a:p>
-        </p:txBody>
-      </p:sp>
-      <p:sp>
-        <p:nvSpPr>
-          <p:cNvPr id="7" name="Content Placeholder 6"/>
-          <p:cNvSpPr>
-            <a:spLocks noGrp="1"/>
-          </p:cNvSpPr>
-          <p:nvPr>
-            <p:ph sz="quarter" idx="15"/>
-          </p:nvPr>
-        </p:nvSpPr>
-        <p:spPr/>
-        <p:txBody>
-          <a:bodyPr/>
-          <a:lstStyle/>
-          <a:p>
-            <a:endParaRPr lang="en-US" dirty="0"/>
-          </a:p>
-        </p:txBody>
-      </p:sp>
-    </p:spTree>
-    <p:extLst>
-      <p:ext uri="{BB962C8B-B14F-4D97-AF65-F5344CB8AC3E}">
-        <p14:creationId xmlns:p14="http://schemas.microsoft.com/office/powerpoint/2010/main" val="538070859"/>
-      </p:ext>
-    </p:extLst>
-  </p:cSld>
-  <p:clrMapOvr>
-    <a:masterClrMapping/>
-  </p:clrMapOvr>
-</p:sld>
-</file>
-
-<file path=ppt/slides/slide2.xml><?xml version="1.0" encoding="utf-8"?>
-<p:sld xmlns:a="http://schemas.openxmlformats.org/drawingml/2006/main" xmlns:r="http://schemas.openxmlformats.org/officeDocument/2006/relationships" xmlns:p="http://schemas.openxmlformats.org/presentationml/2006/main">
-  <p:cSld>
-    <p:spTree>
-      <p:nvGrpSpPr>
-        <p:cNvPr id="1" name=""/>
-        <p:cNvGrpSpPr/>
-        <p:nvPr/>
-      </p:nvGrpSpPr>
-      <p:grpSpPr>
-        <a:xfrm>
-          <a:off x="0" y="0"/>
-          <a:ext cx="0" cy="0"/>
-          <a:chOff x="0" y="0"/>
-          <a:chExt cx="0" cy="0"/>
-        </a:xfrm>
-      </p:grpSpPr>
-      <p:sp>
-        <p:nvSpPr>
-          <p:cNvPr id="3" name="Title 2"/>
-          <p:cNvSpPr>
-            <a:spLocks noGrp="1"/>
-          </p:cNvSpPr>
-          <p:nvPr>
-            <p:ph type="title"/>
-          </p:nvPr>
-        </p:nvSpPr>
-        <p:spPr/>
-        <p:txBody>
-          <a:bodyPr/>
-          <a:lstStyle/>
-          <a:p>
-            <a:r>
-              <a:rPr lang="en-US" dirty="0" smtClean="0"/>
-              <a:t>Government of Bangladesh is interested in increasing the subjective well being of their people</a:t>
-            </a:r>
-            <a:endParaRPr lang="en-US" dirty="0"/>
-          </a:p>
-        </p:txBody>
-      </p:sp>
-      <p:sp>
-        <p:nvSpPr>
-          <p:cNvPr id="4" name="Text Placeholder 3"/>
-          <p:cNvSpPr>
-            <a:spLocks noGrp="1"/>
-          </p:cNvSpPr>
-          <p:nvPr>
-            <p:ph type="body" sz="quarter" idx="10"/>
-          </p:nvPr>
-        </p:nvSpPr>
-        <p:spPr/>
-        <p:txBody>
-          <a:bodyPr/>
-          <a:lstStyle/>
-          <a:p>
-            <a:r>
-              <a:rPr lang="en-US" dirty="0" smtClean="0"/>
-              <a:t>It’s important to make our people happy!</a:t>
-            </a:r>
-            <a:endParaRPr lang="en-US" dirty="0"/>
-          </a:p>
-        </p:txBody>
-      </p:sp>
-      <p:sp>
-        <p:nvSpPr>
-          <p:cNvPr id="5" name="Text Placeholder 4"/>
-          <p:cNvSpPr>
-            <a:spLocks noGrp="1"/>
-          </p:cNvSpPr>
-          <p:nvPr>
-            <p:ph type="body" sz="quarter" idx="11"/>
-          </p:nvPr>
-        </p:nvSpPr>
-        <p:spPr/>
-        <p:txBody>
-          <a:bodyPr/>
-          <a:lstStyle/>
-          <a:p>
-            <a:endParaRPr lang="en-US"/>
-          </a:p>
-        </p:txBody>
-      </p:sp>
-      <p:sp>
-        <p:nvSpPr>
-          <p:cNvPr id="7" name="Content Placeholder 6"/>
-          <p:cNvSpPr>
-            <a:spLocks noGrp="1"/>
-          </p:cNvSpPr>
-          <p:nvPr>
-            <p:ph sz="quarter" idx="12"/>
-          </p:nvPr>
-        </p:nvSpPr>
-        <p:spPr/>
-        <p:txBody>
-          <a:bodyPr/>
-          <a:lstStyle/>
-          <a:p>
-            <a:endParaRPr lang="en-US"/>
-          </a:p>
-        </p:txBody>
-      </p:sp>
-    </p:spTree>
-    <p:extLst>
-      <p:ext uri="{BB962C8B-B14F-4D97-AF65-F5344CB8AC3E}">
-        <p14:creationId xmlns:p14="http://schemas.microsoft.com/office/powerpoint/2010/main" val="622371689"/>
-      </p:ext>
-    </p:extLst>
-  </p:cSld>
-  <p:clrMapOvr>
-    <a:masterClrMapping/>
-  </p:clrMapOvr>
-</p:sld>
-</file>
-
-<file path=ppt/slides/slide20.xml><?xml version="1.0" encoding="utf-8"?>
-<p:sld xmlns:a="http://schemas.openxmlformats.org/drawingml/2006/main" xmlns:r="http://schemas.openxmlformats.org/officeDocument/2006/relationships" xmlns:p="http://schemas.openxmlformats.org/presentationml/2006/main">
-  <p:cSld>
-    <p:spTree>
-      <p:nvGrpSpPr>
-        <p:cNvPr id="1" name=""/>
-        <p:cNvGrpSpPr/>
-        <p:nvPr/>
-      </p:nvGrpSpPr>
-      <p:grpSpPr>
-        <a:xfrm>
-          <a:off x="0" y="0"/>
-          <a:ext cx="0" cy="0"/>
-          <a:chOff x="0" y="0"/>
-          <a:chExt cx="0" cy="0"/>
-        </a:xfrm>
-      </p:grpSpPr>
-      <p:sp>
-        <p:nvSpPr>
-          <p:cNvPr id="5" name="Content Placeholder 4"/>
-          <p:cNvSpPr>
-            <a:spLocks noGrp="1"/>
-          </p:cNvSpPr>
-          <p:nvPr>
-            <p:ph sz="quarter" idx="16"/>
-          </p:nvPr>
-        </p:nvSpPr>
-        <p:spPr/>
-        <p:txBody>
-          <a:bodyPr/>
-          <a:lstStyle/>
-          <a:p>
-            <a:endParaRPr lang="en-US" dirty="0"/>
-          </a:p>
-        </p:txBody>
-      </p:sp>
-      <p:sp>
-        <p:nvSpPr>
-          <p:cNvPr id="6" name="Content Placeholder 5"/>
-          <p:cNvSpPr>
-            <a:spLocks noGrp="1"/>
-          </p:cNvSpPr>
-          <p:nvPr>
-            <p:ph sz="quarter" idx="17"/>
-          </p:nvPr>
-        </p:nvSpPr>
-        <p:spPr/>
-        <p:txBody>
-          <a:bodyPr/>
-          <a:lstStyle/>
-          <a:p>
-            <a:endParaRPr lang="en-US" dirty="0"/>
-          </a:p>
-        </p:txBody>
-      </p:sp>
-      <p:sp>
-        <p:nvSpPr>
-          <p:cNvPr id="7" name="Content Placeholder 6"/>
-          <p:cNvSpPr>
-            <a:spLocks noGrp="1"/>
-          </p:cNvSpPr>
-          <p:nvPr>
-            <p:ph sz="quarter" idx="18"/>
-          </p:nvPr>
-        </p:nvSpPr>
-        <p:spPr/>
-        <p:txBody>
-          <a:bodyPr/>
-          <a:lstStyle/>
-          <a:p>
-            <a:endParaRPr lang="en-US" dirty="0"/>
-          </a:p>
-        </p:txBody>
-      </p:sp>
-      <p:sp>
-        <p:nvSpPr>
-          <p:cNvPr id="8" name="Content Placeholder 7"/>
-          <p:cNvSpPr>
-            <a:spLocks noGrp="1"/>
-          </p:cNvSpPr>
-          <p:nvPr>
-            <p:ph sz="quarter" idx="19"/>
-          </p:nvPr>
-        </p:nvSpPr>
-        <p:spPr/>
-        <p:txBody>
-          <a:bodyPr/>
-          <a:lstStyle/>
-          <a:p>
-            <a:endParaRPr lang="en-US" dirty="0"/>
-          </a:p>
-        </p:txBody>
-      </p:sp>
-      <p:sp>
-        <p:nvSpPr>
-          <p:cNvPr id="2" name="Title 1"/>
-          <p:cNvSpPr>
-            <a:spLocks noGrp="1"/>
-          </p:cNvSpPr>
-          <p:nvPr>
-            <p:ph type="title"/>
-          </p:nvPr>
-        </p:nvSpPr>
-        <p:spPr/>
-        <p:txBody>
-          <a:bodyPr/>
-          <a:lstStyle/>
-          <a:p>
-            <a:endParaRPr lang="en-US" dirty="0"/>
-          </a:p>
-        </p:txBody>
-      </p:sp>
-      <p:sp>
-        <p:nvSpPr>
-          <p:cNvPr id="3" name="Text Placeholder 2"/>
-          <p:cNvSpPr>
-            <a:spLocks noGrp="1"/>
-          </p:cNvSpPr>
-          <p:nvPr>
-            <p:ph type="body" sz="quarter" idx="11"/>
-          </p:nvPr>
-        </p:nvSpPr>
-        <p:spPr/>
-        <p:txBody>
-          <a:bodyPr/>
-          <a:lstStyle/>
-          <a:p>
-            <a:endParaRPr lang="en-US" dirty="0"/>
-          </a:p>
-        </p:txBody>
-      </p:sp>
-      <p:sp>
-        <p:nvSpPr>
-          <p:cNvPr id="4" name="Text Placeholder 3"/>
-          <p:cNvSpPr>
-            <a:spLocks noGrp="1"/>
-          </p:cNvSpPr>
-          <p:nvPr>
-            <p:ph type="body" sz="quarter" idx="12"/>
-          </p:nvPr>
-        </p:nvSpPr>
-        <p:spPr/>
-        <p:txBody>
-          <a:bodyPr/>
-          <a:lstStyle/>
-          <a:p>
-            <a:endParaRPr lang="en-US" dirty="0"/>
-          </a:p>
-        </p:txBody>
-      </p:sp>
-    </p:spTree>
-    <p:extLst>
-      <p:ext uri="{BB962C8B-B14F-4D97-AF65-F5344CB8AC3E}">
-        <p14:creationId xmlns:p14="http://schemas.microsoft.com/office/powerpoint/2010/main" val="3396897783"/>
-      </p:ext>
-    </p:extLst>
-  </p:cSld>
-  <p:clrMapOvr>
-    <a:masterClrMapping/>
-  </p:clrMapOvr>
-</p:sld>
-</file>
-
-<file path=ppt/slides/slide21.xml><?xml version="1.0" encoding="utf-8"?>
-<p:sld xmlns:a="http://schemas.openxmlformats.org/drawingml/2006/main" xmlns:r="http://schemas.openxmlformats.org/officeDocument/2006/relationships" xmlns:p="http://schemas.openxmlformats.org/presentationml/2006/main">
-  <p:cSld>
-    <p:spTree>
-      <p:nvGrpSpPr>
-        <p:cNvPr id="1" name=""/>
-        <p:cNvGrpSpPr/>
-        <p:nvPr/>
-      </p:nvGrpSpPr>
-      <p:grpSpPr>
-        <a:xfrm>
-          <a:off x="0" y="0"/>
-          <a:ext cx="0" cy="0"/>
-          <a:chOff x="0" y="0"/>
-          <a:chExt cx="0" cy="0"/>
-        </a:xfrm>
-      </p:grpSpPr>
-      <p:sp>
-        <p:nvSpPr>
-          <p:cNvPr id="2" name="Title 1"/>
-          <p:cNvSpPr>
-            <a:spLocks noGrp="1"/>
-          </p:cNvSpPr>
-          <p:nvPr>
-            <p:ph type="title"/>
-          </p:nvPr>
-        </p:nvSpPr>
-        <p:spPr/>
-        <p:txBody>
-          <a:bodyPr/>
-          <a:lstStyle/>
-          <a:p>
-            <a:endParaRPr lang="en-US" dirty="0"/>
-          </a:p>
-        </p:txBody>
-      </p:sp>
-      <p:sp>
-        <p:nvSpPr>
-          <p:cNvPr id="3" name="Text Placeholder 2"/>
-          <p:cNvSpPr>
-            <a:spLocks noGrp="1"/>
-          </p:cNvSpPr>
-          <p:nvPr>
-            <p:ph type="body" sz="quarter" idx="11"/>
-          </p:nvPr>
-        </p:nvSpPr>
-        <p:spPr/>
-        <p:txBody>
-          <a:bodyPr/>
-          <a:lstStyle/>
-          <a:p>
-            <a:endParaRPr lang="en-US" dirty="0"/>
-          </a:p>
-        </p:txBody>
-      </p:sp>
-      <p:sp>
-        <p:nvSpPr>
-          <p:cNvPr id="4" name="Text Placeholder 3"/>
-          <p:cNvSpPr>
-            <a:spLocks noGrp="1"/>
-          </p:cNvSpPr>
-          <p:nvPr>
-            <p:ph type="body" sz="quarter" idx="12"/>
-          </p:nvPr>
-        </p:nvSpPr>
-        <p:spPr/>
-        <p:txBody>
-          <a:bodyPr/>
-          <a:lstStyle/>
-          <a:p>
-            <a:endParaRPr lang="en-US" dirty="0"/>
-          </a:p>
-        </p:txBody>
-      </p:sp>
-      <p:sp>
-        <p:nvSpPr>
-          <p:cNvPr id="5" name="Content Placeholder 4"/>
-          <p:cNvSpPr>
-            <a:spLocks noGrp="1"/>
-          </p:cNvSpPr>
-          <p:nvPr>
-            <p:ph sz="quarter" idx="13"/>
-          </p:nvPr>
-        </p:nvSpPr>
-        <p:spPr/>
-        <p:txBody>
-          <a:bodyPr/>
-          <a:lstStyle/>
-          <a:p>
-            <a:endParaRPr lang="en-US" dirty="0"/>
-          </a:p>
-        </p:txBody>
-      </p:sp>
-      <p:sp>
-        <p:nvSpPr>
-          <p:cNvPr id="6" name="Content Placeholder 5"/>
-          <p:cNvSpPr>
-            <a:spLocks noGrp="1"/>
-          </p:cNvSpPr>
-          <p:nvPr>
-            <p:ph sz="quarter" idx="14"/>
-          </p:nvPr>
-        </p:nvSpPr>
-        <p:spPr/>
-        <p:txBody>
-          <a:bodyPr/>
-          <a:lstStyle/>
-          <a:p>
-            <a:endParaRPr lang="en-US" dirty="0"/>
-          </a:p>
-        </p:txBody>
-      </p:sp>
-      <p:sp>
-        <p:nvSpPr>
-          <p:cNvPr id="7" name="Content Placeholder 6"/>
-          <p:cNvSpPr>
-            <a:spLocks noGrp="1"/>
-          </p:cNvSpPr>
-          <p:nvPr>
-            <p:ph sz="quarter" idx="15"/>
-          </p:nvPr>
-        </p:nvSpPr>
-        <p:spPr/>
-        <p:txBody>
-          <a:bodyPr/>
-          <a:lstStyle/>
-          <a:p>
-            <a:endParaRPr lang="en-US" dirty="0"/>
-          </a:p>
-        </p:txBody>
-      </p:sp>
-      <p:sp>
-        <p:nvSpPr>
-          <p:cNvPr id="8" name="Content Placeholder 7"/>
-          <p:cNvSpPr>
-            <a:spLocks noGrp="1"/>
-          </p:cNvSpPr>
-          <p:nvPr>
-            <p:ph sz="quarter" idx="16"/>
-          </p:nvPr>
-        </p:nvSpPr>
-        <p:spPr/>
-        <p:txBody>
-          <a:bodyPr/>
-          <a:lstStyle/>
-          <a:p>
-            <a:endParaRPr lang="en-US" dirty="0"/>
-          </a:p>
-        </p:txBody>
-      </p:sp>
-    </p:spTree>
-    <p:extLst>
-      <p:ext uri="{BB962C8B-B14F-4D97-AF65-F5344CB8AC3E}">
-        <p14:creationId xmlns:p14="http://schemas.microsoft.com/office/powerpoint/2010/main" val="4175217093"/>
-      </p:ext>
-    </p:extLst>
-  </p:cSld>
-  <p:clrMapOvr>
-    <a:masterClrMapping/>
-  </p:clrMapOvr>
-</p:sld>
-</file>
-
-<file path=ppt/slides/slide22.xml><?xml version="1.0" encoding="utf-8"?>
-<p:sld xmlns:a="http://schemas.openxmlformats.org/drawingml/2006/main" xmlns:r="http://schemas.openxmlformats.org/officeDocument/2006/relationships" xmlns:p="http://schemas.openxmlformats.org/presentationml/2006/main">
-  <p:cSld>
-    <p:spTree>
-      <p:nvGrpSpPr>
-        <p:cNvPr id="1" name=""/>
-        <p:cNvGrpSpPr/>
-        <p:nvPr/>
-      </p:nvGrpSpPr>
-      <p:grpSpPr>
-        <a:xfrm>
-          <a:off x="0" y="0"/>
-          <a:ext cx="0" cy="0"/>
-          <a:chOff x="0" y="0"/>
-          <a:chExt cx="0" cy="0"/>
-        </a:xfrm>
-      </p:grpSpPr>
-    </p:spTree>
-    <p:extLst>
-      <p:ext uri="{BB962C8B-B14F-4D97-AF65-F5344CB8AC3E}">
-        <p14:creationId xmlns:p14="http://schemas.microsoft.com/office/powerpoint/2010/main" val="1248974276"/>
-      </p:ext>
-    </p:extLst>
-  </p:cSld>
-  <p:clrMapOvr>
-    <a:masterClrMapping/>
-  </p:clrMapOvr>
-</p:sld>
-</file>
-
-<file path=ppt/slides/slide23.xml><?xml version="1.0" encoding="utf-8"?>
-<p:sld xmlns:a="http://schemas.openxmlformats.org/drawingml/2006/main" xmlns:r="http://schemas.openxmlformats.org/officeDocument/2006/relationships" xmlns:p="http://schemas.openxmlformats.org/presentationml/2006/main">
-  <p:cSld>
-    <p:spTree>
-      <p:nvGrpSpPr>
-        <p:cNvPr id="1" name=""/>
-        <p:cNvGrpSpPr/>
-        <p:nvPr/>
-      </p:nvGrpSpPr>
-      <p:grpSpPr>
-        <a:xfrm>
-          <a:off x="0" y="0"/>
-          <a:ext cx="0" cy="0"/>
-          <a:chOff x="0" y="0"/>
-          <a:chExt cx="0" cy="0"/>
-        </a:xfrm>
-      </p:grpSpPr>
-      <p:sp>
-        <p:nvSpPr>
-          <p:cNvPr id="2" name="Title 1"/>
-          <p:cNvSpPr>
-            <a:spLocks noGrp="1"/>
-          </p:cNvSpPr>
-          <p:nvPr>
-            <p:ph type="title"/>
-          </p:nvPr>
-        </p:nvSpPr>
-        <p:spPr/>
-        <p:txBody>
-          <a:bodyPr/>
-          <a:lstStyle/>
-          <a:p>
-            <a:endParaRPr lang="en-US" dirty="0"/>
-          </a:p>
-        </p:txBody>
-      </p:sp>
-    </p:spTree>
-    <p:extLst>
-      <p:ext uri="{BB962C8B-B14F-4D97-AF65-F5344CB8AC3E}">
-        <p14:creationId xmlns:p14="http://schemas.microsoft.com/office/powerpoint/2010/main" val="4043228219"/>
-      </p:ext>
-    </p:extLst>
-  </p:cSld>
-  <p:clrMapOvr>
-    <a:masterClrMapping/>
-  </p:clrMapOvr>
-</p:sld>
-</file>
-
-<file path=ppt/slides/slide24.xml><?xml version="1.0" encoding="utf-8"?>
-<p:sld xmlns:a="http://schemas.openxmlformats.org/drawingml/2006/main" xmlns:r="http://schemas.openxmlformats.org/officeDocument/2006/relationships" xmlns:p="http://schemas.openxmlformats.org/presentationml/2006/main">
-  <p:cSld>
-    <p:spTree>
-      <p:nvGrpSpPr>
-        <p:cNvPr id="1" name=""/>
-        <p:cNvGrpSpPr/>
-        <p:nvPr/>
-      </p:nvGrpSpPr>
-      <p:grpSpPr>
-        <a:xfrm>
-          <a:off x="0" y="0"/>
-          <a:ext cx="0" cy="0"/>
-          <a:chOff x="0" y="0"/>
-          <a:chExt cx="0" cy="0"/>
-        </a:xfrm>
-      </p:grpSpPr>
-      <p:sp>
-        <p:nvSpPr>
-          <p:cNvPr id="2" name="Title 1"/>
-          <p:cNvSpPr>
-            <a:spLocks noGrp="1"/>
-          </p:cNvSpPr>
-          <p:nvPr>
-            <p:ph type="title"/>
-          </p:nvPr>
-        </p:nvSpPr>
-        <p:spPr/>
-        <p:txBody>
-          <a:bodyPr/>
-          <a:lstStyle/>
-          <a:p>
-            <a:endParaRPr lang="en-US" dirty="0"/>
-          </a:p>
-        </p:txBody>
-      </p:sp>
-    </p:spTree>
-    <p:extLst>
-      <p:ext uri="{BB962C8B-B14F-4D97-AF65-F5344CB8AC3E}">
-        <p14:creationId xmlns:p14="http://schemas.microsoft.com/office/powerpoint/2010/main" val="879315752"/>
-      </p:ext>
-    </p:extLst>
-  </p:cSld>
-  <p:clrMapOvr>
-    <a:masterClrMapping/>
-  </p:clrMapOvr>
 </p:sld>
 </file>
 
@@ -20725,16 +23107,99 @@
           </a:p>
         </p:txBody>
       </p:sp>
+      <p:sp>
+        <p:nvSpPr>
+          <p:cNvPr id="3" name="Text Placeholder 2"/>
+          <p:cNvSpPr>
+            <a:spLocks noGrp="1"/>
+          </p:cNvSpPr>
+          <p:nvPr>
+            <p:ph type="body" sz="quarter" idx="11"/>
+          </p:nvPr>
+        </p:nvSpPr>
+        <p:spPr/>
+        <p:txBody>
+          <a:bodyPr/>
+          <a:lstStyle/>
+          <a:p>
+            <a:endParaRPr lang="en-US" dirty="0"/>
+          </a:p>
+        </p:txBody>
+      </p:sp>
+      <p:sp>
+        <p:nvSpPr>
+          <p:cNvPr id="4" name="Text Placeholder 3"/>
+          <p:cNvSpPr>
+            <a:spLocks noGrp="1"/>
+          </p:cNvSpPr>
+          <p:nvPr>
+            <p:ph type="body" sz="quarter" idx="12"/>
+          </p:nvPr>
+        </p:nvSpPr>
+        <p:spPr/>
+        <p:txBody>
+          <a:bodyPr/>
+          <a:lstStyle/>
+          <a:p>
+            <a:endParaRPr lang="en-US" dirty="0"/>
+          </a:p>
+        </p:txBody>
+      </p:sp>
+      <p:sp>
+        <p:nvSpPr>
+          <p:cNvPr id="5" name="Content Placeholder 4"/>
+          <p:cNvSpPr>
+            <a:spLocks noGrp="1"/>
+          </p:cNvSpPr>
+          <p:nvPr>
+            <p:ph sz="quarter" idx="13"/>
+          </p:nvPr>
+        </p:nvSpPr>
+        <p:spPr/>
+        <p:txBody>
+          <a:bodyPr/>
+          <a:lstStyle/>
+          <a:p>
+            <a:endParaRPr lang="en-US" dirty="0"/>
+          </a:p>
+        </p:txBody>
+      </p:sp>
+      <p:sp>
+        <p:nvSpPr>
+          <p:cNvPr id="6" name="Content Placeholder 5"/>
+          <p:cNvSpPr>
+            <a:spLocks noGrp="1"/>
+          </p:cNvSpPr>
+          <p:nvPr>
+            <p:ph sz="quarter" idx="14"/>
+          </p:nvPr>
+        </p:nvSpPr>
+        <p:spPr/>
+        <p:txBody>
+          <a:bodyPr/>
+          <a:lstStyle/>
+          <a:p>
+            <a:endParaRPr lang="en-US" dirty="0"/>
+          </a:p>
+        </p:txBody>
+      </p:sp>
     </p:spTree>
     <p:extLst>
       <p:ext uri="{BB962C8B-B14F-4D97-AF65-F5344CB8AC3E}">
-        <p14:creationId xmlns:p14="http://schemas.microsoft.com/office/powerpoint/2010/main" val="1884355158"/>
+        <p14:creationId xmlns:p14="http://schemas.microsoft.com/office/powerpoint/2010/main" val="2282566597"/>
       </p:ext>
     </p:extLst>
   </p:cSld>
   <p:clrMapOvr>
     <a:masterClrMapping/>
   </p:clrMapOvr>
+  <p:timing>
+    <p:tnLst>
+      <p:par>
+        <p:cTn id="1" dur="indefinite" restart="never" nodeType="tmRoot"/>
+      </p:par>
+    </p:tnLst>
+  </p:timing>
 </p:sld>
 </file>
 
@@ -20795,24 +23260,12 @@
       </p:sp>
       <p:sp>
         <p:nvSpPr>
-          <p:cNvPr id="4" name="Picture Placeholder 3"/>
+          <p:cNvPr id="4" name="Text Placeholder 3"/>
           <p:cNvSpPr>
             <a:spLocks noGrp="1"/>
           </p:cNvSpPr>
           <p:nvPr>
-            <p:ph type="pic" sz="quarter" idx="34"/>
-          </p:nvPr>
-        </p:nvSpPr>
-        <p:spPr/>
-      </p:sp>
-      <p:sp>
-        <p:nvSpPr>
-          <p:cNvPr id="5" name="Text Placeholder 4"/>
-          <p:cNvSpPr>
-            <a:spLocks noGrp="1"/>
-          </p:cNvSpPr>
-          <p:nvPr>
-            <p:ph type="body" sz="quarter" idx="35"/>
+            <p:ph type="body" sz="quarter" idx="12"/>
           </p:nvPr>
         </p:nvSpPr>
         <p:spPr/>
@@ -20826,12 +23279,12 @@
       </p:sp>
       <p:sp>
         <p:nvSpPr>
-          <p:cNvPr id="6" name="Text Placeholder 5"/>
+          <p:cNvPr id="5" name="Content Placeholder 4"/>
           <p:cNvSpPr>
             <a:spLocks noGrp="1"/>
           </p:cNvSpPr>
           <p:nvPr>
-            <p:ph type="body" sz="quarter" idx="36"/>
+            <p:ph sz="quarter" idx="13"/>
           </p:nvPr>
         </p:nvSpPr>
         <p:spPr/>
@@ -20845,12 +23298,12 @@
       </p:sp>
       <p:sp>
         <p:nvSpPr>
-          <p:cNvPr id="7" name="Text Placeholder 6"/>
+          <p:cNvPr id="6" name="Content Placeholder 5"/>
           <p:cNvSpPr>
             <a:spLocks noGrp="1"/>
           </p:cNvSpPr>
           <p:nvPr>
-            <p:ph type="body" sz="quarter" idx="37"/>
+            <p:ph sz="quarter" idx="14"/>
           </p:nvPr>
         </p:nvSpPr>
         <p:spPr/>
@@ -20864,12 +23317,12 @@
       </p:sp>
       <p:sp>
         <p:nvSpPr>
-          <p:cNvPr id="8" name="Text Placeholder 7"/>
+          <p:cNvPr id="7" name="Content Placeholder 6"/>
           <p:cNvSpPr>
             <a:spLocks noGrp="1"/>
           </p:cNvSpPr>
           <p:nvPr>
-            <p:ph type="body" sz="quarter" idx="38"/>
+            <p:ph sz="quarter" idx="15"/>
           </p:nvPr>
         </p:nvSpPr>
         <p:spPr/>
@@ -20881,136 +23334,10 @@
           </a:p>
         </p:txBody>
       </p:sp>
-      <p:sp>
-        <p:nvSpPr>
-          <p:cNvPr id="9" name="Text Placeholder 8"/>
-          <p:cNvSpPr>
-            <a:spLocks noGrp="1"/>
-          </p:cNvSpPr>
-          <p:nvPr>
-            <p:ph type="body" sz="quarter" idx="39"/>
-          </p:nvPr>
-        </p:nvSpPr>
-        <p:spPr/>
-        <p:txBody>
-          <a:bodyPr/>
-          <a:lstStyle/>
-          <a:p>
-            <a:endParaRPr lang="en-US" dirty="0"/>
-          </a:p>
-        </p:txBody>
-      </p:sp>
-      <p:sp>
-        <p:nvSpPr>
-          <p:cNvPr id="10" name="Picture Placeholder 9"/>
-          <p:cNvSpPr>
-            <a:spLocks noGrp="1"/>
-          </p:cNvSpPr>
-          <p:nvPr>
-            <p:ph type="pic" sz="quarter" idx="40"/>
-          </p:nvPr>
-        </p:nvSpPr>
-        <p:spPr/>
-      </p:sp>
-      <p:sp>
-        <p:nvSpPr>
-          <p:cNvPr id="11" name="Text Placeholder 10"/>
-          <p:cNvSpPr>
-            <a:spLocks noGrp="1"/>
-          </p:cNvSpPr>
-          <p:nvPr>
-            <p:ph type="body" sz="quarter" idx="41"/>
-          </p:nvPr>
-        </p:nvSpPr>
-        <p:spPr/>
-        <p:txBody>
-          <a:bodyPr/>
-          <a:lstStyle/>
-          <a:p>
-            <a:endParaRPr lang="en-US" dirty="0"/>
-          </a:p>
-        </p:txBody>
-      </p:sp>
-      <p:sp>
-        <p:nvSpPr>
-          <p:cNvPr id="12" name="Text Placeholder 11"/>
-          <p:cNvSpPr>
-            <a:spLocks noGrp="1"/>
-          </p:cNvSpPr>
-          <p:nvPr>
-            <p:ph type="body" sz="quarter" idx="42"/>
-          </p:nvPr>
-        </p:nvSpPr>
-        <p:spPr/>
-        <p:txBody>
-          <a:bodyPr/>
-          <a:lstStyle/>
-          <a:p>
-            <a:endParaRPr lang="en-US" dirty="0"/>
-          </a:p>
-        </p:txBody>
-      </p:sp>
-      <p:sp>
-        <p:nvSpPr>
-          <p:cNvPr id="13" name="Text Placeholder 12"/>
-          <p:cNvSpPr>
-            <a:spLocks noGrp="1"/>
-          </p:cNvSpPr>
-          <p:nvPr>
-            <p:ph type="body" sz="quarter" idx="43"/>
-          </p:nvPr>
-        </p:nvSpPr>
-        <p:spPr/>
-        <p:txBody>
-          <a:bodyPr/>
-          <a:lstStyle/>
-          <a:p>
-            <a:endParaRPr lang="en-US" dirty="0"/>
-          </a:p>
-        </p:txBody>
-      </p:sp>
-      <p:sp>
-        <p:nvSpPr>
-          <p:cNvPr id="14" name="Text Placeholder 13"/>
-          <p:cNvSpPr>
-            <a:spLocks noGrp="1"/>
-          </p:cNvSpPr>
-          <p:nvPr>
-            <p:ph type="body" sz="quarter" idx="44"/>
-          </p:nvPr>
-        </p:nvSpPr>
-        <p:spPr/>
-        <p:txBody>
-          <a:bodyPr/>
-          <a:lstStyle/>
-          <a:p>
-            <a:endParaRPr lang="en-US" dirty="0"/>
-          </a:p>
-        </p:txBody>
-      </p:sp>
-      <p:sp>
-        <p:nvSpPr>
-          <p:cNvPr id="15" name="Text Placeholder 14"/>
-          <p:cNvSpPr>
-            <a:spLocks noGrp="1"/>
-          </p:cNvSpPr>
-          <p:nvPr>
-            <p:ph type="body" sz="quarter" idx="45"/>
-          </p:nvPr>
-        </p:nvSpPr>
-        <p:spPr/>
-        <p:txBody>
-          <a:bodyPr/>
-          <a:lstStyle/>
-          <a:p>
-            <a:endParaRPr lang="en-US" dirty="0"/>
-          </a:p>
-        </p:txBody>
-      </p:sp>
     </p:spTree>
     <p:extLst>
       <p:ext uri="{BB962C8B-B14F-4D97-AF65-F5344CB8AC3E}">
-        <p14:creationId xmlns:p14="http://schemas.microsoft.com/office/powerpoint/2010/main" val="2446843722"/>
+        <p14:creationId xmlns:p14="http://schemas.microsoft.com/office/powerpoint/2010/main" val="538070859"/>
       </p:ext>
     </p:extLst>
   </p:cSld>
@@ -21021,6 +23348,169 @@
 </file>
 
 <file path=ppt/slides/slide27.xml><?xml version="1.0" encoding="utf-8"?>
+<p:sld xmlns:a="http://schemas.openxmlformats.org/drawingml/2006/main" xmlns:r="http://schemas.openxmlformats.org/officeDocument/2006/relationships" xmlns:p="http://schemas.openxmlformats.org/presentationml/2006/main">
+  <p:cSld>
+    <p:spTree>
+      <p:nvGrpSpPr>
+        <p:cNvPr id="1" name=""/>
+        <p:cNvGrpSpPr/>
+        <p:nvPr/>
+      </p:nvGrpSpPr>
+      <p:grpSpPr>
+        <a:xfrm>
+          <a:off x="0" y="0"/>
+          <a:ext cx="0" cy="0"/>
+          <a:chOff x="0" y="0"/>
+          <a:chExt cx="0" cy="0"/>
+        </a:xfrm>
+      </p:grpSpPr>
+      <p:sp>
+        <p:nvSpPr>
+          <p:cNvPr id="5" name="Content Placeholder 4"/>
+          <p:cNvSpPr>
+            <a:spLocks noGrp="1"/>
+          </p:cNvSpPr>
+          <p:nvPr>
+            <p:ph sz="quarter" idx="16"/>
+          </p:nvPr>
+        </p:nvSpPr>
+        <p:spPr/>
+        <p:txBody>
+          <a:bodyPr/>
+          <a:lstStyle/>
+          <a:p>
+            <a:endParaRPr lang="en-US" dirty="0"/>
+          </a:p>
+        </p:txBody>
+      </p:sp>
+      <p:sp>
+        <p:nvSpPr>
+          <p:cNvPr id="6" name="Content Placeholder 5"/>
+          <p:cNvSpPr>
+            <a:spLocks noGrp="1"/>
+          </p:cNvSpPr>
+          <p:nvPr>
+            <p:ph sz="quarter" idx="17"/>
+          </p:nvPr>
+        </p:nvSpPr>
+        <p:spPr/>
+        <p:txBody>
+          <a:bodyPr/>
+          <a:lstStyle/>
+          <a:p>
+            <a:endParaRPr lang="en-US" dirty="0"/>
+          </a:p>
+        </p:txBody>
+      </p:sp>
+      <p:sp>
+        <p:nvSpPr>
+          <p:cNvPr id="7" name="Content Placeholder 6"/>
+          <p:cNvSpPr>
+            <a:spLocks noGrp="1"/>
+          </p:cNvSpPr>
+          <p:nvPr>
+            <p:ph sz="quarter" idx="18"/>
+          </p:nvPr>
+        </p:nvSpPr>
+        <p:spPr/>
+        <p:txBody>
+          <a:bodyPr/>
+          <a:lstStyle/>
+          <a:p>
+            <a:endParaRPr lang="en-US" dirty="0"/>
+          </a:p>
+        </p:txBody>
+      </p:sp>
+      <p:sp>
+        <p:nvSpPr>
+          <p:cNvPr id="8" name="Content Placeholder 7"/>
+          <p:cNvSpPr>
+            <a:spLocks noGrp="1"/>
+          </p:cNvSpPr>
+          <p:nvPr>
+            <p:ph sz="quarter" idx="19"/>
+          </p:nvPr>
+        </p:nvSpPr>
+        <p:spPr/>
+        <p:txBody>
+          <a:bodyPr/>
+          <a:lstStyle/>
+          <a:p>
+            <a:endParaRPr lang="en-US" dirty="0"/>
+          </a:p>
+        </p:txBody>
+      </p:sp>
+      <p:sp>
+        <p:nvSpPr>
+          <p:cNvPr id="2" name="Title 1"/>
+          <p:cNvSpPr>
+            <a:spLocks noGrp="1"/>
+          </p:cNvSpPr>
+          <p:nvPr>
+            <p:ph type="title"/>
+          </p:nvPr>
+        </p:nvSpPr>
+        <p:spPr/>
+        <p:txBody>
+          <a:bodyPr/>
+          <a:lstStyle/>
+          <a:p>
+            <a:endParaRPr lang="en-US" dirty="0"/>
+          </a:p>
+        </p:txBody>
+      </p:sp>
+      <p:sp>
+        <p:nvSpPr>
+          <p:cNvPr id="3" name="Text Placeholder 2"/>
+          <p:cNvSpPr>
+            <a:spLocks noGrp="1"/>
+          </p:cNvSpPr>
+          <p:nvPr>
+            <p:ph type="body" sz="quarter" idx="11"/>
+          </p:nvPr>
+        </p:nvSpPr>
+        <p:spPr/>
+        <p:txBody>
+          <a:bodyPr/>
+          <a:lstStyle/>
+          <a:p>
+            <a:endParaRPr lang="en-US" dirty="0"/>
+          </a:p>
+        </p:txBody>
+      </p:sp>
+      <p:sp>
+        <p:nvSpPr>
+          <p:cNvPr id="4" name="Text Placeholder 3"/>
+          <p:cNvSpPr>
+            <a:spLocks noGrp="1"/>
+          </p:cNvSpPr>
+          <p:nvPr>
+            <p:ph type="body" sz="quarter" idx="12"/>
+          </p:nvPr>
+        </p:nvSpPr>
+        <p:spPr/>
+        <p:txBody>
+          <a:bodyPr/>
+          <a:lstStyle/>
+          <a:p>
+            <a:endParaRPr lang="en-US" dirty="0"/>
+          </a:p>
+        </p:txBody>
+      </p:sp>
+    </p:spTree>
+    <p:extLst>
+      <p:ext uri="{BB962C8B-B14F-4D97-AF65-F5344CB8AC3E}">
+        <p14:creationId xmlns:p14="http://schemas.microsoft.com/office/powerpoint/2010/main" val="3396897783"/>
+      </p:ext>
+    </p:extLst>
+  </p:cSld>
+  <p:clrMapOvr>
+    <a:masterClrMapping/>
+  </p:clrMapOvr>
+</p:sld>
+</file>
+
+<file path=ppt/slides/slide28.xml><?xml version="1.0" encoding="utf-8"?>
 <p:sld xmlns:a="http://schemas.openxmlformats.org/drawingml/2006/main" xmlns:r="http://schemas.openxmlformats.org/officeDocument/2006/relationships" xmlns:p="http://schemas.openxmlformats.org/presentationml/2006/main">
   <p:cSld>
     <p:spTree>
@@ -21058,358 +23548,6 @@
       </p:sp>
       <p:sp>
         <p:nvSpPr>
-          <p:cNvPr id="4" name="Picture Placeholder 3"/>
-          <p:cNvSpPr>
-            <a:spLocks noGrp="1"/>
-          </p:cNvSpPr>
-          <p:nvPr>
-            <p:ph type="pic" sz="quarter" idx="15"/>
-          </p:nvPr>
-        </p:nvSpPr>
-        <p:spPr/>
-      </p:sp>
-      <p:sp>
-        <p:nvSpPr>
-          <p:cNvPr id="5" name="Text Placeholder 4"/>
-          <p:cNvSpPr>
-            <a:spLocks noGrp="1"/>
-          </p:cNvSpPr>
-          <p:nvPr>
-            <p:ph type="body" sz="quarter" idx="18"/>
-          </p:nvPr>
-        </p:nvSpPr>
-        <p:spPr/>
-        <p:txBody>
-          <a:bodyPr/>
-          <a:lstStyle/>
-          <a:p>
-            <a:endParaRPr lang="en-US" dirty="0"/>
-          </a:p>
-        </p:txBody>
-      </p:sp>
-      <p:sp>
-        <p:nvSpPr>
-          <p:cNvPr id="6" name="Text Placeholder 5"/>
-          <p:cNvSpPr>
-            <a:spLocks noGrp="1"/>
-          </p:cNvSpPr>
-          <p:nvPr>
-            <p:ph type="body" sz="quarter" idx="19"/>
-          </p:nvPr>
-        </p:nvSpPr>
-        <p:spPr/>
-        <p:txBody>
-          <a:bodyPr/>
-          <a:lstStyle/>
-          <a:p>
-            <a:endParaRPr lang="en-US" dirty="0"/>
-          </a:p>
-        </p:txBody>
-      </p:sp>
-      <p:sp>
-        <p:nvSpPr>
-          <p:cNvPr id="7" name="Text Placeholder 6"/>
-          <p:cNvSpPr>
-            <a:spLocks noGrp="1"/>
-          </p:cNvSpPr>
-          <p:nvPr>
-            <p:ph type="body" sz="quarter" idx="26"/>
-          </p:nvPr>
-        </p:nvSpPr>
-        <p:spPr/>
-        <p:txBody>
-          <a:bodyPr/>
-          <a:lstStyle/>
-          <a:p>
-            <a:endParaRPr lang="en-US" dirty="0"/>
-          </a:p>
-        </p:txBody>
-      </p:sp>
-      <p:sp>
-        <p:nvSpPr>
-          <p:cNvPr id="8" name="Text Placeholder 7"/>
-          <p:cNvSpPr>
-            <a:spLocks noGrp="1"/>
-          </p:cNvSpPr>
-          <p:nvPr>
-            <p:ph type="body" sz="quarter" idx="27"/>
-          </p:nvPr>
-        </p:nvSpPr>
-        <p:spPr/>
-        <p:txBody>
-          <a:bodyPr/>
-          <a:lstStyle/>
-          <a:p>
-            <a:endParaRPr lang="en-US" dirty="0"/>
-          </a:p>
-        </p:txBody>
-      </p:sp>
-      <p:sp>
-        <p:nvSpPr>
-          <p:cNvPr id="9" name="Picture Placeholder 8"/>
-          <p:cNvSpPr>
-            <a:spLocks noGrp="1"/>
-          </p:cNvSpPr>
-          <p:nvPr>
-            <p:ph type="pic" sz="quarter" idx="28"/>
-          </p:nvPr>
-        </p:nvSpPr>
-        <p:spPr/>
-      </p:sp>
-      <p:sp>
-        <p:nvSpPr>
-          <p:cNvPr id="10" name="Text Placeholder 9"/>
-          <p:cNvSpPr>
-            <a:spLocks noGrp="1"/>
-          </p:cNvSpPr>
-          <p:nvPr>
-            <p:ph type="body" sz="quarter" idx="29"/>
-          </p:nvPr>
-        </p:nvSpPr>
-        <p:spPr/>
-        <p:txBody>
-          <a:bodyPr/>
-          <a:lstStyle/>
-          <a:p>
-            <a:endParaRPr lang="en-US" dirty="0"/>
-          </a:p>
-        </p:txBody>
-      </p:sp>
-      <p:sp>
-        <p:nvSpPr>
-          <p:cNvPr id="11" name="Text Placeholder 10"/>
-          <p:cNvSpPr>
-            <a:spLocks noGrp="1"/>
-          </p:cNvSpPr>
-          <p:nvPr>
-            <p:ph type="body" sz="quarter" idx="30"/>
-          </p:nvPr>
-        </p:nvSpPr>
-        <p:spPr/>
-        <p:txBody>
-          <a:bodyPr/>
-          <a:lstStyle/>
-          <a:p>
-            <a:endParaRPr lang="en-US" dirty="0"/>
-          </a:p>
-        </p:txBody>
-      </p:sp>
-      <p:sp>
-        <p:nvSpPr>
-          <p:cNvPr id="12" name="Text Placeholder 11"/>
-          <p:cNvSpPr>
-            <a:spLocks noGrp="1"/>
-          </p:cNvSpPr>
-          <p:nvPr>
-            <p:ph type="body" sz="quarter" idx="32"/>
-          </p:nvPr>
-        </p:nvSpPr>
-        <p:spPr/>
-        <p:txBody>
-          <a:bodyPr/>
-          <a:lstStyle/>
-          <a:p>
-            <a:endParaRPr lang="en-US" dirty="0"/>
-          </a:p>
-        </p:txBody>
-      </p:sp>
-      <p:sp>
-        <p:nvSpPr>
-          <p:cNvPr id="13" name="Text Placeholder 12"/>
-          <p:cNvSpPr>
-            <a:spLocks noGrp="1"/>
-          </p:cNvSpPr>
-          <p:nvPr>
-            <p:ph type="body" sz="quarter" idx="33"/>
-          </p:nvPr>
-        </p:nvSpPr>
-        <p:spPr/>
-        <p:txBody>
-          <a:bodyPr/>
-          <a:lstStyle/>
-          <a:p>
-            <a:endParaRPr lang="en-US" dirty="0"/>
-          </a:p>
-        </p:txBody>
-      </p:sp>
-      <p:sp>
-        <p:nvSpPr>
-          <p:cNvPr id="14" name="Picture Placeholder 13"/>
-          <p:cNvSpPr>
-            <a:spLocks noGrp="1"/>
-          </p:cNvSpPr>
-          <p:nvPr>
-            <p:ph type="pic" sz="quarter" idx="34"/>
-          </p:nvPr>
-        </p:nvSpPr>
-        <p:spPr/>
-      </p:sp>
-      <p:sp>
-        <p:nvSpPr>
-          <p:cNvPr id="15" name="Text Placeholder 14"/>
-          <p:cNvSpPr>
-            <a:spLocks noGrp="1"/>
-          </p:cNvSpPr>
-          <p:nvPr>
-            <p:ph type="body" sz="quarter" idx="35"/>
-          </p:nvPr>
-        </p:nvSpPr>
-        <p:spPr/>
-        <p:txBody>
-          <a:bodyPr/>
-          <a:lstStyle/>
-          <a:p>
-            <a:endParaRPr lang="en-US" dirty="0"/>
-          </a:p>
-        </p:txBody>
-      </p:sp>
-      <p:sp>
-        <p:nvSpPr>
-          <p:cNvPr id="16" name="Text Placeholder 15"/>
-          <p:cNvSpPr>
-            <a:spLocks noGrp="1"/>
-          </p:cNvSpPr>
-          <p:nvPr>
-            <p:ph type="body" sz="quarter" idx="36"/>
-          </p:nvPr>
-        </p:nvSpPr>
-        <p:spPr/>
-        <p:txBody>
-          <a:bodyPr/>
-          <a:lstStyle/>
-          <a:p>
-            <a:endParaRPr lang="en-US" dirty="0"/>
-          </a:p>
-        </p:txBody>
-      </p:sp>
-      <p:sp>
-        <p:nvSpPr>
-          <p:cNvPr id="18" name="Text Placeholder 17"/>
-          <p:cNvSpPr>
-            <a:spLocks noGrp="1"/>
-          </p:cNvSpPr>
-          <p:nvPr>
-            <p:ph type="body" sz="quarter" idx="38"/>
-          </p:nvPr>
-        </p:nvSpPr>
-        <p:spPr/>
-        <p:txBody>
-          <a:bodyPr/>
-          <a:lstStyle/>
-          <a:p>
-            <a:endParaRPr lang="en-US" dirty="0"/>
-          </a:p>
-        </p:txBody>
-      </p:sp>
-      <p:sp>
-        <p:nvSpPr>
-          <p:cNvPr id="19" name="Text Placeholder 18"/>
-          <p:cNvSpPr>
-            <a:spLocks noGrp="1"/>
-          </p:cNvSpPr>
-          <p:nvPr>
-            <p:ph type="body" sz="quarter" idx="39"/>
-          </p:nvPr>
-        </p:nvSpPr>
-        <p:spPr/>
-        <p:txBody>
-          <a:bodyPr/>
-          <a:lstStyle/>
-          <a:p>
-            <a:endParaRPr lang="en-US" dirty="0"/>
-          </a:p>
-        </p:txBody>
-      </p:sp>
-      <p:sp>
-        <p:nvSpPr>
-          <p:cNvPr id="20" name="Picture Placeholder 19"/>
-          <p:cNvSpPr>
-            <a:spLocks noGrp="1"/>
-          </p:cNvSpPr>
-          <p:nvPr>
-            <p:ph type="pic" sz="quarter" idx="40"/>
-          </p:nvPr>
-        </p:nvSpPr>
-        <p:spPr/>
-      </p:sp>
-      <p:sp>
-        <p:nvSpPr>
-          <p:cNvPr id="21" name="Text Placeholder 20"/>
-          <p:cNvSpPr>
-            <a:spLocks noGrp="1"/>
-          </p:cNvSpPr>
-          <p:nvPr>
-            <p:ph type="body" sz="quarter" idx="41"/>
-          </p:nvPr>
-        </p:nvSpPr>
-        <p:spPr/>
-        <p:txBody>
-          <a:bodyPr/>
-          <a:lstStyle/>
-          <a:p>
-            <a:endParaRPr lang="en-US" dirty="0"/>
-          </a:p>
-        </p:txBody>
-      </p:sp>
-      <p:sp>
-        <p:nvSpPr>
-          <p:cNvPr id="22" name="Text Placeholder 21"/>
-          <p:cNvSpPr>
-            <a:spLocks noGrp="1"/>
-          </p:cNvSpPr>
-          <p:nvPr>
-            <p:ph type="body" sz="quarter" idx="42"/>
-          </p:nvPr>
-        </p:nvSpPr>
-        <p:spPr/>
-        <p:txBody>
-          <a:bodyPr/>
-          <a:lstStyle/>
-          <a:p>
-            <a:endParaRPr lang="en-US" dirty="0"/>
-          </a:p>
-        </p:txBody>
-      </p:sp>
-      <p:sp>
-        <p:nvSpPr>
-          <p:cNvPr id="24" name="Text Placeholder 23"/>
-          <p:cNvSpPr>
-            <a:spLocks noGrp="1"/>
-          </p:cNvSpPr>
-          <p:nvPr>
-            <p:ph type="body" sz="quarter" idx="44"/>
-          </p:nvPr>
-        </p:nvSpPr>
-        <p:spPr/>
-        <p:txBody>
-          <a:bodyPr/>
-          <a:lstStyle/>
-          <a:p>
-            <a:endParaRPr lang="en-US" dirty="0"/>
-          </a:p>
-        </p:txBody>
-      </p:sp>
-      <p:sp>
-        <p:nvSpPr>
-          <p:cNvPr id="25" name="Text Placeholder 24"/>
-          <p:cNvSpPr>
-            <a:spLocks noGrp="1"/>
-          </p:cNvSpPr>
-          <p:nvPr>
-            <p:ph type="body" sz="quarter" idx="45"/>
-          </p:nvPr>
-        </p:nvSpPr>
-        <p:spPr/>
-        <p:txBody>
-          <a:bodyPr/>
-          <a:lstStyle/>
-          <a:p>
-            <a:endParaRPr lang="en-US" dirty="0"/>
-          </a:p>
-        </p:txBody>
-      </p:sp>
-      <p:sp>
-        <p:nvSpPr>
           <p:cNvPr id="3" name="Text Placeholder 2"/>
           <p:cNvSpPr>
             <a:spLocks noGrp="1"/>
@@ -21429,12 +23567,12 @@
       </p:sp>
       <p:sp>
         <p:nvSpPr>
-          <p:cNvPr id="17" name="Text Placeholder 16"/>
+          <p:cNvPr id="4" name="Text Placeholder 3"/>
           <p:cNvSpPr>
             <a:spLocks noGrp="1"/>
           </p:cNvSpPr>
           <p:nvPr>
-            <p:ph type="body" sz="quarter" idx="37"/>
+            <p:ph type="body" sz="quarter" idx="12"/>
           </p:nvPr>
         </p:nvSpPr>
         <p:spPr/>
@@ -21448,12 +23586,12 @@
       </p:sp>
       <p:sp>
         <p:nvSpPr>
-          <p:cNvPr id="23" name="Text Placeholder 22"/>
+          <p:cNvPr id="5" name="Content Placeholder 4"/>
           <p:cNvSpPr>
             <a:spLocks noGrp="1"/>
           </p:cNvSpPr>
           <p:nvPr>
-            <p:ph type="body" sz="quarter" idx="43"/>
+            <p:ph sz="quarter" idx="13"/>
           </p:nvPr>
         </p:nvSpPr>
         <p:spPr/>
@@ -21467,12 +23605,12 @@
       </p:sp>
       <p:sp>
         <p:nvSpPr>
-          <p:cNvPr id="26" name="Text Placeholder 25"/>
+          <p:cNvPr id="6" name="Content Placeholder 5"/>
           <p:cNvSpPr>
             <a:spLocks noGrp="1"/>
           </p:cNvSpPr>
           <p:nvPr>
-            <p:ph type="body" sz="quarter" idx="46"/>
+            <p:ph sz="quarter" idx="14"/>
           </p:nvPr>
         </p:nvSpPr>
         <p:spPr/>
@@ -21486,12 +23624,12 @@
       </p:sp>
       <p:sp>
         <p:nvSpPr>
-          <p:cNvPr id="27" name="Text Placeholder 26"/>
+          <p:cNvPr id="7" name="Content Placeholder 6"/>
           <p:cNvSpPr>
             <a:spLocks noGrp="1"/>
           </p:cNvSpPr>
           <p:nvPr>
-            <p:ph type="body" sz="quarter" idx="47"/>
+            <p:ph sz="quarter" idx="15"/>
           </p:nvPr>
         </p:nvSpPr>
         <p:spPr/>
@@ -21503,10 +23641,29 @@
           </a:p>
         </p:txBody>
       </p:sp>
+      <p:sp>
+        <p:nvSpPr>
+          <p:cNvPr id="8" name="Content Placeholder 7"/>
+          <p:cNvSpPr>
+            <a:spLocks noGrp="1"/>
+          </p:cNvSpPr>
+          <p:nvPr>
+            <p:ph sz="quarter" idx="16"/>
+          </p:nvPr>
+        </p:nvSpPr>
+        <p:spPr/>
+        <p:txBody>
+          <a:bodyPr/>
+          <a:lstStyle/>
+          <a:p>
+            <a:endParaRPr lang="en-US" dirty="0"/>
+          </a:p>
+        </p:txBody>
+      </p:sp>
     </p:spTree>
     <p:extLst>
       <p:ext uri="{BB962C8B-B14F-4D97-AF65-F5344CB8AC3E}">
-        <p14:creationId xmlns:p14="http://schemas.microsoft.com/office/powerpoint/2010/main" val="3372924499"/>
+        <p14:creationId xmlns:p14="http://schemas.microsoft.com/office/powerpoint/2010/main" val="4175217093"/>
       </p:ext>
     </p:extLst>
   </p:cSld>
@@ -21516,7 +23673,7 @@
 </p:sld>
 </file>
 
-<file path=ppt/slides/slide28.xml><?xml version="1.0" encoding="utf-8"?>
+<file path=ppt/slides/slide29.xml><?xml version="1.0" encoding="utf-8"?>
 <p:sld xmlns:a="http://schemas.openxmlformats.org/drawingml/2006/main" xmlns:r="http://schemas.openxmlformats.org/officeDocument/2006/relationships" xmlns:p="http://schemas.openxmlformats.org/presentationml/2006/main">
   <p:cSld>
     <p:spTree>
@@ -21533,48 +23690,10 @@
           <a:chExt cx="0" cy="0"/>
         </a:xfrm>
       </p:grpSpPr>
-      <p:sp>
-        <p:nvSpPr>
-          <p:cNvPr id="4" name="Title 3"/>
-          <p:cNvSpPr>
-            <a:spLocks noGrp="1"/>
-          </p:cNvSpPr>
-          <p:nvPr>
-            <p:ph type="title"/>
-          </p:nvPr>
-        </p:nvSpPr>
-        <p:spPr/>
-        <p:txBody>
-          <a:bodyPr/>
-          <a:lstStyle/>
-          <a:p>
-            <a:endParaRPr lang="en-US" dirty="0"/>
-          </a:p>
-        </p:txBody>
-      </p:sp>
-      <p:sp>
-        <p:nvSpPr>
-          <p:cNvPr id="5" name="Text Placeholder 4"/>
-          <p:cNvSpPr>
-            <a:spLocks noGrp="1"/>
-          </p:cNvSpPr>
-          <p:nvPr>
-            <p:ph type="body" sz="quarter" idx="10"/>
-          </p:nvPr>
-        </p:nvSpPr>
-        <p:spPr/>
-        <p:txBody>
-          <a:bodyPr/>
-          <a:lstStyle/>
-          <a:p>
-            <a:endParaRPr lang="en-US" dirty="0"/>
-          </a:p>
-        </p:txBody>
-      </p:sp>
     </p:spTree>
     <p:extLst>
       <p:ext uri="{BB962C8B-B14F-4D97-AF65-F5344CB8AC3E}">
-        <p14:creationId xmlns:p14="http://schemas.microsoft.com/office/powerpoint/2010/main" val="792884462"/>
+        <p14:creationId xmlns:p14="http://schemas.microsoft.com/office/powerpoint/2010/main" val="1248974276"/>
       </p:ext>
     </p:extLst>
   </p:cSld>
@@ -21618,7 +23737,1110 @@
           <a:p>
             <a:r>
               <a:rPr lang="en-US" dirty="0" smtClean="0"/>
-              <a:t>Is there a need to do anything to make our people happier?</a:t>
+              <a:t>Government of Bangladesh is interested in increasing the subjective well being of their people</a:t>
+            </a:r>
+            <a:endParaRPr lang="en-US" dirty="0"/>
+          </a:p>
+        </p:txBody>
+      </p:sp>
+      <p:sp>
+        <p:nvSpPr>
+          <p:cNvPr id="4" name="Text Placeholder 3"/>
+          <p:cNvSpPr>
+            <a:spLocks noGrp="1"/>
+          </p:cNvSpPr>
+          <p:nvPr>
+            <p:ph type="body" sz="quarter" idx="10"/>
+          </p:nvPr>
+        </p:nvSpPr>
+        <p:spPr>
+          <a:xfrm>
+            <a:off x="323410" y="2055110"/>
+            <a:ext cx="8497180" cy="288040"/>
+          </a:xfrm>
+        </p:spPr>
+        <p:txBody>
+          <a:bodyPr/>
+          <a:lstStyle/>
+          <a:p>
+            <a:r>
+              <a:rPr lang="en-US" dirty="0" smtClean="0"/>
+              <a:t>Focusing just on economic indicators is not enough!</a:t>
+            </a:r>
+          </a:p>
+          <a:p>
+            <a:r>
+              <a:rPr lang="en-US" dirty="0" smtClean="0"/>
+              <a:t>It’s also important </a:t>
+            </a:r>
+            <a:r>
+              <a:rPr lang="en-US" dirty="0" smtClean="0"/>
+              <a:t>to make our people happy!</a:t>
+            </a:r>
+            <a:endParaRPr lang="en-US" dirty="0"/>
+          </a:p>
+        </p:txBody>
+      </p:sp>
+      <p:sp>
+        <p:nvSpPr>
+          <p:cNvPr id="5" name="Text Placeholder 4"/>
+          <p:cNvSpPr>
+            <a:spLocks noGrp="1"/>
+          </p:cNvSpPr>
+          <p:nvPr>
+            <p:ph type="body" sz="quarter" idx="11"/>
+          </p:nvPr>
+        </p:nvSpPr>
+        <p:spPr/>
+        <p:txBody>
+          <a:bodyPr/>
+          <a:lstStyle/>
+          <a:p>
+            <a:endParaRPr lang="en-US"/>
+          </a:p>
+        </p:txBody>
+      </p:sp>
+    </p:spTree>
+    <p:extLst>
+      <p:ext uri="{BB962C8B-B14F-4D97-AF65-F5344CB8AC3E}">
+        <p14:creationId xmlns:p14="http://schemas.microsoft.com/office/powerpoint/2010/main" val="622371689"/>
+      </p:ext>
+    </p:extLst>
+  </p:cSld>
+  <p:clrMapOvr>
+    <a:masterClrMapping/>
+  </p:clrMapOvr>
+</p:sld>
+</file>
+
+<file path=ppt/slides/slide30.xml><?xml version="1.0" encoding="utf-8"?>
+<p:sld xmlns:a="http://schemas.openxmlformats.org/drawingml/2006/main" xmlns:r="http://schemas.openxmlformats.org/officeDocument/2006/relationships" xmlns:p="http://schemas.openxmlformats.org/presentationml/2006/main">
+  <p:cSld>
+    <p:spTree>
+      <p:nvGrpSpPr>
+        <p:cNvPr id="1" name=""/>
+        <p:cNvGrpSpPr/>
+        <p:nvPr/>
+      </p:nvGrpSpPr>
+      <p:grpSpPr>
+        <a:xfrm>
+          <a:off x="0" y="0"/>
+          <a:ext cx="0" cy="0"/>
+          <a:chOff x="0" y="0"/>
+          <a:chExt cx="0" cy="0"/>
+        </a:xfrm>
+      </p:grpSpPr>
+      <p:sp>
+        <p:nvSpPr>
+          <p:cNvPr id="2" name="Title 1"/>
+          <p:cNvSpPr>
+            <a:spLocks noGrp="1"/>
+          </p:cNvSpPr>
+          <p:nvPr>
+            <p:ph type="title"/>
+          </p:nvPr>
+        </p:nvSpPr>
+        <p:spPr/>
+        <p:txBody>
+          <a:bodyPr/>
+          <a:lstStyle/>
+          <a:p>
+            <a:endParaRPr lang="en-US" dirty="0"/>
+          </a:p>
+        </p:txBody>
+      </p:sp>
+    </p:spTree>
+    <p:extLst>
+      <p:ext uri="{BB962C8B-B14F-4D97-AF65-F5344CB8AC3E}">
+        <p14:creationId xmlns:p14="http://schemas.microsoft.com/office/powerpoint/2010/main" val="4043228219"/>
+      </p:ext>
+    </p:extLst>
+  </p:cSld>
+  <p:clrMapOvr>
+    <a:masterClrMapping/>
+  </p:clrMapOvr>
+</p:sld>
+</file>
+
+<file path=ppt/slides/slide31.xml><?xml version="1.0" encoding="utf-8"?>
+<p:sld xmlns:a="http://schemas.openxmlformats.org/drawingml/2006/main" xmlns:r="http://schemas.openxmlformats.org/officeDocument/2006/relationships" xmlns:p="http://schemas.openxmlformats.org/presentationml/2006/main">
+  <p:cSld>
+    <p:spTree>
+      <p:nvGrpSpPr>
+        <p:cNvPr id="1" name=""/>
+        <p:cNvGrpSpPr/>
+        <p:nvPr/>
+      </p:nvGrpSpPr>
+      <p:grpSpPr>
+        <a:xfrm>
+          <a:off x="0" y="0"/>
+          <a:ext cx="0" cy="0"/>
+          <a:chOff x="0" y="0"/>
+          <a:chExt cx="0" cy="0"/>
+        </a:xfrm>
+      </p:grpSpPr>
+      <p:sp>
+        <p:nvSpPr>
+          <p:cNvPr id="2" name="Title 1"/>
+          <p:cNvSpPr>
+            <a:spLocks noGrp="1"/>
+          </p:cNvSpPr>
+          <p:nvPr>
+            <p:ph type="title"/>
+          </p:nvPr>
+        </p:nvSpPr>
+        <p:spPr/>
+        <p:txBody>
+          <a:bodyPr/>
+          <a:lstStyle/>
+          <a:p>
+            <a:endParaRPr lang="en-US" dirty="0"/>
+          </a:p>
+        </p:txBody>
+      </p:sp>
+    </p:spTree>
+    <p:extLst>
+      <p:ext uri="{BB962C8B-B14F-4D97-AF65-F5344CB8AC3E}">
+        <p14:creationId xmlns:p14="http://schemas.microsoft.com/office/powerpoint/2010/main" val="879315752"/>
+      </p:ext>
+    </p:extLst>
+  </p:cSld>
+  <p:clrMapOvr>
+    <a:masterClrMapping/>
+  </p:clrMapOvr>
+</p:sld>
+</file>
+
+<file path=ppt/slides/slide32.xml><?xml version="1.0" encoding="utf-8"?>
+<p:sld xmlns:a="http://schemas.openxmlformats.org/drawingml/2006/main" xmlns:r="http://schemas.openxmlformats.org/officeDocument/2006/relationships" xmlns:p="http://schemas.openxmlformats.org/presentationml/2006/main">
+  <p:cSld>
+    <p:spTree>
+      <p:nvGrpSpPr>
+        <p:cNvPr id="1" name=""/>
+        <p:cNvGrpSpPr/>
+        <p:nvPr/>
+      </p:nvGrpSpPr>
+      <p:grpSpPr>
+        <a:xfrm>
+          <a:off x="0" y="0"/>
+          <a:ext cx="0" cy="0"/>
+          <a:chOff x="0" y="0"/>
+          <a:chExt cx="0" cy="0"/>
+        </a:xfrm>
+      </p:grpSpPr>
+      <p:sp>
+        <p:nvSpPr>
+          <p:cNvPr id="2" name="Title 1"/>
+          <p:cNvSpPr>
+            <a:spLocks noGrp="1"/>
+          </p:cNvSpPr>
+          <p:nvPr>
+            <p:ph type="title"/>
+          </p:nvPr>
+        </p:nvSpPr>
+        <p:spPr/>
+        <p:txBody>
+          <a:bodyPr/>
+          <a:lstStyle/>
+          <a:p>
+            <a:endParaRPr lang="en-US" dirty="0"/>
+          </a:p>
+        </p:txBody>
+      </p:sp>
+    </p:spTree>
+    <p:extLst>
+      <p:ext uri="{BB962C8B-B14F-4D97-AF65-F5344CB8AC3E}">
+        <p14:creationId xmlns:p14="http://schemas.microsoft.com/office/powerpoint/2010/main" val="1884355158"/>
+      </p:ext>
+    </p:extLst>
+  </p:cSld>
+  <p:clrMapOvr>
+    <a:masterClrMapping/>
+  </p:clrMapOvr>
+</p:sld>
+</file>
+
+<file path=ppt/slides/slide33.xml><?xml version="1.0" encoding="utf-8"?>
+<p:sld xmlns:a="http://schemas.openxmlformats.org/drawingml/2006/main" xmlns:r="http://schemas.openxmlformats.org/officeDocument/2006/relationships" xmlns:p="http://schemas.openxmlformats.org/presentationml/2006/main">
+  <p:cSld>
+    <p:spTree>
+      <p:nvGrpSpPr>
+        <p:cNvPr id="1" name=""/>
+        <p:cNvGrpSpPr/>
+        <p:nvPr/>
+      </p:nvGrpSpPr>
+      <p:grpSpPr>
+        <a:xfrm>
+          <a:off x="0" y="0"/>
+          <a:ext cx="0" cy="0"/>
+          <a:chOff x="0" y="0"/>
+          <a:chExt cx="0" cy="0"/>
+        </a:xfrm>
+      </p:grpSpPr>
+      <p:sp>
+        <p:nvSpPr>
+          <p:cNvPr id="2" name="Title 1"/>
+          <p:cNvSpPr>
+            <a:spLocks noGrp="1"/>
+          </p:cNvSpPr>
+          <p:nvPr>
+            <p:ph type="title"/>
+          </p:nvPr>
+        </p:nvSpPr>
+        <p:spPr/>
+        <p:txBody>
+          <a:bodyPr/>
+          <a:lstStyle/>
+          <a:p>
+            <a:endParaRPr lang="en-US" dirty="0"/>
+          </a:p>
+        </p:txBody>
+      </p:sp>
+      <p:sp>
+        <p:nvSpPr>
+          <p:cNvPr id="3" name="Text Placeholder 2"/>
+          <p:cNvSpPr>
+            <a:spLocks noGrp="1"/>
+          </p:cNvSpPr>
+          <p:nvPr>
+            <p:ph type="body" sz="quarter" idx="11"/>
+          </p:nvPr>
+        </p:nvSpPr>
+        <p:spPr/>
+        <p:txBody>
+          <a:bodyPr/>
+          <a:lstStyle/>
+          <a:p>
+            <a:endParaRPr lang="en-US" dirty="0"/>
+          </a:p>
+        </p:txBody>
+      </p:sp>
+      <p:sp>
+        <p:nvSpPr>
+          <p:cNvPr id="4" name="Picture Placeholder 3"/>
+          <p:cNvSpPr>
+            <a:spLocks noGrp="1"/>
+          </p:cNvSpPr>
+          <p:nvPr>
+            <p:ph type="pic" sz="quarter" idx="34"/>
+          </p:nvPr>
+        </p:nvSpPr>
+        <p:spPr/>
+      </p:sp>
+      <p:sp>
+        <p:nvSpPr>
+          <p:cNvPr id="5" name="Text Placeholder 4"/>
+          <p:cNvSpPr>
+            <a:spLocks noGrp="1"/>
+          </p:cNvSpPr>
+          <p:nvPr>
+            <p:ph type="body" sz="quarter" idx="35"/>
+          </p:nvPr>
+        </p:nvSpPr>
+        <p:spPr/>
+        <p:txBody>
+          <a:bodyPr/>
+          <a:lstStyle/>
+          <a:p>
+            <a:endParaRPr lang="en-US" dirty="0"/>
+          </a:p>
+        </p:txBody>
+      </p:sp>
+      <p:sp>
+        <p:nvSpPr>
+          <p:cNvPr id="6" name="Text Placeholder 5"/>
+          <p:cNvSpPr>
+            <a:spLocks noGrp="1"/>
+          </p:cNvSpPr>
+          <p:nvPr>
+            <p:ph type="body" sz="quarter" idx="36"/>
+          </p:nvPr>
+        </p:nvSpPr>
+        <p:spPr/>
+        <p:txBody>
+          <a:bodyPr/>
+          <a:lstStyle/>
+          <a:p>
+            <a:endParaRPr lang="en-US" dirty="0"/>
+          </a:p>
+        </p:txBody>
+      </p:sp>
+      <p:sp>
+        <p:nvSpPr>
+          <p:cNvPr id="7" name="Text Placeholder 6"/>
+          <p:cNvSpPr>
+            <a:spLocks noGrp="1"/>
+          </p:cNvSpPr>
+          <p:nvPr>
+            <p:ph type="body" sz="quarter" idx="37"/>
+          </p:nvPr>
+        </p:nvSpPr>
+        <p:spPr/>
+        <p:txBody>
+          <a:bodyPr/>
+          <a:lstStyle/>
+          <a:p>
+            <a:endParaRPr lang="en-US" dirty="0"/>
+          </a:p>
+        </p:txBody>
+      </p:sp>
+      <p:sp>
+        <p:nvSpPr>
+          <p:cNvPr id="8" name="Text Placeholder 7"/>
+          <p:cNvSpPr>
+            <a:spLocks noGrp="1"/>
+          </p:cNvSpPr>
+          <p:nvPr>
+            <p:ph type="body" sz="quarter" idx="38"/>
+          </p:nvPr>
+        </p:nvSpPr>
+        <p:spPr/>
+        <p:txBody>
+          <a:bodyPr/>
+          <a:lstStyle/>
+          <a:p>
+            <a:endParaRPr lang="en-US" dirty="0"/>
+          </a:p>
+        </p:txBody>
+      </p:sp>
+      <p:sp>
+        <p:nvSpPr>
+          <p:cNvPr id="9" name="Text Placeholder 8"/>
+          <p:cNvSpPr>
+            <a:spLocks noGrp="1"/>
+          </p:cNvSpPr>
+          <p:nvPr>
+            <p:ph type="body" sz="quarter" idx="39"/>
+          </p:nvPr>
+        </p:nvSpPr>
+        <p:spPr/>
+        <p:txBody>
+          <a:bodyPr/>
+          <a:lstStyle/>
+          <a:p>
+            <a:endParaRPr lang="en-US" dirty="0"/>
+          </a:p>
+        </p:txBody>
+      </p:sp>
+      <p:sp>
+        <p:nvSpPr>
+          <p:cNvPr id="10" name="Picture Placeholder 9"/>
+          <p:cNvSpPr>
+            <a:spLocks noGrp="1"/>
+          </p:cNvSpPr>
+          <p:nvPr>
+            <p:ph type="pic" sz="quarter" idx="40"/>
+          </p:nvPr>
+        </p:nvSpPr>
+        <p:spPr/>
+      </p:sp>
+      <p:sp>
+        <p:nvSpPr>
+          <p:cNvPr id="11" name="Text Placeholder 10"/>
+          <p:cNvSpPr>
+            <a:spLocks noGrp="1"/>
+          </p:cNvSpPr>
+          <p:nvPr>
+            <p:ph type="body" sz="quarter" idx="41"/>
+          </p:nvPr>
+        </p:nvSpPr>
+        <p:spPr/>
+        <p:txBody>
+          <a:bodyPr/>
+          <a:lstStyle/>
+          <a:p>
+            <a:endParaRPr lang="en-US" dirty="0"/>
+          </a:p>
+        </p:txBody>
+      </p:sp>
+      <p:sp>
+        <p:nvSpPr>
+          <p:cNvPr id="12" name="Text Placeholder 11"/>
+          <p:cNvSpPr>
+            <a:spLocks noGrp="1"/>
+          </p:cNvSpPr>
+          <p:nvPr>
+            <p:ph type="body" sz="quarter" idx="42"/>
+          </p:nvPr>
+        </p:nvSpPr>
+        <p:spPr/>
+        <p:txBody>
+          <a:bodyPr/>
+          <a:lstStyle/>
+          <a:p>
+            <a:endParaRPr lang="en-US" dirty="0"/>
+          </a:p>
+        </p:txBody>
+      </p:sp>
+      <p:sp>
+        <p:nvSpPr>
+          <p:cNvPr id="13" name="Text Placeholder 12"/>
+          <p:cNvSpPr>
+            <a:spLocks noGrp="1"/>
+          </p:cNvSpPr>
+          <p:nvPr>
+            <p:ph type="body" sz="quarter" idx="43"/>
+          </p:nvPr>
+        </p:nvSpPr>
+        <p:spPr/>
+        <p:txBody>
+          <a:bodyPr/>
+          <a:lstStyle/>
+          <a:p>
+            <a:endParaRPr lang="en-US" dirty="0"/>
+          </a:p>
+        </p:txBody>
+      </p:sp>
+      <p:sp>
+        <p:nvSpPr>
+          <p:cNvPr id="14" name="Text Placeholder 13"/>
+          <p:cNvSpPr>
+            <a:spLocks noGrp="1"/>
+          </p:cNvSpPr>
+          <p:nvPr>
+            <p:ph type="body" sz="quarter" idx="44"/>
+          </p:nvPr>
+        </p:nvSpPr>
+        <p:spPr/>
+        <p:txBody>
+          <a:bodyPr/>
+          <a:lstStyle/>
+          <a:p>
+            <a:endParaRPr lang="en-US" dirty="0"/>
+          </a:p>
+        </p:txBody>
+      </p:sp>
+      <p:sp>
+        <p:nvSpPr>
+          <p:cNvPr id="15" name="Text Placeholder 14"/>
+          <p:cNvSpPr>
+            <a:spLocks noGrp="1"/>
+          </p:cNvSpPr>
+          <p:nvPr>
+            <p:ph type="body" sz="quarter" idx="45"/>
+          </p:nvPr>
+        </p:nvSpPr>
+        <p:spPr/>
+        <p:txBody>
+          <a:bodyPr/>
+          <a:lstStyle/>
+          <a:p>
+            <a:endParaRPr lang="en-US" dirty="0"/>
+          </a:p>
+        </p:txBody>
+      </p:sp>
+    </p:spTree>
+    <p:extLst>
+      <p:ext uri="{BB962C8B-B14F-4D97-AF65-F5344CB8AC3E}">
+        <p14:creationId xmlns:p14="http://schemas.microsoft.com/office/powerpoint/2010/main" val="2446843722"/>
+      </p:ext>
+    </p:extLst>
+  </p:cSld>
+  <p:clrMapOvr>
+    <a:masterClrMapping/>
+  </p:clrMapOvr>
+</p:sld>
+</file>
+
+<file path=ppt/slides/slide34.xml><?xml version="1.0" encoding="utf-8"?>
+<p:sld xmlns:a="http://schemas.openxmlformats.org/drawingml/2006/main" xmlns:r="http://schemas.openxmlformats.org/officeDocument/2006/relationships" xmlns:p="http://schemas.openxmlformats.org/presentationml/2006/main">
+  <p:cSld>
+    <p:spTree>
+      <p:nvGrpSpPr>
+        <p:cNvPr id="1" name=""/>
+        <p:cNvGrpSpPr/>
+        <p:nvPr/>
+      </p:nvGrpSpPr>
+      <p:grpSpPr>
+        <a:xfrm>
+          <a:off x="0" y="0"/>
+          <a:ext cx="0" cy="0"/>
+          <a:chOff x="0" y="0"/>
+          <a:chExt cx="0" cy="0"/>
+        </a:xfrm>
+      </p:grpSpPr>
+      <p:sp>
+        <p:nvSpPr>
+          <p:cNvPr id="2" name="Title 1"/>
+          <p:cNvSpPr>
+            <a:spLocks noGrp="1"/>
+          </p:cNvSpPr>
+          <p:nvPr>
+            <p:ph type="title"/>
+          </p:nvPr>
+        </p:nvSpPr>
+        <p:spPr/>
+        <p:txBody>
+          <a:bodyPr/>
+          <a:lstStyle/>
+          <a:p>
+            <a:endParaRPr lang="en-US" dirty="0"/>
+          </a:p>
+        </p:txBody>
+      </p:sp>
+      <p:sp>
+        <p:nvSpPr>
+          <p:cNvPr id="4" name="Picture Placeholder 3"/>
+          <p:cNvSpPr>
+            <a:spLocks noGrp="1"/>
+          </p:cNvSpPr>
+          <p:nvPr>
+            <p:ph type="pic" sz="quarter" idx="15"/>
+          </p:nvPr>
+        </p:nvSpPr>
+        <p:spPr/>
+      </p:sp>
+      <p:sp>
+        <p:nvSpPr>
+          <p:cNvPr id="5" name="Text Placeholder 4"/>
+          <p:cNvSpPr>
+            <a:spLocks noGrp="1"/>
+          </p:cNvSpPr>
+          <p:nvPr>
+            <p:ph type="body" sz="quarter" idx="18"/>
+          </p:nvPr>
+        </p:nvSpPr>
+        <p:spPr/>
+        <p:txBody>
+          <a:bodyPr/>
+          <a:lstStyle/>
+          <a:p>
+            <a:endParaRPr lang="en-US" dirty="0"/>
+          </a:p>
+        </p:txBody>
+      </p:sp>
+      <p:sp>
+        <p:nvSpPr>
+          <p:cNvPr id="6" name="Text Placeholder 5"/>
+          <p:cNvSpPr>
+            <a:spLocks noGrp="1"/>
+          </p:cNvSpPr>
+          <p:nvPr>
+            <p:ph type="body" sz="quarter" idx="19"/>
+          </p:nvPr>
+        </p:nvSpPr>
+        <p:spPr/>
+        <p:txBody>
+          <a:bodyPr/>
+          <a:lstStyle/>
+          <a:p>
+            <a:endParaRPr lang="en-US" dirty="0"/>
+          </a:p>
+        </p:txBody>
+      </p:sp>
+      <p:sp>
+        <p:nvSpPr>
+          <p:cNvPr id="7" name="Text Placeholder 6"/>
+          <p:cNvSpPr>
+            <a:spLocks noGrp="1"/>
+          </p:cNvSpPr>
+          <p:nvPr>
+            <p:ph type="body" sz="quarter" idx="26"/>
+          </p:nvPr>
+        </p:nvSpPr>
+        <p:spPr/>
+        <p:txBody>
+          <a:bodyPr/>
+          <a:lstStyle/>
+          <a:p>
+            <a:endParaRPr lang="en-US" dirty="0"/>
+          </a:p>
+        </p:txBody>
+      </p:sp>
+      <p:sp>
+        <p:nvSpPr>
+          <p:cNvPr id="8" name="Text Placeholder 7"/>
+          <p:cNvSpPr>
+            <a:spLocks noGrp="1"/>
+          </p:cNvSpPr>
+          <p:nvPr>
+            <p:ph type="body" sz="quarter" idx="27"/>
+          </p:nvPr>
+        </p:nvSpPr>
+        <p:spPr/>
+        <p:txBody>
+          <a:bodyPr/>
+          <a:lstStyle/>
+          <a:p>
+            <a:endParaRPr lang="en-US" dirty="0"/>
+          </a:p>
+        </p:txBody>
+      </p:sp>
+      <p:sp>
+        <p:nvSpPr>
+          <p:cNvPr id="9" name="Picture Placeholder 8"/>
+          <p:cNvSpPr>
+            <a:spLocks noGrp="1"/>
+          </p:cNvSpPr>
+          <p:nvPr>
+            <p:ph type="pic" sz="quarter" idx="28"/>
+          </p:nvPr>
+        </p:nvSpPr>
+        <p:spPr/>
+      </p:sp>
+      <p:sp>
+        <p:nvSpPr>
+          <p:cNvPr id="10" name="Text Placeholder 9"/>
+          <p:cNvSpPr>
+            <a:spLocks noGrp="1"/>
+          </p:cNvSpPr>
+          <p:nvPr>
+            <p:ph type="body" sz="quarter" idx="29"/>
+          </p:nvPr>
+        </p:nvSpPr>
+        <p:spPr/>
+        <p:txBody>
+          <a:bodyPr/>
+          <a:lstStyle/>
+          <a:p>
+            <a:endParaRPr lang="en-US" dirty="0"/>
+          </a:p>
+        </p:txBody>
+      </p:sp>
+      <p:sp>
+        <p:nvSpPr>
+          <p:cNvPr id="11" name="Text Placeholder 10"/>
+          <p:cNvSpPr>
+            <a:spLocks noGrp="1"/>
+          </p:cNvSpPr>
+          <p:nvPr>
+            <p:ph type="body" sz="quarter" idx="30"/>
+          </p:nvPr>
+        </p:nvSpPr>
+        <p:spPr/>
+        <p:txBody>
+          <a:bodyPr/>
+          <a:lstStyle/>
+          <a:p>
+            <a:endParaRPr lang="en-US" dirty="0"/>
+          </a:p>
+        </p:txBody>
+      </p:sp>
+      <p:sp>
+        <p:nvSpPr>
+          <p:cNvPr id="12" name="Text Placeholder 11"/>
+          <p:cNvSpPr>
+            <a:spLocks noGrp="1"/>
+          </p:cNvSpPr>
+          <p:nvPr>
+            <p:ph type="body" sz="quarter" idx="32"/>
+          </p:nvPr>
+        </p:nvSpPr>
+        <p:spPr/>
+        <p:txBody>
+          <a:bodyPr/>
+          <a:lstStyle/>
+          <a:p>
+            <a:endParaRPr lang="en-US" dirty="0"/>
+          </a:p>
+        </p:txBody>
+      </p:sp>
+      <p:sp>
+        <p:nvSpPr>
+          <p:cNvPr id="13" name="Text Placeholder 12"/>
+          <p:cNvSpPr>
+            <a:spLocks noGrp="1"/>
+          </p:cNvSpPr>
+          <p:nvPr>
+            <p:ph type="body" sz="quarter" idx="33"/>
+          </p:nvPr>
+        </p:nvSpPr>
+        <p:spPr/>
+        <p:txBody>
+          <a:bodyPr/>
+          <a:lstStyle/>
+          <a:p>
+            <a:endParaRPr lang="en-US" dirty="0"/>
+          </a:p>
+        </p:txBody>
+      </p:sp>
+      <p:sp>
+        <p:nvSpPr>
+          <p:cNvPr id="14" name="Picture Placeholder 13"/>
+          <p:cNvSpPr>
+            <a:spLocks noGrp="1"/>
+          </p:cNvSpPr>
+          <p:nvPr>
+            <p:ph type="pic" sz="quarter" idx="34"/>
+          </p:nvPr>
+        </p:nvSpPr>
+        <p:spPr/>
+      </p:sp>
+      <p:sp>
+        <p:nvSpPr>
+          <p:cNvPr id="15" name="Text Placeholder 14"/>
+          <p:cNvSpPr>
+            <a:spLocks noGrp="1"/>
+          </p:cNvSpPr>
+          <p:nvPr>
+            <p:ph type="body" sz="quarter" idx="35"/>
+          </p:nvPr>
+        </p:nvSpPr>
+        <p:spPr/>
+        <p:txBody>
+          <a:bodyPr/>
+          <a:lstStyle/>
+          <a:p>
+            <a:endParaRPr lang="en-US" dirty="0"/>
+          </a:p>
+        </p:txBody>
+      </p:sp>
+      <p:sp>
+        <p:nvSpPr>
+          <p:cNvPr id="16" name="Text Placeholder 15"/>
+          <p:cNvSpPr>
+            <a:spLocks noGrp="1"/>
+          </p:cNvSpPr>
+          <p:nvPr>
+            <p:ph type="body" sz="quarter" idx="36"/>
+          </p:nvPr>
+        </p:nvSpPr>
+        <p:spPr/>
+        <p:txBody>
+          <a:bodyPr/>
+          <a:lstStyle/>
+          <a:p>
+            <a:endParaRPr lang="en-US" dirty="0"/>
+          </a:p>
+        </p:txBody>
+      </p:sp>
+      <p:sp>
+        <p:nvSpPr>
+          <p:cNvPr id="18" name="Text Placeholder 17"/>
+          <p:cNvSpPr>
+            <a:spLocks noGrp="1"/>
+          </p:cNvSpPr>
+          <p:nvPr>
+            <p:ph type="body" sz="quarter" idx="38"/>
+          </p:nvPr>
+        </p:nvSpPr>
+        <p:spPr/>
+        <p:txBody>
+          <a:bodyPr/>
+          <a:lstStyle/>
+          <a:p>
+            <a:endParaRPr lang="en-US" dirty="0"/>
+          </a:p>
+        </p:txBody>
+      </p:sp>
+      <p:sp>
+        <p:nvSpPr>
+          <p:cNvPr id="19" name="Text Placeholder 18"/>
+          <p:cNvSpPr>
+            <a:spLocks noGrp="1"/>
+          </p:cNvSpPr>
+          <p:nvPr>
+            <p:ph type="body" sz="quarter" idx="39"/>
+          </p:nvPr>
+        </p:nvSpPr>
+        <p:spPr/>
+        <p:txBody>
+          <a:bodyPr/>
+          <a:lstStyle/>
+          <a:p>
+            <a:endParaRPr lang="en-US" dirty="0"/>
+          </a:p>
+        </p:txBody>
+      </p:sp>
+      <p:sp>
+        <p:nvSpPr>
+          <p:cNvPr id="20" name="Picture Placeholder 19"/>
+          <p:cNvSpPr>
+            <a:spLocks noGrp="1"/>
+          </p:cNvSpPr>
+          <p:nvPr>
+            <p:ph type="pic" sz="quarter" idx="40"/>
+          </p:nvPr>
+        </p:nvSpPr>
+        <p:spPr/>
+      </p:sp>
+      <p:sp>
+        <p:nvSpPr>
+          <p:cNvPr id="21" name="Text Placeholder 20"/>
+          <p:cNvSpPr>
+            <a:spLocks noGrp="1"/>
+          </p:cNvSpPr>
+          <p:nvPr>
+            <p:ph type="body" sz="quarter" idx="41"/>
+          </p:nvPr>
+        </p:nvSpPr>
+        <p:spPr/>
+        <p:txBody>
+          <a:bodyPr/>
+          <a:lstStyle/>
+          <a:p>
+            <a:endParaRPr lang="en-US" dirty="0"/>
+          </a:p>
+        </p:txBody>
+      </p:sp>
+      <p:sp>
+        <p:nvSpPr>
+          <p:cNvPr id="22" name="Text Placeholder 21"/>
+          <p:cNvSpPr>
+            <a:spLocks noGrp="1"/>
+          </p:cNvSpPr>
+          <p:nvPr>
+            <p:ph type="body" sz="quarter" idx="42"/>
+          </p:nvPr>
+        </p:nvSpPr>
+        <p:spPr/>
+        <p:txBody>
+          <a:bodyPr/>
+          <a:lstStyle/>
+          <a:p>
+            <a:endParaRPr lang="en-US" dirty="0"/>
+          </a:p>
+        </p:txBody>
+      </p:sp>
+      <p:sp>
+        <p:nvSpPr>
+          <p:cNvPr id="24" name="Text Placeholder 23"/>
+          <p:cNvSpPr>
+            <a:spLocks noGrp="1"/>
+          </p:cNvSpPr>
+          <p:nvPr>
+            <p:ph type="body" sz="quarter" idx="44"/>
+          </p:nvPr>
+        </p:nvSpPr>
+        <p:spPr/>
+        <p:txBody>
+          <a:bodyPr/>
+          <a:lstStyle/>
+          <a:p>
+            <a:endParaRPr lang="en-US" dirty="0"/>
+          </a:p>
+        </p:txBody>
+      </p:sp>
+      <p:sp>
+        <p:nvSpPr>
+          <p:cNvPr id="25" name="Text Placeholder 24"/>
+          <p:cNvSpPr>
+            <a:spLocks noGrp="1"/>
+          </p:cNvSpPr>
+          <p:nvPr>
+            <p:ph type="body" sz="quarter" idx="45"/>
+          </p:nvPr>
+        </p:nvSpPr>
+        <p:spPr/>
+        <p:txBody>
+          <a:bodyPr/>
+          <a:lstStyle/>
+          <a:p>
+            <a:endParaRPr lang="en-US" dirty="0"/>
+          </a:p>
+        </p:txBody>
+      </p:sp>
+      <p:sp>
+        <p:nvSpPr>
+          <p:cNvPr id="3" name="Text Placeholder 2"/>
+          <p:cNvSpPr>
+            <a:spLocks noGrp="1"/>
+          </p:cNvSpPr>
+          <p:nvPr>
+            <p:ph type="body" sz="quarter" idx="11"/>
+          </p:nvPr>
+        </p:nvSpPr>
+        <p:spPr/>
+        <p:txBody>
+          <a:bodyPr/>
+          <a:lstStyle/>
+          <a:p>
+            <a:endParaRPr lang="en-US" dirty="0"/>
+          </a:p>
+        </p:txBody>
+      </p:sp>
+      <p:sp>
+        <p:nvSpPr>
+          <p:cNvPr id="17" name="Text Placeholder 16"/>
+          <p:cNvSpPr>
+            <a:spLocks noGrp="1"/>
+          </p:cNvSpPr>
+          <p:nvPr>
+            <p:ph type="body" sz="quarter" idx="37"/>
+          </p:nvPr>
+        </p:nvSpPr>
+        <p:spPr/>
+        <p:txBody>
+          <a:bodyPr/>
+          <a:lstStyle/>
+          <a:p>
+            <a:endParaRPr lang="en-US" dirty="0"/>
+          </a:p>
+        </p:txBody>
+      </p:sp>
+      <p:sp>
+        <p:nvSpPr>
+          <p:cNvPr id="23" name="Text Placeholder 22"/>
+          <p:cNvSpPr>
+            <a:spLocks noGrp="1"/>
+          </p:cNvSpPr>
+          <p:nvPr>
+            <p:ph type="body" sz="quarter" idx="43"/>
+          </p:nvPr>
+        </p:nvSpPr>
+        <p:spPr/>
+        <p:txBody>
+          <a:bodyPr/>
+          <a:lstStyle/>
+          <a:p>
+            <a:endParaRPr lang="en-US" dirty="0"/>
+          </a:p>
+        </p:txBody>
+      </p:sp>
+      <p:sp>
+        <p:nvSpPr>
+          <p:cNvPr id="26" name="Text Placeholder 25"/>
+          <p:cNvSpPr>
+            <a:spLocks noGrp="1"/>
+          </p:cNvSpPr>
+          <p:nvPr>
+            <p:ph type="body" sz="quarter" idx="46"/>
+          </p:nvPr>
+        </p:nvSpPr>
+        <p:spPr/>
+        <p:txBody>
+          <a:bodyPr/>
+          <a:lstStyle/>
+          <a:p>
+            <a:endParaRPr lang="en-US" dirty="0"/>
+          </a:p>
+        </p:txBody>
+      </p:sp>
+      <p:sp>
+        <p:nvSpPr>
+          <p:cNvPr id="27" name="Text Placeholder 26"/>
+          <p:cNvSpPr>
+            <a:spLocks noGrp="1"/>
+          </p:cNvSpPr>
+          <p:nvPr>
+            <p:ph type="body" sz="quarter" idx="47"/>
+          </p:nvPr>
+        </p:nvSpPr>
+        <p:spPr/>
+        <p:txBody>
+          <a:bodyPr/>
+          <a:lstStyle/>
+          <a:p>
+            <a:endParaRPr lang="en-US" dirty="0"/>
+          </a:p>
+        </p:txBody>
+      </p:sp>
+    </p:spTree>
+    <p:extLst>
+      <p:ext uri="{BB962C8B-B14F-4D97-AF65-F5344CB8AC3E}">
+        <p14:creationId xmlns:p14="http://schemas.microsoft.com/office/powerpoint/2010/main" val="3372924499"/>
+      </p:ext>
+    </p:extLst>
+  </p:cSld>
+  <p:clrMapOvr>
+    <a:masterClrMapping/>
+  </p:clrMapOvr>
+</p:sld>
+</file>
+
+<file path=ppt/slides/slide35.xml><?xml version="1.0" encoding="utf-8"?>
+<p:sld xmlns:a="http://schemas.openxmlformats.org/drawingml/2006/main" xmlns:r="http://schemas.openxmlformats.org/officeDocument/2006/relationships" xmlns:p="http://schemas.openxmlformats.org/presentationml/2006/main">
+  <p:cSld>
+    <p:spTree>
+      <p:nvGrpSpPr>
+        <p:cNvPr id="1" name=""/>
+        <p:cNvGrpSpPr/>
+        <p:nvPr/>
+      </p:nvGrpSpPr>
+      <p:grpSpPr>
+        <a:xfrm>
+          <a:off x="0" y="0"/>
+          <a:ext cx="0" cy="0"/>
+          <a:chOff x="0" y="0"/>
+          <a:chExt cx="0" cy="0"/>
+        </a:xfrm>
+      </p:grpSpPr>
+      <p:sp>
+        <p:nvSpPr>
+          <p:cNvPr id="4" name="Title 3"/>
+          <p:cNvSpPr>
+            <a:spLocks noGrp="1"/>
+          </p:cNvSpPr>
+          <p:nvPr>
+            <p:ph type="title"/>
+          </p:nvPr>
+        </p:nvSpPr>
+        <p:spPr/>
+        <p:txBody>
+          <a:bodyPr/>
+          <a:lstStyle/>
+          <a:p>
+            <a:endParaRPr lang="en-US" dirty="0"/>
+          </a:p>
+        </p:txBody>
+      </p:sp>
+      <p:sp>
+        <p:nvSpPr>
+          <p:cNvPr id="5" name="Text Placeholder 4"/>
+          <p:cNvSpPr>
+            <a:spLocks noGrp="1"/>
+          </p:cNvSpPr>
+          <p:nvPr>
+            <p:ph type="body" sz="quarter" idx="10"/>
+          </p:nvPr>
+        </p:nvSpPr>
+        <p:spPr/>
+        <p:txBody>
+          <a:bodyPr/>
+          <a:lstStyle/>
+          <a:p>
+            <a:endParaRPr lang="en-US" dirty="0"/>
+          </a:p>
+        </p:txBody>
+      </p:sp>
+    </p:spTree>
+    <p:extLst>
+      <p:ext uri="{BB962C8B-B14F-4D97-AF65-F5344CB8AC3E}">
+        <p14:creationId xmlns:p14="http://schemas.microsoft.com/office/powerpoint/2010/main" val="792884462"/>
+      </p:ext>
+    </p:extLst>
+  </p:cSld>
+  <p:clrMapOvr>
+    <a:masterClrMapping/>
+  </p:clrMapOvr>
+</p:sld>
+</file>
+
+<file path=ppt/slides/slide4.xml><?xml version="1.0" encoding="utf-8"?>
+<p:sld xmlns:a="http://schemas.openxmlformats.org/drawingml/2006/main" xmlns:r="http://schemas.openxmlformats.org/officeDocument/2006/relationships" xmlns:p="http://schemas.openxmlformats.org/presentationml/2006/main">
+  <p:cSld>
+    <p:spTree>
+      <p:nvGrpSpPr>
+        <p:cNvPr id="1" name=""/>
+        <p:cNvGrpSpPr/>
+        <p:nvPr/>
+      </p:nvGrpSpPr>
+      <p:grpSpPr>
+        <a:xfrm>
+          <a:off x="0" y="0"/>
+          <a:ext cx="0" cy="0"/>
+          <a:chOff x="0" y="0"/>
+          <a:chExt cx="0" cy="0"/>
+        </a:xfrm>
+      </p:grpSpPr>
+      <p:sp>
+        <p:nvSpPr>
+          <p:cNvPr id="3" name="Title 2"/>
+          <p:cNvSpPr>
+            <a:spLocks noGrp="1"/>
+          </p:cNvSpPr>
+          <p:nvPr>
+            <p:ph type="title"/>
+          </p:nvPr>
+        </p:nvSpPr>
+        <p:spPr/>
+        <p:txBody>
+          <a:bodyPr/>
+          <a:lstStyle/>
+          <a:p>
+            <a:r>
+              <a:rPr lang="en-US" dirty="0" smtClean="0"/>
+              <a:t>Several questions emerge:</a:t>
             </a:r>
             <a:endParaRPr lang="en-US" dirty="0"/>
           </a:p>
@@ -21650,7 +24872,23 @@
             </a:pPr>
             <a:r>
               <a:rPr lang="en-US" sz="1600" dirty="0" smtClean="0"/>
-              <a:t>Maybe they are already pretty happy?</a:t>
+              <a:t>Maybe </a:t>
+            </a:r>
+            <a:r>
+              <a:rPr lang="en-US" sz="1600" dirty="0" smtClean="0"/>
+              <a:t>our people are </a:t>
+            </a:r>
+            <a:r>
+              <a:rPr lang="en-US" sz="1600" dirty="0" smtClean="0"/>
+              <a:t>already </a:t>
+            </a:r>
+            <a:r>
+              <a:rPr lang="en-US" sz="1600" dirty="0" smtClean="0"/>
+              <a:t>happy</a:t>
+            </a:r>
+            <a:r>
+              <a:rPr lang="en-US" sz="1600" dirty="0" smtClean="0"/>
+              <a:t>?</a:t>
             </a:r>
           </a:p>
           <a:p>
@@ -21660,8 +24898,21 @@
             </a:pPr>
             <a:r>
               <a:rPr lang="en-US" sz="1600" dirty="0" smtClean="0"/>
-              <a:t>If they are not – what aspects of our country’s life should we focus on?</a:t>
-            </a:r>
+              <a:t>If they are not – </a:t>
+            </a:r>
+            <a:r>
+              <a:rPr lang="en-US" sz="1600" dirty="0" smtClean="0"/>
+              <a:t>changing what aspects </a:t>
+            </a:r>
+            <a:r>
+              <a:rPr lang="en-US" sz="1600" dirty="0" smtClean="0"/>
+              <a:t>of </a:t>
+            </a:r>
+            <a:r>
+              <a:rPr lang="en-US" sz="1600" dirty="0" smtClean="0"/>
+              <a:t>their lives will make them happier?</a:t>
+            </a:r>
+            <a:endParaRPr lang="en-US" sz="1600" dirty="0" smtClean="0"/>
           </a:p>
           <a:p>
             <a:pPr marL="285750" indent="-285750">
@@ -21670,7 +24921,29 @@
             </a:pPr>
             <a:r>
               <a:rPr lang="en-US" sz="1600" dirty="0" smtClean="0"/>
-              <a:t>What socio-economic indicators are important for people’s happiness?</a:t>
+              <a:t>Our resources are limited: What few socio-economic </a:t>
+            </a:r>
+            <a:r>
+              <a:rPr lang="en-US" sz="1600" dirty="0" smtClean="0"/>
+              <a:t>indicators </a:t>
+            </a:r>
+            <a:r>
+              <a:rPr lang="en-US" sz="1600" dirty="0" smtClean="0"/>
+              <a:t>should we focus on?</a:t>
+            </a:r>
+            <a:endParaRPr lang="en-US" sz="1600" dirty="0"/>
+          </a:p>
+          <a:p>
+            <a:endParaRPr lang="en-US" sz="1600" dirty="0" smtClean="0"/>
+          </a:p>
+          <a:p>
+            <a:r>
+              <a:rPr lang="en-US" sz="1600" dirty="0" smtClean="0"/>
+              <a:t>Fortunately, we’ve heard of that nifty online Machine Learning App based </a:t>
+            </a:r>
+            <a:r>
+              <a:rPr lang="en-US" sz="1600" dirty="0" smtClean="0"/>
+              <a:t>on:</a:t>
             </a:r>
           </a:p>
           <a:p>
@@ -21680,17 +24953,17 @@
             </a:pPr>
             <a:r>
               <a:rPr lang="en-US" sz="1600" dirty="0" smtClean="0"/>
-              <a:t>And which of them are important for us?</a:t>
-            </a:r>
-            <a:endParaRPr lang="en-US" sz="1600" dirty="0"/>
-          </a:p>
-          <a:p>
-            <a:endParaRPr lang="en-US" sz="1600" dirty="0" smtClean="0"/>
-          </a:p>
-          <a:p>
+              <a:t>Country Happiness scores from Gallup’s World Happiness survey, and</a:t>
+            </a:r>
+          </a:p>
+          <a:p>
+            <a:pPr marL="285750" indent="-285750">
+              <a:buFont typeface="Arial" panose="020B0604020202020204" pitchFamily="34" charset="0"/>
+              <a:buChar char="•"/>
+            </a:pPr>
             <a:r>
               <a:rPr lang="en-US" sz="1600" dirty="0" smtClean="0"/>
-              <a:t>Fortunately, we’ve heard of that nifty online Machine Learning App based on the data from …</a:t>
+              <a:t>World Bank’s World Development Indicators</a:t>
             </a:r>
             <a:endParaRPr lang="en-US" sz="1600" dirty="0"/>
           </a:p>
@@ -21728,7 +25001,7 @@
 </p:sld>
 </file>
 
-<file path=ppt/slides/slide4.xml><?xml version="1.0" encoding="utf-8"?>
+<file path=ppt/slides/slide5.xml><?xml version="1.0" encoding="utf-8"?>
 <p:sld xmlns:a="http://schemas.openxmlformats.org/drawingml/2006/main" xmlns:r="http://schemas.openxmlformats.org/officeDocument/2006/relationships" xmlns:p="http://schemas.openxmlformats.org/presentationml/2006/main">
   <p:cSld>
     <p:spTree>
@@ -21761,10 +25034,10 @@
           <a:lstStyle/>
           <a:p>
             <a:r>
-              <a:rPr lang="en-US" sz="1600" dirty="0" smtClean="0"/>
-              <a:t>Not so well! Our score is just 4.7 – a lot of room for improvement!</a:t>
-            </a:r>
-            <a:endParaRPr lang="en-US" sz="1600" dirty="0"/>
+              <a:rPr lang="en-US" dirty="0" smtClean="0"/>
+              <a:t>Several tabs on the left reflect the suggested “workflow”.</a:t>
+            </a:r>
+            <a:endParaRPr lang="en-US" dirty="0"/>
           </a:p>
         </p:txBody>
       </p:sp>
@@ -21804,9 +25077,263 @@
           <a:p>
             <a:r>
               <a:rPr lang="en-US" dirty="0" smtClean="0"/>
-              <a:t>Maybe our people are already happy? How does our country compare to the rest of the world/region on Happiness?</a:t>
+              <a:t>Opening the App:</a:t>
             </a:r>
             <a:endParaRPr lang="en-US" dirty="0"/>
+          </a:p>
+        </p:txBody>
+      </p:sp>
+      <p:pic>
+        <p:nvPicPr>
+          <p:cNvPr id="6" name="Picture 5"/>
+          <p:cNvPicPr>
+            <a:picLocks noChangeAspect="1"/>
+          </p:cNvPicPr>
+          <p:nvPr/>
+        </p:nvPicPr>
+        <p:blipFill>
+          <a:blip r:embed="rId2"/>
+          <a:stretch>
+            <a:fillRect/>
+          </a:stretch>
+        </p:blipFill>
+        <p:spPr>
+          <a:xfrm>
+            <a:off x="304800" y="1244068"/>
+            <a:ext cx="7010400" cy="3664102"/>
+          </a:xfrm>
+          <a:prstGeom prst="rect">
+            <a:avLst/>
+          </a:prstGeom>
+        </p:spPr>
+      </p:pic>
+    </p:spTree>
+    <p:extLst>
+      <p:ext uri="{BB962C8B-B14F-4D97-AF65-F5344CB8AC3E}">
+        <p14:creationId xmlns:p14="http://schemas.microsoft.com/office/powerpoint/2010/main" val="1114263596"/>
+      </p:ext>
+    </p:extLst>
+  </p:cSld>
+  <p:clrMapOvr>
+    <a:masterClrMapping/>
+  </p:clrMapOvr>
+</p:sld>
+</file>
+
+<file path=ppt/slides/slide6.xml><?xml version="1.0" encoding="utf-8"?>
+<p:sld xmlns:a="http://schemas.openxmlformats.org/drawingml/2006/main" xmlns:r="http://schemas.openxmlformats.org/officeDocument/2006/relationships" xmlns:p="http://schemas.openxmlformats.org/presentationml/2006/main">
+  <p:cSld>
+    <p:spTree>
+      <p:nvGrpSpPr>
+        <p:cNvPr id="1" name=""/>
+        <p:cNvGrpSpPr/>
+        <p:nvPr/>
+      </p:nvGrpSpPr>
+      <p:grpSpPr>
+        <a:xfrm>
+          <a:off x="0" y="0"/>
+          <a:ext cx="0" cy="0"/>
+          <a:chOff x="0" y="0"/>
+          <a:chExt cx="0" cy="0"/>
+        </a:xfrm>
+      </p:grpSpPr>
+      <p:sp>
+        <p:nvSpPr>
+          <p:cNvPr id="2" name="Text Placeholder 1"/>
+          <p:cNvSpPr>
+            <a:spLocks noGrp="1"/>
+          </p:cNvSpPr>
+          <p:nvPr>
+            <p:ph type="body" sz="quarter" idx="10"/>
+          </p:nvPr>
+        </p:nvSpPr>
+        <p:spPr/>
+        <p:txBody>
+          <a:bodyPr/>
+          <a:lstStyle/>
+          <a:p>
+            <a:r>
+              <a:rPr lang="en-US" dirty="0" smtClean="0"/>
+              <a:t>The world map where country color corresponds to its happiness score:</a:t>
+            </a:r>
+            <a:endParaRPr lang="en-US" dirty="0"/>
+          </a:p>
+        </p:txBody>
+      </p:sp>
+      <p:sp>
+        <p:nvSpPr>
+          <p:cNvPr id="3" name="Text Placeholder 2"/>
+          <p:cNvSpPr>
+            <a:spLocks noGrp="1"/>
+          </p:cNvSpPr>
+          <p:nvPr>
+            <p:ph type="body" sz="quarter" idx="11"/>
+          </p:nvPr>
+        </p:nvSpPr>
+        <p:spPr/>
+        <p:txBody>
+          <a:bodyPr/>
+          <a:lstStyle/>
+          <a:p>
+            <a:endParaRPr lang="en-US"/>
+          </a:p>
+        </p:txBody>
+      </p:sp>
+      <p:sp>
+        <p:nvSpPr>
+          <p:cNvPr id="4" name="Title 3"/>
+          <p:cNvSpPr>
+            <a:spLocks noGrp="1"/>
+          </p:cNvSpPr>
+          <p:nvPr>
+            <p:ph type="title"/>
+          </p:nvPr>
+        </p:nvSpPr>
+        <p:spPr/>
+        <p:txBody>
+          <a:bodyPr/>
+          <a:lstStyle/>
+          <a:p>
+            <a:r>
+              <a:rPr lang="en-US" dirty="0" smtClean="0"/>
+              <a:t>Tab 1: Happiness </a:t>
+            </a:r>
+            <a:r>
+              <a:rPr lang="en-US" dirty="0" err="1" smtClean="0"/>
+              <a:t>Worldmap</a:t>
+            </a:r>
+            <a:endParaRPr lang="en-US" dirty="0"/>
+          </a:p>
+        </p:txBody>
+      </p:sp>
+      <p:pic>
+        <p:nvPicPr>
+          <p:cNvPr id="5" name="Picture 4"/>
+          <p:cNvPicPr>
+            <a:picLocks noChangeAspect="1"/>
+          </p:cNvPicPr>
+          <p:nvPr/>
+        </p:nvPicPr>
+        <p:blipFill>
+          <a:blip r:embed="rId2"/>
+          <a:stretch>
+            <a:fillRect/>
+          </a:stretch>
+        </p:blipFill>
+        <p:spPr>
+          <a:xfrm>
+            <a:off x="336857" y="1313149"/>
+            <a:ext cx="6395443" cy="3595673"/>
+          </a:xfrm>
+          <a:prstGeom prst="rect">
+            <a:avLst/>
+          </a:prstGeom>
+        </p:spPr>
+      </p:pic>
+    </p:spTree>
+    <p:extLst>
+      <p:ext uri="{BB962C8B-B14F-4D97-AF65-F5344CB8AC3E}">
+        <p14:creationId xmlns:p14="http://schemas.microsoft.com/office/powerpoint/2010/main" val="2879677092"/>
+      </p:ext>
+    </p:extLst>
+  </p:cSld>
+  <p:clrMapOvr>
+    <a:masterClrMapping/>
+  </p:clrMapOvr>
+</p:sld>
+</file>
+
+<file path=ppt/slides/slide7.xml><?xml version="1.0" encoding="utf-8"?>
+<p:sld xmlns:a="http://schemas.openxmlformats.org/drawingml/2006/main" xmlns:r="http://schemas.openxmlformats.org/officeDocument/2006/relationships" xmlns:p="http://schemas.openxmlformats.org/presentationml/2006/main">
+  <p:cSld>
+    <p:spTree>
+      <p:nvGrpSpPr>
+        <p:cNvPr id="1" name=""/>
+        <p:cNvGrpSpPr/>
+        <p:nvPr/>
+      </p:nvGrpSpPr>
+      <p:grpSpPr>
+        <a:xfrm>
+          <a:off x="0" y="0"/>
+          <a:ext cx="0" cy="0"/>
+          <a:chOff x="0" y="0"/>
+          <a:chExt cx="0" cy="0"/>
+        </a:xfrm>
+      </p:grpSpPr>
+      <p:sp>
+        <p:nvSpPr>
+          <p:cNvPr id="2" name="Text Placeholder 1"/>
+          <p:cNvSpPr>
+            <a:spLocks noGrp="1"/>
+          </p:cNvSpPr>
+          <p:nvPr>
+            <p:ph type="body" sz="quarter" idx="10"/>
+          </p:nvPr>
+        </p:nvSpPr>
+        <p:spPr/>
+        <p:txBody>
+          <a:bodyPr/>
+          <a:lstStyle/>
+          <a:p>
+            <a:r>
+              <a:rPr lang="en-US" sz="1600" dirty="0" smtClean="0"/>
+              <a:t>Not so well! Our </a:t>
+            </a:r>
+            <a:r>
+              <a:rPr lang="en-US" sz="1600" dirty="0" smtClean="0"/>
+              <a:t>color is pale, our Happiness score </a:t>
+            </a:r>
+            <a:r>
+              <a:rPr lang="en-US" sz="1600" dirty="0" smtClean="0"/>
+              <a:t>is just 4.7 – a lot of room for improvement!</a:t>
+            </a:r>
+            <a:endParaRPr lang="en-US" sz="1600" dirty="0"/>
+          </a:p>
+        </p:txBody>
+      </p:sp>
+      <p:sp>
+        <p:nvSpPr>
+          <p:cNvPr id="3" name="Text Placeholder 2"/>
+          <p:cNvSpPr>
+            <a:spLocks noGrp="1"/>
+          </p:cNvSpPr>
+          <p:nvPr>
+            <p:ph type="body" sz="quarter" idx="11"/>
+          </p:nvPr>
+        </p:nvSpPr>
+        <p:spPr/>
+        <p:txBody>
+          <a:bodyPr/>
+          <a:lstStyle/>
+          <a:p>
+            <a:endParaRPr lang="en-US"/>
+          </a:p>
+        </p:txBody>
+      </p:sp>
+      <p:sp>
+        <p:nvSpPr>
+          <p:cNvPr id="4" name="Title 3"/>
+          <p:cNvSpPr>
+            <a:spLocks noGrp="1"/>
+          </p:cNvSpPr>
+          <p:nvPr>
+            <p:ph type="title"/>
+          </p:nvPr>
+        </p:nvSpPr>
+        <p:spPr/>
+        <p:txBody>
+          <a:bodyPr/>
+          <a:lstStyle/>
+          <a:p>
+            <a:r>
+              <a:rPr lang="en-US" sz="1600" dirty="0" smtClean="0"/>
+              <a:t>Maybe people of Bangladesh are </a:t>
+            </a:r>
+            <a:r>
+              <a:rPr lang="en-US" sz="1600" dirty="0" smtClean="0"/>
+              <a:t>already happy? How does our country compare to the rest of the world/region on Happiness?</a:t>
+            </a:r>
+            <a:endParaRPr lang="en-US" sz="1600" dirty="0"/>
           </a:p>
         </p:txBody>
       </p:sp>
@@ -21847,7 +25374,126 @@
 </p:sld>
 </file>
 
-<file path=ppt/slides/slide5.xml><?xml version="1.0" encoding="utf-8"?>
+<file path=ppt/slides/slide8.xml><?xml version="1.0" encoding="utf-8"?>
+<p:sld xmlns:a="http://schemas.openxmlformats.org/drawingml/2006/main" xmlns:r="http://schemas.openxmlformats.org/officeDocument/2006/relationships" xmlns:p="http://schemas.openxmlformats.org/presentationml/2006/main">
+  <p:cSld>
+    <p:spTree>
+      <p:nvGrpSpPr>
+        <p:cNvPr id="1" name=""/>
+        <p:cNvGrpSpPr/>
+        <p:nvPr/>
+      </p:nvGrpSpPr>
+      <p:grpSpPr>
+        <a:xfrm>
+          <a:off x="0" y="0"/>
+          <a:ext cx="0" cy="0"/>
+          <a:chOff x="0" y="0"/>
+          <a:chExt cx="0" cy="0"/>
+        </a:xfrm>
+      </p:grpSpPr>
+      <p:sp>
+        <p:nvSpPr>
+          <p:cNvPr id="2" name="Text Placeholder 1"/>
+          <p:cNvSpPr>
+            <a:spLocks noGrp="1"/>
+          </p:cNvSpPr>
+          <p:nvPr>
+            <p:ph type="body" sz="quarter" idx="10"/>
+          </p:nvPr>
+        </p:nvSpPr>
+        <p:spPr/>
+        <p:txBody>
+          <a:bodyPr/>
+          <a:lstStyle/>
+          <a:p>
+            <a:r>
+              <a:rPr lang="en-US" dirty="0" smtClean="0"/>
+              <a:t>Allows you to run a model predicting Happiness based on indicators of your choice:</a:t>
+            </a:r>
+            <a:endParaRPr lang="en-US" dirty="0"/>
+          </a:p>
+        </p:txBody>
+      </p:sp>
+      <p:sp>
+        <p:nvSpPr>
+          <p:cNvPr id="3" name="Text Placeholder 2"/>
+          <p:cNvSpPr>
+            <a:spLocks noGrp="1"/>
+          </p:cNvSpPr>
+          <p:nvPr>
+            <p:ph type="body" sz="quarter" idx="11"/>
+          </p:nvPr>
+        </p:nvSpPr>
+        <p:spPr/>
+        <p:txBody>
+          <a:bodyPr/>
+          <a:lstStyle/>
+          <a:p>
+            <a:endParaRPr lang="en-US"/>
+          </a:p>
+        </p:txBody>
+      </p:sp>
+      <p:sp>
+        <p:nvSpPr>
+          <p:cNvPr id="4" name="Title 3"/>
+          <p:cNvSpPr>
+            <a:spLocks noGrp="1"/>
+          </p:cNvSpPr>
+          <p:nvPr>
+            <p:ph type="title"/>
+          </p:nvPr>
+        </p:nvSpPr>
+        <p:spPr/>
+        <p:txBody>
+          <a:bodyPr/>
+          <a:lstStyle/>
+          <a:p>
+            <a:r>
+              <a:rPr lang="en-US" dirty="0" smtClean="0"/>
+              <a:t>Tab 2: Predict Happiness</a:t>
+            </a:r>
+            <a:endParaRPr lang="en-US" dirty="0"/>
+          </a:p>
+        </p:txBody>
+      </p:sp>
+      <p:pic>
+        <p:nvPicPr>
+          <p:cNvPr id="6" name="Picture 5"/>
+          <p:cNvPicPr>
+            <a:picLocks noChangeAspect="1"/>
+          </p:cNvPicPr>
+          <p:nvPr/>
+        </p:nvPicPr>
+        <p:blipFill>
+          <a:blip r:embed="rId2"/>
+          <a:stretch>
+            <a:fillRect/>
+          </a:stretch>
+        </p:blipFill>
+        <p:spPr>
+          <a:xfrm>
+            <a:off x="323410" y="1276350"/>
+            <a:ext cx="5467790" cy="3643132"/>
+          </a:xfrm>
+          <a:prstGeom prst="rect">
+            <a:avLst/>
+          </a:prstGeom>
+        </p:spPr>
+      </p:pic>
+    </p:spTree>
+    <p:extLst>
+      <p:ext uri="{BB962C8B-B14F-4D97-AF65-F5344CB8AC3E}">
+        <p14:creationId xmlns:p14="http://schemas.microsoft.com/office/powerpoint/2010/main" val="1418567674"/>
+      </p:ext>
+    </p:extLst>
+  </p:cSld>
+  <p:clrMapOvr>
+    <a:masterClrMapping/>
+  </p:clrMapOvr>
+</p:sld>
+</file>
+
+<file path=ppt/slides/slide9.xml><?xml version="1.0" encoding="utf-8"?>
 <p:sld xmlns:a="http://schemas.openxmlformats.org/drawingml/2006/main" xmlns:r="http://schemas.openxmlformats.org/officeDocument/2006/relationships" xmlns:p="http://schemas.openxmlformats.org/presentationml/2006/main">
   <p:cSld>
     <p:spTree>
@@ -21907,7 +25553,15 @@
           <a:p>
             <a:r>
               <a:rPr lang="en-US" dirty="0" smtClean="0"/>
-              <a:t>OK, their predictive model has 74 socio-economic indicators. And how well do those </a:t>
+              <a:t>OK, their </a:t>
+            </a:r>
+            <a:r>
+              <a:rPr lang="en-US" dirty="0" smtClean="0"/>
+              <a:t>model </a:t>
+            </a:r>
+            <a:r>
+              <a:rPr lang="en-US" dirty="0" smtClean="0"/>
+              <a:t>has 74 socio-economic indicators. And how well do those </a:t>
             </a:r>
             <a:r>
               <a:rPr lang="en-US" dirty="0"/>
@@ -22038,1108 +25692,6 @@
     <p:extLst>
       <p:ext uri="{BB962C8B-B14F-4D97-AF65-F5344CB8AC3E}">
         <p14:creationId xmlns:p14="http://schemas.microsoft.com/office/powerpoint/2010/main" val="265018134"/>
-      </p:ext>
-    </p:extLst>
-  </p:cSld>
-  <p:clrMapOvr>
-    <a:masterClrMapping/>
-  </p:clrMapOvr>
-</p:sld>
-</file>
-
-<file path=ppt/slides/slide6.xml><?xml version="1.0" encoding="utf-8"?>
-<p:sld xmlns:a="http://schemas.openxmlformats.org/drawingml/2006/main" xmlns:r="http://schemas.openxmlformats.org/officeDocument/2006/relationships" xmlns:p="http://schemas.openxmlformats.org/presentationml/2006/main">
-  <p:cSld>
-    <p:spTree>
-      <p:nvGrpSpPr>
-        <p:cNvPr id="1" name=""/>
-        <p:cNvGrpSpPr/>
-        <p:nvPr/>
-      </p:nvGrpSpPr>
-      <p:grpSpPr>
-        <a:xfrm>
-          <a:off x="0" y="0"/>
-          <a:ext cx="0" cy="0"/>
-          <a:chOff x="0" y="0"/>
-          <a:chExt cx="0" cy="0"/>
-        </a:xfrm>
-      </p:grpSpPr>
-      <p:pic>
-        <p:nvPicPr>
-          <p:cNvPr id="12" name="Content Placeholder 11"/>
-          <p:cNvPicPr>
-            <a:picLocks noGrp="1" noChangeAspect="1"/>
-          </p:cNvPicPr>
-          <p:nvPr>
-            <p:ph sz="quarter" idx="12"/>
-          </p:nvPr>
-        </p:nvPicPr>
-        <p:blipFill>
-          <a:blip r:embed="rId2"/>
-          <a:stretch>
-            <a:fillRect/>
-          </a:stretch>
-        </p:blipFill>
-        <p:spPr>
-          <a:xfrm>
-            <a:off x="332720" y="1276350"/>
-            <a:ext cx="6084115" cy="3455988"/>
-          </a:xfrm>
-          <a:prstGeom prst="rect">
-            <a:avLst/>
-          </a:prstGeom>
-        </p:spPr>
-      </p:pic>
-      <p:sp>
-        <p:nvSpPr>
-          <p:cNvPr id="3" name="Title 2"/>
-          <p:cNvSpPr>
-            <a:spLocks noGrp="1"/>
-          </p:cNvSpPr>
-          <p:nvPr>
-            <p:ph type="title"/>
-          </p:nvPr>
-        </p:nvSpPr>
-        <p:spPr/>
-        <p:txBody>
-          <a:bodyPr/>
-          <a:lstStyle/>
-          <a:p>
-            <a:r>
-              <a:rPr lang="en-US" dirty="0" smtClean="0"/>
-              <a:t>We can’t focus on all indicators, but are ready to consider 13. How well do those predict Happiness?</a:t>
-            </a:r>
-            <a:endParaRPr lang="en-US" dirty="0"/>
-          </a:p>
-        </p:txBody>
-      </p:sp>
-      <p:sp>
-        <p:nvSpPr>
-          <p:cNvPr id="4" name="Text Placeholder 3"/>
-          <p:cNvSpPr>
-            <a:spLocks noGrp="1"/>
-          </p:cNvSpPr>
-          <p:nvPr>
-            <p:ph type="body" sz="quarter" idx="10"/>
-          </p:nvPr>
-        </p:nvSpPr>
-        <p:spPr/>
-        <p:txBody>
-          <a:bodyPr/>
-          <a:lstStyle/>
-          <a:p>
-            <a:r>
-              <a:rPr lang="en-US" dirty="0" smtClean="0"/>
-              <a:t>Incredibly well! </a:t>
-            </a:r>
-            <a:r>
-              <a:rPr lang="en-US" dirty="0"/>
-              <a:t>An R</a:t>
-            </a:r>
-            <a:r>
-              <a:rPr lang="en-US" baseline="30000" dirty="0"/>
-              <a:t>2</a:t>
-            </a:r>
-            <a:r>
-              <a:rPr lang="en-US" dirty="0"/>
-              <a:t> of </a:t>
-            </a:r>
-            <a:r>
-              <a:rPr lang="en-US" dirty="0" smtClean="0"/>
-              <a:t>0.69! And the RMSE decreased from 0.57 to just 0.65!</a:t>
-            </a:r>
-          </a:p>
-        </p:txBody>
-      </p:sp>
-      <p:sp>
-        <p:nvSpPr>
-          <p:cNvPr id="5" name="Text Placeholder 4"/>
-          <p:cNvSpPr>
-            <a:spLocks noGrp="1"/>
-          </p:cNvSpPr>
-          <p:nvPr>
-            <p:ph type="body" sz="quarter" idx="11"/>
-          </p:nvPr>
-        </p:nvSpPr>
-        <p:spPr/>
-        <p:txBody>
-          <a:bodyPr/>
-          <a:lstStyle/>
-          <a:p>
-            <a:endParaRPr lang="en-US"/>
-          </a:p>
-        </p:txBody>
-      </p:sp>
-      <p:sp>
-        <p:nvSpPr>
-          <p:cNvPr id="9" name="Oval 8"/>
-          <p:cNvSpPr/>
-          <p:nvPr/>
-        </p:nvSpPr>
-        <p:spPr bwMode="gray">
-          <a:xfrm>
-            <a:off x="3990900" y="1782410"/>
-            <a:ext cx="1454239" cy="304800"/>
-          </a:xfrm>
-          <a:prstGeom prst="ellipse">
-            <a:avLst/>
-          </a:prstGeom>
-          <a:noFill/>
-          <a:ln w="19050">
-            <a:solidFill>
-              <a:schemeClr val="tx2"/>
-            </a:solidFill>
-          </a:ln>
-        </p:spPr>
-        <p:style>
-          <a:lnRef idx="2">
-            <a:schemeClr val="accent1">
-              <a:shade val="50000"/>
-            </a:schemeClr>
-          </a:lnRef>
-          <a:fillRef idx="1">
-            <a:schemeClr val="accent1"/>
-          </a:fillRef>
-          <a:effectRef idx="0">
-            <a:schemeClr val="accent1"/>
-          </a:effectRef>
-          <a:fontRef idx="minor">
-            <a:schemeClr val="lt1"/>
-          </a:fontRef>
-        </p:style>
-        <p:txBody>
-          <a:bodyPr rot="0" spcFirstLastPara="0" vertOverflow="overflow" horzOverflow="overflow" vert="horz" wrap="square" lIns="91440" tIns="45720" rIns="91440" bIns="45720" numCol="1" spcCol="0" rtlCol="0" fromWordArt="0" anchor="ctr" anchorCtr="0" forceAA="0" compatLnSpc="1">
-            <a:prstTxWarp prst="textNoShape">
-              <a:avLst/>
-            </a:prstTxWarp>
-            <a:noAutofit/>
-          </a:bodyPr>
-          <a:lstStyle/>
-          <a:p>
-            <a:pPr marL="0" indent="0" algn="ctr">
-              <a:spcBef>
-                <a:spcPts val="300"/>
-              </a:spcBef>
-              <a:buFont typeface="Courier New" pitchFamily="49" charset="0"/>
-              <a:buNone/>
-            </a:pPr>
-            <a:endParaRPr lang="en-US" sz="1600" dirty="0" smtClean="0">
-              <a:solidFill>
-                <a:schemeClr val="tx1"/>
-              </a:solidFill>
-              <a:latin typeface="Arial" pitchFamily="34" charset="0"/>
-              <a:cs typeface="Arial" pitchFamily="34" charset="0"/>
-            </a:endParaRPr>
-          </a:p>
-        </p:txBody>
-      </p:sp>
-      <p:sp>
-        <p:nvSpPr>
-          <p:cNvPr id="10" name="TextBox 9"/>
-          <p:cNvSpPr txBox="1"/>
-          <p:nvPr/>
-        </p:nvSpPr>
-        <p:spPr bwMode="gray">
-          <a:xfrm>
-            <a:off x="6629400" y="1504950"/>
-            <a:ext cx="1752600" cy="646331"/>
-          </a:xfrm>
-          <a:prstGeom prst="rect">
-            <a:avLst/>
-          </a:prstGeom>
-          <a:noFill/>
-        </p:spPr>
-        <p:txBody>
-          <a:bodyPr wrap="square" lIns="0" tIns="0" rIns="0" bIns="0" rtlCol="0">
-            <a:spAutoFit/>
-          </a:bodyPr>
-          <a:lstStyle/>
-          <a:p>
-            <a:pPr algn="ctr">
-              <a:spcBef>
-                <a:spcPts val="300"/>
-              </a:spcBef>
-            </a:pPr>
-            <a:r>
-              <a:rPr lang="en-US" sz="1400" dirty="0">
-                <a:solidFill>
-                  <a:schemeClr val="tx2"/>
-                </a:solidFill>
-                <a:latin typeface="Arial" pitchFamily="34" charset="0"/>
-                <a:cs typeface="Arial" pitchFamily="34" charset="0"/>
-              </a:rPr>
-              <a:t>We were </a:t>
-            </a:r>
-            <a:r>
-              <a:rPr lang="en-US" sz="1400" dirty="0" smtClean="0">
-                <a:solidFill>
-                  <a:schemeClr val="tx2"/>
-                </a:solidFill>
-                <a:latin typeface="Arial" pitchFamily="34" charset="0"/>
-                <a:cs typeface="Arial" pitchFamily="34" charset="0"/>
-              </a:rPr>
-              <a:t>very smart </a:t>
-            </a:r>
-            <a:r>
-              <a:rPr lang="en-US" sz="1400" dirty="0">
-                <a:solidFill>
-                  <a:schemeClr val="tx2"/>
-                </a:solidFill>
-                <a:latin typeface="Arial" pitchFamily="34" charset="0"/>
-                <a:cs typeface="Arial" pitchFamily="34" charset="0"/>
-              </a:rPr>
-              <a:t>to select those few indicators! </a:t>
-            </a:r>
-          </a:p>
-        </p:txBody>
-      </p:sp>
-      <p:sp>
-        <p:nvSpPr>
-          <p:cNvPr id="13" name="TextBox 12"/>
-          <p:cNvSpPr txBox="1"/>
-          <p:nvPr/>
-        </p:nvSpPr>
-        <p:spPr bwMode="gray">
-          <a:xfrm>
-            <a:off x="6762483" y="2979341"/>
-            <a:ext cx="1752600" cy="861774"/>
-          </a:xfrm>
-          <a:prstGeom prst="rect">
-            <a:avLst/>
-          </a:prstGeom>
-          <a:noFill/>
-        </p:spPr>
-        <p:txBody>
-          <a:bodyPr wrap="square" lIns="0" tIns="0" rIns="0" bIns="0" rtlCol="0">
-            <a:spAutoFit/>
-          </a:bodyPr>
-          <a:lstStyle/>
-          <a:p>
-            <a:pPr algn="ctr">
-              <a:spcBef>
-                <a:spcPts val="300"/>
-              </a:spcBef>
-            </a:pPr>
-            <a:r>
-              <a:rPr lang="en-US" sz="1400" dirty="0" smtClean="0">
-                <a:solidFill>
-                  <a:schemeClr val="tx2"/>
-                </a:solidFill>
-                <a:latin typeface="Arial" pitchFamily="34" charset="0"/>
-                <a:cs typeface="Arial" pitchFamily="34" charset="0"/>
-              </a:rPr>
-              <a:t>And we can see the most important predictors of Happiness! </a:t>
-            </a:r>
-            <a:endParaRPr lang="en-US" sz="1400" dirty="0">
-              <a:solidFill>
-                <a:schemeClr val="tx2"/>
-              </a:solidFill>
-              <a:latin typeface="Arial" pitchFamily="34" charset="0"/>
-              <a:cs typeface="Arial" pitchFamily="34" charset="0"/>
-            </a:endParaRPr>
-          </a:p>
-        </p:txBody>
-      </p:sp>
-      <p:sp>
-        <p:nvSpPr>
-          <p:cNvPr id="14" name="Right Brace 13"/>
-          <p:cNvSpPr/>
-          <p:nvPr/>
-        </p:nvSpPr>
-        <p:spPr>
-          <a:xfrm>
-            <a:off x="6324600" y="2800350"/>
-            <a:ext cx="304800" cy="990600"/>
-          </a:xfrm>
-          <a:prstGeom prst="rightBrace">
-            <a:avLst/>
-          </a:prstGeom>
-          <a:ln>
-            <a:solidFill>
-              <a:schemeClr val="tx1"/>
-            </a:solidFill>
-            <a:tailEnd type="none"/>
-          </a:ln>
-        </p:spPr>
-        <p:style>
-          <a:lnRef idx="1">
-            <a:schemeClr val="accent1"/>
-          </a:lnRef>
-          <a:fillRef idx="0">
-            <a:schemeClr val="accent1"/>
-          </a:fillRef>
-          <a:effectRef idx="0">
-            <a:schemeClr val="accent1"/>
-          </a:effectRef>
-          <a:fontRef idx="minor">
-            <a:schemeClr val="tx1"/>
-          </a:fontRef>
-        </p:style>
-        <p:txBody>
-          <a:bodyPr rtlCol="0" anchor="ctr"/>
-          <a:lstStyle/>
-          <a:p>
-            <a:pPr algn="ctr"/>
-            <a:endParaRPr lang="en-US"/>
-          </a:p>
-        </p:txBody>
-      </p:sp>
-    </p:spTree>
-    <p:extLst>
-      <p:ext uri="{BB962C8B-B14F-4D97-AF65-F5344CB8AC3E}">
-        <p14:creationId xmlns:p14="http://schemas.microsoft.com/office/powerpoint/2010/main" val="1280499447"/>
-      </p:ext>
-    </p:extLst>
-  </p:cSld>
-  <p:clrMapOvr>
-    <a:masterClrMapping/>
-  </p:clrMapOvr>
-</p:sld>
-</file>
-
-<file path=ppt/slides/slide7.xml><?xml version="1.0" encoding="utf-8"?>
-<p:sld xmlns:a="http://schemas.openxmlformats.org/drawingml/2006/main" xmlns:r="http://schemas.openxmlformats.org/officeDocument/2006/relationships" xmlns:p="http://schemas.openxmlformats.org/presentationml/2006/main">
-  <p:cSld>
-    <p:spTree>
-      <p:nvGrpSpPr>
-        <p:cNvPr id="1" name=""/>
-        <p:cNvGrpSpPr/>
-        <p:nvPr/>
-      </p:nvGrpSpPr>
-      <p:grpSpPr>
-        <a:xfrm>
-          <a:off x="0" y="0"/>
-          <a:ext cx="0" cy="0"/>
-          <a:chOff x="0" y="0"/>
-          <a:chExt cx="0" cy="0"/>
-        </a:xfrm>
-      </p:grpSpPr>
-      <p:sp>
-        <p:nvSpPr>
-          <p:cNvPr id="2" name="Text Placeholder 1"/>
-          <p:cNvSpPr>
-            <a:spLocks noGrp="1"/>
-          </p:cNvSpPr>
-          <p:nvPr>
-            <p:ph type="body" sz="quarter" idx="10"/>
-          </p:nvPr>
-        </p:nvSpPr>
-        <p:spPr/>
-        <p:txBody>
-          <a:bodyPr/>
-          <a:lstStyle/>
-          <a:p>
-            <a:r>
-              <a:rPr lang="en-US" dirty="0" smtClean="0"/>
-              <a:t>Ah, some of them are related positively and some – inversely.</a:t>
-            </a:r>
-            <a:endParaRPr lang="en-US" dirty="0"/>
-          </a:p>
-        </p:txBody>
-      </p:sp>
-      <p:sp>
-        <p:nvSpPr>
-          <p:cNvPr id="3" name="Text Placeholder 2"/>
-          <p:cNvSpPr>
-            <a:spLocks noGrp="1"/>
-          </p:cNvSpPr>
-          <p:nvPr>
-            <p:ph type="body" sz="quarter" idx="11"/>
-          </p:nvPr>
-        </p:nvSpPr>
-        <p:spPr/>
-        <p:txBody>
-          <a:bodyPr/>
-          <a:lstStyle/>
-          <a:p>
-            <a:endParaRPr lang="en-US"/>
-          </a:p>
-        </p:txBody>
-      </p:sp>
-      <p:sp>
-        <p:nvSpPr>
-          <p:cNvPr id="4" name="Title 3"/>
-          <p:cNvSpPr>
-            <a:spLocks noGrp="1"/>
-          </p:cNvSpPr>
-          <p:nvPr>
-            <p:ph type="title"/>
-          </p:nvPr>
-        </p:nvSpPr>
-        <p:spPr/>
-        <p:txBody>
-          <a:bodyPr/>
-          <a:lstStyle/>
-          <a:p>
-            <a:r>
-              <a:rPr lang="en-US" dirty="0" smtClean="0"/>
-              <a:t>But how exactly are those indicators related to Happiness?</a:t>
-            </a:r>
-            <a:endParaRPr lang="en-US" dirty="0"/>
-          </a:p>
-        </p:txBody>
-      </p:sp>
-      <p:pic>
-        <p:nvPicPr>
-          <p:cNvPr id="5" name="Picture 4"/>
-          <p:cNvPicPr>
-            <a:picLocks noChangeAspect="1"/>
-          </p:cNvPicPr>
-          <p:nvPr/>
-        </p:nvPicPr>
-        <p:blipFill>
-          <a:blip r:embed="rId2"/>
-          <a:stretch>
-            <a:fillRect/>
-          </a:stretch>
-        </p:blipFill>
-        <p:spPr>
-          <a:xfrm>
-            <a:off x="323409" y="1347886"/>
-            <a:ext cx="3250321" cy="1681063"/>
-          </a:xfrm>
-          <a:prstGeom prst="rect">
-            <a:avLst/>
-          </a:prstGeom>
-        </p:spPr>
-      </p:pic>
-      <p:pic>
-        <p:nvPicPr>
-          <p:cNvPr id="6" name="Picture 5"/>
-          <p:cNvPicPr>
-            <a:picLocks noChangeAspect="1"/>
-          </p:cNvPicPr>
-          <p:nvPr/>
-        </p:nvPicPr>
-        <p:blipFill>
-          <a:blip r:embed="rId3"/>
-          <a:stretch>
-            <a:fillRect/>
-          </a:stretch>
-        </p:blipFill>
-        <p:spPr>
-          <a:xfrm>
-            <a:off x="3612910" y="1347886"/>
-            <a:ext cx="3276634" cy="1670599"/>
-          </a:xfrm>
-          <a:prstGeom prst="rect">
-            <a:avLst/>
-          </a:prstGeom>
-        </p:spPr>
-      </p:pic>
-      <p:pic>
-        <p:nvPicPr>
-          <p:cNvPr id="7" name="Picture 6"/>
-          <p:cNvPicPr>
-            <a:picLocks noChangeAspect="1"/>
-          </p:cNvPicPr>
-          <p:nvPr/>
-        </p:nvPicPr>
-        <p:blipFill>
-          <a:blip r:embed="rId4"/>
-          <a:stretch>
-            <a:fillRect/>
-          </a:stretch>
-        </p:blipFill>
-        <p:spPr>
-          <a:xfrm>
-            <a:off x="329871" y="3058584"/>
-            <a:ext cx="3243859" cy="1660116"/>
-          </a:xfrm>
-          <a:prstGeom prst="rect">
-            <a:avLst/>
-          </a:prstGeom>
-        </p:spPr>
-      </p:pic>
-      <p:pic>
-        <p:nvPicPr>
-          <p:cNvPr id="8" name="Picture 7"/>
-          <p:cNvPicPr>
-            <a:picLocks noChangeAspect="1"/>
-          </p:cNvPicPr>
-          <p:nvPr/>
-        </p:nvPicPr>
-        <p:blipFill>
-          <a:blip r:embed="rId5"/>
-          <a:stretch>
-            <a:fillRect/>
-          </a:stretch>
-        </p:blipFill>
-        <p:spPr>
-          <a:xfrm>
-            <a:off x="3612910" y="3058396"/>
-            <a:ext cx="3276634" cy="1662769"/>
-          </a:xfrm>
-          <a:prstGeom prst="rect">
-            <a:avLst/>
-          </a:prstGeom>
-        </p:spPr>
-      </p:pic>
-      <p:pic>
-        <p:nvPicPr>
-          <p:cNvPr id="9" name="Picture 8"/>
-          <p:cNvPicPr>
-            <a:picLocks noChangeAspect="1"/>
-          </p:cNvPicPr>
-          <p:nvPr/>
-        </p:nvPicPr>
-        <p:blipFill>
-          <a:blip r:embed="rId6"/>
-          <a:stretch>
-            <a:fillRect/>
-          </a:stretch>
-        </p:blipFill>
-        <p:spPr>
-          <a:xfrm>
-            <a:off x="5766512" y="4489628"/>
-            <a:ext cx="1093253" cy="197237"/>
-          </a:xfrm>
-          <a:prstGeom prst="rect">
-            <a:avLst/>
-          </a:prstGeom>
-        </p:spPr>
-      </p:pic>
-      <p:pic>
-        <p:nvPicPr>
-          <p:cNvPr id="10" name="Picture 9"/>
-          <p:cNvPicPr>
-            <a:picLocks noChangeAspect="1"/>
-          </p:cNvPicPr>
-          <p:nvPr/>
-        </p:nvPicPr>
-        <p:blipFill>
-          <a:blip r:embed="rId7"/>
-          <a:stretch>
-            <a:fillRect/>
-          </a:stretch>
-        </p:blipFill>
-        <p:spPr>
-          <a:xfrm>
-            <a:off x="2527478" y="4483189"/>
-            <a:ext cx="1008849" cy="199772"/>
-          </a:xfrm>
-          <a:prstGeom prst="rect">
-            <a:avLst/>
-          </a:prstGeom>
-        </p:spPr>
-      </p:pic>
-      <p:pic>
-        <p:nvPicPr>
-          <p:cNvPr id="11" name="Picture 10"/>
-          <p:cNvPicPr>
-            <a:picLocks noChangeAspect="1"/>
-          </p:cNvPicPr>
-          <p:nvPr/>
-        </p:nvPicPr>
-        <p:blipFill>
-          <a:blip r:embed="rId8"/>
-          <a:stretch>
-            <a:fillRect/>
-          </a:stretch>
-        </p:blipFill>
-        <p:spPr>
-          <a:xfrm>
-            <a:off x="5722802" y="2801540"/>
-            <a:ext cx="1124085" cy="187348"/>
-          </a:xfrm>
-          <a:prstGeom prst="rect">
-            <a:avLst/>
-          </a:prstGeom>
-        </p:spPr>
-      </p:pic>
-      <p:pic>
-        <p:nvPicPr>
-          <p:cNvPr id="12" name="Picture 11"/>
-          <p:cNvPicPr>
-            <a:picLocks noChangeAspect="1"/>
-          </p:cNvPicPr>
-          <p:nvPr/>
-        </p:nvPicPr>
-        <p:blipFill>
-          <a:blip r:embed="rId9"/>
-          <a:stretch>
-            <a:fillRect/>
-          </a:stretch>
-        </p:blipFill>
-        <p:spPr>
-          <a:xfrm>
-            <a:off x="2477034" y="2781119"/>
-            <a:ext cx="1047483" cy="190948"/>
-          </a:xfrm>
-          <a:prstGeom prst="rect">
-            <a:avLst/>
-          </a:prstGeom>
-        </p:spPr>
-      </p:pic>
-    </p:spTree>
-    <p:extLst>
-      <p:ext uri="{BB962C8B-B14F-4D97-AF65-F5344CB8AC3E}">
-        <p14:creationId xmlns:p14="http://schemas.microsoft.com/office/powerpoint/2010/main" val="824272306"/>
-      </p:ext>
-    </p:extLst>
-  </p:cSld>
-  <p:clrMapOvr>
-    <a:masterClrMapping/>
-  </p:clrMapOvr>
-</p:sld>
-</file>
-
-<file path=ppt/slides/slide8.xml><?xml version="1.0" encoding="utf-8"?>
-<p:sld xmlns:a="http://schemas.openxmlformats.org/drawingml/2006/main" xmlns:r="http://schemas.openxmlformats.org/officeDocument/2006/relationships" xmlns:p="http://schemas.openxmlformats.org/presentationml/2006/main">
-  <p:cSld>
-    <p:spTree>
-      <p:nvGrpSpPr>
-        <p:cNvPr id="1" name=""/>
-        <p:cNvGrpSpPr/>
-        <p:nvPr/>
-      </p:nvGrpSpPr>
-      <p:grpSpPr>
-        <a:xfrm>
-          <a:off x="0" y="0"/>
-          <a:ext cx="0" cy="0"/>
-          <a:chOff x="0" y="0"/>
-          <a:chExt cx="0" cy="0"/>
-        </a:xfrm>
-      </p:grpSpPr>
-      <p:sp>
-        <p:nvSpPr>
-          <p:cNvPr id="2" name="Text Placeholder 1"/>
-          <p:cNvSpPr>
-            <a:spLocks noGrp="1"/>
-          </p:cNvSpPr>
-          <p:nvPr>
-            <p:ph type="body" sz="quarter" idx="10"/>
-          </p:nvPr>
-        </p:nvSpPr>
-        <p:spPr/>
-        <p:txBody>
-          <a:bodyPr/>
-          <a:lstStyle/>
-          <a:p>
-            <a:r>
-              <a:rPr lang="en-US" dirty="0" smtClean="0"/>
-              <a:t>Not so great on Internet Usage; still quite high incidence of tuberculosis</a:t>
-            </a:r>
-            <a:endParaRPr lang="en-US" dirty="0"/>
-          </a:p>
-        </p:txBody>
-      </p:sp>
-      <p:sp>
-        <p:nvSpPr>
-          <p:cNvPr id="3" name="Text Placeholder 2"/>
-          <p:cNvSpPr>
-            <a:spLocks noGrp="1"/>
-          </p:cNvSpPr>
-          <p:nvPr>
-            <p:ph type="body" sz="quarter" idx="11"/>
-          </p:nvPr>
-        </p:nvSpPr>
-        <p:spPr/>
-        <p:txBody>
-          <a:bodyPr/>
-          <a:lstStyle/>
-          <a:p>
-            <a:endParaRPr lang="en-US"/>
-          </a:p>
-        </p:txBody>
-      </p:sp>
-      <p:sp>
-        <p:nvSpPr>
-          <p:cNvPr id="4" name="Title 3"/>
-          <p:cNvSpPr>
-            <a:spLocks noGrp="1"/>
-          </p:cNvSpPr>
-          <p:nvPr>
-            <p:ph type="title"/>
-          </p:nvPr>
-        </p:nvSpPr>
-        <p:spPr/>
-        <p:txBody>
-          <a:bodyPr/>
-          <a:lstStyle/>
-          <a:p>
-            <a:r>
-              <a:rPr lang="en-US" dirty="0"/>
-              <a:t>Where do we stand on those indicators compared to other countries in the </a:t>
-            </a:r>
-            <a:r>
-              <a:rPr lang="en-US" dirty="0" smtClean="0"/>
-              <a:t>world/region?</a:t>
-            </a:r>
-            <a:endParaRPr lang="en-US" dirty="0"/>
-          </a:p>
-        </p:txBody>
-      </p:sp>
-      <p:pic>
-        <p:nvPicPr>
-          <p:cNvPr id="5" name="Picture 4"/>
-          <p:cNvPicPr>
-            <a:picLocks noChangeAspect="1"/>
-          </p:cNvPicPr>
-          <p:nvPr/>
-        </p:nvPicPr>
-        <p:blipFill>
-          <a:blip r:embed="rId2"/>
-          <a:stretch>
-            <a:fillRect/>
-          </a:stretch>
-        </p:blipFill>
-        <p:spPr>
-          <a:xfrm>
-            <a:off x="323410" y="1652435"/>
-            <a:ext cx="3410390" cy="2520944"/>
-          </a:xfrm>
-          <a:prstGeom prst="rect">
-            <a:avLst/>
-          </a:prstGeom>
-        </p:spPr>
-      </p:pic>
-      <p:sp>
-        <p:nvSpPr>
-          <p:cNvPr id="6" name="TextBox 5"/>
-          <p:cNvSpPr txBox="1"/>
-          <p:nvPr/>
-        </p:nvSpPr>
-        <p:spPr bwMode="gray">
-          <a:xfrm>
-            <a:off x="323410" y="1428750"/>
-            <a:ext cx="3410390" cy="184666"/>
-          </a:xfrm>
-          <a:prstGeom prst="rect">
-            <a:avLst/>
-          </a:prstGeom>
-          <a:noFill/>
-        </p:spPr>
-        <p:txBody>
-          <a:bodyPr wrap="square" lIns="0" tIns="0" rIns="0" bIns="0" rtlCol="0">
-            <a:spAutoFit/>
-          </a:bodyPr>
-          <a:lstStyle/>
-          <a:p>
-            <a:pPr>
-              <a:spcBef>
-                <a:spcPts val="300"/>
-              </a:spcBef>
-            </a:pPr>
-            <a:r>
-              <a:rPr lang="en-US" sz="1200" dirty="0" smtClean="0">
-                <a:latin typeface="Arial" pitchFamily="34" charset="0"/>
-                <a:cs typeface="Arial" pitchFamily="34" charset="0"/>
-              </a:rPr>
-              <a:t>Internet Users (per 100 people)</a:t>
-            </a:r>
-            <a:endParaRPr lang="en-US" sz="1600" dirty="0" smtClean="0">
-              <a:latin typeface="Arial" pitchFamily="34" charset="0"/>
-              <a:cs typeface="Arial" pitchFamily="34" charset="0"/>
-            </a:endParaRPr>
-          </a:p>
-        </p:txBody>
-      </p:sp>
-      <p:pic>
-        <p:nvPicPr>
-          <p:cNvPr id="8" name="Picture 7"/>
-          <p:cNvPicPr>
-            <a:picLocks noChangeAspect="1"/>
-          </p:cNvPicPr>
-          <p:nvPr/>
-        </p:nvPicPr>
-        <p:blipFill>
-          <a:blip r:embed="rId3"/>
-          <a:stretch>
-            <a:fillRect/>
-          </a:stretch>
-        </p:blipFill>
-        <p:spPr>
-          <a:xfrm>
-            <a:off x="4314963" y="1652434"/>
-            <a:ext cx="3457437" cy="2539533"/>
-          </a:xfrm>
-          <a:prstGeom prst="rect">
-            <a:avLst/>
-          </a:prstGeom>
-        </p:spPr>
-      </p:pic>
-      <p:sp>
-        <p:nvSpPr>
-          <p:cNvPr id="9" name="TextBox 8"/>
-          <p:cNvSpPr txBox="1"/>
-          <p:nvPr/>
-        </p:nvSpPr>
-        <p:spPr bwMode="gray">
-          <a:xfrm>
-            <a:off x="4310392" y="1428750"/>
-            <a:ext cx="3410390" cy="184666"/>
-          </a:xfrm>
-          <a:prstGeom prst="rect">
-            <a:avLst/>
-          </a:prstGeom>
-          <a:noFill/>
-        </p:spPr>
-        <p:txBody>
-          <a:bodyPr wrap="square" lIns="0" tIns="0" rIns="0" bIns="0" rtlCol="0">
-            <a:spAutoFit/>
-          </a:bodyPr>
-          <a:lstStyle/>
-          <a:p>
-            <a:pPr>
-              <a:spcBef>
-                <a:spcPts val="300"/>
-              </a:spcBef>
-            </a:pPr>
-            <a:r>
-              <a:rPr lang="en-US" sz="1200" dirty="0" smtClean="0">
-                <a:latin typeface="Arial" pitchFamily="34" charset="0"/>
-                <a:cs typeface="Arial" pitchFamily="34" charset="0"/>
-              </a:rPr>
-              <a:t>Incidence of Tuberculosis (per 100,000 people)</a:t>
-            </a:r>
-            <a:endParaRPr lang="en-US" sz="1600" dirty="0" smtClean="0">
-              <a:latin typeface="Arial" pitchFamily="34" charset="0"/>
-              <a:cs typeface="Arial" pitchFamily="34" charset="0"/>
-            </a:endParaRPr>
-          </a:p>
-        </p:txBody>
-      </p:sp>
-    </p:spTree>
-    <p:extLst>
-      <p:ext uri="{BB962C8B-B14F-4D97-AF65-F5344CB8AC3E}">
-        <p14:creationId xmlns:p14="http://schemas.microsoft.com/office/powerpoint/2010/main" val="952182630"/>
-      </p:ext>
-    </p:extLst>
-  </p:cSld>
-  <p:clrMapOvr>
-    <a:masterClrMapping/>
-  </p:clrMapOvr>
-  <p:timing>
-    <p:tnLst>
-      <p:par>
-        <p:cTn id="1" dur="indefinite" restart="never" nodeType="tmRoot"/>
-      </p:par>
-    </p:tnLst>
-  </p:timing>
-</p:sld>
-</file>
-
-<file path=ppt/slides/slide9.xml><?xml version="1.0" encoding="utf-8"?>
-<p:sld xmlns:a="http://schemas.openxmlformats.org/drawingml/2006/main" xmlns:r="http://schemas.openxmlformats.org/officeDocument/2006/relationships" xmlns:p="http://schemas.openxmlformats.org/presentationml/2006/main">
-  <p:cSld>
-    <p:spTree>
-      <p:nvGrpSpPr>
-        <p:cNvPr id="1" name=""/>
-        <p:cNvGrpSpPr/>
-        <p:nvPr/>
-      </p:nvGrpSpPr>
-      <p:grpSpPr>
-        <a:xfrm>
-          <a:off x="0" y="0"/>
-          <a:ext cx="0" cy="0"/>
-          <a:chOff x="0" y="0"/>
-          <a:chExt cx="0" cy="0"/>
-        </a:xfrm>
-      </p:grpSpPr>
-      <p:sp>
-        <p:nvSpPr>
-          <p:cNvPr id="2" name="Text Placeholder 1"/>
-          <p:cNvSpPr>
-            <a:spLocks noGrp="1"/>
-          </p:cNvSpPr>
-          <p:nvPr>
-            <p:ph type="body" sz="quarter" idx="10"/>
-          </p:nvPr>
-        </p:nvSpPr>
-        <p:spPr/>
-        <p:txBody>
-          <a:bodyPr/>
-          <a:lstStyle/>
-          <a:p>
-            <a:r>
-              <a:rPr lang="en-US" dirty="0" smtClean="0"/>
-              <a:t>Relatively high mortality rate; very low number of fixed phone subscriptions</a:t>
-            </a:r>
-            <a:endParaRPr lang="en-US" dirty="0"/>
-          </a:p>
-        </p:txBody>
-      </p:sp>
-      <p:sp>
-        <p:nvSpPr>
-          <p:cNvPr id="3" name="Text Placeholder 2"/>
-          <p:cNvSpPr>
-            <a:spLocks noGrp="1"/>
-          </p:cNvSpPr>
-          <p:nvPr>
-            <p:ph type="body" sz="quarter" idx="11"/>
-          </p:nvPr>
-        </p:nvSpPr>
-        <p:spPr/>
-        <p:txBody>
-          <a:bodyPr/>
-          <a:lstStyle/>
-          <a:p>
-            <a:endParaRPr lang="en-US"/>
-          </a:p>
-        </p:txBody>
-      </p:sp>
-      <p:sp>
-        <p:nvSpPr>
-          <p:cNvPr id="4" name="Title 3"/>
-          <p:cNvSpPr>
-            <a:spLocks noGrp="1"/>
-          </p:cNvSpPr>
-          <p:nvPr>
-            <p:ph type="title"/>
-          </p:nvPr>
-        </p:nvSpPr>
-        <p:spPr/>
-        <p:txBody>
-          <a:bodyPr/>
-          <a:lstStyle/>
-          <a:p>
-            <a:r>
-              <a:rPr lang="en-US" dirty="0"/>
-              <a:t>Where do we stand on those indicators compared to other countries in the </a:t>
-            </a:r>
-            <a:r>
-              <a:rPr lang="en-US" dirty="0" smtClean="0"/>
-              <a:t>world/region? (cont’d)</a:t>
-            </a:r>
-            <a:endParaRPr lang="en-US" dirty="0"/>
-          </a:p>
-        </p:txBody>
-      </p:sp>
-      <p:sp>
-        <p:nvSpPr>
-          <p:cNvPr id="6" name="TextBox 5"/>
-          <p:cNvSpPr txBox="1"/>
-          <p:nvPr/>
-        </p:nvSpPr>
-        <p:spPr bwMode="gray">
-          <a:xfrm>
-            <a:off x="323410" y="1428750"/>
-            <a:ext cx="3410390" cy="184666"/>
-          </a:xfrm>
-          <a:prstGeom prst="rect">
-            <a:avLst/>
-          </a:prstGeom>
-          <a:noFill/>
-        </p:spPr>
-        <p:txBody>
-          <a:bodyPr wrap="square" lIns="0" tIns="0" rIns="0" bIns="0" rtlCol="0">
-            <a:spAutoFit/>
-          </a:bodyPr>
-          <a:lstStyle/>
-          <a:p>
-            <a:pPr>
-              <a:spcBef>
-                <a:spcPts val="300"/>
-              </a:spcBef>
-            </a:pPr>
-            <a:r>
-              <a:rPr lang="en-US" sz="1200" dirty="0" smtClean="0">
-                <a:latin typeface="Arial" pitchFamily="34" charset="0"/>
-                <a:cs typeface="Arial" pitchFamily="34" charset="0"/>
-              </a:rPr>
-              <a:t>Infant mortality rate ( per 1,000 live births)</a:t>
-            </a:r>
-            <a:endParaRPr lang="en-US" sz="1600" dirty="0" smtClean="0">
-              <a:latin typeface="Arial" pitchFamily="34" charset="0"/>
-              <a:cs typeface="Arial" pitchFamily="34" charset="0"/>
-            </a:endParaRPr>
-          </a:p>
-        </p:txBody>
-      </p:sp>
-      <p:sp>
-        <p:nvSpPr>
-          <p:cNvPr id="9" name="TextBox 8"/>
-          <p:cNvSpPr txBox="1"/>
-          <p:nvPr/>
-        </p:nvSpPr>
-        <p:spPr bwMode="gray">
-          <a:xfrm>
-            <a:off x="4310392" y="1428750"/>
-            <a:ext cx="3410390" cy="184666"/>
-          </a:xfrm>
-          <a:prstGeom prst="rect">
-            <a:avLst/>
-          </a:prstGeom>
-          <a:noFill/>
-        </p:spPr>
-        <p:txBody>
-          <a:bodyPr wrap="square" lIns="0" tIns="0" rIns="0" bIns="0" rtlCol="0">
-            <a:spAutoFit/>
-          </a:bodyPr>
-          <a:lstStyle/>
-          <a:p>
-            <a:pPr>
-              <a:spcBef>
-                <a:spcPts val="300"/>
-              </a:spcBef>
-            </a:pPr>
-            <a:r>
-              <a:rPr lang="en-US" sz="1200" dirty="0" smtClean="0">
-                <a:latin typeface="Arial" pitchFamily="34" charset="0"/>
-                <a:cs typeface="Arial" pitchFamily="34" charset="0"/>
-              </a:rPr>
-              <a:t>Fixed telephone subscriptions (per 100 people)</a:t>
-            </a:r>
-            <a:endParaRPr lang="en-US" sz="1600" dirty="0" smtClean="0">
-              <a:latin typeface="Arial" pitchFamily="34" charset="0"/>
-              <a:cs typeface="Arial" pitchFamily="34" charset="0"/>
-            </a:endParaRPr>
-          </a:p>
-        </p:txBody>
-      </p:sp>
-      <p:pic>
-        <p:nvPicPr>
-          <p:cNvPr id="11" name="Picture 10"/>
-          <p:cNvPicPr>
-            <a:picLocks noChangeAspect="1"/>
-          </p:cNvPicPr>
-          <p:nvPr/>
-        </p:nvPicPr>
-        <p:blipFill>
-          <a:blip r:embed="rId2"/>
-          <a:stretch>
-            <a:fillRect/>
-          </a:stretch>
-        </p:blipFill>
-        <p:spPr>
-          <a:xfrm>
-            <a:off x="4310392" y="1771203"/>
-            <a:ext cx="3555460" cy="2600028"/>
-          </a:xfrm>
-          <a:prstGeom prst="rect">
-            <a:avLst/>
-          </a:prstGeom>
-        </p:spPr>
-      </p:pic>
-      <p:pic>
-        <p:nvPicPr>
-          <p:cNvPr id="12" name="Picture 11"/>
-          <p:cNvPicPr>
-            <a:picLocks noChangeAspect="1"/>
-          </p:cNvPicPr>
-          <p:nvPr/>
-        </p:nvPicPr>
-        <p:blipFill>
-          <a:blip r:embed="rId3"/>
-          <a:stretch>
-            <a:fillRect/>
-          </a:stretch>
-        </p:blipFill>
-        <p:spPr>
-          <a:xfrm>
-            <a:off x="304800" y="1769992"/>
-            <a:ext cx="3505200" cy="2586311"/>
-          </a:xfrm>
-          <a:prstGeom prst="rect">
-            <a:avLst/>
-          </a:prstGeom>
-        </p:spPr>
-      </p:pic>
-    </p:spTree>
-    <p:extLst>
-      <p:ext uri="{BB962C8B-B14F-4D97-AF65-F5344CB8AC3E}">
-        <p14:creationId xmlns:p14="http://schemas.microsoft.com/office/powerpoint/2010/main" val="3292926038"/>
       </p:ext>
     </p:extLst>
   </p:cSld>
@@ -23464,19 +26016,55 @@
 
 <file path=ppt/tags/tag56.xml><?xml version="1.0" encoding="utf-8"?>
 <p:tagLst xmlns:a="http://schemas.openxmlformats.org/drawingml/2006/main" xmlns:r="http://schemas.openxmlformats.org/officeDocument/2006/relationships" xmlns:p="http://schemas.openxmlformats.org/presentationml/2006/main">
-  <p:tag name="VCTCREATESHAPEHANDLED" val="0"/>
+  <p:tag name="THINKCELLSHAPEDONOTDELETE" val="pkWLprRI77k.6f91TFJz0TQ"/>
 </p:tagLst>
 </file>
 
 <file path=ppt/tags/tag57.xml><?xml version="1.0" encoding="utf-8"?>
 <p:tagLst xmlns:a="http://schemas.openxmlformats.org/drawingml/2006/main" xmlns:r="http://schemas.openxmlformats.org/officeDocument/2006/relationships" xmlns:p="http://schemas.openxmlformats.org/presentationml/2006/main">
-  <p:tag name="VCTCREATESHAPEHANDLED" val="0"/>
+  <p:tag name="THINKCELLSHAPEDONOTDELETE" val="pkWLprRI77k.6f91TFJz0TQ"/>
+</p:tagLst>
+</file>
+
+<file path=ppt/tags/tag58.xml><?xml version="1.0" encoding="utf-8"?>
+<p:tagLst xmlns:a="http://schemas.openxmlformats.org/drawingml/2006/main" xmlns:r="http://schemas.openxmlformats.org/officeDocument/2006/relationships" xmlns:p="http://schemas.openxmlformats.org/presentationml/2006/main">
+  <p:tag name="THINKCELLSHAPEDONOTDELETE" val="pkWLprRI77k.6f91TFJz0TQ"/>
+</p:tagLst>
+</file>
+
+<file path=ppt/tags/tag59.xml><?xml version="1.0" encoding="utf-8"?>
+<p:tagLst xmlns:a="http://schemas.openxmlformats.org/drawingml/2006/main" xmlns:r="http://schemas.openxmlformats.org/officeDocument/2006/relationships" xmlns:p="http://schemas.openxmlformats.org/presentationml/2006/main">
+  <p:tag name="THINKCELLSHAPEDONOTDELETE" val="ptBhx1cS2KUum_oaAcxZAnA"/>
 </p:tagLst>
 </file>
 
 <file path=ppt/tags/tag6.xml><?xml version="1.0" encoding="utf-8"?>
 <p:tagLst xmlns:a="http://schemas.openxmlformats.org/drawingml/2006/main" xmlns:r="http://schemas.openxmlformats.org/officeDocument/2006/relationships" xmlns:p="http://schemas.openxmlformats.org/presentationml/2006/main">
   <p:tag name="THINKCELLSHAPEDONOTDELETE" val="thinkcellActiveDocDoNotDelete"/>
+</p:tagLst>
+</file>
+
+<file path=ppt/tags/tag60.xml><?xml version="1.0" encoding="utf-8"?>
+<p:tagLst xmlns:a="http://schemas.openxmlformats.org/drawingml/2006/main" xmlns:r="http://schemas.openxmlformats.org/officeDocument/2006/relationships" xmlns:p="http://schemas.openxmlformats.org/presentationml/2006/main">
+  <p:tag name="THINKCELLSHAPEDONOTDELETE" val="ptBhx1cS2KUum_oaAcxZAnA"/>
+</p:tagLst>
+</file>
+
+<file path=ppt/tags/tag61.xml><?xml version="1.0" encoding="utf-8"?>
+<p:tagLst xmlns:a="http://schemas.openxmlformats.org/drawingml/2006/main" xmlns:r="http://schemas.openxmlformats.org/officeDocument/2006/relationships" xmlns:p="http://schemas.openxmlformats.org/presentationml/2006/main">
+  <p:tag name="THINKCELLSHAPEDONOTDELETE" val="ptBhx1cS2KUum_oaAcxZAnA"/>
+</p:tagLst>
+</file>
+
+<file path=ppt/tags/tag62.xml><?xml version="1.0" encoding="utf-8"?>
+<p:tagLst xmlns:a="http://schemas.openxmlformats.org/drawingml/2006/main" xmlns:r="http://schemas.openxmlformats.org/officeDocument/2006/relationships" xmlns:p="http://schemas.openxmlformats.org/presentationml/2006/main">
+  <p:tag name="VCTCREATESHAPEHANDLED" val="0"/>
+</p:tagLst>
+</file>
+
+<file path=ppt/tags/tag63.xml><?xml version="1.0" encoding="utf-8"?>
+<p:tagLst xmlns:a="http://schemas.openxmlformats.org/drawingml/2006/main" xmlns:r="http://schemas.openxmlformats.org/officeDocument/2006/relationships" xmlns:p="http://schemas.openxmlformats.org/presentationml/2006/main">
+  <p:tag name="VCTCREATESHAPEHANDLED" val="0"/>
 </p:tagLst>
 </file>
 
@@ -24561,15 +27149,6 @@
 </file>
 
 <file path=customXml/item1.xml><?xml version="1.0" encoding="utf-8"?>
-<?mso-contentType ?>
-<FormTemplates xmlns="http://schemas.microsoft.com/sharepoint/v3/contenttype/forms">
-  <Display>DocumentLibraryForm</Display>
-  <Edit>DocumentLibraryForm</Edit>
-  <New>DocumentLibraryForm</New>
-</FormTemplates>
-</file>
-
-<file path=customXml/item2.xml><?xml version="1.0" encoding="utf-8"?>
 <ct:contentTypeSchema xmlns:ct="http://schemas.microsoft.com/office/2006/metadata/contentType" xmlns:ma="http://schemas.microsoft.com/office/2006/metadata/properties/metaAttributes" ct:_="" ma:_="" ma:contentTypeName="ExpertContentDocumentLibrary" ma:contentTypeID="0x010100D0AFC36ACFD74F7BA0C77049996D405C00FF49417D29D72E4D9B5054C9AC26121A" ma:contentTypeVersion="0" ma:contentTypeDescription="" ma:contentTypeScope="" ma:versionID="6360a5f94c527d9e7ec2ba7d0336b460">
   <xsd:schema xmlns:xsd="http://www.w3.org/2001/XMLSchema" xmlns:xs="http://www.w3.org/2001/XMLSchema" xmlns:p="http://schemas.microsoft.com/office/2006/metadata/properties" xmlns:ns2="92833d98-8015-4e73-bff4-7fc7bdc77146" xmlns:ns3="72acfbc7-13d6-4e32-8fe0-794e2d8bf5d1" xmlns:ns4="f2684793-112f-4fec-9fa7-c952a73f86d3" targetNamespace="http://schemas.microsoft.com/office/2006/metadata/properties" ma:root="true" ma:fieldsID="4dd616222a85d58f18a73fd7fa601ae7" ns2:_="" ns3:_="" ns4:_="">
     <xsd:import namespace="92833d98-8015-4e73-bff4-7fc7bdc77146"/>
@@ -24788,12 +27367,16 @@
 </ct:contentTypeSchema>
 </file>
 
-<file path=customXml/item3.xml><?xml version="1.0" encoding="utf-8"?>
+<file path=customXml/item2.xml><?xml version="1.0" encoding="utf-8"?>
 <?mso-contentType ?>
-<SharedContentType xmlns="Microsoft.SharePoint.Taxonomy.ContentTypeSync" SourceId="8fb135ec-df78-4771-b246-ee3879de3bc6" ContentTypeId="0x010100D0AFC36ACFD74F7BA0C77049996D405C" PreviousValue="false"/>
+<FormTemplates xmlns="http://schemas.microsoft.com/sharepoint/v3/contenttype/forms">
+  <Display>DocumentLibraryForm</Display>
+  <Edit>DocumentLibraryForm</Edit>
+  <New>DocumentLibraryForm</New>
+</FormTemplates>
 </file>
 
-<file path=customXml/item4.xml><?xml version="1.0" encoding="utf-8"?>
+<file path=customXml/item3.xml><?xml version="1.0" encoding="utf-8"?>
 <p:properties xmlns:p="http://schemas.microsoft.com/office/2006/metadata/properties" xmlns:xsi="http://www.w3.org/2001/XMLSchema-instance" xmlns:pc="http://schemas.microsoft.com/office/infopath/2007/PartnerControls">
   <documentManagement>
     <TaxCatchAll xmlns="f2684793-112f-4fec-9fa7-c952a73f86d3">
@@ -24860,15 +27443,12 @@
 </p:properties>
 </file>
 
-<file path=customXml/itemProps1.xml><?xml version="1.0" encoding="utf-8"?>
-<ds:datastoreItem xmlns:ds="http://schemas.openxmlformats.org/officeDocument/2006/customXml" ds:itemID="{04CCC1B3-4CD5-4833-95A6-6904C602CD4E}">
-  <ds:schemaRefs>
-    <ds:schemaRef ds:uri="http://schemas.microsoft.com/sharepoint/v3/contenttype/forms"/>
-  </ds:schemaRefs>
-</ds:datastoreItem>
+<file path=customXml/item4.xml><?xml version="1.0" encoding="utf-8"?>
+<?mso-contentType ?>
+<SharedContentType xmlns="Microsoft.SharePoint.Taxonomy.ContentTypeSync" SourceId="8fb135ec-df78-4771-b246-ee3879de3bc6" ContentTypeId="0x010100D0AFC36ACFD74F7BA0C77049996D405C" PreviousValue="false"/>
 </file>
 
-<file path=customXml/itemProps2.xml><?xml version="1.0" encoding="utf-8"?>
+<file path=customXml/itemProps1.xml><?xml version="1.0" encoding="utf-8"?>
 <ds:datastoreItem xmlns:ds="http://schemas.openxmlformats.org/officeDocument/2006/customXml" ds:itemID="{AA007D11-31CB-4D9E-BAA6-32EAC9008540}">
   <ds:schemaRefs>
     <ds:schemaRef ds:uri="http://schemas.microsoft.com/office/2006/metadata/contentType"/>
@@ -24888,15 +27468,15 @@
 </ds:datastoreItem>
 </file>
 
-<file path=customXml/itemProps3.xml><?xml version="1.0" encoding="utf-8"?>
-<ds:datastoreItem xmlns:ds="http://schemas.openxmlformats.org/officeDocument/2006/customXml" ds:itemID="{F3F5683F-DE5A-4128-8136-79393BDF5936}">
+<file path=customXml/itemProps2.xml><?xml version="1.0" encoding="utf-8"?>
+<ds:datastoreItem xmlns:ds="http://schemas.openxmlformats.org/officeDocument/2006/customXml" ds:itemID="{04CCC1B3-4CD5-4833-95A6-6904C602CD4E}">
   <ds:schemaRefs>
-    <ds:schemaRef ds:uri="Microsoft.SharePoint.Taxonomy.ContentTypeSync"/>
+    <ds:schemaRef ds:uri="http://schemas.microsoft.com/sharepoint/v3/contenttype/forms"/>
   </ds:schemaRefs>
 </ds:datastoreItem>
 </file>
 
-<file path=customXml/itemProps4.xml><?xml version="1.0" encoding="utf-8"?>
+<file path=customXml/itemProps3.xml><?xml version="1.0" encoding="utf-8"?>
 <ds:datastoreItem xmlns:ds="http://schemas.openxmlformats.org/officeDocument/2006/customXml" ds:itemID="{643044BF-A435-4394-AA7A-C500776C88E9}">
   <ds:schemaRefs>
     <ds:schemaRef ds:uri="http://purl.org/dc/elements/1.1/"/>
@@ -24912,4 +27492,12 @@
     <ds:schemaRef ds:uri="http://purl.org/dc/dcmitype/"/>
   </ds:schemaRefs>
 </ds:datastoreItem>
+</file>
+
+<file path=customXml/itemProps4.xml><?xml version="1.0" encoding="utf-8"?>
+<ds:datastoreItem xmlns:ds="http://schemas.openxmlformats.org/officeDocument/2006/customXml" ds:itemID="{F3F5683F-DE5A-4128-8136-79393BDF5936}">
+  <ds:schemaRefs>
+    <ds:schemaRef ds:uri="Microsoft.SharePoint.Taxonomy.ContentTypeSync"/>
+  </ds:schemaRefs>
+</ds:datastoreItem>
 </file>
--- a/World Happiness.pptx
+++ b/World Happiness.pptx
@@ -32,9 +32,9 @@
     <p:sldId id="285" r:id="rId24"/>
     <p:sldId id="280" r:id="rId25"/>
     <p:sldId id="284" r:id="rId26"/>
-    <p:sldId id="259" r:id="rId27"/>
-    <p:sldId id="262" r:id="rId28"/>
-    <p:sldId id="271" r:id="rId29"/>
+    <p:sldId id="271" r:id="rId27"/>
+    <p:sldId id="259" r:id="rId28"/>
+    <p:sldId id="262" r:id="rId29"/>
   </p:sldIdLst>
   <p:sldSz cx="9144000" cy="5143500" type="screen16x9"/>
   <p:notesSz cx="6797675" cy="9926638"/>
@@ -409,7 +409,7 @@
             </a:r>
             <a:fld id="{C8998D9E-49B2-4097-B552-57EEB9E5A717}" type="datetime4">
               <a:rPr lang="en-US" smtClean="0"/>
-              <a:t>October 9, 2017</a:t>
+              <a:t>October 11, 2017</a:t>
             </a:fld>
             <a:r>
               <a:rPr lang="en-US" dirty="0"/>
@@ -652,7 +652,7 @@
             </a:r>
             <a:fld id="{0B798607-B8D6-44E8-B6BA-DA2D673578FB}" type="datetime4">
               <a:rPr lang="en-US" smtClean="0"/>
-              <a:t>October 9, 2017</a:t>
+              <a:t>October 11, 2017</a:t>
             </a:fld>
             <a:r>
               <a:rPr lang="en-US" dirty="0"/>
@@ -2000,7 +2000,7 @@
           <a:graphicData uri="http://schemas.openxmlformats.org/presentationml/2006/ole">
             <mc:AlternateContent xmlns:mc="http://schemas.openxmlformats.org/markup-compatibility/2006">
               <mc:Choice xmlns:v="urn:schemas-microsoft-com:vml" Requires="v">
-                <p:oleObj spid="_x0000_s3312" name="think-cell Slide" r:id="rId4" imgW="353" imgH="353" progId="TCLayout.ActiveDocument.1">
+                <p:oleObj spid="_x0000_s3317" name="think-cell Slide" r:id="rId4" imgW="353" imgH="353" progId="TCLayout.ActiveDocument.1">
                   <p:embed/>
                 </p:oleObj>
               </mc:Choice>
@@ -11225,7 +11225,7 @@
           <a:graphicData uri="http://schemas.openxmlformats.org/presentationml/2006/ole">
             <mc:AlternateContent xmlns:mc="http://schemas.openxmlformats.org/markup-compatibility/2006">
               <mc:Choice xmlns:v="urn:schemas-microsoft-com:vml" Requires="v">
-                <p:oleObj spid="_x0000_s2290" name="think-cell Slide" r:id="rId4" imgW="353" imgH="353" progId="TCLayout.ActiveDocument.1">
+                <p:oleObj spid="_x0000_s2295" name="think-cell Slide" r:id="rId4" imgW="353" imgH="353" progId="TCLayout.ActiveDocument.1">
                   <p:embed/>
                 </p:oleObj>
               </mc:Choice>
@@ -12334,7 +12334,7 @@
           <a:graphicData uri="http://schemas.openxmlformats.org/presentationml/2006/ole">
             <mc:AlternateContent xmlns:mc="http://schemas.openxmlformats.org/markup-compatibility/2006">
               <mc:Choice xmlns:v="urn:schemas-microsoft-com:vml" Requires="v">
-                <p:oleObj spid="_x0000_s1266" name="think-cell Slide" r:id="rId25" imgW="353" imgH="353" progId="TCLayout.ActiveDocument.1">
+                <p:oleObj spid="_x0000_s1271" name="think-cell Slide" r:id="rId25" imgW="353" imgH="353" progId="TCLayout.ActiveDocument.1">
                   <p:embed/>
                 </p:oleObj>
               </mc:Choice>
@@ -14612,7 +14612,7 @@
                 </a:solidFill>
                 <a:latin typeface="Arial" pitchFamily="34" charset="0"/>
               </a:rPr>
-              <a:t>October 9, 2017</a:t>
+              <a:t>October 11, 2017</a:t>
             </a:fld>
             <a:r>
               <a:rPr lang="en-US" sz="800" noProof="0" dirty="0">
@@ -14653,7 +14653,7 @@
           <p:nvPr/>
         </p:nvPicPr>
         <p:blipFill>
-          <a:blip r:embed="rId27" cstate="print">
+          <a:blip r:embed="rId27">
             <a:extLst>
               <a:ext uri="{28A0092B-C50C-407E-A947-70E740481C1C}">
                 <a14:useLocalDpi xmlns:a14="http://schemas.microsoft.com/office/drawing/2010/main" val="0"/>
@@ -15508,33 +15508,8 @@
           <a:p>
             <a:r>
               <a:rPr lang="en-US" dirty="0" smtClean="0"/>
-              <a:t>Fortunately, </a:t>
-            </a:r>
-            <a:r>
-              <a:rPr lang="en-US" dirty="0" smtClean="0"/>
-              <a:t>the government officials hav</a:t>
-            </a:r>
-            <a:r>
-              <a:rPr lang="en-US" dirty="0" smtClean="0"/>
-              <a:t>e </a:t>
-            </a:r>
-            <a:r>
-              <a:rPr lang="en-US" dirty="0" smtClean="0"/>
-              <a:t>heard of </a:t>
-            </a:r>
-            <a:r>
-              <a:rPr lang="en-US" dirty="0" smtClean="0"/>
-              <a:t>a </a:t>
-            </a:r>
-            <a:r>
-              <a:rPr lang="en-US" dirty="0" smtClean="0"/>
-              <a:t>nifty online Machine Learning App </a:t>
-            </a:r>
-            <a:r>
-              <a:rPr lang="en-US" dirty="0" smtClean="0"/>
-              <a:t>that uses:</a:t>
-            </a:r>
-            <a:endParaRPr lang="en-US" dirty="0" smtClean="0"/>
+              <a:t>Fortunately, the government officials have heard of a nifty online Machine Learning App that uses:</a:t>
+            </a:r>
           </a:p>
           <a:p>
             <a:pPr marL="285750" indent="-285750">
@@ -15704,23 +15679,7 @@
           <a:p>
             <a:r>
               <a:rPr lang="en-US" sz="1600" dirty="0" smtClean="0"/>
-              <a:t>Maybe people of Bangladesh are already happy? How </a:t>
-            </a:r>
-            <a:r>
-              <a:rPr lang="en-US" sz="1600" dirty="0" smtClean="0"/>
-              <a:t>do we compare </a:t>
-            </a:r>
-            <a:r>
-              <a:rPr lang="en-US" sz="1600" dirty="0" smtClean="0"/>
-              <a:t>to </a:t>
-            </a:r>
-            <a:r>
-              <a:rPr lang="en-US" sz="1600" dirty="0" smtClean="0"/>
-              <a:t>others on </a:t>
-            </a:r>
-            <a:r>
-              <a:rPr lang="en-US" sz="1600" dirty="0" smtClean="0"/>
-              <a:t>Happiness?</a:t>
+              <a:t>Maybe people of Bangladesh are already happy? How do we compare to others on Happiness?</a:t>
             </a:r>
             <a:endParaRPr lang="en-US" sz="1600" dirty="0"/>
           </a:p>
@@ -15834,13 +15793,6 @@
               </a:rPr>
               <a:t>Country Happiness Score</a:t>
             </a:r>
-            <a:endParaRPr lang="en-US" sz="1400" dirty="0" smtClean="0">
-              <a:solidFill>
-                <a:srgbClr val="00B050"/>
-              </a:solidFill>
-              <a:latin typeface="Arial" pitchFamily="34" charset="0"/>
-              <a:cs typeface="Arial" pitchFamily="34" charset="0"/>
-            </a:endParaRPr>
           </a:p>
         </p:txBody>
       </p:sp>
@@ -15924,19 +15876,7 @@
           <a:p>
             <a:r>
               <a:rPr lang="en-US" dirty="0" smtClean="0"/>
-              <a:t>Their </a:t>
-            </a:r>
-            <a:r>
-              <a:rPr lang="en-US" dirty="0" smtClean="0"/>
-              <a:t>model has 74 socio-economic indicators. </a:t>
-            </a:r>
-            <a:r>
-              <a:rPr lang="en-US" dirty="0" smtClean="0"/>
-              <a:t>How </a:t>
-            </a:r>
-            <a:r>
-              <a:rPr lang="en-US" dirty="0" smtClean="0"/>
-              <a:t>well do those </a:t>
+              <a:t>Their model has 74 socio-economic indicators. How well do those </a:t>
             </a:r>
             <a:r>
               <a:rPr lang="en-US" dirty="0"/>
@@ -16147,13 +16087,6 @@
               </a:rPr>
               <a:t>Predicting Happiness</a:t>
             </a:r>
-            <a:endParaRPr lang="en-US" sz="1400" dirty="0" smtClean="0">
-              <a:solidFill>
-                <a:srgbClr val="00B050"/>
-              </a:solidFill>
-              <a:latin typeface="Arial" pitchFamily="34" charset="0"/>
-              <a:cs typeface="Arial" pitchFamily="34" charset="0"/>
-            </a:endParaRPr>
           </a:p>
         </p:txBody>
       </p:sp>
@@ -16237,15 +16170,7 @@
           <a:p>
             <a:r>
               <a:rPr lang="en-US" dirty="0" smtClean="0"/>
-              <a:t>We can’t focus on all indicators, but are ready to consider 13. How well do those </a:t>
-            </a:r>
-            <a:r>
-              <a:rPr lang="en-US" dirty="0" smtClean="0"/>
-              <a:t>13 predict </a:t>
-            </a:r>
-            <a:r>
-              <a:rPr lang="en-US" dirty="0" smtClean="0"/>
-              <a:t>Happiness?</a:t>
+              <a:t>We can’t focus on all indicators, but are ready to consider 13. How well do those 13 predict Happiness?</a:t>
             </a:r>
             <a:endParaRPr lang="en-US" dirty="0"/>
           </a:p>
@@ -16483,17 +16408,7 @@
                 <a:latin typeface="Arial" pitchFamily="34" charset="0"/>
                 <a:cs typeface="Arial" pitchFamily="34" charset="0"/>
               </a:rPr>
-              <a:t>We </a:t>
-            </a:r>
-            <a:r>
-              <a:rPr lang="en-US" sz="1400" dirty="0" smtClean="0">
-                <a:solidFill>
-                  <a:schemeClr val="tx2"/>
-                </a:solidFill>
-                <a:latin typeface="Arial" pitchFamily="34" charset="0"/>
-                <a:cs typeface="Arial" pitchFamily="34" charset="0"/>
-              </a:rPr>
-              <a:t>can see the most important predictors of Happiness! </a:t>
+              <a:t>We can see the most important predictors of Happiness! </a:t>
             </a:r>
             <a:endParaRPr lang="en-US" sz="1400" dirty="0">
               <a:solidFill>
@@ -16634,13 +16549,6 @@
               </a:rPr>
               <a:t>Predictor Importance</a:t>
             </a:r>
-            <a:endParaRPr lang="en-US" sz="1400" dirty="0" smtClean="0">
-              <a:solidFill>
-                <a:srgbClr val="00B050"/>
-              </a:solidFill>
-              <a:latin typeface="Arial" pitchFamily="34" charset="0"/>
-              <a:cs typeface="Arial" pitchFamily="34" charset="0"/>
-            </a:endParaRPr>
           </a:p>
         </p:txBody>
       </p:sp>
@@ -16698,15 +16606,7 @@
           <a:p>
             <a:r>
               <a:rPr lang="en-US" sz="1600" dirty="0" smtClean="0"/>
-              <a:t>Some </a:t>
-            </a:r>
-            <a:r>
-              <a:rPr lang="en-US" sz="1600" dirty="0" smtClean="0"/>
-              <a:t>of them are related positively and </a:t>
-            </a:r>
-            <a:r>
-              <a:rPr lang="en-US" sz="1600" dirty="0" smtClean="0"/>
-              <a:t>some </a:t>
+              <a:t>Some of them are related positively and some </a:t>
             </a:r>
             <a:r>
               <a:rPr lang="en-US" sz="1600" dirty="0"/>
@@ -16720,7 +16620,6 @@
               <a:rPr lang="en-US" sz="1600" dirty="0"/>
               <a:t>!</a:t>
             </a:r>
-            <a:endParaRPr lang="en-US" sz="1600" dirty="0"/>
           </a:p>
         </p:txBody>
       </p:sp>
@@ -16760,23 +16659,7 @@
           <a:p>
             <a:r>
               <a:rPr lang="en-US" dirty="0" smtClean="0"/>
-              <a:t>How </a:t>
-            </a:r>
-            <a:r>
-              <a:rPr lang="en-US" dirty="0" smtClean="0"/>
-              <a:t>exactly do the </a:t>
-            </a:r>
-            <a:r>
-              <a:rPr lang="en-US" dirty="0" smtClean="0"/>
-              <a:t>most important predictors </a:t>
-            </a:r>
-            <a:r>
-              <a:rPr lang="en-US" dirty="0" smtClean="0"/>
-              <a:t>relate </a:t>
-            </a:r>
-            <a:r>
-              <a:rPr lang="en-US" dirty="0" smtClean="0"/>
-              <a:t>to Happiness?</a:t>
+              <a:t>How exactly do the most important predictors relate to Happiness?</a:t>
             </a:r>
             <a:endParaRPr lang="en-US" dirty="0"/>
           </a:p>
@@ -17058,13 +16941,6 @@
               </a:rPr>
               <a:t>Happiness vs. Indicators</a:t>
             </a:r>
-            <a:endParaRPr lang="en-US" sz="1400" dirty="0" smtClean="0">
-              <a:solidFill>
-                <a:srgbClr val="00B050"/>
-              </a:solidFill>
-              <a:latin typeface="Arial" pitchFamily="34" charset="0"/>
-              <a:cs typeface="Arial" pitchFamily="34" charset="0"/>
-            </a:endParaRPr>
           </a:p>
         </p:txBody>
       </p:sp>
@@ -17404,13 +17280,6 @@
               </a:rPr>
               <a:t>Standing on important indicators</a:t>
             </a:r>
-            <a:endParaRPr lang="en-US" sz="1400" dirty="0" smtClean="0">
-              <a:solidFill>
-                <a:srgbClr val="00B050"/>
-              </a:solidFill>
-              <a:latin typeface="Arial" pitchFamily="34" charset="0"/>
-              <a:cs typeface="Arial" pitchFamily="34" charset="0"/>
-            </a:endParaRPr>
           </a:p>
         </p:txBody>
       </p:sp>
@@ -18110,11 +17979,7 @@
             </a:r>
             <a:r>
               <a:rPr lang="en-US" dirty="0" smtClean="0"/>
-              <a:t>? (</a:t>
-            </a:r>
-            <a:r>
-              <a:rPr lang="en-US" dirty="0" smtClean="0"/>
-              <a:t>cont’d 1)</a:t>
+              <a:t>? (cont’d 1)</a:t>
             </a:r>
             <a:endParaRPr lang="en-US" dirty="0"/>
           </a:p>
@@ -18334,13 +18199,6 @@
               </a:rPr>
               <a:t>Standing on important indicators</a:t>
             </a:r>
-            <a:endParaRPr lang="en-US" sz="1400" dirty="0" smtClean="0">
-              <a:solidFill>
-                <a:srgbClr val="00B050"/>
-              </a:solidFill>
-              <a:latin typeface="Arial" pitchFamily="34" charset="0"/>
-              <a:cs typeface="Arial" pitchFamily="34" charset="0"/>
-            </a:endParaRPr>
           </a:p>
         </p:txBody>
       </p:sp>
@@ -19040,11 +18898,7 @@
             </a:r>
             <a:r>
               <a:rPr lang="en-US" dirty="0" smtClean="0"/>
-              <a:t>? (</a:t>
-            </a:r>
-            <a:r>
-              <a:rPr lang="en-US" dirty="0" smtClean="0"/>
-              <a:t>cont’d 2)</a:t>
+              <a:t>? (cont’d 2)</a:t>
             </a:r>
             <a:endParaRPr lang="en-US" dirty="0"/>
           </a:p>
@@ -19264,13 +19118,6 @@
               </a:rPr>
               <a:t>Standing on important indicators</a:t>
             </a:r>
-            <a:endParaRPr lang="en-US" sz="1400" dirty="0" smtClean="0">
-              <a:solidFill>
-                <a:srgbClr val="00B050"/>
-              </a:solidFill>
-              <a:latin typeface="Arial" pitchFamily="34" charset="0"/>
-              <a:cs typeface="Arial" pitchFamily="34" charset="0"/>
-            </a:endParaRPr>
           </a:p>
         </p:txBody>
       </p:sp>
@@ -19953,21 +19800,8 @@
           <a:p>
             <a:r>
               <a:rPr lang="en-US" sz="1600" dirty="0" smtClean="0"/>
-              <a:t>Present an R-Shiny app that helps </a:t>
-            </a:r>
-            <a:r>
-              <a:rPr lang="en-US" sz="1600" dirty="0" smtClean="0"/>
-              <a:t>country officials facilitate </a:t>
-            </a:r>
-            <a:r>
-              <a:rPr lang="en-US" sz="1600" dirty="0" smtClean="0"/>
-              <a:t>policy decisions </a:t>
-            </a:r>
-            <a:r>
-              <a:rPr lang="en-US" sz="1600" dirty="0" smtClean="0"/>
-              <a:t>related to happiness of their people.</a:t>
-            </a:r>
-            <a:endParaRPr lang="en-US" sz="1600" dirty="0" smtClean="0"/>
+              <a:t>Present an R-Shiny app that helps country officials facilitate policy decisions related to happiness of their people.</a:t>
+            </a:r>
           </a:p>
           <a:p>
             <a:r>
@@ -20074,15 +19908,7 @@
           <a:p>
             <a:r>
               <a:rPr lang="en-US" dirty="0" smtClean="0"/>
-              <a:t>Our</a:t>
-            </a:r>
-            <a:r>
-              <a:rPr lang="en-US" dirty="0" smtClean="0"/>
-              <a:t> </a:t>
-            </a:r>
-            <a:r>
-              <a:rPr lang="en-US" dirty="0" smtClean="0"/>
-              <a:t>trends over time? Little improvement in tuberculosis incidence and number of fixed phone subscriptions</a:t>
+              <a:t>Our trends over time? Little improvement in tuberculosis incidence and number of fixed phone subscriptions</a:t>
             </a:r>
             <a:endParaRPr lang="en-US" dirty="0"/>
           </a:p>
@@ -22107,9 +21933,308 @@
               </a:rPr>
               <a:t>Trends for important indicators</a:t>
             </a:r>
-            <a:endParaRPr lang="en-US" sz="1200" dirty="0" smtClean="0">
+          </a:p>
+        </p:txBody>
+      </p:sp>
+      <p:sp>
+        <p:nvSpPr>
+          <p:cNvPr id="61" name="TextBox 60"/>
+          <p:cNvSpPr txBox="1"/>
+          <p:nvPr/>
+        </p:nvSpPr>
+        <p:spPr bwMode="gray">
+          <a:xfrm>
+            <a:off x="857896" y="1326423"/>
+            <a:ext cx="1275704" cy="161583"/>
+          </a:xfrm>
+          <a:prstGeom prst="rect">
+            <a:avLst/>
+          </a:prstGeom>
+          <a:noFill/>
+        </p:spPr>
+        <p:txBody>
+          <a:bodyPr wrap="square" lIns="0" tIns="0" rIns="0" bIns="0" rtlCol="0">
+            <a:spAutoFit/>
+          </a:bodyPr>
+          <a:lstStyle/>
+          <a:p>
+            <a:pPr>
+              <a:spcBef>
+                <a:spcPts val="300"/>
+              </a:spcBef>
+            </a:pPr>
+            <a:r>
+              <a:rPr lang="en-US" sz="1050" b="1" dirty="0" smtClean="0">
+                <a:solidFill>
+                  <a:schemeClr val="bg1">
+                    <a:lumMod val="50000"/>
+                  </a:schemeClr>
+                </a:solidFill>
+                <a:latin typeface="Arial" pitchFamily="34" charset="0"/>
+                <a:cs typeface="Arial" pitchFamily="34" charset="0"/>
+              </a:rPr>
+              <a:t>Internet users</a:t>
+            </a:r>
+            <a:endParaRPr lang="en-US" sz="1050" dirty="0" smtClean="0">
               <a:solidFill>
-                <a:srgbClr val="00B050"/>
+                <a:schemeClr val="bg1">
+                  <a:lumMod val="50000"/>
+                </a:schemeClr>
+              </a:solidFill>
+              <a:latin typeface="Arial" pitchFamily="34" charset="0"/>
+              <a:cs typeface="Arial" pitchFamily="34" charset="0"/>
+            </a:endParaRPr>
+          </a:p>
+        </p:txBody>
+      </p:sp>
+      <p:sp>
+        <p:nvSpPr>
+          <p:cNvPr id="62" name="TextBox 61"/>
+          <p:cNvSpPr txBox="1"/>
+          <p:nvPr/>
+        </p:nvSpPr>
+        <p:spPr bwMode="gray">
+          <a:xfrm>
+            <a:off x="846908" y="2591347"/>
+            <a:ext cx="1591492" cy="161583"/>
+          </a:xfrm>
+          <a:prstGeom prst="rect">
+            <a:avLst/>
+          </a:prstGeom>
+          <a:noFill/>
+        </p:spPr>
+        <p:txBody>
+          <a:bodyPr wrap="square" lIns="0" tIns="0" rIns="0" bIns="0" rtlCol="0">
+            <a:spAutoFit/>
+          </a:bodyPr>
+          <a:lstStyle/>
+          <a:p>
+            <a:pPr>
+              <a:spcBef>
+                <a:spcPts val="300"/>
+              </a:spcBef>
+            </a:pPr>
+            <a:r>
+              <a:rPr lang="en-US" sz="1050" b="1" dirty="0" smtClean="0">
+                <a:solidFill>
+                  <a:schemeClr val="bg1">
+                    <a:lumMod val="50000"/>
+                  </a:schemeClr>
+                </a:solidFill>
+                <a:latin typeface="Arial" pitchFamily="34" charset="0"/>
+                <a:cs typeface="Arial" pitchFamily="34" charset="0"/>
+              </a:rPr>
+              <a:t>Tuberculosis incidence</a:t>
+            </a:r>
+            <a:endParaRPr lang="en-US" sz="1050" dirty="0" smtClean="0">
+              <a:solidFill>
+                <a:schemeClr val="bg1">
+                  <a:lumMod val="50000"/>
+                </a:schemeClr>
+              </a:solidFill>
+              <a:latin typeface="Arial" pitchFamily="34" charset="0"/>
+              <a:cs typeface="Arial" pitchFamily="34" charset="0"/>
+            </a:endParaRPr>
+          </a:p>
+        </p:txBody>
+      </p:sp>
+      <p:sp>
+        <p:nvSpPr>
+          <p:cNvPr id="63" name="TextBox 62"/>
+          <p:cNvSpPr txBox="1"/>
+          <p:nvPr/>
+        </p:nvSpPr>
+        <p:spPr bwMode="gray">
+          <a:xfrm>
+            <a:off x="846909" y="3910695"/>
+            <a:ext cx="1591492" cy="161583"/>
+          </a:xfrm>
+          <a:prstGeom prst="rect">
+            <a:avLst/>
+          </a:prstGeom>
+          <a:noFill/>
+        </p:spPr>
+        <p:txBody>
+          <a:bodyPr wrap="square" lIns="0" tIns="0" rIns="0" bIns="0" rtlCol="0">
+            <a:spAutoFit/>
+          </a:bodyPr>
+          <a:lstStyle/>
+          <a:p>
+            <a:pPr>
+              <a:spcBef>
+                <a:spcPts val="300"/>
+              </a:spcBef>
+            </a:pPr>
+            <a:r>
+              <a:rPr lang="en-US" sz="1050" b="1" dirty="0" smtClean="0">
+                <a:solidFill>
+                  <a:schemeClr val="bg1">
+                    <a:lumMod val="50000"/>
+                  </a:schemeClr>
+                </a:solidFill>
+                <a:latin typeface="Arial" pitchFamily="34" charset="0"/>
+                <a:cs typeface="Arial" pitchFamily="34" charset="0"/>
+              </a:rPr>
+              <a:t>Neonatal mortality rate</a:t>
+            </a:r>
+            <a:endParaRPr lang="en-US" sz="1050" dirty="0" smtClean="0">
+              <a:solidFill>
+                <a:schemeClr val="bg1">
+                  <a:lumMod val="50000"/>
+                </a:schemeClr>
+              </a:solidFill>
+              <a:latin typeface="Arial" pitchFamily="34" charset="0"/>
+              <a:cs typeface="Arial" pitchFamily="34" charset="0"/>
+            </a:endParaRPr>
+          </a:p>
+        </p:txBody>
+      </p:sp>
+      <p:sp>
+        <p:nvSpPr>
+          <p:cNvPr id="64" name="TextBox 63"/>
+          <p:cNvSpPr txBox="1"/>
+          <p:nvPr/>
+        </p:nvSpPr>
+        <p:spPr bwMode="gray">
+          <a:xfrm>
+            <a:off x="4648200" y="1335132"/>
+            <a:ext cx="1732904" cy="161583"/>
+          </a:xfrm>
+          <a:prstGeom prst="rect">
+            <a:avLst/>
+          </a:prstGeom>
+          <a:noFill/>
+        </p:spPr>
+        <p:txBody>
+          <a:bodyPr wrap="square" lIns="0" tIns="0" rIns="0" bIns="0" rtlCol="0">
+            <a:spAutoFit/>
+          </a:bodyPr>
+          <a:lstStyle/>
+          <a:p>
+            <a:pPr>
+              <a:spcBef>
+                <a:spcPts val="300"/>
+              </a:spcBef>
+            </a:pPr>
+            <a:r>
+              <a:rPr lang="en-US" sz="1050" b="1" dirty="0" smtClean="0">
+                <a:solidFill>
+                  <a:schemeClr val="bg1">
+                    <a:lumMod val="50000"/>
+                  </a:schemeClr>
+                </a:solidFill>
+                <a:latin typeface="Arial" pitchFamily="34" charset="0"/>
+                <a:cs typeface="Arial" pitchFamily="34" charset="0"/>
+              </a:rPr>
+              <a:t>Fixed phone subscriptions</a:t>
+            </a:r>
+            <a:endParaRPr lang="en-US" sz="1050" dirty="0" smtClean="0">
+              <a:solidFill>
+                <a:schemeClr val="bg1">
+                  <a:lumMod val="50000"/>
+                </a:schemeClr>
+              </a:solidFill>
+              <a:latin typeface="Arial" pitchFamily="34" charset="0"/>
+              <a:cs typeface="Arial" pitchFamily="34" charset="0"/>
+            </a:endParaRPr>
+          </a:p>
+        </p:txBody>
+      </p:sp>
+      <p:sp>
+        <p:nvSpPr>
+          <p:cNvPr id="65" name="TextBox 64"/>
+          <p:cNvSpPr txBox="1"/>
+          <p:nvPr/>
+        </p:nvSpPr>
+        <p:spPr bwMode="gray">
+          <a:xfrm>
+            <a:off x="4648200" y="2595222"/>
+            <a:ext cx="1905000" cy="161583"/>
+          </a:xfrm>
+          <a:prstGeom prst="rect">
+            <a:avLst/>
+          </a:prstGeom>
+          <a:noFill/>
+        </p:spPr>
+        <p:txBody>
+          <a:bodyPr wrap="square" lIns="0" tIns="0" rIns="0" bIns="0" rtlCol="0">
+            <a:spAutoFit/>
+          </a:bodyPr>
+          <a:lstStyle/>
+          <a:p>
+            <a:pPr>
+              <a:spcBef>
+                <a:spcPts val="300"/>
+              </a:spcBef>
+            </a:pPr>
+            <a:r>
+              <a:rPr lang="en-US" sz="1050" b="1" dirty="0" smtClean="0">
+                <a:solidFill>
+                  <a:schemeClr val="bg1">
+                    <a:lumMod val="50000"/>
+                  </a:schemeClr>
+                </a:solidFill>
+                <a:latin typeface="Arial" pitchFamily="34" charset="0"/>
+                <a:cs typeface="Arial" pitchFamily="34" charset="0"/>
+              </a:rPr>
+              <a:t>Improved sanitation facilities</a:t>
+            </a:r>
+            <a:endParaRPr lang="en-US" sz="1050" dirty="0" smtClean="0">
+              <a:solidFill>
+                <a:schemeClr val="bg1">
+                  <a:lumMod val="50000"/>
+                </a:schemeClr>
+              </a:solidFill>
+              <a:latin typeface="Arial" pitchFamily="34" charset="0"/>
+              <a:cs typeface="Arial" pitchFamily="34" charset="0"/>
+            </a:endParaRPr>
+          </a:p>
+        </p:txBody>
+      </p:sp>
+      <p:sp>
+        <p:nvSpPr>
+          <p:cNvPr id="66" name="TextBox 65"/>
+          <p:cNvSpPr txBox="1"/>
+          <p:nvPr/>
+        </p:nvSpPr>
+        <p:spPr bwMode="gray">
+          <a:xfrm>
+            <a:off x="4648200" y="3901986"/>
+            <a:ext cx="1905000" cy="161583"/>
+          </a:xfrm>
+          <a:prstGeom prst="rect">
+            <a:avLst/>
+          </a:prstGeom>
+          <a:noFill/>
+        </p:spPr>
+        <p:txBody>
+          <a:bodyPr wrap="square" lIns="0" tIns="0" rIns="0" bIns="0" rtlCol="0">
+            <a:spAutoFit/>
+          </a:bodyPr>
+          <a:lstStyle/>
+          <a:p>
+            <a:pPr>
+              <a:spcBef>
+                <a:spcPts val="300"/>
+              </a:spcBef>
+            </a:pPr>
+            <a:r>
+              <a:rPr lang="en-US" sz="1050" b="1" dirty="0" smtClean="0">
+                <a:solidFill>
+                  <a:schemeClr val="bg1">
+                    <a:lumMod val="50000"/>
+                  </a:schemeClr>
+                </a:solidFill>
+                <a:latin typeface="Arial" pitchFamily="34" charset="0"/>
+                <a:cs typeface="Arial" pitchFamily="34" charset="0"/>
+              </a:rPr>
+              <a:t>Mobile cellular subscriptions</a:t>
+            </a:r>
+            <a:endParaRPr lang="en-US" sz="1050" dirty="0" smtClean="0">
+              <a:solidFill>
+                <a:schemeClr val="bg1">
+                  <a:lumMod val="50000"/>
+                </a:schemeClr>
               </a:solidFill>
               <a:latin typeface="Arial" pitchFamily="34" charset="0"/>
               <a:cs typeface="Arial" pitchFamily="34" charset="0"/>
@@ -22176,7 +22301,15 @@
           <a:p>
             <a:r>
               <a:rPr lang="en-US" sz="1400" dirty="0" smtClean="0"/>
-              <a:t>Overall, Bangladesh’s primary focus should be on improving (a) public health: esp., fighting tuberculosis and lowering infant mortality rate; and (b) fixed phone line infrastructure.</a:t>
+              <a:t>Overall, Bangladesh’s primary focus should be on improving (a) public health: esp., fighting tuberculosis and lowering infant mortality rate; and (b) fixed phone line infrastructure</a:t>
+            </a:r>
+            <a:r>
+              <a:rPr lang="en-US" sz="1400" dirty="0" smtClean="0"/>
+              <a:t>. Thank yo</a:t>
+            </a:r>
+            <a:r>
+              <a:rPr lang="en-US" sz="1400" dirty="0" smtClean="0"/>
+              <a:t>u, app!!!</a:t>
             </a:r>
             <a:endParaRPr lang="en-US" sz="1400" dirty="0"/>
           </a:p>
@@ -22218,23 +22351,7 @@
           <a:p>
             <a:r>
               <a:rPr lang="en-US" sz="1600" dirty="0" smtClean="0"/>
-              <a:t>Summary of top predictors of Happiness, Bangladesh’s </a:t>
-            </a:r>
-            <a:r>
-              <a:rPr lang="en-US" sz="1600" dirty="0" smtClean="0"/>
-              <a:t>standing </a:t>
-            </a:r>
-            <a:r>
-              <a:rPr lang="en-US" sz="1600" dirty="0" smtClean="0"/>
-              <a:t>on them </a:t>
-            </a:r>
-            <a:r>
-              <a:rPr lang="en-US" sz="1600" dirty="0" smtClean="0"/>
-              <a:t>and </a:t>
-            </a:r>
-            <a:r>
-              <a:rPr lang="en-US" sz="1600" dirty="0" smtClean="0"/>
-              <a:t>trends over time</a:t>
+              <a:t>Summary of top predictors of Happiness, Bangladesh’s standing on them and trends over time</a:t>
             </a:r>
             <a:endParaRPr lang="en-US" sz="1600" dirty="0"/>
           </a:p>
@@ -22249,7 +22366,7 @@
           <p:nvPr>
             <p:extLst>
               <p:ext uri="{D42A27DB-BD31-4B8C-83A1-F6EECF244321}">
-                <p14:modId xmlns:p14="http://schemas.microsoft.com/office/powerpoint/2010/main" val="4283787883"/>
+                <p14:modId xmlns:p14="http://schemas.microsoft.com/office/powerpoint/2010/main" val="3881897757"/>
               </p:ext>
             </p:extLst>
           </p:nvPr>
@@ -22371,16 +22488,16 @@
                     <a:lstStyle/>
                     <a:p>
                       <a:r>
-                        <a:rPr lang="en-US" sz="1600" dirty="0" smtClean="0">
+                        <a:rPr lang="en-US" sz="1400" dirty="0" smtClean="0">
                           <a:latin typeface="Arial" pitchFamily="34" charset="0"/>
                           <a:cs typeface="Arial" pitchFamily="34" charset="0"/>
                         </a:rPr>
                         <a:t>Internet Users (per 100 people)</a:t>
                       </a:r>
-                      <a:endParaRPr lang="en-US" sz="1600" dirty="0"/>
+                      <a:endParaRPr lang="en-US" sz="1400" dirty="0"/>
                     </a:p>
                   </a:txBody>
-                  <a:tcPr/>
+                  <a:tcPr anchor="ctr"/>
                 </a:tc>
                 <a:tc>
                   <a:txBody>
@@ -22389,13 +22506,13 @@
                     <a:p>
                       <a:pPr algn="ctr"/>
                       <a:r>
-                        <a:rPr lang="en-US" sz="1600" dirty="0" smtClean="0"/>
+                        <a:rPr lang="en-US" sz="1400" dirty="0" smtClean="0"/>
                         <a:t>15</a:t>
                       </a:r>
-                      <a:endParaRPr lang="en-US" sz="1600" dirty="0"/>
+                      <a:endParaRPr lang="en-US" sz="1400" dirty="0"/>
                     </a:p>
                   </a:txBody>
-                  <a:tcPr/>
+                  <a:tcPr anchor="ctr"/>
                 </a:tc>
                 <a:tc>
                   <a:txBody>
@@ -22449,19 +22566,15 @@
                         <a:defRPr/>
                       </a:pPr>
                       <a:r>
-                        <a:rPr lang="en-US" sz="1600" dirty="0" smtClean="0">
+                        <a:rPr lang="en-US" sz="1400" dirty="0" smtClean="0">
                           <a:latin typeface="Arial" pitchFamily="34" charset="0"/>
                           <a:cs typeface="Arial" pitchFamily="34" charset="0"/>
                         </a:rPr>
                         <a:t>Incidence of Tuberculosis (per 100,000 people)</a:t>
                       </a:r>
-                      <a:endParaRPr lang="en-US" sz="2000" dirty="0" smtClean="0">
-                        <a:latin typeface="Arial" pitchFamily="34" charset="0"/>
-                        <a:cs typeface="Arial" pitchFamily="34" charset="0"/>
-                      </a:endParaRPr>
                     </a:p>
                   </a:txBody>
-                  <a:tcPr/>
+                  <a:tcPr anchor="ctr"/>
                 </a:tc>
                 <a:tc>
                   <a:txBody>
@@ -22470,13 +22583,13 @@
                     <a:p>
                       <a:pPr algn="ctr"/>
                       <a:r>
-                        <a:rPr lang="en-US" sz="1600" dirty="0" smtClean="0"/>
+                        <a:rPr lang="en-US" sz="1400" dirty="0" smtClean="0"/>
                         <a:t>12</a:t>
                       </a:r>
-                      <a:endParaRPr lang="en-US" sz="1600" dirty="0"/>
+                      <a:endParaRPr lang="en-US" sz="1400" dirty="0"/>
                     </a:p>
                   </a:txBody>
-                  <a:tcPr/>
+                  <a:tcPr anchor="ctr"/>
                 </a:tc>
                 <a:tc>
                   <a:txBody>
@@ -22530,19 +22643,15 @@
                         <a:defRPr/>
                       </a:pPr>
                       <a:r>
-                        <a:rPr lang="en-US" sz="1600" dirty="0" smtClean="0">
+                        <a:rPr lang="en-US" sz="1400" dirty="0" smtClean="0">
                           <a:latin typeface="Arial" pitchFamily="34" charset="0"/>
                           <a:cs typeface="Arial" pitchFamily="34" charset="0"/>
                         </a:rPr>
                         <a:t>Infant mortality rate ( per 1,000 live births)</a:t>
                       </a:r>
-                      <a:endParaRPr lang="en-US" sz="2000" dirty="0" smtClean="0">
-                        <a:latin typeface="Arial" pitchFamily="34" charset="0"/>
-                        <a:cs typeface="Arial" pitchFamily="34" charset="0"/>
-                      </a:endParaRPr>
                     </a:p>
                   </a:txBody>
-                  <a:tcPr/>
+                  <a:tcPr anchor="ctr"/>
                 </a:tc>
                 <a:tc>
                   <a:txBody>
@@ -22551,13 +22660,13 @@
                     <a:p>
                       <a:pPr algn="ctr"/>
                       <a:r>
-                        <a:rPr lang="en-US" sz="1600" dirty="0" smtClean="0"/>
+                        <a:rPr lang="en-US" sz="1400" dirty="0" smtClean="0"/>
                         <a:t>11</a:t>
                       </a:r>
-                      <a:endParaRPr lang="en-US" sz="1600" dirty="0"/>
+                      <a:endParaRPr lang="en-US" sz="1400" dirty="0"/>
                     </a:p>
                   </a:txBody>
-                  <a:tcPr/>
+                  <a:tcPr anchor="ctr"/>
                 </a:tc>
                 <a:tc>
                   <a:txBody>
@@ -22611,19 +22720,15 @@
                         <a:defRPr/>
                       </a:pPr>
                       <a:r>
-                        <a:rPr lang="en-US" sz="1600" dirty="0" smtClean="0">
+                        <a:rPr lang="en-US" sz="1400" dirty="0" smtClean="0">
                           <a:latin typeface="Arial" pitchFamily="34" charset="0"/>
                           <a:cs typeface="Arial" pitchFamily="34" charset="0"/>
                         </a:rPr>
                         <a:t>Fixed telephone subscriptions (per 100 people)</a:t>
                       </a:r>
-                      <a:endParaRPr lang="en-US" sz="2000" dirty="0" smtClean="0">
-                        <a:latin typeface="Arial" pitchFamily="34" charset="0"/>
-                        <a:cs typeface="Arial" pitchFamily="34" charset="0"/>
-                      </a:endParaRPr>
                     </a:p>
                   </a:txBody>
-                  <a:tcPr/>
+                  <a:tcPr anchor="ctr"/>
                 </a:tc>
                 <a:tc>
                   <a:txBody>
@@ -22632,13 +22737,13 @@
                     <a:p>
                       <a:pPr algn="ctr"/>
                       <a:r>
-                        <a:rPr lang="en-US" sz="1600" dirty="0" smtClean="0"/>
+                        <a:rPr lang="en-US" sz="1400" dirty="0" smtClean="0"/>
                         <a:t>11</a:t>
                       </a:r>
-                      <a:endParaRPr lang="en-US" sz="1600" dirty="0"/>
+                      <a:endParaRPr lang="en-US" sz="1400" dirty="0"/>
                     </a:p>
                   </a:txBody>
-                  <a:tcPr/>
+                  <a:tcPr anchor="ctr"/>
                 </a:tc>
                 <a:tc>
                   <a:txBody>
@@ -22692,7 +22797,7 @@
                         <a:defRPr/>
                       </a:pPr>
                       <a:r>
-                        <a:rPr lang="en-US" sz="1800" dirty="0" smtClean="0">
+                        <a:rPr lang="en-US" sz="1400" dirty="0" smtClean="0">
                           <a:latin typeface="Arial" pitchFamily="34" charset="0"/>
                           <a:cs typeface="Arial" pitchFamily="34" charset="0"/>
                         </a:rPr>
@@ -22700,7 +22805,7 @@
                       </a:r>
                     </a:p>
                   </a:txBody>
-                  <a:tcPr/>
+                  <a:tcPr anchor="ctr"/>
                 </a:tc>
                 <a:tc>
                   <a:txBody>
@@ -22709,13 +22814,13 @@
                     <a:p>
                       <a:pPr algn="ctr"/>
                       <a:r>
-                        <a:rPr lang="en-US" sz="1600" dirty="0" smtClean="0"/>
+                        <a:rPr lang="en-US" sz="1400" dirty="0" smtClean="0"/>
                         <a:t>8</a:t>
                       </a:r>
-                      <a:endParaRPr lang="en-US" sz="1600" dirty="0"/>
+                      <a:endParaRPr lang="en-US" sz="1400" dirty="0"/>
                     </a:p>
                   </a:txBody>
-                  <a:tcPr/>
+                  <a:tcPr anchor="ctr"/>
                 </a:tc>
                 <a:tc>
                   <a:txBody>
@@ -22752,13 +22857,13 @@
                     <a:lstStyle/>
                     <a:p>
                       <a:r>
-                        <a:rPr lang="en-US" sz="1600" dirty="0" smtClean="0"/>
+                        <a:rPr lang="en-US" sz="1400" dirty="0" smtClean="0"/>
                         <a:t>Mobile cellular subscriptions (per 100 people)</a:t>
                       </a:r>
-                      <a:endParaRPr lang="en-US" sz="1600" dirty="0"/>
+                      <a:endParaRPr lang="en-US" sz="1400" dirty="0"/>
                     </a:p>
                   </a:txBody>
-                  <a:tcPr/>
+                  <a:tcPr anchor="ctr"/>
                 </a:tc>
                 <a:tc>
                   <a:txBody>
@@ -22767,13 +22872,13 @@
                     <a:p>
                       <a:pPr algn="ctr"/>
                       <a:r>
-                        <a:rPr lang="en-US" sz="1600" dirty="0" smtClean="0"/>
+                        <a:rPr lang="en-US" sz="1400" dirty="0" smtClean="0"/>
                         <a:t>7</a:t>
                       </a:r>
-                      <a:endParaRPr lang="en-US" sz="1600" dirty="0"/>
+                      <a:endParaRPr lang="en-US" sz="1400" dirty="0"/>
                     </a:p>
                   </a:txBody>
-                  <a:tcPr/>
+                  <a:tcPr anchor="ctr"/>
                 </a:tc>
                 <a:tc>
                   <a:txBody>
@@ -25781,15 +25886,12 @@
       </p:grpSpPr>
       <p:sp>
         <p:nvSpPr>
-          <p:cNvPr id="2" name="Title 1"/>
+          <p:cNvPr id="4" name="Title 3"/>
           <p:cNvSpPr>
             <a:spLocks noGrp="1"/>
           </p:cNvSpPr>
           <p:nvPr>
             <p:ph type="title"/>
-            <p:custDataLst>
-              <p:tags r:id="rId1"/>
-            </p:custDataLst>
           </p:nvPr>
         </p:nvSpPr>
         <p:spPr/>
@@ -25797,10 +25899,25 @@
           <a:bodyPr/>
           <a:lstStyle/>
           <a:p>
-            <a:r>
-              <a:rPr lang="en-US" dirty="0" smtClean="0"/>
-              <a:t>Appendix</a:t>
-            </a:r>
+            <a:endParaRPr lang="en-US" dirty="0"/>
+          </a:p>
+        </p:txBody>
+      </p:sp>
+      <p:sp>
+        <p:nvSpPr>
+          <p:cNvPr id="5" name="Text Placeholder 4"/>
+          <p:cNvSpPr>
+            <a:spLocks noGrp="1"/>
+          </p:cNvSpPr>
+          <p:nvPr>
+            <p:ph type="body" sz="quarter" idx="10"/>
+          </p:nvPr>
+        </p:nvSpPr>
+        <p:spPr/>
+        <p:txBody>
+          <a:bodyPr/>
+          <a:lstStyle/>
+          <a:p>
             <a:endParaRPr lang="en-US" dirty="0"/>
           </a:p>
         </p:txBody>
@@ -25808,7 +25925,7 @@
     </p:spTree>
     <p:extLst>
       <p:ext uri="{BB962C8B-B14F-4D97-AF65-F5344CB8AC3E}">
-        <p14:creationId xmlns:p14="http://schemas.microsoft.com/office/powerpoint/2010/main" val="3838497406"/>
+        <p14:creationId xmlns:p14="http://schemas.microsoft.com/office/powerpoint/2010/main" val="792884462"/>
       </p:ext>
     </p:extLst>
   </p:cSld>
@@ -25844,12 +25961,15 @@
       </p:grpSpPr>
       <p:sp>
         <p:nvSpPr>
-          <p:cNvPr id="5" name="Content Placeholder 4"/>
+          <p:cNvPr id="2" name="Title 1"/>
           <p:cNvSpPr>
             <a:spLocks noGrp="1"/>
           </p:cNvSpPr>
           <p:nvPr>
-            <p:ph sz="quarter" idx="12"/>
+            <p:ph type="title"/>
+            <p:custDataLst>
+              <p:tags r:id="rId1"/>
+            </p:custDataLst>
           </p:nvPr>
         </p:nvSpPr>
         <p:spPr/>
@@ -25858,261 +25978,9 @@
           <a:lstStyle/>
           <a:p>
             <a:r>
-              <a:rPr lang="en-US" sz="1400" b="1" dirty="0" smtClean="0"/>
-              <a:t>World Happiness Scores:</a:t>
-            </a:r>
-          </a:p>
-          <a:p>
-            <a:pPr marL="285750" indent="-285750">
-              <a:buFont typeface="Arial" panose="020B0604020202020204" pitchFamily="34" charset="0"/>
-              <a:buChar char="•"/>
-            </a:pPr>
-            <a:r>
-              <a:rPr lang="en-US" sz="1400" dirty="0" smtClean="0"/>
-              <a:t>Used regularly by the </a:t>
-            </a:r>
-            <a:r>
-              <a:rPr lang="en-US" sz="1400" dirty="0" smtClean="0">
-                <a:hlinkClick r:id="rId2"/>
-              </a:rPr>
-              <a:t>World Happiness Report</a:t>
-            </a:r>
-            <a:r>
-              <a:rPr lang="en-US" sz="1400" dirty="0" smtClean="0"/>
-              <a:t>.</a:t>
-            </a:r>
-          </a:p>
-          <a:p>
-            <a:pPr marL="285750" indent="-285750">
-              <a:buFont typeface="Arial" panose="020B0604020202020204" pitchFamily="34" charset="0"/>
-              <a:buChar char="•"/>
-            </a:pPr>
-            <a:r>
-              <a:rPr lang="en-US" sz="1400" dirty="0"/>
-              <a:t>The </a:t>
-            </a:r>
-            <a:r>
-              <a:rPr lang="en-US" sz="1400" dirty="0" smtClean="0"/>
-              <a:t>actual happiness </a:t>
-            </a:r>
-            <a:r>
-              <a:rPr lang="en-US" sz="1400" dirty="0"/>
-              <a:t>scores and rankings </a:t>
-            </a:r>
-            <a:r>
-              <a:rPr lang="en-US" sz="1400" dirty="0" smtClean="0"/>
-              <a:t>come from </a:t>
-            </a:r>
-            <a:r>
-              <a:rPr lang="en-US" sz="1400" dirty="0"/>
-              <a:t>the </a:t>
-            </a:r>
-            <a:r>
-              <a:rPr lang="en-US" sz="1400" dirty="0">
-                <a:hlinkClick r:id="rId3"/>
-              </a:rPr>
-              <a:t>Gallup World Poll</a:t>
-            </a:r>
-            <a:r>
-              <a:rPr lang="en-US" sz="1400" dirty="0" smtClean="0"/>
-              <a:t>.</a:t>
-            </a:r>
-          </a:p>
-          <a:p>
-            <a:pPr marL="285750" indent="-285750">
-              <a:buFont typeface="Arial" panose="020B0604020202020204" pitchFamily="34" charset="0"/>
-              <a:buChar char="•"/>
-            </a:pPr>
-            <a:r>
-              <a:rPr lang="en-US" sz="1400" dirty="0" smtClean="0"/>
-              <a:t>The exact wording of the “happiness” question is:</a:t>
-            </a:r>
-          </a:p>
-          <a:p>
-            <a:pPr marL="465750" lvl="1" indent="-285750">
-              <a:buFont typeface="Arial" panose="020B0604020202020204" pitchFamily="34" charset="0"/>
-              <a:buChar char="•"/>
-            </a:pPr>
-            <a:r>
-              <a:rPr lang="en-US" sz="1400" dirty="0"/>
-              <a:t>“Please imagine a ladder, with steps numbered </a:t>
-            </a:r>
-            <a:r>
-              <a:rPr lang="en-US" sz="1400" dirty="0" smtClean="0"/>
-              <a:t>from 0 </a:t>
-            </a:r>
-            <a:r>
-              <a:rPr lang="en-US" sz="1400" dirty="0"/>
-              <a:t>at the bottom to 10 at the top. The top of the ladder represents the </a:t>
-            </a:r>
-            <a:r>
-              <a:rPr lang="en-US" sz="1400" dirty="0" smtClean="0"/>
-              <a:t>best possible </a:t>
-            </a:r>
-            <a:r>
-              <a:rPr lang="en-US" sz="1400" dirty="0"/>
-              <a:t>life for you and the bottom of the ladder represents the worst </a:t>
-            </a:r>
-            <a:r>
-              <a:rPr lang="en-US" sz="1400" dirty="0" smtClean="0"/>
-              <a:t>possible life </a:t>
-            </a:r>
-            <a:r>
-              <a:rPr lang="en-US" sz="1400" dirty="0"/>
-              <a:t>for you. On which step of the ladder would you say you personally feel </a:t>
-            </a:r>
-            <a:r>
-              <a:rPr lang="en-US" sz="1400" dirty="0" smtClean="0"/>
-              <a:t>you stand </a:t>
-            </a:r>
-            <a:r>
-              <a:rPr lang="en-US" sz="1400" dirty="0"/>
-              <a:t>at this time?”</a:t>
-            </a:r>
-          </a:p>
-          <a:p>
-            <a:pPr marL="285750" indent="-285750">
-              <a:buFont typeface="Arial" panose="020B0604020202020204" pitchFamily="34" charset="0"/>
-              <a:buChar char="•"/>
-            </a:pPr>
-            <a:r>
-              <a:rPr lang="en-US" sz="1400" dirty="0" smtClean="0"/>
-              <a:t>This app used the World Happiness Scores and rankings for 2015 posted on </a:t>
-            </a:r>
-            <a:r>
-              <a:rPr lang="en-US" sz="1400" dirty="0" err="1" smtClean="0">
-                <a:hlinkClick r:id="rId4"/>
-              </a:rPr>
-              <a:t>Kaggle</a:t>
-            </a:r>
-            <a:r>
-              <a:rPr lang="en-US" sz="1400" dirty="0" smtClean="0"/>
-              <a:t>.</a:t>
-            </a:r>
-          </a:p>
-          <a:p>
-            <a:pPr>
-              <a:spcBef>
-                <a:spcPts val="600"/>
-              </a:spcBef>
-            </a:pPr>
-            <a:r>
-              <a:rPr lang="en-US" sz="1400" b="1" dirty="0" smtClean="0"/>
-              <a:t>World Development Indicators:</a:t>
-            </a:r>
-          </a:p>
-          <a:p>
-            <a:pPr marL="285750" indent="-285750">
-              <a:buFont typeface="Arial" panose="020B0604020202020204" pitchFamily="34" charset="0"/>
-              <a:buChar char="•"/>
-            </a:pPr>
-            <a:r>
-              <a:rPr lang="en-US" sz="1400" dirty="0" smtClean="0"/>
-              <a:t>Are collected and published yearly by the </a:t>
-            </a:r>
-            <a:r>
-              <a:rPr lang="en-US" sz="1400" dirty="0" smtClean="0">
-                <a:hlinkClick r:id="rId5"/>
-              </a:rPr>
-              <a:t>World Bank</a:t>
-            </a:r>
-            <a:r>
-              <a:rPr lang="en-US" sz="1400" dirty="0" smtClean="0"/>
-              <a:t>.</a:t>
-            </a:r>
-          </a:p>
-          <a:p>
-            <a:pPr marL="285750" indent="-285750">
-              <a:buFont typeface="Arial" panose="020B0604020202020204" pitchFamily="34" charset="0"/>
-              <a:buChar char="•"/>
-            </a:pPr>
-            <a:r>
-              <a:rPr lang="en-US" sz="1400" dirty="0" smtClean="0"/>
-              <a:t>This app used the data on 74 indicators from 1993 to 2014 posted on </a:t>
-            </a:r>
-            <a:r>
-              <a:rPr lang="en-US" sz="1400" dirty="0" err="1" smtClean="0">
-                <a:hlinkClick r:id="rId6"/>
-              </a:rPr>
-              <a:t>Kaggle</a:t>
-            </a:r>
-            <a:r>
-              <a:rPr lang="en-US" sz="1400" dirty="0" smtClean="0"/>
-              <a:t>.</a:t>
-            </a:r>
-            <a:endParaRPr lang="en-US" sz="1400" dirty="0"/>
-          </a:p>
-        </p:txBody>
-      </p:sp>
-      <p:sp>
-        <p:nvSpPr>
-          <p:cNvPr id="2" name="Title 1"/>
-          <p:cNvSpPr>
-            <a:spLocks noGrp="1"/>
-          </p:cNvSpPr>
-          <p:nvPr>
-            <p:ph type="title"/>
-          </p:nvPr>
-        </p:nvSpPr>
-        <p:spPr/>
-        <p:txBody>
-          <a:bodyPr/>
-          <a:lstStyle/>
-          <a:p>
-            <a:r>
               <a:rPr lang="en-US" dirty="0" smtClean="0"/>
-              <a:t>About World </a:t>
-            </a:r>
-            <a:r>
-              <a:rPr lang="en-US" dirty="0"/>
-              <a:t>Happiness </a:t>
-            </a:r>
-            <a:r>
-              <a:rPr lang="en-US" dirty="0" smtClean="0"/>
-              <a:t>Score and World Development Indicators</a:t>
-            </a:r>
-            <a:endParaRPr lang="en-US" dirty="0"/>
-          </a:p>
-        </p:txBody>
-      </p:sp>
-      <p:sp>
-        <p:nvSpPr>
-          <p:cNvPr id="3" name="Text Placeholder 2"/>
-          <p:cNvSpPr>
-            <a:spLocks noGrp="1"/>
-          </p:cNvSpPr>
-          <p:nvPr>
-            <p:ph type="body" sz="quarter" idx="10"/>
-          </p:nvPr>
-        </p:nvSpPr>
-        <p:spPr/>
-        <p:txBody>
-          <a:bodyPr/>
-          <a:lstStyle/>
-          <a:p>
-            <a:r>
-              <a:rPr lang="en-US" dirty="0" smtClean="0"/>
-              <a:t>WHR has was published in 2012, 2013, 2015, and 2016</a:t>
-            </a:r>
-            <a:endParaRPr lang="en-US" dirty="0"/>
-          </a:p>
-        </p:txBody>
-      </p:sp>
-      <p:sp>
-        <p:nvSpPr>
-          <p:cNvPr id="4" name="Text Placeholder 3"/>
-          <p:cNvSpPr>
-            <a:spLocks noGrp="1"/>
-          </p:cNvSpPr>
-          <p:nvPr>
-            <p:ph type="body" sz="quarter" idx="11"/>
-          </p:nvPr>
-        </p:nvSpPr>
-        <p:spPr/>
-        <p:txBody>
-          <a:bodyPr/>
-          <a:lstStyle/>
-          <a:p>
+              <a:t>Appendix</a:t>
+            </a:r>
             <a:endParaRPr lang="en-US" dirty="0"/>
           </a:p>
         </p:txBody>
@@ -26120,7 +25988,7 @@
     </p:spTree>
     <p:extLst>
       <p:ext uri="{BB962C8B-B14F-4D97-AF65-F5344CB8AC3E}">
-        <p14:creationId xmlns:p14="http://schemas.microsoft.com/office/powerpoint/2010/main" val="1701639976"/>
+        <p14:creationId xmlns:p14="http://schemas.microsoft.com/office/powerpoint/2010/main" val="3838497406"/>
       </p:ext>
     </p:extLst>
   </p:cSld>
@@ -26156,7 +26024,209 @@
       </p:grpSpPr>
       <p:sp>
         <p:nvSpPr>
-          <p:cNvPr id="4" name="Title 3"/>
+          <p:cNvPr id="5" name="Content Placeholder 4"/>
+          <p:cNvSpPr>
+            <a:spLocks noGrp="1"/>
+          </p:cNvSpPr>
+          <p:nvPr>
+            <p:ph sz="quarter" idx="12"/>
+          </p:nvPr>
+        </p:nvSpPr>
+        <p:spPr/>
+        <p:txBody>
+          <a:bodyPr/>
+          <a:lstStyle/>
+          <a:p>
+            <a:r>
+              <a:rPr lang="en-US" sz="1400" b="1" dirty="0" smtClean="0"/>
+              <a:t>World Happiness Scores:</a:t>
+            </a:r>
+          </a:p>
+          <a:p>
+            <a:pPr marL="285750" indent="-285750">
+              <a:buFont typeface="Arial" panose="020B0604020202020204" pitchFamily="34" charset="0"/>
+              <a:buChar char="•"/>
+            </a:pPr>
+            <a:r>
+              <a:rPr lang="en-US" sz="1400" dirty="0" smtClean="0"/>
+              <a:t>Used regularly by the </a:t>
+            </a:r>
+            <a:r>
+              <a:rPr lang="en-US" sz="1400" dirty="0" smtClean="0">
+                <a:hlinkClick r:id="rId2"/>
+              </a:rPr>
+              <a:t>World Happiness Report</a:t>
+            </a:r>
+            <a:r>
+              <a:rPr lang="en-US" sz="1400" dirty="0" smtClean="0"/>
+              <a:t>.</a:t>
+            </a:r>
+          </a:p>
+          <a:p>
+            <a:pPr marL="285750" indent="-285750">
+              <a:buFont typeface="Arial" panose="020B0604020202020204" pitchFamily="34" charset="0"/>
+              <a:buChar char="•"/>
+            </a:pPr>
+            <a:r>
+              <a:rPr lang="en-US" sz="1400" dirty="0"/>
+              <a:t>The </a:t>
+            </a:r>
+            <a:r>
+              <a:rPr lang="en-US" sz="1400" dirty="0" smtClean="0"/>
+              <a:t>actual happiness </a:t>
+            </a:r>
+            <a:r>
+              <a:rPr lang="en-US" sz="1400" dirty="0"/>
+              <a:t>scores and rankings </a:t>
+            </a:r>
+            <a:r>
+              <a:rPr lang="en-US" sz="1400" dirty="0" smtClean="0"/>
+              <a:t>come from </a:t>
+            </a:r>
+            <a:r>
+              <a:rPr lang="en-US" sz="1400" dirty="0"/>
+              <a:t>the </a:t>
+            </a:r>
+            <a:r>
+              <a:rPr lang="en-US" sz="1400" dirty="0">
+                <a:hlinkClick r:id="rId3"/>
+              </a:rPr>
+              <a:t>Gallup World Poll</a:t>
+            </a:r>
+            <a:r>
+              <a:rPr lang="en-US" sz="1400" dirty="0" smtClean="0"/>
+              <a:t>.</a:t>
+            </a:r>
+          </a:p>
+          <a:p>
+            <a:pPr marL="285750" indent="-285750">
+              <a:buFont typeface="Arial" panose="020B0604020202020204" pitchFamily="34" charset="0"/>
+              <a:buChar char="•"/>
+            </a:pPr>
+            <a:r>
+              <a:rPr lang="en-US" sz="1400" dirty="0" smtClean="0"/>
+              <a:t>The exact wording of the “happiness” question is:</a:t>
+            </a:r>
+          </a:p>
+          <a:p>
+            <a:pPr marL="465750" lvl="1" indent="-285750">
+              <a:buFont typeface="Arial" panose="020B0604020202020204" pitchFamily="34" charset="0"/>
+              <a:buChar char="•"/>
+            </a:pPr>
+            <a:r>
+              <a:rPr lang="en-US" sz="1400" dirty="0"/>
+              <a:t>“Please imagine a ladder, with steps numbered </a:t>
+            </a:r>
+            <a:r>
+              <a:rPr lang="en-US" sz="1400" dirty="0" smtClean="0"/>
+              <a:t>from 0 </a:t>
+            </a:r>
+            <a:r>
+              <a:rPr lang="en-US" sz="1400" dirty="0"/>
+              <a:t>at the bottom to 10 at the top. The top of the ladder represents the </a:t>
+            </a:r>
+            <a:r>
+              <a:rPr lang="en-US" sz="1400" dirty="0" smtClean="0"/>
+              <a:t>best possible </a:t>
+            </a:r>
+            <a:r>
+              <a:rPr lang="en-US" sz="1400" dirty="0"/>
+              <a:t>life for you and the bottom of the ladder represents the worst </a:t>
+            </a:r>
+            <a:r>
+              <a:rPr lang="en-US" sz="1400" dirty="0" smtClean="0"/>
+              <a:t>possible life </a:t>
+            </a:r>
+            <a:r>
+              <a:rPr lang="en-US" sz="1400" dirty="0"/>
+              <a:t>for you. On which step of the ladder would you say you personally feel </a:t>
+            </a:r>
+            <a:r>
+              <a:rPr lang="en-US" sz="1400" dirty="0" smtClean="0"/>
+              <a:t>you stand </a:t>
+            </a:r>
+            <a:r>
+              <a:rPr lang="en-US" sz="1400" dirty="0"/>
+              <a:t>at this time?”</a:t>
+            </a:r>
+          </a:p>
+          <a:p>
+            <a:pPr marL="285750" indent="-285750">
+              <a:buFont typeface="Arial" panose="020B0604020202020204" pitchFamily="34" charset="0"/>
+              <a:buChar char="•"/>
+            </a:pPr>
+            <a:r>
+              <a:rPr lang="en-US" sz="1400" dirty="0" smtClean="0"/>
+              <a:t>This app used the World Happiness Scores and rankings for 2015 posted on </a:t>
+            </a:r>
+            <a:r>
+              <a:rPr lang="en-US" sz="1400" dirty="0" err="1" smtClean="0">
+                <a:hlinkClick r:id="rId4"/>
+              </a:rPr>
+              <a:t>Kaggle</a:t>
+            </a:r>
+            <a:r>
+              <a:rPr lang="en-US" sz="1400" dirty="0" smtClean="0"/>
+              <a:t>.</a:t>
+            </a:r>
+          </a:p>
+          <a:p>
+            <a:pPr>
+              <a:spcBef>
+                <a:spcPts val="600"/>
+              </a:spcBef>
+            </a:pPr>
+            <a:r>
+              <a:rPr lang="en-US" sz="1400" b="1" dirty="0" smtClean="0"/>
+              <a:t>World Development Indicators:</a:t>
+            </a:r>
+          </a:p>
+          <a:p>
+            <a:pPr marL="285750" indent="-285750">
+              <a:buFont typeface="Arial" panose="020B0604020202020204" pitchFamily="34" charset="0"/>
+              <a:buChar char="•"/>
+            </a:pPr>
+            <a:r>
+              <a:rPr lang="en-US" sz="1400" dirty="0" smtClean="0"/>
+              <a:t>Are collected and published yearly by the </a:t>
+            </a:r>
+            <a:r>
+              <a:rPr lang="en-US" sz="1400" dirty="0" smtClean="0">
+                <a:hlinkClick r:id="rId5"/>
+              </a:rPr>
+              <a:t>World Bank</a:t>
+            </a:r>
+            <a:r>
+              <a:rPr lang="en-US" sz="1400" dirty="0" smtClean="0"/>
+              <a:t>.</a:t>
+            </a:r>
+          </a:p>
+          <a:p>
+            <a:pPr marL="285750" indent="-285750">
+              <a:buFont typeface="Arial" panose="020B0604020202020204" pitchFamily="34" charset="0"/>
+              <a:buChar char="•"/>
+            </a:pPr>
+            <a:r>
+              <a:rPr lang="en-US" sz="1400" dirty="0" smtClean="0"/>
+              <a:t>This app used the data on 74 indicators from 1993 to 2014 posted on </a:t>
+            </a:r>
+            <a:r>
+              <a:rPr lang="en-US" sz="1400" dirty="0" err="1" smtClean="0">
+                <a:hlinkClick r:id="rId6"/>
+              </a:rPr>
+              <a:t>Kaggle</a:t>
+            </a:r>
+            <a:r>
+              <a:rPr lang="en-US" sz="1400" dirty="0" smtClean="0"/>
+              <a:t>.</a:t>
+            </a:r>
+            <a:endParaRPr lang="en-US" sz="1400" dirty="0"/>
+          </a:p>
+        </p:txBody>
+      </p:sp>
+      <p:sp>
+        <p:nvSpPr>
+          <p:cNvPr id="2" name="Title 1"/>
           <p:cNvSpPr>
             <a:spLocks noGrp="1"/>
           </p:cNvSpPr>
@@ -26169,13 +26239,25 @@
           <a:bodyPr/>
           <a:lstStyle/>
           <a:p>
+            <a:r>
+              <a:rPr lang="en-US" dirty="0" smtClean="0"/>
+              <a:t>About World </a:t>
+            </a:r>
+            <a:r>
+              <a:rPr lang="en-US" dirty="0"/>
+              <a:t>Happiness </a:t>
+            </a:r>
+            <a:r>
+              <a:rPr lang="en-US" dirty="0" smtClean="0"/>
+              <a:t>Score and World Development Indicators</a:t>
+            </a:r>
             <a:endParaRPr lang="en-US" dirty="0"/>
           </a:p>
         </p:txBody>
       </p:sp>
       <p:sp>
         <p:nvSpPr>
-          <p:cNvPr id="5" name="Text Placeholder 4"/>
+          <p:cNvPr id="3" name="Text Placeholder 2"/>
           <p:cNvSpPr>
             <a:spLocks noGrp="1"/>
           </p:cNvSpPr>
@@ -26188,6 +26270,29 @@
           <a:bodyPr/>
           <a:lstStyle/>
           <a:p>
+            <a:r>
+              <a:rPr lang="en-US" dirty="0" smtClean="0"/>
+              <a:t>WHR has was published in 2012, 2013, 2015, and 2016</a:t>
+            </a:r>
+            <a:endParaRPr lang="en-US" dirty="0"/>
+          </a:p>
+        </p:txBody>
+      </p:sp>
+      <p:sp>
+        <p:nvSpPr>
+          <p:cNvPr id="4" name="Text Placeholder 3"/>
+          <p:cNvSpPr>
+            <a:spLocks noGrp="1"/>
+          </p:cNvSpPr>
+          <p:nvPr>
+            <p:ph type="body" sz="quarter" idx="11"/>
+          </p:nvPr>
+        </p:nvSpPr>
+        <p:spPr/>
+        <p:txBody>
+          <a:bodyPr/>
+          <a:lstStyle/>
+          <a:p>
             <a:endParaRPr lang="en-US" dirty="0"/>
           </a:p>
         </p:txBody>
@@ -26195,7 +26300,7 @@
     </p:spTree>
     <p:extLst>
       <p:ext uri="{BB962C8B-B14F-4D97-AF65-F5344CB8AC3E}">
-        <p14:creationId xmlns:p14="http://schemas.microsoft.com/office/powerpoint/2010/main" val="792884462"/>
+        <p14:creationId xmlns:p14="http://schemas.microsoft.com/office/powerpoint/2010/main" val="1701639976"/>
       </p:ext>
     </p:extLst>
   </p:cSld>
@@ -26309,11 +26414,7 @@
           <a:p>
             <a:r>
               <a:rPr lang="en-US" sz="1600" dirty="0" smtClean="0"/>
-              <a:t>Brief intro; tabs </a:t>
-            </a:r>
-            <a:r>
-              <a:rPr lang="en-US" sz="1600" dirty="0" smtClean="0"/>
-              <a:t>on the left reflect the suggested “workflow”.</a:t>
+              <a:t>Brief intro; tabs on the left reflect the suggested “workflow”.</a:t>
             </a:r>
             <a:endParaRPr lang="en-US" sz="1600" dirty="0"/>
           </a:p>
@@ -26439,11 +26540,7 @@
           <a:p>
             <a:r>
               <a:rPr lang="en-US" sz="1600" dirty="0" smtClean="0"/>
-              <a:t>Explore the world </a:t>
-            </a:r>
-            <a:r>
-              <a:rPr lang="en-US" sz="1600" dirty="0" smtClean="0"/>
-              <a:t>map where country color corresponds to its happiness score:</a:t>
+              <a:t>Explore the world map where country color corresponds to its happiness score:</a:t>
             </a:r>
             <a:endParaRPr lang="en-US" sz="1600" dirty="0"/>
           </a:p>
@@ -26485,19 +26582,7 @@
           <a:p>
             <a:r>
               <a:rPr lang="en-US" dirty="0" smtClean="0"/>
-              <a:t>Tab </a:t>
-            </a:r>
-            <a:r>
-              <a:rPr lang="en-US" dirty="0" smtClean="0"/>
-              <a:t>2: </a:t>
-            </a:r>
-            <a:r>
-              <a:rPr lang="en-US" dirty="0" smtClean="0"/>
-              <a:t>Happiness </a:t>
-            </a:r>
-            <a:r>
-              <a:rPr lang="en-US" dirty="0" smtClean="0"/>
-              <a:t>World Map</a:t>
+              <a:t>Tab 2: Happiness World Map</a:t>
             </a:r>
             <a:endParaRPr lang="en-US" dirty="0"/>
           </a:p>
@@ -26587,23 +26672,7 @@
             </a:pPr>
             <a:r>
               <a:rPr lang="en-US" sz="1400" dirty="0" smtClean="0"/>
-              <a:t>Run </a:t>
-            </a:r>
-            <a:r>
-              <a:rPr lang="en-US" sz="1400" dirty="0" smtClean="0"/>
-              <a:t>a model predicting Happiness based on </a:t>
-            </a:r>
-            <a:r>
-              <a:rPr lang="en-US" sz="1400" dirty="0" smtClean="0"/>
-              <a:t>socio-economic indicators </a:t>
-            </a:r>
-            <a:r>
-              <a:rPr lang="en-US" sz="1400" dirty="0" smtClean="0"/>
-              <a:t>of your </a:t>
-            </a:r>
-            <a:r>
-              <a:rPr lang="en-US" sz="1400" dirty="0" smtClean="0"/>
-              <a:t>choice;</a:t>
+              <a:t>Run a model predicting Happiness based on socio-economic indicators of your choice;</a:t>
             </a:r>
           </a:p>
           <a:p>
@@ -26657,15 +26726,7 @@
           <a:p>
             <a:r>
               <a:rPr lang="en-US" dirty="0" smtClean="0"/>
-              <a:t>Tab </a:t>
-            </a:r>
-            <a:r>
-              <a:rPr lang="en-US" dirty="0" smtClean="0"/>
-              <a:t>3: </a:t>
-            </a:r>
-            <a:r>
-              <a:rPr lang="en-US" dirty="0" smtClean="0"/>
-              <a:t>Predict Happiness</a:t>
+              <a:t>Tab 3: Predict Happiness</a:t>
             </a:r>
             <a:endParaRPr lang="en-US" dirty="0"/>
           </a:p>
@@ -26749,11 +26810,7 @@
           <a:p>
             <a:r>
               <a:rPr lang="en-US" sz="1600" dirty="0" smtClean="0"/>
-              <a:t>Assess and visualize </a:t>
-            </a:r>
-            <a:r>
-              <a:rPr lang="en-US" sz="1600" dirty="0" smtClean="0"/>
-              <a:t>the bivariate relationship between any indicator and Happiness:</a:t>
+              <a:t>Assess and visualize the bivariate relationship between any indicator and Happiness:</a:t>
             </a:r>
             <a:endParaRPr lang="en-US" sz="1600" dirty="0"/>
           </a:p>
@@ -26795,15 +26852,7 @@
           <a:p>
             <a:r>
               <a:rPr lang="en-US" dirty="0" smtClean="0"/>
-              <a:t>Tab </a:t>
-            </a:r>
-            <a:r>
-              <a:rPr lang="en-US" dirty="0" smtClean="0"/>
-              <a:t>4: </a:t>
-            </a:r>
-            <a:r>
-              <a:rPr lang="en-US" dirty="0" smtClean="0"/>
-              <a:t>Happiness vs. Indicators</a:t>
+              <a:t>Tab 4: Happiness vs. Indicators</a:t>
             </a:r>
             <a:endParaRPr lang="en-US" dirty="0"/>
           </a:p>
@@ -26929,15 +26978,7 @@
           <a:p>
             <a:r>
               <a:rPr lang="en-US" dirty="0" smtClean="0"/>
-              <a:t>Tab </a:t>
-            </a:r>
-            <a:r>
-              <a:rPr lang="en-US" dirty="0" smtClean="0"/>
-              <a:t>5: World Map </a:t>
-            </a:r>
-            <a:r>
-              <a:rPr lang="en-US" dirty="0" smtClean="0"/>
-              <a:t>by Indicator</a:t>
+              <a:t>Tab 5: World Map by Indicator</a:t>
             </a:r>
             <a:endParaRPr lang="en-US" dirty="0"/>
           </a:p>
@@ -27021,27 +27062,7 @@
           <a:p>
             <a:r>
               <a:rPr lang="en-US" sz="1600" dirty="0" smtClean="0"/>
-              <a:t>For any country: explore </a:t>
-            </a:r>
-            <a:r>
-              <a:rPr lang="en-US" sz="1600" dirty="0" smtClean="0"/>
-              <a:t>indicator </a:t>
-            </a:r>
-            <a:r>
-              <a:rPr lang="en-US" sz="1600" dirty="0" smtClean="0"/>
-              <a:t>trend </a:t>
-            </a:r>
-            <a:r>
-              <a:rPr lang="en-US" sz="1600" dirty="0" smtClean="0"/>
-              <a:t>over time and </a:t>
-            </a:r>
-            <a:r>
-              <a:rPr lang="en-US" sz="1600" dirty="0" smtClean="0"/>
-              <a:t>juxtapose </a:t>
-            </a:r>
-            <a:r>
-              <a:rPr lang="en-US" sz="1600" dirty="0" smtClean="0"/>
-              <a:t>any 2 indicators:</a:t>
+              <a:t>For any country: explore indicator trend over time and juxtapose any 2 indicators:</a:t>
             </a:r>
             <a:endParaRPr lang="en-US" sz="1600" dirty="0"/>
           </a:p>
@@ -27083,15 +27104,7 @@
           <a:p>
             <a:r>
               <a:rPr lang="en-US" dirty="0" smtClean="0"/>
-              <a:t>Tab </a:t>
-            </a:r>
-            <a:r>
-              <a:rPr lang="en-US" dirty="0" smtClean="0"/>
-              <a:t>6: </a:t>
-            </a:r>
-            <a:r>
-              <a:rPr lang="en-US" dirty="0" smtClean="0"/>
-              <a:t>Indicator Trends over Time</a:t>
+              <a:t>Tab 6: Indicator Trends over Time</a:t>
             </a:r>
             <a:endParaRPr lang="en-US" dirty="0"/>
           </a:p>
@@ -28812,11 +28825,7 @@
 
 <file path=customXml/item1.xml><?xml version="1.0" encoding="utf-8"?>
 <?mso-contentType ?>
-<FormTemplates xmlns="http://schemas.microsoft.com/sharepoint/v3/contenttype/forms">
-  <Display>DocumentLibraryForm</Display>
-  <Edit>DocumentLibraryForm</Edit>
-  <New>DocumentLibraryForm</New>
-</FormTemplates>
+<SharedContentType xmlns="Microsoft.SharePoint.Taxonomy.ContentTypeSync" SourceId="8fb135ec-df78-4771-b246-ee3879de3bc6" ContentTypeId="0x010100D0AFC36ACFD74F7BA0C77049996D405C" PreviousValue="false"/>
 </file>
 
 <file path=customXml/item2.xml><?xml version="1.0" encoding="utf-8"?>
@@ -29040,7 +29049,11 @@
 
 <file path=customXml/item3.xml><?xml version="1.0" encoding="utf-8"?>
 <?mso-contentType ?>
-<SharedContentType xmlns="Microsoft.SharePoint.Taxonomy.ContentTypeSync" SourceId="8fb135ec-df78-4771-b246-ee3879de3bc6" ContentTypeId="0x010100D0AFC36ACFD74F7BA0C77049996D405C" PreviousValue="false"/>
+<FormTemplates xmlns="http://schemas.microsoft.com/sharepoint/v3/contenttype/forms">
+  <Display>DocumentLibraryForm</Display>
+  <Edit>DocumentLibraryForm</Edit>
+  <New>DocumentLibraryForm</New>
+</FormTemplates>
 </file>
 
 <file path=customXml/item4.xml><?xml version="1.0" encoding="utf-8"?>
@@ -29111,9 +29124,9 @@
 </file>
 
 <file path=customXml/itemProps1.xml><?xml version="1.0" encoding="utf-8"?>
-<ds:datastoreItem xmlns:ds="http://schemas.openxmlformats.org/officeDocument/2006/customXml" ds:itemID="{04CCC1B3-4CD5-4833-95A6-6904C602CD4E}">
+<ds:datastoreItem xmlns:ds="http://schemas.openxmlformats.org/officeDocument/2006/customXml" ds:itemID="{F3F5683F-DE5A-4128-8136-79393BDF5936}">
   <ds:schemaRefs>
-    <ds:schemaRef ds:uri="http://schemas.microsoft.com/sharepoint/v3/contenttype/forms"/>
+    <ds:schemaRef ds:uri="Microsoft.SharePoint.Taxonomy.ContentTypeSync"/>
   </ds:schemaRefs>
 </ds:datastoreItem>
 </file>
@@ -29139,9 +29152,9 @@
 </file>
 
 <file path=customXml/itemProps3.xml><?xml version="1.0" encoding="utf-8"?>
-<ds:datastoreItem xmlns:ds="http://schemas.openxmlformats.org/officeDocument/2006/customXml" ds:itemID="{F3F5683F-DE5A-4128-8136-79393BDF5936}">
+<ds:datastoreItem xmlns:ds="http://schemas.openxmlformats.org/officeDocument/2006/customXml" ds:itemID="{04CCC1B3-4CD5-4833-95A6-6904C602CD4E}">
   <ds:schemaRefs>
-    <ds:schemaRef ds:uri="Microsoft.SharePoint.Taxonomy.ContentTypeSync"/>
+    <ds:schemaRef ds:uri="http://schemas.microsoft.com/sharepoint/v3/contenttype/forms"/>
   </ds:schemaRefs>
 </ds:datastoreItem>
 </file>

--- a/World Happiness.pptx
+++ b/World Happiness.pptx
@@ -2000,7 +2000,7 @@
           <a:graphicData uri="http://schemas.openxmlformats.org/presentationml/2006/ole">
             <mc:AlternateContent xmlns:mc="http://schemas.openxmlformats.org/markup-compatibility/2006">
               <mc:Choice xmlns:v="urn:schemas-microsoft-com:vml" Requires="v">
-                <p:oleObj spid="_x0000_s3317" name="think-cell Slide" r:id="rId4" imgW="353" imgH="353" progId="TCLayout.ActiveDocument.1">
+                <p:oleObj spid="_x0000_s3319" name="think-cell Slide" r:id="rId4" imgW="353" imgH="353" progId="TCLayout.ActiveDocument.1">
                   <p:embed/>
                 </p:oleObj>
               </mc:Choice>
@@ -11225,7 +11225,7 @@
           <a:graphicData uri="http://schemas.openxmlformats.org/presentationml/2006/ole">
             <mc:AlternateContent xmlns:mc="http://schemas.openxmlformats.org/markup-compatibility/2006">
               <mc:Choice xmlns:v="urn:schemas-microsoft-com:vml" Requires="v">
-                <p:oleObj spid="_x0000_s2295" name="think-cell Slide" r:id="rId4" imgW="353" imgH="353" progId="TCLayout.ActiveDocument.1">
+                <p:oleObj spid="_x0000_s2297" name="think-cell Slide" r:id="rId4" imgW="353" imgH="353" progId="TCLayout.ActiveDocument.1">
                   <p:embed/>
                 </p:oleObj>
               </mc:Choice>
@@ -12334,7 +12334,7 @@
           <a:graphicData uri="http://schemas.openxmlformats.org/presentationml/2006/ole">
             <mc:AlternateContent xmlns:mc="http://schemas.openxmlformats.org/markup-compatibility/2006">
               <mc:Choice xmlns:v="urn:schemas-microsoft-com:vml" Requires="v">
-                <p:oleObj spid="_x0000_s1271" name="think-cell Slide" r:id="rId25" imgW="353" imgH="353" progId="TCLayout.ActiveDocument.1">
+                <p:oleObj spid="_x0000_s1273" name="think-cell Slide" r:id="rId25" imgW="353" imgH="353" progId="TCLayout.ActiveDocument.1">
                   <p:embed/>
                 </p:oleObj>
               </mc:Choice>
@@ -22301,15 +22301,7 @@
           <a:p>
             <a:r>
               <a:rPr lang="en-US" sz="1400" dirty="0" smtClean="0"/>
-              <a:t>Overall, Bangladesh’s primary focus should be on improving (a) public health: esp., fighting tuberculosis and lowering infant mortality rate; and (b) fixed phone line infrastructure</a:t>
-            </a:r>
-            <a:r>
-              <a:rPr lang="en-US" sz="1400" dirty="0" smtClean="0"/>
-              <a:t>. Thank yo</a:t>
-            </a:r>
-            <a:r>
-              <a:rPr lang="en-US" sz="1400" dirty="0" smtClean="0"/>
-              <a:t>u, app!!!</a:t>
+              <a:t>Overall, Bangladesh’s primary focus should be on improving (a) public health: esp., fighting tuberculosis and lowering infant mortality rate; and (b) fixed phone line infrastructure. Thank you, app!!!</a:t>
             </a:r>
             <a:endParaRPr lang="en-US" sz="1400" dirty="0"/>
           </a:p>
@@ -25899,6 +25891,10 @@
           <a:bodyPr/>
           <a:lstStyle/>
           <a:p>
+            <a:r>
+              <a:rPr lang="en-US" dirty="0" smtClean="0"/>
+              <a:t>Thank you! Questions?</a:t>
+            </a:r>
             <a:endParaRPr lang="en-US" dirty="0"/>
           </a:p>
         </p:txBody>
@@ -28829,6 +28825,82 @@
 </file>
 
 <file path=customXml/item2.xml><?xml version="1.0" encoding="utf-8"?>
+<p:properties xmlns:p="http://schemas.microsoft.com/office/2006/metadata/properties" xmlns:xsi="http://www.w3.org/2001/XMLSchema-instance" xmlns:pc="http://schemas.microsoft.com/office/infopath/2007/PartnerControls">
+  <documentManagement>
+    <TaxCatchAll xmlns="f2684793-112f-4fec-9fa7-c952a73f86d3">
+      <Value>8</Value>
+      <Value>6</Value>
+      <Value>5</Value>
+      <Value>4</Value>
+      <Value>3</Value>
+      <Value>2</Value>
+    </TaxCatchAll>
+    <ProductsTaxHTField0 xmlns="72acfbc7-13d6-4e32-8fe0-794e2d8bf5d1">
+      <Terms xmlns="http://schemas.microsoft.com/office/infopath/2007/PartnerControls">
+        <TermInfo xmlns="http://schemas.microsoft.com/office/infopath/2007/PartnerControls">
+          <TermName xmlns="http://schemas.microsoft.com/office/infopath/2007/PartnerControls">Not applicable</TermName>
+          <TermId xmlns="http://schemas.microsoft.com/office/infopath/2007/PartnerControls">15480a47-f0f1-4795-a643-bf3b2e95805c</TermId>
+        </TermInfo>
+      </Terms>
+    </ProductsTaxHTField0>
+    <gNetLanguagesTaxHTField0 xmlns="92833d98-8015-4e73-bff4-7fc7bdc77146">
+      <Terms xmlns="http://schemas.microsoft.com/office/infopath/2007/PartnerControls">
+        <TermInfo xmlns="http://schemas.microsoft.com/office/infopath/2007/PartnerControls">
+          <TermName xmlns="http://schemas.microsoft.com/office/infopath/2007/PartnerControls">English</TermName>
+          <TermId xmlns="http://schemas.microsoft.com/office/infopath/2007/PartnerControls">914398da-6a81-430b-8d1c-6a7bd1227f71</TermId>
+        </TermInfo>
+      </Terms>
+    </gNetLanguagesTaxHTField0>
+    <IndustriesTaxHTField0 xmlns="92833d98-8015-4e73-bff4-7fc7bdc77146">
+      <Terms xmlns="http://schemas.microsoft.com/office/infopath/2007/PartnerControls">
+        <TermInfo xmlns="http://schemas.microsoft.com/office/infopath/2007/PartnerControls">
+          <TermName xmlns="http://schemas.microsoft.com/office/infopath/2007/PartnerControls">Not applicable</TermName>
+          <TermId xmlns="http://schemas.microsoft.com/office/infopath/2007/PartnerControls">1b0d69d1-6137-41de-9ae5-e5925610d8cb</TermId>
+        </TermInfo>
+      </Terms>
+    </IndustriesTaxHTField0>
+    <ExpertContentTaxHTField0 xmlns="92833d98-8015-4e73-bff4-7fc7bdc77146">
+      <Terms xmlns="http://schemas.microsoft.com/office/infopath/2007/PartnerControls"/>
+    </ExpertContentTaxHTField0>
+    <FunctionalAreaTaxHTField0 xmlns="92833d98-8015-4e73-bff4-7fc7bdc77146">
+      <Terms xmlns="http://schemas.microsoft.com/office/infopath/2007/PartnerControls">
+        <TermInfo xmlns="http://schemas.microsoft.com/office/infopath/2007/PartnerControls">
+          <TermName xmlns="http://schemas.microsoft.com/office/infopath/2007/PartnerControls">Marketing ＆ Communication</TermName>
+          <TermId xmlns="http://schemas.microsoft.com/office/infopath/2007/PartnerControls">e229bc12-4e91-4e55-875a-11b465ca0b0f</TermId>
+        </TermInfo>
+      </Terms>
+    </FunctionalAreaTaxHTField0>
+    <CountriesTaxHTField0 xmlns="92833d98-8015-4e73-bff4-7fc7bdc77146">
+      <Terms xmlns="http://schemas.microsoft.com/office/infopath/2007/PartnerControls">
+        <TermInfo xmlns="http://schemas.microsoft.com/office/infopath/2007/PartnerControls">
+          <TermName xmlns="http://schemas.microsoft.com/office/infopath/2007/PartnerControls">Global</TermName>
+          <TermId xmlns="http://schemas.microsoft.com/office/infopath/2007/PartnerControls">3eaca359-c4b3-4b51-a927-e9852da92384</TermId>
+        </TermInfo>
+      </Terms>
+    </CountriesTaxHTField0>
+    <ClientsTaxHTField0 xmlns="92833d98-8015-4e73-bff4-7fc7bdc77146">
+      <Terms xmlns="http://schemas.microsoft.com/office/infopath/2007/PartnerControls">
+        <TermInfo xmlns="http://schemas.microsoft.com/office/infopath/2007/PartnerControls">
+          <TermName xmlns="http://schemas.microsoft.com/office/infopath/2007/PartnerControls">Not applicable</TermName>
+          <TermId xmlns="http://schemas.microsoft.com/office/infopath/2007/PartnerControls">457da623-78f9-49de-8564-b1618c49ba59</TermId>
+        </TermInfo>
+      </Terms>
+    </ClientsTaxHTField0>
+    <gNetNextKeyDocument xmlns="92833d98-8015-4e73-bff4-7fc7bdc77146">Yes</gNetNextKeyDocument>
+  </documentManagement>
+</p:properties>
+</file>
+
+<file path=customXml/item3.xml><?xml version="1.0" encoding="utf-8"?>
+<?mso-contentType ?>
+<FormTemplates xmlns="http://schemas.microsoft.com/sharepoint/v3/contenttype/forms">
+  <Display>DocumentLibraryForm</Display>
+  <Edit>DocumentLibraryForm</Edit>
+  <New>DocumentLibraryForm</New>
+</FormTemplates>
+</file>
+
+<file path=customXml/item4.xml><?xml version="1.0" encoding="utf-8"?>
 <ct:contentTypeSchema xmlns:ct="http://schemas.microsoft.com/office/2006/metadata/contentType" xmlns:ma="http://schemas.microsoft.com/office/2006/metadata/properties/metaAttributes" ct:_="" ma:_="" ma:contentTypeName="ExpertContentDocumentLibrary" ma:contentTypeID="0x010100D0AFC36ACFD74F7BA0C77049996D405C00FF49417D29D72E4D9B5054C9AC26121A" ma:contentTypeVersion="0" ma:contentTypeDescription="" ma:contentTypeScope="" ma:versionID="6360a5f94c527d9e7ec2ba7d0336b460">
   <xsd:schema xmlns:xsd="http://www.w3.org/2001/XMLSchema" xmlns:xs="http://www.w3.org/2001/XMLSchema" xmlns:p="http://schemas.microsoft.com/office/2006/metadata/properties" xmlns:ns2="92833d98-8015-4e73-bff4-7fc7bdc77146" xmlns:ns3="72acfbc7-13d6-4e32-8fe0-794e2d8bf5d1" xmlns:ns4="f2684793-112f-4fec-9fa7-c952a73f86d3" targetNamespace="http://schemas.microsoft.com/office/2006/metadata/properties" ma:root="true" ma:fieldsID="4dd616222a85d58f18a73fd7fa601ae7" ns2:_="" ns3:_="" ns4:_="">
     <xsd:import namespace="92833d98-8015-4e73-bff4-7fc7bdc77146"/>
@@ -29047,82 +29119,6 @@
 </ct:contentTypeSchema>
 </file>
 
-<file path=customXml/item3.xml><?xml version="1.0" encoding="utf-8"?>
-<?mso-contentType ?>
-<FormTemplates xmlns="http://schemas.microsoft.com/sharepoint/v3/contenttype/forms">
-  <Display>DocumentLibraryForm</Display>
-  <Edit>DocumentLibraryForm</Edit>
-  <New>DocumentLibraryForm</New>
-</FormTemplates>
-</file>
-
-<file path=customXml/item4.xml><?xml version="1.0" encoding="utf-8"?>
-<p:properties xmlns:p="http://schemas.microsoft.com/office/2006/metadata/properties" xmlns:xsi="http://www.w3.org/2001/XMLSchema-instance" xmlns:pc="http://schemas.microsoft.com/office/infopath/2007/PartnerControls">
-  <documentManagement>
-    <TaxCatchAll xmlns="f2684793-112f-4fec-9fa7-c952a73f86d3">
-      <Value>8</Value>
-      <Value>6</Value>
-      <Value>5</Value>
-      <Value>4</Value>
-      <Value>3</Value>
-      <Value>2</Value>
-    </TaxCatchAll>
-    <ProductsTaxHTField0 xmlns="72acfbc7-13d6-4e32-8fe0-794e2d8bf5d1">
-      <Terms xmlns="http://schemas.microsoft.com/office/infopath/2007/PartnerControls">
-        <TermInfo xmlns="http://schemas.microsoft.com/office/infopath/2007/PartnerControls">
-          <TermName xmlns="http://schemas.microsoft.com/office/infopath/2007/PartnerControls">Not applicable</TermName>
-          <TermId xmlns="http://schemas.microsoft.com/office/infopath/2007/PartnerControls">15480a47-f0f1-4795-a643-bf3b2e95805c</TermId>
-        </TermInfo>
-      </Terms>
-    </ProductsTaxHTField0>
-    <gNetLanguagesTaxHTField0 xmlns="92833d98-8015-4e73-bff4-7fc7bdc77146">
-      <Terms xmlns="http://schemas.microsoft.com/office/infopath/2007/PartnerControls">
-        <TermInfo xmlns="http://schemas.microsoft.com/office/infopath/2007/PartnerControls">
-          <TermName xmlns="http://schemas.microsoft.com/office/infopath/2007/PartnerControls">English</TermName>
-          <TermId xmlns="http://schemas.microsoft.com/office/infopath/2007/PartnerControls">914398da-6a81-430b-8d1c-6a7bd1227f71</TermId>
-        </TermInfo>
-      </Terms>
-    </gNetLanguagesTaxHTField0>
-    <IndustriesTaxHTField0 xmlns="92833d98-8015-4e73-bff4-7fc7bdc77146">
-      <Terms xmlns="http://schemas.microsoft.com/office/infopath/2007/PartnerControls">
-        <TermInfo xmlns="http://schemas.microsoft.com/office/infopath/2007/PartnerControls">
-          <TermName xmlns="http://schemas.microsoft.com/office/infopath/2007/PartnerControls">Not applicable</TermName>
-          <TermId xmlns="http://schemas.microsoft.com/office/infopath/2007/PartnerControls">1b0d69d1-6137-41de-9ae5-e5925610d8cb</TermId>
-        </TermInfo>
-      </Terms>
-    </IndustriesTaxHTField0>
-    <ExpertContentTaxHTField0 xmlns="92833d98-8015-4e73-bff4-7fc7bdc77146">
-      <Terms xmlns="http://schemas.microsoft.com/office/infopath/2007/PartnerControls"/>
-    </ExpertContentTaxHTField0>
-    <FunctionalAreaTaxHTField0 xmlns="92833d98-8015-4e73-bff4-7fc7bdc77146">
-      <Terms xmlns="http://schemas.microsoft.com/office/infopath/2007/PartnerControls">
-        <TermInfo xmlns="http://schemas.microsoft.com/office/infopath/2007/PartnerControls">
-          <TermName xmlns="http://schemas.microsoft.com/office/infopath/2007/PartnerControls">Marketing ＆ Communication</TermName>
-          <TermId xmlns="http://schemas.microsoft.com/office/infopath/2007/PartnerControls">e229bc12-4e91-4e55-875a-11b465ca0b0f</TermId>
-        </TermInfo>
-      </Terms>
-    </FunctionalAreaTaxHTField0>
-    <CountriesTaxHTField0 xmlns="92833d98-8015-4e73-bff4-7fc7bdc77146">
-      <Terms xmlns="http://schemas.microsoft.com/office/infopath/2007/PartnerControls">
-        <TermInfo xmlns="http://schemas.microsoft.com/office/infopath/2007/PartnerControls">
-          <TermName xmlns="http://schemas.microsoft.com/office/infopath/2007/PartnerControls">Global</TermName>
-          <TermId xmlns="http://schemas.microsoft.com/office/infopath/2007/PartnerControls">3eaca359-c4b3-4b51-a927-e9852da92384</TermId>
-        </TermInfo>
-      </Terms>
-    </CountriesTaxHTField0>
-    <ClientsTaxHTField0 xmlns="92833d98-8015-4e73-bff4-7fc7bdc77146">
-      <Terms xmlns="http://schemas.microsoft.com/office/infopath/2007/PartnerControls">
-        <TermInfo xmlns="http://schemas.microsoft.com/office/infopath/2007/PartnerControls">
-          <TermName xmlns="http://schemas.microsoft.com/office/infopath/2007/PartnerControls">Not applicable</TermName>
-          <TermId xmlns="http://schemas.microsoft.com/office/infopath/2007/PartnerControls">457da623-78f9-49de-8564-b1618c49ba59</TermId>
-        </TermInfo>
-      </Terms>
-    </ClientsTaxHTField0>
-    <gNetNextKeyDocument xmlns="92833d98-8015-4e73-bff4-7fc7bdc77146">Yes</gNetNextKeyDocument>
-  </documentManagement>
-</p:properties>
-</file>
-
 <file path=customXml/itemProps1.xml><?xml version="1.0" encoding="utf-8"?>
 <ds:datastoreItem xmlns:ds="http://schemas.openxmlformats.org/officeDocument/2006/customXml" ds:itemID="{F3F5683F-DE5A-4128-8136-79393BDF5936}">
   <ds:schemaRefs>
@@ -29132,6 +29128,32 @@
 </file>
 
 <file path=customXml/itemProps2.xml><?xml version="1.0" encoding="utf-8"?>
+<ds:datastoreItem xmlns:ds="http://schemas.openxmlformats.org/officeDocument/2006/customXml" ds:itemID="{643044BF-A435-4394-AA7A-C500776C88E9}">
+  <ds:schemaRefs>
+    <ds:schemaRef ds:uri="http://purl.org/dc/elements/1.1/"/>
+    <ds:schemaRef ds:uri="http://www.w3.org/XML/1998/namespace"/>
+    <ds:schemaRef ds:uri="http://purl.org/dc/terms/"/>
+    <ds:schemaRef ds:uri="f2684793-112f-4fec-9fa7-c952a73f86d3"/>
+    <ds:schemaRef ds:uri="http://schemas.microsoft.com/office/infopath/2007/PartnerControls"/>
+    <ds:schemaRef ds:uri="http://schemas.microsoft.com/office/2006/metadata/properties"/>
+    <ds:schemaRef ds:uri="http://schemas.microsoft.com/office/2006/documentManagement/types"/>
+    <ds:schemaRef ds:uri="http://schemas.openxmlformats.org/package/2006/metadata/core-properties"/>
+    <ds:schemaRef ds:uri="72acfbc7-13d6-4e32-8fe0-794e2d8bf5d1"/>
+    <ds:schemaRef ds:uri="92833d98-8015-4e73-bff4-7fc7bdc77146"/>
+    <ds:schemaRef ds:uri="http://purl.org/dc/dcmitype/"/>
+  </ds:schemaRefs>
+</ds:datastoreItem>
+</file>
+
+<file path=customXml/itemProps3.xml><?xml version="1.0" encoding="utf-8"?>
+<ds:datastoreItem xmlns:ds="http://schemas.openxmlformats.org/officeDocument/2006/customXml" ds:itemID="{04CCC1B3-4CD5-4833-95A6-6904C602CD4E}">
+  <ds:schemaRefs>
+    <ds:schemaRef ds:uri="http://schemas.microsoft.com/sharepoint/v3/contenttype/forms"/>
+  </ds:schemaRefs>
+</ds:datastoreItem>
+</file>
+
+<file path=customXml/itemProps4.xml><?xml version="1.0" encoding="utf-8"?>
 <ds:datastoreItem xmlns:ds="http://schemas.openxmlformats.org/officeDocument/2006/customXml" ds:itemID="{AA007D11-31CB-4D9E-BAA6-32EAC9008540}">
   <ds:schemaRefs>
     <ds:schemaRef ds:uri="http://schemas.microsoft.com/office/2006/metadata/contentType"/>
@@ -29149,30 +29171,4 @@
     <ds:schemaRef ds:uri="http://schemas.microsoft.com/internal/obd"/>
   </ds:schemaRefs>
 </ds:datastoreItem>
-</file>
-
-<file path=customXml/itemProps3.xml><?xml version="1.0" encoding="utf-8"?>
-<ds:datastoreItem xmlns:ds="http://schemas.openxmlformats.org/officeDocument/2006/customXml" ds:itemID="{04CCC1B3-4CD5-4833-95A6-6904C602CD4E}">
-  <ds:schemaRefs>
-    <ds:schemaRef ds:uri="http://schemas.microsoft.com/sharepoint/v3/contenttype/forms"/>
-  </ds:schemaRefs>
-</ds:datastoreItem>
-</file>
-
-<file path=customXml/itemProps4.xml><?xml version="1.0" encoding="utf-8"?>
-<ds:datastoreItem xmlns:ds="http://schemas.openxmlformats.org/officeDocument/2006/customXml" ds:itemID="{643044BF-A435-4394-AA7A-C500776C88E9}">
-  <ds:schemaRefs>
-    <ds:schemaRef ds:uri="http://purl.org/dc/elements/1.1/"/>
-    <ds:schemaRef ds:uri="http://www.w3.org/XML/1998/namespace"/>
-    <ds:schemaRef ds:uri="http://purl.org/dc/terms/"/>
-    <ds:schemaRef ds:uri="f2684793-112f-4fec-9fa7-c952a73f86d3"/>
-    <ds:schemaRef ds:uri="http://schemas.microsoft.com/office/infopath/2007/PartnerControls"/>
-    <ds:schemaRef ds:uri="http://schemas.microsoft.com/office/2006/metadata/properties"/>
-    <ds:schemaRef ds:uri="http://schemas.microsoft.com/office/2006/documentManagement/types"/>
-    <ds:schemaRef ds:uri="http://schemas.openxmlformats.org/package/2006/metadata/core-properties"/>
-    <ds:schemaRef ds:uri="72acfbc7-13d6-4e32-8fe0-794e2d8bf5d1"/>
-    <ds:schemaRef ds:uri="92833d98-8015-4e73-bff4-7fc7bdc77146"/>
-    <ds:schemaRef ds:uri="http://purl.org/dc/dcmitype/"/>
-  </ds:schemaRefs>
-</ds:datastoreItem>
 </file>